--- a/ppt/MH_Laura_Javier T2.pptx
+++ b/ppt/MH_Laura_Javier T2.pptx
@@ -4,22 +4,25 @@
   <p:sldMasterIdLst>
     <p:sldMasterId id="2147483738" r:id="rId1"/>
   </p:sldMasterIdLst>
+  <p:notesMasterIdLst>
+    <p:notesMasterId r:id="rId17"/>
+  </p:notesMasterIdLst>
   <p:sldIdLst>
     <p:sldId id="256" r:id="rId2"/>
-    <p:sldId id="257" r:id="rId3"/>
-    <p:sldId id="270" r:id="rId4"/>
+    <p:sldId id="270" r:id="rId3"/>
+    <p:sldId id="257" r:id="rId4"/>
     <p:sldId id="258" r:id="rId5"/>
     <p:sldId id="259" r:id="rId6"/>
     <p:sldId id="262" r:id="rId7"/>
     <p:sldId id="263" r:id="rId8"/>
-    <p:sldId id="264" r:id="rId9"/>
-    <p:sldId id="265" r:id="rId10"/>
-    <p:sldId id="266" r:id="rId11"/>
-    <p:sldId id="267" r:id="rId12"/>
-    <p:sldId id="268" r:id="rId13"/>
-    <p:sldId id="269" r:id="rId14"/>
-    <p:sldId id="261" r:id="rId15"/>
-    <p:sldId id="271" r:id="rId16"/>
+    <p:sldId id="272" r:id="rId9"/>
+    <p:sldId id="266" r:id="rId10"/>
+    <p:sldId id="275" r:id="rId11"/>
+    <p:sldId id="268" r:id="rId12"/>
+    <p:sldId id="269" r:id="rId13"/>
+    <p:sldId id="267" r:id="rId14"/>
+    <p:sldId id="271" r:id="rId15"/>
+    <p:sldId id="278" r:id="rId16"/>
   </p:sldIdLst>
   <p:sldSz cx="12192000" cy="6858000"/>
   <p:notesSz cx="6858000" cy="9144000"/>
@@ -126,6 +129,656 @@
 </p:presentation>
 </file>
 
+<file path=ppt/commentAuthors.xml><?xml version="1.0" encoding="utf-8"?>
+<p:cmAuthorLst xmlns:a="http://schemas.openxmlformats.org/drawingml/2006/main" xmlns:r="http://schemas.openxmlformats.org/officeDocument/2006/relationships" xmlns:p="http://schemas.openxmlformats.org/presentationml/2006/main">
+  <p:cmAuthor id="1" name="Laury" initials="L" lastIdx="0" clrIdx="0">
+    <p:extLst>
+      <p:ext uri="{19B8F6BF-5375-455C-9EA6-DF929625EA0E}">
+        <p15:presenceInfo xmlns:p15="http://schemas.microsoft.com/office/powerpoint/2012/main" userId="Laury" providerId="None"/>
+      </p:ext>
+    </p:extLst>
+  </p:cmAuthor>
+</p:cmAuthorLst>
+</file>
+
+<file path=ppt/notesMasters/notesMaster1.xml><?xml version="1.0" encoding="utf-8"?>
+<p:notesMaster xmlns:a="http://schemas.openxmlformats.org/drawingml/2006/main" xmlns:r="http://schemas.openxmlformats.org/officeDocument/2006/relationships" xmlns:p="http://schemas.openxmlformats.org/presentationml/2006/main">
+  <p:cSld>
+    <p:bg>
+      <p:bgRef idx="1001">
+        <a:schemeClr val="bg1"/>
+      </p:bgRef>
+    </p:bg>
+    <p:spTree>
+      <p:nvGrpSpPr>
+        <p:cNvPr id="1" name=""/>
+        <p:cNvGrpSpPr/>
+        <p:nvPr/>
+      </p:nvGrpSpPr>
+      <p:grpSpPr>
+        <a:xfrm>
+          <a:off x="0" y="0"/>
+          <a:ext cx="0" cy="0"/>
+          <a:chOff x="0" y="0"/>
+          <a:chExt cx="0" cy="0"/>
+        </a:xfrm>
+      </p:grpSpPr>
+      <p:sp>
+        <p:nvSpPr>
+          <p:cNvPr id="2" name="Header Placeholder 1"/>
+          <p:cNvSpPr>
+            <a:spLocks noGrp="1"/>
+          </p:cNvSpPr>
+          <p:nvPr>
+            <p:ph type="hdr" sz="quarter"/>
+          </p:nvPr>
+        </p:nvSpPr>
+        <p:spPr>
+          <a:xfrm>
+            <a:off x="0" y="0"/>
+            <a:ext cx="2971800" cy="458788"/>
+          </a:xfrm>
+          <a:prstGeom prst="rect">
+            <a:avLst/>
+          </a:prstGeom>
+        </p:spPr>
+        <p:txBody>
+          <a:bodyPr vert="horz" lIns="91440" tIns="45720" rIns="91440" bIns="45720" rtlCol="0"/>
+          <a:lstStyle>
+            <a:lvl1pPr algn="l">
+              <a:defRPr sz="1200"/>
+            </a:lvl1pPr>
+          </a:lstStyle>
+          <a:p>
+            <a:endParaRPr lang="es-ES"/>
+          </a:p>
+        </p:txBody>
+      </p:sp>
+      <p:sp>
+        <p:nvSpPr>
+          <p:cNvPr id="3" name="Date Placeholder 2"/>
+          <p:cNvSpPr>
+            <a:spLocks noGrp="1"/>
+          </p:cNvSpPr>
+          <p:nvPr>
+            <p:ph type="dt" idx="1"/>
+          </p:nvPr>
+        </p:nvSpPr>
+        <p:spPr>
+          <a:xfrm>
+            <a:off x="3884613" y="0"/>
+            <a:ext cx="2971800" cy="458788"/>
+          </a:xfrm>
+          <a:prstGeom prst="rect">
+            <a:avLst/>
+          </a:prstGeom>
+        </p:spPr>
+        <p:txBody>
+          <a:bodyPr vert="horz" lIns="91440" tIns="45720" rIns="91440" bIns="45720" rtlCol="0"/>
+          <a:lstStyle>
+            <a:lvl1pPr algn="r">
+              <a:defRPr sz="1200"/>
+            </a:lvl1pPr>
+          </a:lstStyle>
+          <a:p>
+            <a:fld id="{BF6DA9B1-2216-468C-A451-DB3ACDFE4980}" type="datetimeFigureOut">
+              <a:rPr lang="es-ES" smtClean="0"/>
+              <a:t>11/03/2024</a:t>
+            </a:fld>
+            <a:endParaRPr lang="es-ES"/>
+          </a:p>
+        </p:txBody>
+      </p:sp>
+      <p:sp>
+        <p:nvSpPr>
+          <p:cNvPr id="4" name="Slide Image Placeholder 3"/>
+          <p:cNvSpPr>
+            <a:spLocks noGrp="1" noRot="1" noChangeAspect="1"/>
+          </p:cNvSpPr>
+          <p:nvPr>
+            <p:ph type="sldImg" idx="2"/>
+          </p:nvPr>
+        </p:nvSpPr>
+        <p:spPr>
+          <a:xfrm>
+            <a:off x="685800" y="1143000"/>
+            <a:ext cx="5486400" cy="3086100"/>
+          </a:xfrm>
+          <a:prstGeom prst="rect">
+            <a:avLst/>
+          </a:prstGeom>
+          <a:noFill/>
+          <a:ln w="12700">
+            <a:solidFill>
+              <a:prstClr val="black"/>
+            </a:solidFill>
+          </a:ln>
+        </p:spPr>
+        <p:txBody>
+          <a:bodyPr vert="horz" lIns="91440" tIns="45720" rIns="91440" bIns="45720" rtlCol="0" anchor="ctr"/>
+          <a:lstStyle/>
+          <a:p>
+            <a:endParaRPr lang="es-ES"/>
+          </a:p>
+        </p:txBody>
+      </p:sp>
+      <p:sp>
+        <p:nvSpPr>
+          <p:cNvPr id="5" name="Notes Placeholder 4"/>
+          <p:cNvSpPr>
+            <a:spLocks noGrp="1"/>
+          </p:cNvSpPr>
+          <p:nvPr>
+            <p:ph type="body" sz="quarter" idx="3"/>
+          </p:nvPr>
+        </p:nvSpPr>
+        <p:spPr>
+          <a:xfrm>
+            <a:off x="685800" y="4400550"/>
+            <a:ext cx="5486400" cy="3600450"/>
+          </a:xfrm>
+          <a:prstGeom prst="rect">
+            <a:avLst/>
+          </a:prstGeom>
+        </p:spPr>
+        <p:txBody>
+          <a:bodyPr vert="horz" lIns="91440" tIns="45720" rIns="91440" bIns="45720" rtlCol="0"/>
+          <a:lstStyle/>
+          <a:p>
+            <a:pPr lvl="0"/>
+            <a:r>
+              <a:rPr lang="en-US" smtClean="0"/>
+              <a:t>Edit Master text styles</a:t>
+            </a:r>
+          </a:p>
+          <a:p>
+            <a:pPr lvl="1"/>
+            <a:r>
+              <a:rPr lang="en-US" smtClean="0"/>
+              <a:t>Second level</a:t>
+            </a:r>
+          </a:p>
+          <a:p>
+            <a:pPr lvl="2"/>
+            <a:r>
+              <a:rPr lang="en-US" smtClean="0"/>
+              <a:t>Third level</a:t>
+            </a:r>
+          </a:p>
+          <a:p>
+            <a:pPr lvl="3"/>
+            <a:r>
+              <a:rPr lang="en-US" smtClean="0"/>
+              <a:t>Fourth level</a:t>
+            </a:r>
+          </a:p>
+          <a:p>
+            <a:pPr lvl="4"/>
+            <a:r>
+              <a:rPr lang="en-US" smtClean="0"/>
+              <a:t>Fifth level</a:t>
+            </a:r>
+            <a:endParaRPr lang="es-ES"/>
+          </a:p>
+        </p:txBody>
+      </p:sp>
+      <p:sp>
+        <p:nvSpPr>
+          <p:cNvPr id="6" name="Footer Placeholder 5"/>
+          <p:cNvSpPr>
+            <a:spLocks noGrp="1"/>
+          </p:cNvSpPr>
+          <p:nvPr>
+            <p:ph type="ftr" sz="quarter" idx="4"/>
+          </p:nvPr>
+        </p:nvSpPr>
+        <p:spPr>
+          <a:xfrm>
+            <a:off x="0" y="8685213"/>
+            <a:ext cx="2971800" cy="458787"/>
+          </a:xfrm>
+          <a:prstGeom prst="rect">
+            <a:avLst/>
+          </a:prstGeom>
+        </p:spPr>
+        <p:txBody>
+          <a:bodyPr vert="horz" lIns="91440" tIns="45720" rIns="91440" bIns="45720" rtlCol="0" anchor="b"/>
+          <a:lstStyle>
+            <a:lvl1pPr algn="l">
+              <a:defRPr sz="1200"/>
+            </a:lvl1pPr>
+          </a:lstStyle>
+          <a:p>
+            <a:endParaRPr lang="es-ES"/>
+          </a:p>
+        </p:txBody>
+      </p:sp>
+      <p:sp>
+        <p:nvSpPr>
+          <p:cNvPr id="7" name="Slide Number Placeholder 6"/>
+          <p:cNvSpPr>
+            <a:spLocks noGrp="1"/>
+          </p:cNvSpPr>
+          <p:nvPr>
+            <p:ph type="sldNum" sz="quarter" idx="5"/>
+          </p:nvPr>
+        </p:nvSpPr>
+        <p:spPr>
+          <a:xfrm>
+            <a:off x="3884613" y="8685213"/>
+            <a:ext cx="2971800" cy="458787"/>
+          </a:xfrm>
+          <a:prstGeom prst="rect">
+            <a:avLst/>
+          </a:prstGeom>
+        </p:spPr>
+        <p:txBody>
+          <a:bodyPr vert="horz" lIns="91440" tIns="45720" rIns="91440" bIns="45720" rtlCol="0" anchor="b"/>
+          <a:lstStyle>
+            <a:lvl1pPr algn="r">
+              <a:defRPr sz="1200"/>
+            </a:lvl1pPr>
+          </a:lstStyle>
+          <a:p>
+            <a:fld id="{65154C0B-E2C7-4D9E-827C-72C00C2A711B}" type="slidenum">
+              <a:rPr lang="es-ES" smtClean="0"/>
+              <a:t>‹#›</a:t>
+            </a:fld>
+            <a:endParaRPr lang="es-ES"/>
+          </a:p>
+        </p:txBody>
+      </p:sp>
+    </p:spTree>
+    <p:extLst>
+      <p:ext uri="{BB962C8B-B14F-4D97-AF65-F5344CB8AC3E}">
+        <p14:creationId xmlns:p14="http://schemas.microsoft.com/office/powerpoint/2010/main" val="201762907"/>
+      </p:ext>
+    </p:extLst>
+  </p:cSld>
+  <p:clrMap bg1="lt1" tx1="dk1" bg2="lt2" tx2="dk2" accent1="accent1" accent2="accent2" accent3="accent3" accent4="accent4" accent5="accent5" accent6="accent6" hlink="hlink" folHlink="folHlink"/>
+  <p:notesStyle>
+    <a:lvl1pPr marL="0" algn="l" defTabSz="914400" rtl="0" eaLnBrk="1" latinLnBrk="0" hangingPunct="1">
+      <a:defRPr sz="1200" kern="1200">
+        <a:solidFill>
+          <a:schemeClr val="tx1"/>
+        </a:solidFill>
+        <a:latin typeface="+mn-lt"/>
+        <a:ea typeface="+mn-ea"/>
+        <a:cs typeface="+mn-cs"/>
+      </a:defRPr>
+    </a:lvl1pPr>
+    <a:lvl2pPr marL="457200" algn="l" defTabSz="914400" rtl="0" eaLnBrk="1" latinLnBrk="0" hangingPunct="1">
+      <a:defRPr sz="1200" kern="1200">
+        <a:solidFill>
+          <a:schemeClr val="tx1"/>
+        </a:solidFill>
+        <a:latin typeface="+mn-lt"/>
+        <a:ea typeface="+mn-ea"/>
+        <a:cs typeface="+mn-cs"/>
+      </a:defRPr>
+    </a:lvl2pPr>
+    <a:lvl3pPr marL="914400" algn="l" defTabSz="914400" rtl="0" eaLnBrk="1" latinLnBrk="0" hangingPunct="1">
+      <a:defRPr sz="1200" kern="1200">
+        <a:solidFill>
+          <a:schemeClr val="tx1"/>
+        </a:solidFill>
+        <a:latin typeface="+mn-lt"/>
+        <a:ea typeface="+mn-ea"/>
+        <a:cs typeface="+mn-cs"/>
+      </a:defRPr>
+    </a:lvl3pPr>
+    <a:lvl4pPr marL="1371600" algn="l" defTabSz="914400" rtl="0" eaLnBrk="1" latinLnBrk="0" hangingPunct="1">
+      <a:defRPr sz="1200" kern="1200">
+        <a:solidFill>
+          <a:schemeClr val="tx1"/>
+        </a:solidFill>
+        <a:latin typeface="+mn-lt"/>
+        <a:ea typeface="+mn-ea"/>
+        <a:cs typeface="+mn-cs"/>
+      </a:defRPr>
+    </a:lvl4pPr>
+    <a:lvl5pPr marL="1828800" algn="l" defTabSz="914400" rtl="0" eaLnBrk="1" latinLnBrk="0" hangingPunct="1">
+      <a:defRPr sz="1200" kern="1200">
+        <a:solidFill>
+          <a:schemeClr val="tx1"/>
+        </a:solidFill>
+        <a:latin typeface="+mn-lt"/>
+        <a:ea typeface="+mn-ea"/>
+        <a:cs typeface="+mn-cs"/>
+      </a:defRPr>
+    </a:lvl5pPr>
+    <a:lvl6pPr marL="2286000" algn="l" defTabSz="914400" rtl="0" eaLnBrk="1" latinLnBrk="0" hangingPunct="1">
+      <a:defRPr sz="1200" kern="1200">
+        <a:solidFill>
+          <a:schemeClr val="tx1"/>
+        </a:solidFill>
+        <a:latin typeface="+mn-lt"/>
+        <a:ea typeface="+mn-ea"/>
+        <a:cs typeface="+mn-cs"/>
+      </a:defRPr>
+    </a:lvl6pPr>
+    <a:lvl7pPr marL="2743200" algn="l" defTabSz="914400" rtl="0" eaLnBrk="1" latinLnBrk="0" hangingPunct="1">
+      <a:defRPr sz="1200" kern="1200">
+        <a:solidFill>
+          <a:schemeClr val="tx1"/>
+        </a:solidFill>
+        <a:latin typeface="+mn-lt"/>
+        <a:ea typeface="+mn-ea"/>
+        <a:cs typeface="+mn-cs"/>
+      </a:defRPr>
+    </a:lvl7pPr>
+    <a:lvl8pPr marL="3200400" algn="l" defTabSz="914400" rtl="0" eaLnBrk="1" latinLnBrk="0" hangingPunct="1">
+      <a:defRPr sz="1200" kern="1200">
+        <a:solidFill>
+          <a:schemeClr val="tx1"/>
+        </a:solidFill>
+        <a:latin typeface="+mn-lt"/>
+        <a:ea typeface="+mn-ea"/>
+        <a:cs typeface="+mn-cs"/>
+      </a:defRPr>
+    </a:lvl8pPr>
+    <a:lvl9pPr marL="3657600" algn="l" defTabSz="914400" rtl="0" eaLnBrk="1" latinLnBrk="0" hangingPunct="1">
+      <a:defRPr sz="1200" kern="1200">
+        <a:solidFill>
+          <a:schemeClr val="tx1"/>
+        </a:solidFill>
+        <a:latin typeface="+mn-lt"/>
+        <a:ea typeface="+mn-ea"/>
+        <a:cs typeface="+mn-cs"/>
+      </a:defRPr>
+    </a:lvl9pPr>
+  </p:notesStyle>
+</p:notesMaster>
+</file>
+
+<file path=ppt/notesSlides/notesSlide1.xml><?xml version="1.0" encoding="utf-8"?>
+<p:notes xmlns:a="http://schemas.openxmlformats.org/drawingml/2006/main" xmlns:r="http://schemas.openxmlformats.org/officeDocument/2006/relationships" xmlns:p="http://schemas.openxmlformats.org/presentationml/2006/main">
+  <p:cSld>
+    <p:spTree>
+      <p:nvGrpSpPr>
+        <p:cNvPr id="1" name=""/>
+        <p:cNvGrpSpPr/>
+        <p:nvPr/>
+      </p:nvGrpSpPr>
+      <p:grpSpPr>
+        <a:xfrm>
+          <a:off x="0" y="0"/>
+          <a:ext cx="0" cy="0"/>
+          <a:chOff x="0" y="0"/>
+          <a:chExt cx="0" cy="0"/>
+        </a:xfrm>
+      </p:grpSpPr>
+      <p:sp>
+        <p:nvSpPr>
+          <p:cNvPr id="2" name="Slide Image Placeholder 1"/>
+          <p:cNvSpPr>
+            <a:spLocks noGrp="1" noRot="1" noChangeAspect="1"/>
+          </p:cNvSpPr>
+          <p:nvPr>
+            <p:ph type="sldImg"/>
+          </p:nvPr>
+        </p:nvSpPr>
+        <p:spPr/>
+      </p:sp>
+      <p:sp>
+        <p:nvSpPr>
+          <p:cNvPr id="3" name="Notes Placeholder 2"/>
+          <p:cNvSpPr>
+            <a:spLocks noGrp="1"/>
+          </p:cNvSpPr>
+          <p:nvPr>
+            <p:ph type="body" idx="1"/>
+          </p:nvPr>
+        </p:nvSpPr>
+        <p:spPr/>
+        <p:txBody>
+          <a:bodyPr/>
+          <a:lstStyle/>
+          <a:p>
+            <a:r>
+              <a:rPr lang="es-ES" dirty="0" smtClean="0">
+                <a:solidFill>
+                  <a:srgbClr val="FF0000"/>
+                </a:solidFill>
+              </a:rPr>
+              <a:t> </a:t>
+            </a:r>
+            <a:endParaRPr lang="es-ES" dirty="0">
+              <a:solidFill>
+                <a:srgbClr val="FF0000"/>
+              </a:solidFill>
+            </a:endParaRPr>
+          </a:p>
+        </p:txBody>
+      </p:sp>
+      <p:sp>
+        <p:nvSpPr>
+          <p:cNvPr id="4" name="Slide Number Placeholder 3"/>
+          <p:cNvSpPr>
+            <a:spLocks noGrp="1"/>
+          </p:cNvSpPr>
+          <p:nvPr>
+            <p:ph type="sldNum" sz="quarter" idx="10"/>
+          </p:nvPr>
+        </p:nvSpPr>
+        <p:spPr/>
+        <p:txBody>
+          <a:bodyPr/>
+          <a:lstStyle/>
+          <a:p>
+            <a:fld id="{65154C0B-E2C7-4D9E-827C-72C00C2A711B}" type="slidenum">
+              <a:rPr lang="es-ES" smtClean="0"/>
+              <a:t>6</a:t>
+            </a:fld>
+            <a:endParaRPr lang="es-ES"/>
+          </a:p>
+        </p:txBody>
+      </p:sp>
+    </p:spTree>
+    <p:extLst>
+      <p:ext uri="{BB962C8B-B14F-4D97-AF65-F5344CB8AC3E}">
+        <p14:creationId xmlns:p14="http://schemas.microsoft.com/office/powerpoint/2010/main" val="1507631692"/>
+      </p:ext>
+    </p:extLst>
+  </p:cSld>
+  <p:clrMapOvr>
+    <a:masterClrMapping/>
+  </p:clrMapOvr>
+</p:notes>
+</file>
+
+<file path=ppt/notesSlides/notesSlide2.xml><?xml version="1.0" encoding="utf-8"?>
+<p:notes xmlns:a="http://schemas.openxmlformats.org/drawingml/2006/main" xmlns:r="http://schemas.openxmlformats.org/officeDocument/2006/relationships" xmlns:p="http://schemas.openxmlformats.org/presentationml/2006/main">
+  <p:cSld>
+    <p:spTree>
+      <p:nvGrpSpPr>
+        <p:cNvPr id="1" name=""/>
+        <p:cNvGrpSpPr/>
+        <p:nvPr/>
+      </p:nvGrpSpPr>
+      <p:grpSpPr>
+        <a:xfrm>
+          <a:off x="0" y="0"/>
+          <a:ext cx="0" cy="0"/>
+          <a:chOff x="0" y="0"/>
+          <a:chExt cx="0" cy="0"/>
+        </a:xfrm>
+      </p:grpSpPr>
+      <p:sp>
+        <p:nvSpPr>
+          <p:cNvPr id="2" name="Slide Image Placeholder 1"/>
+          <p:cNvSpPr>
+            <a:spLocks noGrp="1" noRot="1" noChangeAspect="1"/>
+          </p:cNvSpPr>
+          <p:nvPr>
+            <p:ph type="sldImg"/>
+          </p:nvPr>
+        </p:nvSpPr>
+        <p:spPr/>
+      </p:sp>
+      <p:sp>
+        <p:nvSpPr>
+          <p:cNvPr id="3" name="Notes Placeholder 2"/>
+          <p:cNvSpPr>
+            <a:spLocks noGrp="1"/>
+          </p:cNvSpPr>
+          <p:nvPr>
+            <p:ph type="body" idx="1"/>
+          </p:nvPr>
+        </p:nvSpPr>
+        <p:spPr/>
+        <p:txBody>
+          <a:bodyPr/>
+          <a:lstStyle/>
+          <a:p>
+            <a:endParaRPr lang="es-ES" dirty="0"/>
+          </a:p>
+        </p:txBody>
+      </p:sp>
+      <p:sp>
+        <p:nvSpPr>
+          <p:cNvPr id="4" name="Slide Number Placeholder 3"/>
+          <p:cNvSpPr>
+            <a:spLocks noGrp="1"/>
+          </p:cNvSpPr>
+          <p:nvPr>
+            <p:ph type="sldNum" sz="quarter" idx="10"/>
+          </p:nvPr>
+        </p:nvSpPr>
+        <p:spPr/>
+        <p:txBody>
+          <a:bodyPr/>
+          <a:lstStyle/>
+          <a:p>
+            <a:fld id="{65154C0B-E2C7-4D9E-827C-72C00C2A711B}" type="slidenum">
+              <a:rPr lang="es-ES" smtClean="0"/>
+              <a:t>11</a:t>
+            </a:fld>
+            <a:endParaRPr lang="es-ES"/>
+          </a:p>
+        </p:txBody>
+      </p:sp>
+    </p:spTree>
+    <p:extLst>
+      <p:ext uri="{BB962C8B-B14F-4D97-AF65-F5344CB8AC3E}">
+        <p14:creationId xmlns:p14="http://schemas.microsoft.com/office/powerpoint/2010/main" val="3703660782"/>
+      </p:ext>
+    </p:extLst>
+  </p:cSld>
+  <p:clrMapOvr>
+    <a:masterClrMapping/>
+  </p:clrMapOvr>
+</p:notes>
+</file>
+
+<file path=ppt/notesSlides/notesSlide3.xml><?xml version="1.0" encoding="utf-8"?>
+<p:notes xmlns:a="http://schemas.openxmlformats.org/drawingml/2006/main" xmlns:r="http://schemas.openxmlformats.org/officeDocument/2006/relationships" xmlns:p="http://schemas.openxmlformats.org/presentationml/2006/main">
+  <p:cSld>
+    <p:spTree>
+      <p:nvGrpSpPr>
+        <p:cNvPr id="1" name=""/>
+        <p:cNvGrpSpPr/>
+        <p:nvPr/>
+      </p:nvGrpSpPr>
+      <p:grpSpPr>
+        <a:xfrm>
+          <a:off x="0" y="0"/>
+          <a:ext cx="0" cy="0"/>
+          <a:chOff x="0" y="0"/>
+          <a:chExt cx="0" cy="0"/>
+        </a:xfrm>
+      </p:grpSpPr>
+      <p:sp>
+        <p:nvSpPr>
+          <p:cNvPr id="2" name="Slide Image Placeholder 1"/>
+          <p:cNvSpPr>
+            <a:spLocks noGrp="1" noRot="1" noChangeAspect="1"/>
+          </p:cNvSpPr>
+          <p:nvPr>
+            <p:ph type="sldImg"/>
+          </p:nvPr>
+        </p:nvSpPr>
+        <p:spPr/>
+      </p:sp>
+      <p:sp>
+        <p:nvSpPr>
+          <p:cNvPr id="3" name="Notes Placeholder 2"/>
+          <p:cNvSpPr>
+            <a:spLocks noGrp="1"/>
+          </p:cNvSpPr>
+          <p:nvPr>
+            <p:ph type="body" idx="1"/>
+          </p:nvPr>
+        </p:nvSpPr>
+        <p:spPr/>
+        <p:txBody>
+          <a:bodyPr/>
+          <a:lstStyle/>
+          <a:p>
+            <a:r>
+              <a:rPr lang="es-ES" dirty="0" smtClean="0"/>
+              <a:t>El paso como tal se utiliza para que el número</a:t>
+            </a:r>
+            <a:r>
+              <a:rPr lang="es-ES" baseline="0" dirty="0" smtClean="0"/>
+              <a:t> generado sea múltiplo de este. Que al dividir el número entre el paso el resto sea 0.</a:t>
+            </a:r>
+          </a:p>
+          <a:p>
+            <a:r>
+              <a:rPr lang="es-ES" baseline="0" dirty="0" err="1" smtClean="0"/>
+              <a:t>Ej</a:t>
+            </a:r>
+            <a:r>
+              <a:rPr lang="es-ES" baseline="0" dirty="0" smtClean="0"/>
+              <a:t>: 0.9 / 0.3 = 3  </a:t>
+            </a:r>
+            <a:r>
+              <a:rPr lang="es-ES" baseline="0" dirty="0" smtClean="0">
+                <a:sym typeface="Wingdings" panose="05000000000000000000" pitchFamily="2" charset="2"/>
+              </a:rPr>
+              <a:t> 0.9 % 0.3 = 0 </a:t>
+            </a:r>
+            <a:endParaRPr lang="es-ES" dirty="0"/>
+          </a:p>
+        </p:txBody>
+      </p:sp>
+      <p:sp>
+        <p:nvSpPr>
+          <p:cNvPr id="4" name="Slide Number Placeholder 3"/>
+          <p:cNvSpPr>
+            <a:spLocks noGrp="1"/>
+          </p:cNvSpPr>
+          <p:nvPr>
+            <p:ph type="sldNum" sz="quarter" idx="10"/>
+          </p:nvPr>
+        </p:nvSpPr>
+        <p:spPr/>
+        <p:txBody>
+          <a:bodyPr/>
+          <a:lstStyle/>
+          <a:p>
+            <a:fld id="{65154C0B-E2C7-4D9E-827C-72C00C2A711B}" type="slidenum">
+              <a:rPr lang="es-ES" smtClean="0"/>
+              <a:t>12</a:t>
+            </a:fld>
+            <a:endParaRPr lang="es-ES"/>
+          </a:p>
+        </p:txBody>
+      </p:sp>
+    </p:spTree>
+    <p:extLst>
+      <p:ext uri="{BB962C8B-B14F-4D97-AF65-F5344CB8AC3E}">
+        <p14:creationId xmlns:p14="http://schemas.microsoft.com/office/powerpoint/2010/main" val="2294743765"/>
+      </p:ext>
+    </p:extLst>
+  </p:cSld>
+  <p:clrMapOvr>
+    <a:masterClrMapping/>
+  </p:clrMapOvr>
+</p:notes>
+</file>
+
 <file path=ppt/slideLayouts/slideLayout1.xml><?xml version="1.0" encoding="utf-8"?>
 <p:sldLayout xmlns:a="http://schemas.openxmlformats.org/drawingml/2006/main" xmlns:r="http://schemas.openxmlformats.org/officeDocument/2006/relationships" xmlns:p="http://schemas.openxmlformats.org/presentationml/2006/main" showMasterSp="0" type="title" preserve="1">
   <p:cSld name="Title Slide">
@@ -294,7 +947,7 @@
           <a:p>
             <a:fld id="{BCD95EB9-CF3B-4D06-BEAB-3F0C16CB5D2E}" type="datetimeFigureOut">
               <a:rPr lang="es-ES" smtClean="0"/>
-              <a:t>07/03/2024</a:t>
+              <a:t>11/03/2024</a:t>
             </a:fld>
             <a:endParaRPr lang="es-ES"/>
           </a:p>
@@ -522,7 +1175,7 @@
           <a:p>
             <a:fld id="{BCD95EB9-CF3B-4D06-BEAB-3F0C16CB5D2E}" type="datetimeFigureOut">
               <a:rPr lang="es-ES" smtClean="0"/>
-              <a:t>07/03/2024</a:t>
+              <a:t>11/03/2024</a:t>
             </a:fld>
             <a:endParaRPr lang="es-ES"/>
           </a:p>
@@ -702,7 +1355,7 @@
           <a:p>
             <a:fld id="{BCD95EB9-CF3B-4D06-BEAB-3F0C16CB5D2E}" type="datetimeFigureOut">
               <a:rPr lang="es-ES" smtClean="0"/>
-              <a:t>07/03/2024</a:t>
+              <a:t>11/03/2024</a:t>
             </a:fld>
             <a:endParaRPr lang="es-ES"/>
           </a:p>
@@ -872,7 +1525,7 @@
           <a:p>
             <a:fld id="{BCD95EB9-CF3B-4D06-BEAB-3F0C16CB5D2E}" type="datetimeFigureOut">
               <a:rPr lang="es-ES" smtClean="0"/>
-              <a:t>07/03/2024</a:t>
+              <a:t>11/03/2024</a:t>
             </a:fld>
             <a:endParaRPr lang="es-ES"/>
           </a:p>
@@ -1126,7 +1779,7 @@
           <a:p>
             <a:fld id="{BCD95EB9-CF3B-4D06-BEAB-3F0C16CB5D2E}" type="datetimeFigureOut">
               <a:rPr lang="es-ES" smtClean="0"/>
-              <a:t>07/03/2024</a:t>
+              <a:t>11/03/2024</a:t>
             </a:fld>
             <a:endParaRPr lang="es-ES"/>
           </a:p>
@@ -1452,7 +2105,7 @@
           <a:p>
             <a:fld id="{BCD95EB9-CF3B-4D06-BEAB-3F0C16CB5D2E}" type="datetimeFigureOut">
               <a:rPr lang="es-ES" smtClean="0"/>
-              <a:t>07/03/2024</a:t>
+              <a:t>11/03/2024</a:t>
             </a:fld>
             <a:endParaRPr lang="es-ES"/>
           </a:p>
@@ -1903,7 +2556,7 @@
           <a:p>
             <a:fld id="{BCD95EB9-CF3B-4D06-BEAB-3F0C16CB5D2E}" type="datetimeFigureOut">
               <a:rPr lang="es-ES" smtClean="0"/>
-              <a:t>07/03/2024</a:t>
+              <a:t>11/03/2024</a:t>
             </a:fld>
             <a:endParaRPr lang="es-ES"/>
           </a:p>
@@ -2021,7 +2674,7 @@
           <a:p>
             <a:fld id="{BCD95EB9-CF3B-4D06-BEAB-3F0C16CB5D2E}" type="datetimeFigureOut">
               <a:rPr lang="es-ES" smtClean="0"/>
-              <a:t>07/03/2024</a:t>
+              <a:t>11/03/2024</a:t>
             </a:fld>
             <a:endParaRPr lang="es-ES"/>
           </a:p>
@@ -2116,7 +2769,7 @@
           <a:p>
             <a:fld id="{BCD95EB9-CF3B-4D06-BEAB-3F0C16CB5D2E}" type="datetimeFigureOut">
               <a:rPr lang="es-ES" smtClean="0"/>
-              <a:t>07/03/2024</a:t>
+              <a:t>11/03/2024</a:t>
             </a:fld>
             <a:endParaRPr lang="es-ES"/>
           </a:p>
@@ -2403,7 +3056,7 @@
           <a:p>
             <a:fld id="{BCD95EB9-CF3B-4D06-BEAB-3F0C16CB5D2E}" type="datetimeFigureOut">
               <a:rPr lang="es-ES" smtClean="0"/>
-              <a:t>07/03/2024</a:t>
+              <a:t>11/03/2024</a:t>
             </a:fld>
             <a:endParaRPr lang="es-ES"/>
           </a:p>
@@ -2725,7 +3378,7 @@
           <a:p>
             <a:fld id="{BCD95EB9-CF3B-4D06-BEAB-3F0C16CB5D2E}" type="datetimeFigureOut">
               <a:rPr lang="es-ES" smtClean="0"/>
-              <a:t>07/03/2024</a:t>
+              <a:t>11/03/2024</a:t>
             </a:fld>
             <a:endParaRPr lang="es-ES"/>
           </a:p>
@@ -2979,7 +3632,7 @@
           <a:p>
             <a:fld id="{BCD95EB9-CF3B-4D06-BEAB-3F0C16CB5D2E}" type="datetimeFigureOut">
               <a:rPr lang="es-ES" smtClean="0"/>
-              <a:t>07/03/2024</a:t>
+              <a:t>11/03/2024</a:t>
             </a:fld>
             <a:endParaRPr lang="es-ES"/>
           </a:p>
@@ -3591,167 +4244,599 @@
           <a:p>
             <a:r>
               <a:rPr lang="es-ES" dirty="0" smtClean="0"/>
-              <a:t>Descripción de la configuración</a:t>
+              <a:t>Resultados</a:t>
             </a:r>
             <a:endParaRPr lang="es-ES" dirty="0"/>
           </a:p>
         </p:txBody>
       </p:sp>
-      <p:sp>
-        <p:nvSpPr>
-          <p:cNvPr id="3" name="Content Placeholder 2"/>
-          <p:cNvSpPr>
-            <a:spLocks noGrp="1"/>
-          </p:cNvSpPr>
-          <p:nvPr>
-            <p:ph idx="1"/>
-          </p:nvPr>
-        </p:nvSpPr>
-        <p:spPr>
+      <mc:AlternateContent xmlns:mc="http://schemas.openxmlformats.org/markup-compatibility/2006" xmlns:a14="http://schemas.microsoft.com/office/drawing/2010/main">
+        <mc:Choice Requires="a14">
+          <p:sp>
+            <p:nvSpPr>
+              <p:cNvPr id="3" name="Content Placeholder 2"/>
+              <p:cNvSpPr>
+                <a:spLocks noGrp="1"/>
+              </p:cNvSpPr>
+              <p:nvPr>
+                <p:ph idx="1"/>
+              </p:nvPr>
+            </p:nvSpPr>
+            <p:spPr>
+              <a:xfrm>
+                <a:off x="1261872" y="1341120"/>
+                <a:ext cx="8595360" cy="4910137"/>
+              </a:xfrm>
+            </p:spPr>
+            <p:txBody>
+              <a:bodyPr>
+                <a:normAutofit lnSpcReduction="10000"/>
+              </a:bodyPr>
+              <a:lstStyle/>
+              <a:p>
+                <a:pPr marL="0" indent="0" algn="ctr">
+                  <a:lnSpc>
+                    <a:spcPct val="100000"/>
+                  </a:lnSpc>
+                  <a:buNone/>
+                </a:pPr>
+                <a:r>
+                  <a:rPr lang="en-US" u="sng" dirty="0" smtClean="0"/>
+                  <a:t>STEP</a:t>
+                </a:r>
+                <a:r>
+                  <a:rPr lang="en-US" dirty="0"/>
+                  <a:t>: </a:t>
+                </a:r>
+                <a:r>
+                  <a:rPr lang="en-US" dirty="0" smtClean="0"/>
+                  <a:t>0.1</a:t>
+                </a:r>
+                <a:endParaRPr lang="en-US" dirty="0"/>
+              </a:p>
+              <a:p>
+                <a:pPr marL="342900" indent="-342900" algn="just">
+                  <a:lnSpc>
+                    <a:spcPct val="100000"/>
+                  </a:lnSpc>
+                </a:pPr>
+                <a:r>
+                  <a:rPr lang="es-ES" dirty="0" smtClean="0"/>
+                  <a:t>Soluciones </a:t>
+                </a:r>
+                <a:r>
+                  <a:rPr lang="es-ES" dirty="0"/>
+                  <a:t>obtenidas por Búsqueda </a:t>
+                </a:r>
+                <a:r>
+                  <a:rPr lang="es-ES" dirty="0" smtClean="0"/>
+                  <a:t>Aleatoria: </a:t>
+                </a:r>
+                <a:r>
+                  <a:rPr lang="en-US" dirty="0" smtClean="0"/>
+                  <a:t>[0.0, </a:t>
+                </a:r>
+                <a:r>
+                  <a:rPr lang="en-US" dirty="0"/>
+                  <a:t>0.2, 0.4, </a:t>
+                </a:r>
+                <a:r>
+                  <a:rPr lang="es-ES" dirty="0" smtClean="0"/>
+                  <a:t>0.2, 0.0] con evaluación 0.80</a:t>
+                </a:r>
+              </a:p>
+              <a:p>
+                <a:pPr marL="342900" indent="-342900" algn="just">
+                  <a:lnSpc>
+                    <a:spcPct val="100000"/>
+                  </a:lnSpc>
+                </a:pPr>
+                <a:r>
+                  <a:rPr lang="es-ES" dirty="0" smtClean="0"/>
+                  <a:t>Soluciones </a:t>
+                </a:r>
+                <a:r>
+                  <a:rPr lang="es-ES" dirty="0"/>
+                  <a:t>obtenidas por Camino Aleatorio</a:t>
+                </a:r>
+                <a:r>
+                  <a:rPr lang="es-ES" dirty="0" smtClean="0"/>
+                  <a:t>: </a:t>
+                </a:r>
+                <a:r>
+                  <a:rPr lang="es-ES" dirty="0"/>
+                  <a:t>[0.7, 0.9, -0.8, 0.8, -0.5] </a:t>
+                </a:r>
+                <a:r>
+                  <a:rPr lang="es-ES" dirty="0" smtClean="0"/>
+                  <a:t>con evaluación </a:t>
+                </a:r>
+                <a:r>
+                  <a:rPr lang="es-ES" dirty="0" smtClean="0">
+                    <a:solidFill>
+                      <a:srgbClr val="00B050"/>
+                    </a:solidFill>
+                  </a:rPr>
+                  <a:t>0.59</a:t>
+                </a:r>
+              </a:p>
+              <a:p>
+                <a:pPr marL="342900" indent="-342900" algn="just">
+                  <a:lnSpc>
+                    <a:spcPct val="100000"/>
+                  </a:lnSpc>
+                </a:pPr>
+                <a:r>
+                  <a:rPr lang="es-ES" dirty="0" smtClean="0"/>
+                  <a:t>Soluciones </a:t>
+                </a:r>
+                <a:r>
+                  <a:rPr lang="es-ES" dirty="0"/>
+                  <a:t>obtenidas por Escalador de </a:t>
+                </a:r>
+                <a:r>
+                  <a:rPr lang="es-ES" dirty="0" smtClean="0"/>
+                  <a:t>Colinas: </a:t>
+                </a:r>
+                <a:r>
+                  <a:rPr lang="es-ES" dirty="0"/>
+                  <a:t>[0.1, -0.7, 0.2, 0.5, 0.4] </a:t>
+                </a:r>
+                <a:r>
+                  <a:rPr lang="es-ES" dirty="0" smtClean="0"/>
+                  <a:t>con evaluación 1.09</a:t>
+                </a:r>
+              </a:p>
+              <a:p>
+                <a:pPr marL="342900" indent="-342900" algn="just">
+                  <a:lnSpc>
+                    <a:spcPct val="100000"/>
+                  </a:lnSpc>
+                </a:pPr>
+                <a:r>
+                  <a:rPr lang="es-ES" dirty="0" smtClean="0"/>
+                  <a:t>Soluciones </a:t>
+                </a:r>
+                <a:r>
+                  <a:rPr lang="es-ES" dirty="0"/>
+                  <a:t>obtenidas por Algoritmo Genético</a:t>
+                </a:r>
+                <a:r>
+                  <a:rPr lang="es-ES" dirty="0" smtClean="0"/>
+                  <a:t>: </a:t>
+                </a:r>
+                <a:r>
+                  <a:rPr lang="es-ES" dirty="0"/>
+                  <a:t>[0.6, 0.7, -0.2, -0.8, 0.3]</a:t>
+                </a:r>
+                <a:r>
+                  <a:rPr lang="es-ES" dirty="0" smtClean="0"/>
+                  <a:t> con evaluación </a:t>
+                </a:r>
+                <a:r>
+                  <a:rPr lang="es-ES" dirty="0" smtClean="0">
+                    <a:solidFill>
+                      <a:srgbClr val="C00000"/>
+                    </a:solidFill>
+                  </a:rPr>
+                  <a:t>1.20</a:t>
+                </a:r>
+              </a:p>
+              <a:p>
+                <a:pPr marL="342900" indent="-342900" algn="just">
+                  <a:lnSpc>
+                    <a:spcPct val="100000"/>
+                  </a:lnSpc>
+                </a:pPr>
+                <a:r>
+                  <a:rPr lang="es-ES" dirty="0" smtClean="0"/>
+                  <a:t>Soluciones obtenidas por Estrategia Evolutiva: </a:t>
+                </a:r>
+                <a:r>
+                  <a:rPr lang="es-ES" dirty="0"/>
+                  <a:t>[0.5, -0.5, -1.0, 0.8, 0.9] </a:t>
+                </a:r>
+                <a:r>
+                  <a:rPr lang="es-ES" dirty="0" smtClean="0"/>
+                  <a:t>con evaluación </a:t>
+                </a:r>
+                <a:r>
+                  <a:rPr lang="es-ES" dirty="0" smtClean="0">
+                    <a:solidFill>
+                      <a:srgbClr val="00B050"/>
+                    </a:solidFill>
+                  </a:rPr>
+                  <a:t>0.59</a:t>
+                </a:r>
+              </a:p>
+              <a:p>
+                <a:pPr marL="342900" indent="-342900" algn="just">
+                  <a:lnSpc>
+                    <a:spcPct val="100000"/>
+                  </a:lnSpc>
+                </a:pPr>
+                <a:endParaRPr lang="en-US" dirty="0" smtClean="0"/>
+              </a:p>
+              <a:p>
+                <a:pPr marL="0" indent="0">
+                  <a:lnSpc>
+                    <a:spcPct val="100000"/>
+                  </a:lnSpc>
+                  <a:buNone/>
+                </a:pPr>
+                <a14:m>
+                  <m:oMathPara xmlns:m="http://schemas.openxmlformats.org/officeDocument/2006/math">
+                    <m:oMathParaPr>
+                      <m:jc m:val="centerGroup"/>
+                    </m:oMathParaPr>
+                    <m:oMath xmlns:m="http://schemas.openxmlformats.org/officeDocument/2006/math">
+                      <m:r>
+                        <a:rPr lang="en-US" i="1" dirty="0" smtClean="0">
+                          <a:latin typeface="Cambria Math" panose="02040503050406030204" pitchFamily="18" charset="0"/>
+                        </a:rPr>
+                        <m:t>𝑃𝑟𝑜𝑝𝑜𝑟𝑐𝑖</m:t>
+                      </m:r>
+                      <m:r>
+                        <a:rPr lang="en-US" i="1" dirty="0" smtClean="0">
+                          <a:latin typeface="Cambria Math" panose="02040503050406030204" pitchFamily="18" charset="0"/>
+                        </a:rPr>
+                        <m:t>ó</m:t>
+                      </m:r>
+                      <m:r>
+                        <a:rPr lang="en-US" i="1" dirty="0" smtClean="0">
+                          <a:latin typeface="Cambria Math" panose="02040503050406030204" pitchFamily="18" charset="0"/>
+                        </a:rPr>
+                        <m:t>𝑛</m:t>
+                      </m:r>
+                      <m:r>
+                        <a:rPr lang="es-ES" b="0" i="1" dirty="0" smtClean="0">
+                          <a:latin typeface="Cambria Math" panose="02040503050406030204" pitchFamily="18" charset="0"/>
+                        </a:rPr>
+                        <m:t>=</m:t>
+                      </m:r>
+                      <m:r>
+                        <a:rPr lang="en-US" i="1" dirty="0">
+                          <a:latin typeface="Cambria Math" panose="02040503050406030204" pitchFamily="18" charset="0"/>
+                        </a:rPr>
+                        <m:t> </m:t>
+                      </m:r>
+                      <m:f>
+                        <m:fPr>
+                          <m:ctrlPr>
+                            <a:rPr lang="en-US" i="1" dirty="0" smtClean="0">
+                              <a:latin typeface="Cambria Math" panose="02040503050406030204" pitchFamily="18" charset="0"/>
+                            </a:rPr>
+                          </m:ctrlPr>
+                        </m:fPr>
+                        <m:num>
+                          <m:r>
+                            <a:rPr lang="en-US" i="1" dirty="0">
+                              <a:latin typeface="Cambria Math" panose="02040503050406030204" pitchFamily="18" charset="0"/>
+                            </a:rPr>
+                            <m:t>𝑖𝑡𝑒𝑟𝑎𝑐𝑖𝑜𝑛𝑒𝑠</m:t>
+                          </m:r>
+                        </m:num>
+                        <m:den>
+                          <m:r>
+                            <a:rPr lang="en-US" i="1" dirty="0">
+                              <a:latin typeface="Cambria Math" panose="02040503050406030204" pitchFamily="18" charset="0"/>
+                            </a:rPr>
+                            <m:t>𝑒𝑠𝑝𝑎𝑐𝑖𝑜</m:t>
+                          </m:r>
+                          <m:r>
+                            <a:rPr lang="en-US" i="1" dirty="0">
+                              <a:latin typeface="Cambria Math" panose="02040503050406030204" pitchFamily="18" charset="0"/>
+                            </a:rPr>
+                            <m:t> </m:t>
+                          </m:r>
+                          <m:r>
+                            <a:rPr lang="en-US" i="1" dirty="0">
+                              <a:latin typeface="Cambria Math" panose="02040503050406030204" pitchFamily="18" charset="0"/>
+                            </a:rPr>
+                            <m:t>𝑑𝑒</m:t>
+                          </m:r>
+                          <m:r>
+                            <a:rPr lang="en-US" i="1" dirty="0">
+                              <a:latin typeface="Cambria Math" panose="02040503050406030204" pitchFamily="18" charset="0"/>
+                            </a:rPr>
+                            <m:t> </m:t>
+                          </m:r>
+                          <m:r>
+                            <a:rPr lang="en-US" i="1" dirty="0">
+                              <a:latin typeface="Cambria Math" panose="02040503050406030204" pitchFamily="18" charset="0"/>
+                            </a:rPr>
+                            <m:t>𝑏</m:t>
+                          </m:r>
+                          <m:r>
+                            <a:rPr lang="es-ES" i="1" dirty="0">
+                              <a:latin typeface="Cambria Math" panose="02040503050406030204" pitchFamily="18" charset="0"/>
+                            </a:rPr>
+                            <m:t>ú</m:t>
+                          </m:r>
+                          <m:r>
+                            <a:rPr lang="es-ES" i="1" smtClean="0">
+                              <a:latin typeface="Cambria Math" panose="02040503050406030204" pitchFamily="18" charset="0"/>
+                            </a:rPr>
+                            <m:t>𝑠𝑞𝑢𝑒𝑑𝑎</m:t>
+                          </m:r>
+                          <m:r>
+                            <a:rPr lang="en-US" i="1" dirty="0">
+                              <a:latin typeface="Cambria Math" panose="02040503050406030204" pitchFamily="18" charset="0"/>
+                            </a:rPr>
+                            <m:t> </m:t>
+                          </m:r>
+                          <m:r>
+                            <a:rPr lang="en-US" i="1" dirty="0">
+                              <a:latin typeface="Cambria Math" panose="02040503050406030204" pitchFamily="18" charset="0"/>
+                            </a:rPr>
+                            <m:t>𝑡𝑜𝑡𝑎𝑙</m:t>
+                          </m:r>
+                        </m:den>
+                      </m:f>
+                      <m:r>
+                        <a:rPr lang="en-US" i="1" dirty="0">
+                          <a:latin typeface="Cambria Math" panose="02040503050406030204" pitchFamily="18" charset="0"/>
+                        </a:rPr>
+                        <m:t>  = </m:t>
+                      </m:r>
+                      <m:f>
+                        <m:fPr>
+                          <m:ctrlPr>
+                            <a:rPr lang="en-US" i="1" dirty="0" smtClean="0">
+                              <a:latin typeface="Cambria Math" panose="02040503050406030204" pitchFamily="18" charset="0"/>
+                            </a:rPr>
+                          </m:ctrlPr>
+                        </m:fPr>
+                        <m:num>
+                          <m:r>
+                            <a:rPr lang="en-US" i="1" dirty="0">
+                              <a:latin typeface="Cambria Math" panose="02040503050406030204" pitchFamily="18" charset="0"/>
+                            </a:rPr>
+                            <m:t>1000</m:t>
+                          </m:r>
+                        </m:num>
+                        <m:den>
+                          <m:r>
+                            <a:rPr lang="es-ES" b="0" i="1" dirty="0" smtClean="0">
+                              <a:latin typeface="Cambria Math" panose="02040503050406030204" pitchFamily="18" charset="0"/>
+                            </a:rPr>
+                            <m:t>4 084 101</m:t>
+                          </m:r>
+                        </m:den>
+                      </m:f>
+                      <m:r>
+                        <a:rPr lang="en-US" i="1" dirty="0" smtClean="0">
+                          <a:latin typeface="Cambria Math" panose="02040503050406030204" pitchFamily="18" charset="0"/>
+                        </a:rPr>
+                        <m:t>  </m:t>
+                      </m:r>
+                      <m:r>
+                        <a:rPr lang="en-US" i="1" dirty="0">
+                          <a:latin typeface="Cambria Math" panose="02040503050406030204" pitchFamily="18" charset="0"/>
+                        </a:rPr>
+                        <m:t>=0</m:t>
+                      </m:r>
+                      <m:r>
+                        <a:rPr lang="es-ES" b="0" i="1" dirty="0" smtClean="0">
+                          <a:latin typeface="Cambria Math" panose="02040503050406030204" pitchFamily="18" charset="0"/>
+                        </a:rPr>
+                        <m:t>.</m:t>
+                      </m:r>
+                      <m:r>
+                        <a:rPr lang="en-US" i="1" dirty="0">
+                          <a:latin typeface="Cambria Math" panose="02040503050406030204" pitchFamily="18" charset="0"/>
+                        </a:rPr>
+                        <m:t>000</m:t>
+                      </m:r>
+                      <m:r>
+                        <a:rPr lang="es-ES" b="0" i="1" dirty="0" smtClean="0">
+                          <a:latin typeface="Cambria Math" panose="02040503050406030204" pitchFamily="18" charset="0"/>
+                        </a:rPr>
+                        <m:t>24485</m:t>
+                      </m:r>
+                    </m:oMath>
+                  </m:oMathPara>
+                </a14:m>
+                <a:endParaRPr lang="en-US" dirty="0"/>
+              </a:p>
+            </p:txBody>
+          </p:sp>
+        </mc:Choice>
+        <mc:Fallback xmlns="">
+          <p:sp>
+            <p:nvSpPr>
+              <p:cNvPr id="3" name="Content Placeholder 2"/>
+              <p:cNvSpPr>
+                <a:spLocks noGrp="1" noRot="1" noChangeAspect="1" noMove="1" noResize="1" noEditPoints="1" noAdjustHandles="1" noChangeArrowheads="1" noChangeShapeType="1" noTextEdit="1"/>
+              </p:cNvSpPr>
+              <p:nvPr>
+                <p:ph idx="1"/>
+              </p:nvPr>
+            </p:nvSpPr>
+            <p:spPr>
+              <a:xfrm>
+                <a:off x="1261872" y="1341120"/>
+                <a:ext cx="8595360" cy="4910137"/>
+              </a:xfrm>
+              <a:blipFill>
+                <a:blip r:embed="rId2"/>
+                <a:stretch>
+                  <a:fillRect l="-142" t="-1242" r="-567"/>
+                </a:stretch>
+              </a:blipFill>
+            </p:spPr>
+            <p:txBody>
+              <a:bodyPr/>
+              <a:lstStyle/>
+              <a:p>
+                <a:r>
+                  <a:rPr lang="es-ES">
+                    <a:noFill/>
+                  </a:rPr>
+                  <a:t> </a:t>
+                </a:r>
+              </a:p>
+            </p:txBody>
+          </p:sp>
+        </mc:Fallback>
+      </mc:AlternateContent>
+      <p:grpSp>
+        <p:nvGrpSpPr>
+          <p:cNvPr id="4" name="Group 3"/>
+          <p:cNvGrpSpPr/>
+          <p:nvPr/>
+        </p:nvGrpSpPr>
+        <p:grpSpPr>
           <a:xfrm>
-            <a:off x="1261872" y="1341120"/>
-            <a:ext cx="8595360" cy="5039360"/>
+            <a:off x="9330734" y="89989"/>
+            <a:ext cx="1978398" cy="707886"/>
+            <a:chOff x="9330734" y="89989"/>
+            <a:chExt cx="1978398" cy="707886"/>
           </a:xfrm>
-        </p:spPr>
-        <p:txBody>
-          <a:bodyPr>
-            <a:normAutofit fontScale="77500" lnSpcReduction="20000"/>
-          </a:bodyPr>
-          <a:lstStyle/>
-          <a:p>
-            <a:r>
-              <a:rPr lang="es-ES" dirty="0" smtClean="0"/>
-              <a:t>OBJECTIVE_MAX: objetivo de la optimización. Booleano. Se pone en False para que sea minimización.</a:t>
-            </a:r>
-          </a:p>
-          <a:p>
-            <a:r>
-              <a:rPr lang="es-ES" dirty="0"/>
-              <a:t>ECHO: Imprimir las trazas al ejecutar el algoritmo. Booleano. Se pone en </a:t>
-            </a:r>
-            <a:r>
-              <a:rPr lang="es-ES" dirty="0" smtClean="0"/>
-              <a:t>True</a:t>
-            </a:r>
-            <a:endParaRPr lang="en-US" dirty="0" smtClean="0"/>
-          </a:p>
-          <a:p>
-            <a:r>
-              <a:rPr lang="en-US" dirty="0" smtClean="0"/>
-              <a:t>MAX_TRIALS: </a:t>
-            </a:r>
-            <a:r>
-              <a:rPr lang="es-ES" dirty="0" smtClean="0"/>
-              <a:t>Número máximo de soluciones a ser exploradas. </a:t>
-            </a:r>
-            <a:r>
-              <a:rPr lang="es-ES" dirty="0" err="1" smtClean="0"/>
-              <a:t>Integer</a:t>
-            </a:r>
-            <a:r>
-              <a:rPr lang="es-ES" dirty="0" smtClean="0"/>
-              <a:t>.</a:t>
-            </a:r>
-          </a:p>
-          <a:p>
-            <a:pPr marL="0" indent="0">
-              <a:buNone/>
-            </a:pPr>
-            <a:endParaRPr lang="es-ES" dirty="0" smtClean="0"/>
-          </a:p>
-          <a:p>
-            <a:pPr marL="0" indent="0">
-              <a:buNone/>
-            </a:pPr>
-            <a:r>
-              <a:rPr lang="es-ES" b="1" dirty="0" smtClean="0"/>
-              <a:t>S-</a:t>
-            </a:r>
-            <a:r>
-              <a:rPr lang="es-ES" b="1" dirty="0" err="1" smtClean="0"/>
-              <a:t>Metauristics</a:t>
-            </a:r>
-            <a:endParaRPr lang="es-ES" b="1" dirty="0" smtClean="0"/>
-          </a:p>
-          <a:p>
-            <a:r>
-              <a:rPr lang="en-US" dirty="0" smtClean="0"/>
-              <a:t>MAX_TRIALS = 1000</a:t>
-            </a:r>
-          </a:p>
-          <a:p>
-            <a:endParaRPr lang="es-ES" dirty="0" smtClean="0"/>
-          </a:p>
-          <a:p>
-            <a:pPr marL="0" indent="0">
-              <a:buNone/>
-            </a:pPr>
-            <a:r>
-              <a:rPr lang="es-ES" b="1" dirty="0" smtClean="0"/>
-              <a:t>P-</a:t>
-            </a:r>
-            <a:r>
-              <a:rPr lang="es-ES" b="1" dirty="0" err="1" smtClean="0"/>
-              <a:t>Metauristics</a:t>
-            </a:r>
-            <a:endParaRPr lang="es-ES" b="1" dirty="0" smtClean="0"/>
-          </a:p>
-          <a:p>
-            <a:r>
-              <a:rPr lang="en-US" dirty="0" smtClean="0"/>
-              <a:t>MAX_TRIALS = 100</a:t>
-            </a:r>
-          </a:p>
-          <a:p>
-            <a:r>
-              <a:rPr lang="en-US" dirty="0" smtClean="0"/>
-              <a:t>GENERATION_SIZE: </a:t>
-            </a:r>
-            <a:r>
-              <a:rPr lang="es-ES" dirty="0" smtClean="0"/>
-              <a:t>Número de generaciones. Se pone en 10.</a:t>
-            </a:r>
-          </a:p>
-          <a:p>
-            <a:r>
-              <a:rPr lang="es-ES" dirty="0" smtClean="0"/>
-              <a:t>BEST_REFERENCES : Numero de soluciones a ser consideradas en la siguiente generación. Se pone en 4.</a:t>
-            </a:r>
-          </a:p>
-          <a:p>
-            <a:r>
-              <a:rPr lang="es-ES" dirty="0" smtClean="0"/>
-              <a:t>GENERATIONAL : Se </a:t>
-            </a:r>
-            <a:r>
-              <a:rPr lang="es-ES" dirty="0" err="1" smtClean="0"/>
-              <a:t>seleciona</a:t>
-            </a:r>
-            <a:r>
-              <a:rPr lang="es-ES" dirty="0" smtClean="0"/>
-              <a:t> el tipo de remplazo…. Booleano. </a:t>
-            </a:r>
-          </a:p>
-          <a:p>
-            <a:pPr lvl="1"/>
-            <a:r>
-              <a:rPr lang="es-ES" dirty="0" smtClean="0"/>
-              <a:t>Si es True se realiza generacional (se eligen las mejores de cada generación)</a:t>
-            </a:r>
-          </a:p>
-          <a:p>
-            <a:pPr lvl="1"/>
-            <a:r>
-              <a:rPr lang="es-ES" dirty="0" smtClean="0"/>
-              <a:t>Si es False se realiza estado estable (se eligen las mejores de todas las instancias)</a:t>
-            </a:r>
-          </a:p>
-        </p:txBody>
-      </p:sp>
+        </p:grpSpPr>
+        <p:sp>
+          <p:nvSpPr>
+            <p:cNvPr id="5" name="Oval 4"/>
+            <p:cNvSpPr/>
+            <p:nvPr/>
+          </p:nvSpPr>
+          <p:spPr>
+            <a:xfrm>
+              <a:off x="9330734" y="136732"/>
+              <a:ext cx="191639" cy="199697"/>
+            </a:xfrm>
+            <a:prstGeom prst="ellipse">
+              <a:avLst/>
+            </a:prstGeom>
+            <a:solidFill>
+              <a:srgbClr val="FF0000"/>
+            </a:solidFill>
+            <a:ln>
+              <a:solidFill>
+                <a:schemeClr val="tx1"/>
+              </a:solidFill>
+            </a:ln>
+          </p:spPr>
+          <p:style>
+            <a:lnRef idx="2">
+              <a:schemeClr val="accent1">
+                <a:shade val="50000"/>
+              </a:schemeClr>
+            </a:lnRef>
+            <a:fillRef idx="1">
+              <a:schemeClr val="accent1"/>
+            </a:fillRef>
+            <a:effectRef idx="0">
+              <a:schemeClr val="accent1"/>
+            </a:effectRef>
+            <a:fontRef idx="minor">
+              <a:schemeClr val="lt1"/>
+            </a:fontRef>
+          </p:style>
+          <p:txBody>
+            <a:bodyPr rtlCol="0" anchor="ctr"/>
+            <a:lstStyle/>
+            <a:p>
+              <a:pPr algn="ctr"/>
+              <a:endParaRPr lang="es-ES"/>
+            </a:p>
+          </p:txBody>
+        </p:sp>
+        <p:sp>
+          <p:nvSpPr>
+            <p:cNvPr id="6" name="Oval 5"/>
+            <p:cNvSpPr/>
+            <p:nvPr/>
+          </p:nvSpPr>
+          <p:spPr>
+            <a:xfrm>
+              <a:off x="9330734" y="461642"/>
+              <a:ext cx="191639" cy="199697"/>
+            </a:xfrm>
+            <a:prstGeom prst="ellipse">
+              <a:avLst/>
+            </a:prstGeom>
+            <a:solidFill>
+              <a:srgbClr val="00B050"/>
+            </a:solidFill>
+            <a:ln>
+              <a:solidFill>
+                <a:schemeClr val="tx1"/>
+              </a:solidFill>
+            </a:ln>
+          </p:spPr>
+          <p:style>
+            <a:lnRef idx="2">
+              <a:schemeClr val="accent1">
+                <a:shade val="50000"/>
+              </a:schemeClr>
+            </a:lnRef>
+            <a:fillRef idx="1">
+              <a:schemeClr val="accent1"/>
+            </a:fillRef>
+            <a:effectRef idx="0">
+              <a:schemeClr val="accent1"/>
+            </a:effectRef>
+            <a:fontRef idx="minor">
+              <a:schemeClr val="lt1"/>
+            </a:fontRef>
+          </p:style>
+          <p:txBody>
+            <a:bodyPr rtlCol="0" anchor="ctr"/>
+            <a:lstStyle/>
+            <a:p>
+              <a:pPr algn="ctr"/>
+              <a:endParaRPr lang="es-ES"/>
+            </a:p>
+          </p:txBody>
+        </p:sp>
+        <p:sp>
+          <p:nvSpPr>
+            <p:cNvPr id="7" name="TextBox 6"/>
+            <p:cNvSpPr txBox="1"/>
+            <p:nvPr/>
+          </p:nvSpPr>
+          <p:spPr>
+            <a:xfrm>
+              <a:off x="9522374" y="89989"/>
+              <a:ext cx="1786758" cy="707886"/>
+            </a:xfrm>
+            <a:prstGeom prst="rect">
+              <a:avLst/>
+            </a:prstGeom>
+            <a:noFill/>
+          </p:spPr>
+          <p:txBody>
+            <a:bodyPr wrap="square" rtlCol="0">
+              <a:spAutoFit/>
+            </a:bodyPr>
+            <a:lstStyle/>
+            <a:p>
+              <a:r>
+                <a:rPr lang="es-ES" sz="1600" dirty="0" smtClean="0"/>
+                <a:t>Peor solución</a:t>
+              </a:r>
+              <a:endParaRPr lang="es-ES" sz="1600" dirty="0" smtClean="0"/>
+            </a:p>
+            <a:p>
+              <a:pPr>
+                <a:lnSpc>
+                  <a:spcPct val="150000"/>
+                </a:lnSpc>
+              </a:pPr>
+              <a:r>
+                <a:rPr lang="es-ES" sz="1600" dirty="0" smtClean="0"/>
+                <a:t>Mejor solución</a:t>
+              </a:r>
+              <a:endParaRPr lang="es-ES" sz="1600" dirty="0"/>
+            </a:p>
+          </p:txBody>
+        </p:sp>
+      </p:grpSp>
     </p:spTree>
     <p:extLst>
       <p:ext uri="{BB962C8B-B14F-4D97-AF65-F5344CB8AC3E}">
-        <p14:creationId xmlns:p14="http://schemas.microsoft.com/office/powerpoint/2010/main" val="1860858603"/>
+        <p14:creationId xmlns:p14="http://schemas.microsoft.com/office/powerpoint/2010/main" val="2639756113"/>
       </p:ext>
     </p:extLst>
   </p:cSld>
@@ -3807,44 +4892,597 @@
           <a:p>
             <a:r>
               <a:rPr lang="es-ES" dirty="0" smtClean="0"/>
-              <a:t>Descripción de la implementación</a:t>
+              <a:t>Resultados</a:t>
             </a:r>
             <a:endParaRPr lang="es-ES" dirty="0"/>
           </a:p>
         </p:txBody>
       </p:sp>
-      <p:sp>
-        <p:nvSpPr>
-          <p:cNvPr id="3" name="Content Placeholder 2"/>
-          <p:cNvSpPr>
-            <a:spLocks noGrp="1"/>
-          </p:cNvSpPr>
-          <p:nvPr>
-            <p:ph idx="1"/>
-          </p:nvPr>
-        </p:nvSpPr>
-        <p:spPr>
+      <mc:AlternateContent xmlns:mc="http://schemas.openxmlformats.org/markup-compatibility/2006">
+        <mc:Choice xmlns:a14="http://schemas.microsoft.com/office/drawing/2010/main" Requires="a14">
+          <p:sp>
+            <p:nvSpPr>
+              <p:cNvPr id="3" name="Content Placeholder 2"/>
+              <p:cNvSpPr>
+                <a:spLocks noGrp="1"/>
+              </p:cNvSpPr>
+              <p:nvPr>
+                <p:ph idx="1"/>
+              </p:nvPr>
+            </p:nvSpPr>
+            <p:spPr>
+              <a:xfrm>
+                <a:off x="1261872" y="1341120"/>
+                <a:ext cx="8595360" cy="4910137"/>
+              </a:xfrm>
+            </p:spPr>
+            <p:txBody>
+              <a:bodyPr>
+                <a:normAutofit lnSpcReduction="10000"/>
+              </a:bodyPr>
+              <a:lstStyle/>
+              <a:p>
+                <a:pPr marL="0" indent="0" algn="ctr">
+                  <a:lnSpc>
+                    <a:spcPct val="100000"/>
+                  </a:lnSpc>
+                  <a:buNone/>
+                </a:pPr>
+                <a:r>
+                  <a:rPr lang="en-US" u="sng" dirty="0" smtClean="0"/>
+                  <a:t>STEP</a:t>
+                </a:r>
+                <a:r>
+                  <a:rPr lang="en-US" dirty="0" smtClean="0"/>
+                  <a:t>: </a:t>
+                </a:r>
+                <a:r>
+                  <a:rPr lang="en-US" dirty="0"/>
+                  <a:t>0.2</a:t>
+                </a:r>
+              </a:p>
+              <a:p>
+                <a:pPr marL="342900" indent="-342900" algn="just">
+                  <a:lnSpc>
+                    <a:spcPct val="100000"/>
+                  </a:lnSpc>
+                </a:pPr>
+                <a:r>
+                  <a:rPr lang="es-ES" dirty="0" smtClean="0"/>
+                  <a:t>Soluciones </a:t>
+                </a:r>
+                <a:r>
+                  <a:rPr lang="es-ES" dirty="0"/>
+                  <a:t>obtenidas por Búsqueda </a:t>
+                </a:r>
+                <a:r>
+                  <a:rPr lang="es-ES" dirty="0" smtClean="0"/>
+                  <a:t>Aleatoria: </a:t>
+                </a:r>
+                <a:r>
+                  <a:rPr lang="es-ES" dirty="0"/>
+                  <a:t>[-0.6, -0.4, 0.8, 0.6, 0.4] </a:t>
+                </a:r>
+                <a:r>
+                  <a:rPr lang="es-ES" dirty="0" smtClean="0"/>
+                  <a:t>con evaluación </a:t>
+                </a:r>
+                <a:r>
+                  <a:rPr lang="es-ES" dirty="0" smtClean="0">
+                    <a:solidFill>
+                      <a:srgbClr val="00B050"/>
+                    </a:solidFill>
+                  </a:rPr>
+                  <a:t>0.40</a:t>
+                </a:r>
+              </a:p>
+              <a:p>
+                <a:pPr marL="342900" indent="-342900" algn="just">
+                  <a:lnSpc>
+                    <a:spcPct val="100000"/>
+                  </a:lnSpc>
+                </a:pPr>
+                <a:r>
+                  <a:rPr lang="es-ES" dirty="0" smtClean="0"/>
+                  <a:t>Soluciones </a:t>
+                </a:r>
+                <a:r>
+                  <a:rPr lang="es-ES" dirty="0"/>
+                  <a:t>obtenidas por Camino Aleatorio</a:t>
+                </a:r>
+                <a:r>
+                  <a:rPr lang="es-ES" dirty="0" smtClean="0"/>
+                  <a:t>: </a:t>
+                </a:r>
+                <a:r>
+                  <a:rPr lang="es-ES" dirty="0"/>
+                  <a:t>[0.0, 0.2, 0.2, 0.2, 0.2] </a:t>
+                </a:r>
+                <a:r>
+                  <a:rPr lang="es-ES" dirty="0" smtClean="0"/>
+                  <a:t>con evaluación 0.59</a:t>
+                </a:r>
+              </a:p>
+              <a:p>
+                <a:pPr marL="342900" indent="-342900" algn="just">
+                  <a:lnSpc>
+                    <a:spcPct val="100000"/>
+                  </a:lnSpc>
+                </a:pPr>
+                <a:r>
+                  <a:rPr lang="es-ES" dirty="0" smtClean="0"/>
+                  <a:t>Soluciones </a:t>
+                </a:r>
+                <a:r>
+                  <a:rPr lang="es-ES" dirty="0"/>
+                  <a:t>obtenidas por Escalador de </a:t>
+                </a:r>
+                <a:r>
+                  <a:rPr lang="es-ES" dirty="0" smtClean="0"/>
+                  <a:t>Colinas: </a:t>
+                </a:r>
+                <a:r>
+                  <a:rPr lang="es-ES" dirty="0"/>
+                  <a:t>[-0.4, -0.4, 0.4, 0.8, 0.4] </a:t>
+                </a:r>
+                <a:r>
+                  <a:rPr lang="es-ES" dirty="0" smtClean="0"/>
+                  <a:t>con evaluación </a:t>
+                </a:r>
+                <a:r>
+                  <a:rPr lang="es-ES" dirty="0" smtClean="0">
+                    <a:solidFill>
+                      <a:srgbClr val="FF0000"/>
+                    </a:solidFill>
+                  </a:rPr>
+                  <a:t>3.60</a:t>
+                </a:r>
+              </a:p>
+              <a:p>
+                <a:pPr marL="342900" indent="-342900" algn="just">
+                  <a:lnSpc>
+                    <a:spcPct val="100000"/>
+                  </a:lnSpc>
+                </a:pPr>
+                <a:r>
+                  <a:rPr lang="es-ES" dirty="0" smtClean="0"/>
+                  <a:t>Soluciones </a:t>
+                </a:r>
+                <a:r>
+                  <a:rPr lang="es-ES" dirty="0"/>
+                  <a:t>obtenidas por Algoritmo Genético</a:t>
+                </a:r>
+                <a:r>
+                  <a:rPr lang="es-ES" dirty="0" smtClean="0"/>
+                  <a:t>: </a:t>
+                </a:r>
+                <a:r>
+                  <a:rPr lang="es-ES" dirty="0"/>
+                  <a:t>[0.2, 0.4, 0.4, 0.2, -0.4] </a:t>
+                </a:r>
+                <a:r>
+                  <a:rPr lang="es-ES" dirty="0" smtClean="0"/>
+                  <a:t>con evaluación </a:t>
+                </a:r>
+                <a:r>
+                  <a:rPr lang="es-ES" dirty="0" smtClean="0">
+                    <a:solidFill>
+                      <a:srgbClr val="FF0000"/>
+                    </a:solidFill>
+                  </a:rPr>
+                  <a:t>3.60</a:t>
+                </a:r>
+              </a:p>
+              <a:p>
+                <a:pPr marL="342900" indent="-342900" algn="just">
+                  <a:lnSpc>
+                    <a:spcPct val="100000"/>
+                  </a:lnSpc>
+                </a:pPr>
+                <a:r>
+                  <a:rPr lang="es-ES" dirty="0" smtClean="0"/>
+                  <a:t>Soluciones obtenidas por Estrategia Evolutiva: </a:t>
+                </a:r>
+                <a:r>
+                  <a:rPr lang="es-ES" dirty="0"/>
+                  <a:t>[0.0, -0.6, 0.4, 0.8, 0.0]</a:t>
+                </a:r>
+                <a:r>
+                  <a:rPr lang="es-ES" dirty="0" smtClean="0"/>
+                  <a:t> con evaluación 0.99</a:t>
+                </a:r>
+              </a:p>
+              <a:p>
+                <a:pPr marL="342900" indent="-342900" algn="just">
+                  <a:lnSpc>
+                    <a:spcPct val="100000"/>
+                  </a:lnSpc>
+                </a:pPr>
+                <a:endParaRPr lang="en-US" dirty="0" smtClean="0"/>
+              </a:p>
+              <a:p>
+                <a:pPr marL="0" indent="0">
+                  <a:lnSpc>
+                    <a:spcPct val="100000"/>
+                  </a:lnSpc>
+                  <a:buNone/>
+                </a:pPr>
+                <a14:m>
+                  <m:oMathPara xmlns:m="http://schemas.openxmlformats.org/officeDocument/2006/math">
+                    <m:oMathParaPr>
+                      <m:jc m:val="centerGroup"/>
+                    </m:oMathParaPr>
+                    <m:oMath xmlns:m="http://schemas.openxmlformats.org/officeDocument/2006/math">
+                      <m:r>
+                        <a:rPr lang="en-US" i="1" dirty="0" smtClean="0">
+                          <a:latin typeface="Cambria Math" panose="02040503050406030204" pitchFamily="18" charset="0"/>
+                        </a:rPr>
+                        <m:t>𝑃𝑟𝑜𝑝𝑜𝑟𝑐𝑖</m:t>
+                      </m:r>
+                      <m:r>
+                        <a:rPr lang="en-US" i="1" dirty="0" smtClean="0">
+                          <a:latin typeface="Cambria Math" panose="02040503050406030204" pitchFamily="18" charset="0"/>
+                        </a:rPr>
+                        <m:t>ó</m:t>
+                      </m:r>
+                      <m:r>
+                        <a:rPr lang="en-US" i="1" dirty="0" smtClean="0">
+                          <a:latin typeface="Cambria Math" panose="02040503050406030204" pitchFamily="18" charset="0"/>
+                        </a:rPr>
+                        <m:t>𝑛</m:t>
+                      </m:r>
+                      <m:r>
+                        <a:rPr lang="es-ES" b="0" i="1" dirty="0" smtClean="0">
+                          <a:latin typeface="Cambria Math" panose="02040503050406030204" pitchFamily="18" charset="0"/>
+                        </a:rPr>
+                        <m:t>=</m:t>
+                      </m:r>
+                      <m:r>
+                        <a:rPr lang="en-US" i="1" dirty="0">
+                          <a:latin typeface="Cambria Math" panose="02040503050406030204" pitchFamily="18" charset="0"/>
+                        </a:rPr>
+                        <m:t> </m:t>
+                      </m:r>
+                      <m:f>
+                        <m:fPr>
+                          <m:ctrlPr>
+                            <a:rPr lang="en-US" i="1" dirty="0" smtClean="0">
+                              <a:latin typeface="Cambria Math" panose="02040503050406030204" pitchFamily="18" charset="0"/>
+                            </a:rPr>
+                          </m:ctrlPr>
+                        </m:fPr>
+                        <m:num>
+                          <m:r>
+                            <a:rPr lang="en-US" i="1" dirty="0">
+                              <a:latin typeface="Cambria Math" panose="02040503050406030204" pitchFamily="18" charset="0"/>
+                            </a:rPr>
+                            <m:t>𝑖𝑡𝑒𝑟𝑎𝑐𝑖𝑜𝑛𝑒𝑠</m:t>
+                          </m:r>
+                        </m:num>
+                        <m:den>
+                          <m:r>
+                            <a:rPr lang="en-US" i="1" dirty="0">
+                              <a:latin typeface="Cambria Math" panose="02040503050406030204" pitchFamily="18" charset="0"/>
+                            </a:rPr>
+                            <m:t>𝑒𝑠𝑝𝑎𝑐𝑖𝑜</m:t>
+                          </m:r>
+                          <m:r>
+                            <a:rPr lang="en-US" i="1" dirty="0">
+                              <a:latin typeface="Cambria Math" panose="02040503050406030204" pitchFamily="18" charset="0"/>
+                            </a:rPr>
+                            <m:t> </m:t>
+                          </m:r>
+                          <m:r>
+                            <a:rPr lang="en-US" i="1" dirty="0">
+                              <a:latin typeface="Cambria Math" panose="02040503050406030204" pitchFamily="18" charset="0"/>
+                            </a:rPr>
+                            <m:t>𝑑𝑒</m:t>
+                          </m:r>
+                          <m:r>
+                            <a:rPr lang="en-US" i="1" dirty="0">
+                              <a:latin typeface="Cambria Math" panose="02040503050406030204" pitchFamily="18" charset="0"/>
+                            </a:rPr>
+                            <m:t> </m:t>
+                          </m:r>
+                          <m:r>
+                            <a:rPr lang="en-US" i="1" dirty="0">
+                              <a:latin typeface="Cambria Math" panose="02040503050406030204" pitchFamily="18" charset="0"/>
+                            </a:rPr>
+                            <m:t>𝑏</m:t>
+                          </m:r>
+                          <m:r>
+                            <a:rPr lang="es-ES" i="1" dirty="0">
+                              <a:latin typeface="Cambria Math" panose="02040503050406030204" pitchFamily="18" charset="0"/>
+                            </a:rPr>
+                            <m:t>ú</m:t>
+                          </m:r>
+                          <m:r>
+                            <a:rPr lang="es-ES" i="1" smtClean="0">
+                              <a:latin typeface="Cambria Math" panose="02040503050406030204" pitchFamily="18" charset="0"/>
+                            </a:rPr>
+                            <m:t>𝑠𝑞𝑢𝑒𝑑𝑎</m:t>
+                          </m:r>
+                          <m:r>
+                            <a:rPr lang="en-US" i="1" dirty="0">
+                              <a:latin typeface="Cambria Math" panose="02040503050406030204" pitchFamily="18" charset="0"/>
+                            </a:rPr>
+                            <m:t> </m:t>
+                          </m:r>
+                          <m:r>
+                            <a:rPr lang="en-US" i="1" dirty="0">
+                              <a:latin typeface="Cambria Math" panose="02040503050406030204" pitchFamily="18" charset="0"/>
+                            </a:rPr>
+                            <m:t>𝑡𝑜𝑡𝑎𝑙</m:t>
+                          </m:r>
+                        </m:den>
+                      </m:f>
+                      <m:r>
+                        <a:rPr lang="en-US" i="1" dirty="0">
+                          <a:latin typeface="Cambria Math" panose="02040503050406030204" pitchFamily="18" charset="0"/>
+                        </a:rPr>
+                        <m:t>  = </m:t>
+                      </m:r>
+                      <m:f>
+                        <m:fPr>
+                          <m:ctrlPr>
+                            <a:rPr lang="en-US" i="1" dirty="0" smtClean="0">
+                              <a:latin typeface="Cambria Math" panose="02040503050406030204" pitchFamily="18" charset="0"/>
+                            </a:rPr>
+                          </m:ctrlPr>
+                        </m:fPr>
+                        <m:num>
+                          <m:r>
+                            <a:rPr lang="en-US" i="1" dirty="0">
+                              <a:latin typeface="Cambria Math" panose="02040503050406030204" pitchFamily="18" charset="0"/>
+                            </a:rPr>
+                            <m:t>1000</m:t>
+                          </m:r>
+                        </m:num>
+                        <m:den>
+                          <m:r>
+                            <m:rPr>
+                              <m:nor/>
+                            </m:rPr>
+                            <a:rPr lang="es-ES"/>
+                            <m:t>161</m:t>
+                          </m:r>
+                          <m:r>
+                            <m:rPr>
+                              <m:nor/>
+                            </m:rPr>
+                            <a:rPr lang="es-ES" b="0" i="0" smtClean="0"/>
+                            <m:t> </m:t>
+                          </m:r>
+                          <m:r>
+                            <m:rPr>
+                              <m:nor/>
+                            </m:rPr>
+                            <a:rPr lang="es-ES"/>
+                            <m:t>051</m:t>
+                          </m:r>
+                        </m:den>
+                      </m:f>
+                      <m:r>
+                        <a:rPr lang="en-US" i="1" dirty="0" smtClean="0">
+                          <a:latin typeface="Cambria Math" panose="02040503050406030204" pitchFamily="18" charset="0"/>
+                        </a:rPr>
+                        <m:t>  </m:t>
+                      </m:r>
+                      <m:r>
+                        <a:rPr lang="en-US" i="1" dirty="0">
+                          <a:latin typeface="Cambria Math" panose="02040503050406030204" pitchFamily="18" charset="0"/>
+                        </a:rPr>
+                        <m:t>= 0.</m:t>
+                      </m:r>
+                      <m:r>
+                        <a:rPr lang="es-ES" b="0" i="1" dirty="0" smtClean="0">
+                          <a:latin typeface="Cambria Math" panose="02040503050406030204" pitchFamily="18" charset="0"/>
+                        </a:rPr>
+                        <m:t>0062092</m:t>
+                      </m:r>
+                    </m:oMath>
+                  </m:oMathPara>
+                </a14:m>
+                <a:endParaRPr lang="en-US" dirty="0"/>
+              </a:p>
+            </p:txBody>
+          </p:sp>
+        </mc:Choice>
+        <mc:Fallback>
+          <p:sp>
+            <p:nvSpPr>
+              <p:cNvPr id="3" name="Content Placeholder 2"/>
+              <p:cNvSpPr>
+                <a:spLocks noGrp="1" noRot="1" noChangeAspect="1" noMove="1" noResize="1" noEditPoints="1" noAdjustHandles="1" noChangeArrowheads="1" noChangeShapeType="1" noTextEdit="1"/>
+              </p:cNvSpPr>
+              <p:nvPr>
+                <p:ph idx="1"/>
+              </p:nvPr>
+            </p:nvSpPr>
+            <p:spPr>
+              <a:xfrm>
+                <a:off x="1261872" y="1341120"/>
+                <a:ext cx="8595360" cy="4910137"/>
+              </a:xfrm>
+              <a:blipFill>
+                <a:blip r:embed="rId3"/>
+                <a:stretch>
+                  <a:fillRect l="-142" t="-1242" r="-567"/>
+                </a:stretch>
+              </a:blipFill>
+            </p:spPr>
+            <p:txBody>
+              <a:bodyPr/>
+              <a:lstStyle/>
+              <a:p>
+                <a:r>
+                  <a:rPr lang="es-ES">
+                    <a:noFill/>
+                  </a:rPr>
+                  <a:t> </a:t>
+                </a:r>
+              </a:p>
+            </p:txBody>
+          </p:sp>
+        </mc:Fallback>
+      </mc:AlternateContent>
+      <p:grpSp>
+        <p:nvGrpSpPr>
+          <p:cNvPr id="4" name="Group 3"/>
+          <p:cNvGrpSpPr/>
+          <p:nvPr/>
+        </p:nvGrpSpPr>
+        <p:grpSpPr>
           <a:xfrm>
-            <a:off x="1261872" y="1341120"/>
-            <a:ext cx="8595360" cy="4910137"/>
+            <a:off x="9330734" y="89989"/>
+            <a:ext cx="1978398" cy="707886"/>
+            <a:chOff x="9330734" y="89989"/>
+            <a:chExt cx="1978398" cy="707886"/>
           </a:xfrm>
-        </p:spPr>
-        <p:txBody>
-          <a:bodyPr/>
-          <a:lstStyle/>
-          <a:p>
-            <a:r>
-              <a:rPr lang="es-ES" dirty="0" smtClean="0"/>
-              <a:t>Cruzamiento</a:t>
-            </a:r>
-            <a:endParaRPr lang="es-ES" dirty="0"/>
-          </a:p>
-        </p:txBody>
-      </p:sp>
+        </p:grpSpPr>
+        <p:sp>
+          <p:nvSpPr>
+            <p:cNvPr id="5" name="Oval 4"/>
+            <p:cNvSpPr/>
+            <p:nvPr/>
+          </p:nvSpPr>
+          <p:spPr>
+            <a:xfrm>
+              <a:off x="9330734" y="136732"/>
+              <a:ext cx="191639" cy="199697"/>
+            </a:xfrm>
+            <a:prstGeom prst="ellipse">
+              <a:avLst/>
+            </a:prstGeom>
+            <a:solidFill>
+              <a:srgbClr val="FF0000"/>
+            </a:solidFill>
+            <a:ln>
+              <a:solidFill>
+                <a:schemeClr val="tx1"/>
+              </a:solidFill>
+            </a:ln>
+          </p:spPr>
+          <p:style>
+            <a:lnRef idx="2">
+              <a:schemeClr val="accent1">
+                <a:shade val="50000"/>
+              </a:schemeClr>
+            </a:lnRef>
+            <a:fillRef idx="1">
+              <a:schemeClr val="accent1"/>
+            </a:fillRef>
+            <a:effectRef idx="0">
+              <a:schemeClr val="accent1"/>
+            </a:effectRef>
+            <a:fontRef idx="minor">
+              <a:schemeClr val="lt1"/>
+            </a:fontRef>
+          </p:style>
+          <p:txBody>
+            <a:bodyPr rtlCol="0" anchor="ctr"/>
+            <a:lstStyle/>
+            <a:p>
+              <a:pPr algn="ctr"/>
+              <a:endParaRPr lang="es-ES"/>
+            </a:p>
+          </p:txBody>
+        </p:sp>
+        <p:sp>
+          <p:nvSpPr>
+            <p:cNvPr id="6" name="Oval 5"/>
+            <p:cNvSpPr/>
+            <p:nvPr/>
+          </p:nvSpPr>
+          <p:spPr>
+            <a:xfrm>
+              <a:off x="9330734" y="461642"/>
+              <a:ext cx="191639" cy="199697"/>
+            </a:xfrm>
+            <a:prstGeom prst="ellipse">
+              <a:avLst/>
+            </a:prstGeom>
+            <a:solidFill>
+              <a:srgbClr val="00B050"/>
+            </a:solidFill>
+            <a:ln>
+              <a:solidFill>
+                <a:schemeClr val="tx1"/>
+              </a:solidFill>
+            </a:ln>
+          </p:spPr>
+          <p:style>
+            <a:lnRef idx="2">
+              <a:schemeClr val="accent1">
+                <a:shade val="50000"/>
+              </a:schemeClr>
+            </a:lnRef>
+            <a:fillRef idx="1">
+              <a:schemeClr val="accent1"/>
+            </a:fillRef>
+            <a:effectRef idx="0">
+              <a:schemeClr val="accent1"/>
+            </a:effectRef>
+            <a:fontRef idx="minor">
+              <a:schemeClr val="lt1"/>
+            </a:fontRef>
+          </p:style>
+          <p:txBody>
+            <a:bodyPr rtlCol="0" anchor="ctr"/>
+            <a:lstStyle/>
+            <a:p>
+              <a:pPr algn="ctr"/>
+              <a:endParaRPr lang="es-ES"/>
+            </a:p>
+          </p:txBody>
+        </p:sp>
+        <p:sp>
+          <p:nvSpPr>
+            <p:cNvPr id="7" name="TextBox 6"/>
+            <p:cNvSpPr txBox="1"/>
+            <p:nvPr/>
+          </p:nvSpPr>
+          <p:spPr>
+            <a:xfrm>
+              <a:off x="9522374" y="89989"/>
+              <a:ext cx="1786758" cy="707886"/>
+            </a:xfrm>
+            <a:prstGeom prst="rect">
+              <a:avLst/>
+            </a:prstGeom>
+            <a:noFill/>
+          </p:spPr>
+          <p:txBody>
+            <a:bodyPr wrap="square" rtlCol="0">
+              <a:spAutoFit/>
+            </a:bodyPr>
+            <a:lstStyle/>
+            <a:p>
+              <a:r>
+                <a:rPr lang="es-ES" sz="1600" dirty="0" smtClean="0"/>
+                <a:t>Peor solución</a:t>
+              </a:r>
+              <a:endParaRPr lang="es-ES" sz="1600" dirty="0" smtClean="0"/>
+            </a:p>
+            <a:p>
+              <a:pPr>
+                <a:lnSpc>
+                  <a:spcPct val="150000"/>
+                </a:lnSpc>
+              </a:pPr>
+              <a:r>
+                <a:rPr lang="es-ES" sz="1600" dirty="0" smtClean="0"/>
+                <a:t>Mejor solución</a:t>
+              </a:r>
+              <a:endParaRPr lang="es-ES" sz="1600" dirty="0"/>
+            </a:p>
+          </p:txBody>
+        </p:sp>
+      </p:grpSp>
     </p:spTree>
     <p:extLst>
       <p:ext uri="{BB962C8B-B14F-4D97-AF65-F5344CB8AC3E}">
-        <p14:creationId xmlns:p14="http://schemas.microsoft.com/office/powerpoint/2010/main" val="285103313"/>
+        <p14:creationId xmlns:p14="http://schemas.microsoft.com/office/powerpoint/2010/main" val="2002834614"/>
       </p:ext>
     </p:extLst>
   </p:cSld>
@@ -3900,44 +5538,543 @@
           <a:p>
             <a:r>
               <a:rPr lang="es-ES" dirty="0" smtClean="0"/>
-              <a:t>Descripción de la implementación</a:t>
+              <a:t>Resultados</a:t>
             </a:r>
             <a:endParaRPr lang="es-ES" dirty="0"/>
           </a:p>
         </p:txBody>
       </p:sp>
-      <p:sp>
-        <p:nvSpPr>
-          <p:cNvPr id="3" name="Content Placeholder 2"/>
-          <p:cNvSpPr>
-            <a:spLocks noGrp="1"/>
-          </p:cNvSpPr>
-          <p:nvPr>
-            <p:ph idx="1"/>
-          </p:nvPr>
-        </p:nvSpPr>
-        <p:spPr>
+      <mc:AlternateContent xmlns:mc="http://schemas.openxmlformats.org/markup-compatibility/2006" xmlns:a14="http://schemas.microsoft.com/office/drawing/2010/main">
+        <mc:Choice Requires="a14">
+          <p:sp>
+            <p:nvSpPr>
+              <p:cNvPr id="3" name="Content Placeholder 2"/>
+              <p:cNvSpPr>
+                <a:spLocks noGrp="1"/>
+              </p:cNvSpPr>
+              <p:nvPr>
+                <p:ph idx="1"/>
+              </p:nvPr>
+            </p:nvSpPr>
+            <p:spPr>
+              <a:xfrm>
+                <a:off x="1261872" y="1341120"/>
+                <a:ext cx="8595360" cy="4910137"/>
+              </a:xfrm>
+            </p:spPr>
+            <p:txBody>
+              <a:bodyPr>
+                <a:normAutofit lnSpcReduction="10000"/>
+              </a:bodyPr>
+              <a:lstStyle/>
+              <a:p>
+                <a:pPr marL="0" indent="0" algn="ctr">
+                  <a:lnSpc>
+                    <a:spcPct val="100000"/>
+                  </a:lnSpc>
+                  <a:buNone/>
+                </a:pPr>
+                <a:r>
+                  <a:rPr lang="en-US" dirty="0" smtClean="0"/>
+                  <a:t>STEP: 0.3</a:t>
+                </a:r>
+              </a:p>
+              <a:p>
+                <a:pPr marL="342900" indent="-342900" algn="just">
+                  <a:lnSpc>
+                    <a:spcPct val="100000"/>
+                  </a:lnSpc>
+                </a:pPr>
+                <a:r>
+                  <a:rPr lang="es-ES" dirty="0" smtClean="0"/>
+                  <a:t>Soluciones obtenidas por Búsqueda Aleatoria: </a:t>
+                </a:r>
+                <a:r>
+                  <a:rPr lang="es-ES" dirty="0"/>
+                  <a:t>[0.0, 0.9, 0.3, 0.9, -0.9] </a:t>
+                </a:r>
+                <a:r>
+                  <a:rPr lang="es-ES" dirty="0" smtClean="0"/>
+                  <a:t>con evaluación 0.89</a:t>
+                </a:r>
+              </a:p>
+              <a:p>
+                <a:pPr marL="342900" indent="-342900" algn="just">
+                  <a:lnSpc>
+                    <a:spcPct val="100000"/>
+                  </a:lnSpc>
+                </a:pPr>
+                <a:r>
+                  <a:rPr lang="es-ES" dirty="0" smtClean="0"/>
+                  <a:t>Soluciones obtenidas por Camino Aleatorio: </a:t>
+                </a:r>
+                <a:r>
+                  <a:rPr lang="es-ES" dirty="0"/>
+                  <a:t>[0.0, 0.6, 0.6, 0.3, -0.6] </a:t>
+                </a:r>
+                <a:r>
+                  <a:rPr lang="es-ES" dirty="0" smtClean="0"/>
+                  <a:t>con evaluación </a:t>
+                </a:r>
+                <a:r>
+                  <a:rPr lang="es-ES" dirty="0" smtClean="0">
+                    <a:solidFill>
+                      <a:srgbClr val="00B050"/>
+                    </a:solidFill>
+                  </a:rPr>
+                  <a:t>0.19</a:t>
+                </a:r>
+              </a:p>
+              <a:p>
+                <a:pPr marL="342900" indent="-342900" algn="just">
+                  <a:lnSpc>
+                    <a:spcPct val="100000"/>
+                  </a:lnSpc>
+                </a:pPr>
+                <a:r>
+                  <a:rPr lang="es-ES" dirty="0" smtClean="0"/>
+                  <a:t>Soluciones obtenidas por Escalador de Colinas: </a:t>
+                </a:r>
+                <a:r>
+                  <a:rPr lang="es-ES" dirty="0"/>
+                  <a:t>[0.3, 0.3, 0.6, 0.3, -0.9] </a:t>
+                </a:r>
+                <a:r>
+                  <a:rPr lang="es-ES" dirty="0" smtClean="0"/>
+                  <a:t>con evaluación </a:t>
+                </a:r>
+                <a:r>
+                  <a:rPr lang="es-ES" dirty="0" smtClean="0">
+                    <a:solidFill>
+                      <a:srgbClr val="FF0000"/>
+                    </a:solidFill>
+                  </a:rPr>
+                  <a:t>7.20</a:t>
+                </a:r>
+              </a:p>
+              <a:p>
+                <a:pPr marL="342900" indent="-342900" algn="just">
+                  <a:lnSpc>
+                    <a:spcPct val="100000"/>
+                  </a:lnSpc>
+                </a:pPr>
+                <a:r>
+                  <a:rPr lang="es-ES" dirty="0" smtClean="0"/>
+                  <a:t>Soluciones obtenidas por Algoritmo Genético: </a:t>
+                </a:r>
+                <a:r>
+                  <a:rPr lang="es-ES" dirty="0"/>
+                  <a:t>[0.6, -0.6, 0.6, 0.6, -0.9] </a:t>
+                </a:r>
+                <a:r>
+                  <a:rPr lang="es-ES" dirty="0" smtClean="0"/>
+                  <a:t>con evaluación 1.69</a:t>
+                </a:r>
+              </a:p>
+              <a:p>
+                <a:pPr marL="342900" indent="-342900" algn="just">
+                  <a:lnSpc>
+                    <a:spcPct val="100000"/>
+                  </a:lnSpc>
+                </a:pPr>
+                <a:r>
+                  <a:rPr lang="es-ES" dirty="0" smtClean="0"/>
+                  <a:t>Soluciones obtenidas por Estrategia Evolutiva: </a:t>
+                </a:r>
+                <a:r>
+                  <a:rPr lang="es-ES" dirty="0"/>
+                  <a:t>[0.0, 0.3, 0.3, 0.6, -0.3] </a:t>
+                </a:r>
+                <a:r>
+                  <a:rPr lang="es-ES" dirty="0" smtClean="0"/>
+                  <a:t>con evaluación 0.90</a:t>
+                </a:r>
+              </a:p>
+              <a:p>
+                <a:pPr marL="342900" indent="-342900">
+                  <a:lnSpc>
+                    <a:spcPct val="100000"/>
+                  </a:lnSpc>
+                </a:pPr>
+                <a:endParaRPr lang="es-ES" dirty="0" smtClean="0"/>
+              </a:p>
+              <a:p>
+                <a:pPr marL="0" indent="0">
+                  <a:lnSpc>
+                    <a:spcPct val="100000"/>
+                  </a:lnSpc>
+                  <a:buNone/>
+                </a:pPr>
+                <a14:m>
+                  <m:oMathPara xmlns:m="http://schemas.openxmlformats.org/officeDocument/2006/math">
+                    <m:oMathParaPr>
+                      <m:jc m:val="centerGroup"/>
+                    </m:oMathParaPr>
+                    <m:oMath xmlns:m="http://schemas.openxmlformats.org/officeDocument/2006/math">
+                      <m:r>
+                        <a:rPr lang="en-US" i="1" dirty="0" smtClean="0">
+                          <a:latin typeface="Cambria Math" panose="02040503050406030204" pitchFamily="18" charset="0"/>
+                        </a:rPr>
+                        <m:t>𝑃𝑟𝑜𝑝𝑜𝑟𝑐𝑖</m:t>
+                      </m:r>
+                      <m:r>
+                        <a:rPr lang="en-US" i="1" dirty="0" smtClean="0">
+                          <a:latin typeface="Cambria Math" panose="02040503050406030204" pitchFamily="18" charset="0"/>
+                        </a:rPr>
+                        <m:t>ó</m:t>
+                      </m:r>
+                      <m:r>
+                        <a:rPr lang="en-US" i="1" dirty="0" smtClean="0">
+                          <a:latin typeface="Cambria Math" panose="02040503050406030204" pitchFamily="18" charset="0"/>
+                        </a:rPr>
+                        <m:t>𝑛</m:t>
+                      </m:r>
+                      <m:r>
+                        <a:rPr lang="es-ES" b="0" i="1" dirty="0" smtClean="0">
+                          <a:latin typeface="Cambria Math" panose="02040503050406030204" pitchFamily="18" charset="0"/>
+                        </a:rPr>
+                        <m:t>=</m:t>
+                      </m:r>
+                      <m:r>
+                        <a:rPr lang="en-US" i="1" dirty="0">
+                          <a:latin typeface="Cambria Math" panose="02040503050406030204" pitchFamily="18" charset="0"/>
+                        </a:rPr>
+                        <m:t> </m:t>
+                      </m:r>
+                      <m:f>
+                        <m:fPr>
+                          <m:ctrlPr>
+                            <a:rPr lang="en-US" i="1" dirty="0" smtClean="0">
+                              <a:latin typeface="Cambria Math" panose="02040503050406030204" pitchFamily="18" charset="0"/>
+                            </a:rPr>
+                          </m:ctrlPr>
+                        </m:fPr>
+                        <m:num>
+                          <m:r>
+                            <a:rPr lang="en-US" i="1" dirty="0">
+                              <a:latin typeface="Cambria Math" panose="02040503050406030204" pitchFamily="18" charset="0"/>
+                            </a:rPr>
+                            <m:t>𝑖𝑡𝑒𝑟𝑎𝑐𝑖𝑜𝑛𝑒𝑠</m:t>
+                          </m:r>
+                        </m:num>
+                        <m:den>
+                          <m:r>
+                            <a:rPr lang="en-US" i="1" dirty="0">
+                              <a:latin typeface="Cambria Math" panose="02040503050406030204" pitchFamily="18" charset="0"/>
+                            </a:rPr>
+                            <m:t>𝑒𝑠𝑝𝑎𝑐𝑖𝑜</m:t>
+                          </m:r>
+                          <m:r>
+                            <a:rPr lang="en-US" i="1" dirty="0">
+                              <a:latin typeface="Cambria Math" panose="02040503050406030204" pitchFamily="18" charset="0"/>
+                            </a:rPr>
+                            <m:t> </m:t>
+                          </m:r>
+                          <m:r>
+                            <a:rPr lang="en-US" i="1" dirty="0">
+                              <a:latin typeface="Cambria Math" panose="02040503050406030204" pitchFamily="18" charset="0"/>
+                            </a:rPr>
+                            <m:t>𝑑𝑒</m:t>
+                          </m:r>
+                          <m:r>
+                            <a:rPr lang="en-US" i="1" dirty="0">
+                              <a:latin typeface="Cambria Math" panose="02040503050406030204" pitchFamily="18" charset="0"/>
+                            </a:rPr>
+                            <m:t> </m:t>
+                          </m:r>
+                          <m:r>
+                            <a:rPr lang="en-US" i="1" dirty="0">
+                              <a:latin typeface="Cambria Math" panose="02040503050406030204" pitchFamily="18" charset="0"/>
+                            </a:rPr>
+                            <m:t>𝑏</m:t>
+                          </m:r>
+                          <m:r>
+                            <a:rPr lang="es-ES" i="1" dirty="0">
+                              <a:latin typeface="Cambria Math" panose="02040503050406030204" pitchFamily="18" charset="0"/>
+                            </a:rPr>
+                            <m:t>ú</m:t>
+                          </m:r>
+                          <m:r>
+                            <a:rPr lang="es-ES" i="1" smtClean="0">
+                              <a:latin typeface="Cambria Math" panose="02040503050406030204" pitchFamily="18" charset="0"/>
+                            </a:rPr>
+                            <m:t>𝑠𝑞𝑢𝑒𝑑𝑎</m:t>
+                          </m:r>
+                          <m:r>
+                            <a:rPr lang="en-US" i="1" dirty="0">
+                              <a:latin typeface="Cambria Math" panose="02040503050406030204" pitchFamily="18" charset="0"/>
+                            </a:rPr>
+                            <m:t> </m:t>
+                          </m:r>
+                          <m:r>
+                            <a:rPr lang="en-US" i="1" dirty="0">
+                              <a:latin typeface="Cambria Math" panose="02040503050406030204" pitchFamily="18" charset="0"/>
+                            </a:rPr>
+                            <m:t>𝑡𝑜𝑡𝑎𝑙</m:t>
+                          </m:r>
+                        </m:den>
+                      </m:f>
+                      <m:r>
+                        <a:rPr lang="en-US" i="1" dirty="0">
+                          <a:latin typeface="Cambria Math" panose="02040503050406030204" pitchFamily="18" charset="0"/>
+                        </a:rPr>
+                        <m:t> = </m:t>
+                      </m:r>
+                      <m:f>
+                        <m:fPr>
+                          <m:ctrlPr>
+                            <a:rPr lang="en-US" i="1" dirty="0" smtClean="0">
+                              <a:latin typeface="Cambria Math" panose="02040503050406030204" pitchFamily="18" charset="0"/>
+                            </a:rPr>
+                          </m:ctrlPr>
+                        </m:fPr>
+                        <m:num>
+                          <m:r>
+                            <a:rPr lang="en-US" i="1" dirty="0">
+                              <a:latin typeface="Cambria Math" panose="02040503050406030204" pitchFamily="18" charset="0"/>
+                            </a:rPr>
+                            <m:t>1000</m:t>
+                          </m:r>
+                        </m:num>
+                        <m:den>
+                          <m:r>
+                            <a:rPr lang="en-US" i="1" dirty="0">
+                              <a:latin typeface="Cambria Math" panose="02040503050406030204" pitchFamily="18" charset="0"/>
+                            </a:rPr>
+                            <m:t>16</m:t>
+                          </m:r>
+                          <m:r>
+                            <a:rPr lang="es-ES" b="0" i="1" dirty="0" smtClean="0">
+                              <a:latin typeface="Cambria Math" panose="02040503050406030204" pitchFamily="18" charset="0"/>
+                            </a:rPr>
+                            <m:t> 807</m:t>
+                          </m:r>
+                        </m:den>
+                      </m:f>
+                      <m:r>
+                        <a:rPr lang="en-US" i="1" dirty="0" smtClean="0">
+                          <a:latin typeface="Cambria Math" panose="02040503050406030204" pitchFamily="18" charset="0"/>
+                        </a:rPr>
+                        <m:t> = </m:t>
+                      </m:r>
+                      <m:r>
+                        <a:rPr lang="en-US" i="1" dirty="0">
+                          <a:latin typeface="Cambria Math" panose="02040503050406030204" pitchFamily="18" charset="0"/>
+                        </a:rPr>
+                        <m:t>0.0</m:t>
+                      </m:r>
+                      <m:r>
+                        <a:rPr lang="es-ES" b="0" i="1" dirty="0" smtClean="0">
+                          <a:latin typeface="Cambria Math" panose="02040503050406030204" pitchFamily="18" charset="0"/>
+                        </a:rPr>
+                        <m:t>59499</m:t>
+                      </m:r>
+                    </m:oMath>
+                  </m:oMathPara>
+                </a14:m>
+                <a:endParaRPr lang="en-US" dirty="0"/>
+              </a:p>
+              <a:p>
+                <a:endParaRPr lang="es-ES" dirty="0"/>
+              </a:p>
+            </p:txBody>
+          </p:sp>
+        </mc:Choice>
+        <mc:Fallback xmlns="">
+          <p:sp>
+            <p:nvSpPr>
+              <p:cNvPr id="3" name="Content Placeholder 2"/>
+              <p:cNvSpPr>
+                <a:spLocks noGrp="1" noRot="1" noChangeAspect="1" noMove="1" noResize="1" noEditPoints="1" noAdjustHandles="1" noChangeArrowheads="1" noChangeShapeType="1" noTextEdit="1"/>
+              </p:cNvSpPr>
+              <p:nvPr>
+                <p:ph idx="1"/>
+              </p:nvPr>
+            </p:nvSpPr>
+            <p:spPr>
+              <a:xfrm>
+                <a:off x="1261872" y="1341120"/>
+                <a:ext cx="8595360" cy="4910137"/>
+              </a:xfrm>
+              <a:blipFill>
+                <a:blip r:embed="rId3"/>
+                <a:stretch>
+                  <a:fillRect l="-142" t="-1242" r="-567"/>
+                </a:stretch>
+              </a:blipFill>
+            </p:spPr>
+            <p:txBody>
+              <a:bodyPr/>
+              <a:lstStyle/>
+              <a:p>
+                <a:r>
+                  <a:rPr lang="es-ES">
+                    <a:noFill/>
+                  </a:rPr>
+                  <a:t> </a:t>
+                </a:r>
+              </a:p>
+            </p:txBody>
+          </p:sp>
+        </mc:Fallback>
+      </mc:AlternateContent>
+      <p:grpSp>
+        <p:nvGrpSpPr>
+          <p:cNvPr id="8" name="Group 7"/>
+          <p:cNvGrpSpPr/>
+          <p:nvPr/>
+        </p:nvGrpSpPr>
+        <p:grpSpPr>
           <a:xfrm>
-            <a:off x="1261872" y="1341120"/>
-            <a:ext cx="8595360" cy="4910137"/>
+            <a:off x="9330734" y="89989"/>
+            <a:ext cx="1978398" cy="707886"/>
+            <a:chOff x="9330734" y="89989"/>
+            <a:chExt cx="1978398" cy="707886"/>
           </a:xfrm>
-        </p:spPr>
-        <p:txBody>
-          <a:bodyPr/>
-          <a:lstStyle/>
-          <a:p>
-            <a:r>
-              <a:rPr lang="es-ES" dirty="0" smtClean="0"/>
-              <a:t>Cruzamiento</a:t>
-            </a:r>
-            <a:endParaRPr lang="es-ES" dirty="0"/>
-          </a:p>
-        </p:txBody>
-      </p:sp>
+        </p:grpSpPr>
+        <p:sp>
+          <p:nvSpPr>
+            <p:cNvPr id="5" name="Oval 4"/>
+            <p:cNvSpPr/>
+            <p:nvPr/>
+          </p:nvSpPr>
+          <p:spPr>
+            <a:xfrm>
+              <a:off x="9330734" y="136732"/>
+              <a:ext cx="191639" cy="199697"/>
+            </a:xfrm>
+            <a:prstGeom prst="ellipse">
+              <a:avLst/>
+            </a:prstGeom>
+            <a:solidFill>
+              <a:srgbClr val="FF0000"/>
+            </a:solidFill>
+            <a:ln>
+              <a:solidFill>
+                <a:schemeClr val="tx1"/>
+              </a:solidFill>
+            </a:ln>
+          </p:spPr>
+          <p:style>
+            <a:lnRef idx="2">
+              <a:schemeClr val="accent1">
+                <a:shade val="50000"/>
+              </a:schemeClr>
+            </a:lnRef>
+            <a:fillRef idx="1">
+              <a:schemeClr val="accent1"/>
+            </a:fillRef>
+            <a:effectRef idx="0">
+              <a:schemeClr val="accent1"/>
+            </a:effectRef>
+            <a:fontRef idx="minor">
+              <a:schemeClr val="lt1"/>
+            </a:fontRef>
+          </p:style>
+          <p:txBody>
+            <a:bodyPr rtlCol="0" anchor="ctr"/>
+            <a:lstStyle/>
+            <a:p>
+              <a:pPr algn="ctr"/>
+              <a:endParaRPr lang="es-ES"/>
+            </a:p>
+          </p:txBody>
+        </p:sp>
+        <p:sp>
+          <p:nvSpPr>
+            <p:cNvPr id="6" name="Oval 5"/>
+            <p:cNvSpPr/>
+            <p:nvPr/>
+          </p:nvSpPr>
+          <p:spPr>
+            <a:xfrm>
+              <a:off x="9330734" y="461642"/>
+              <a:ext cx="191639" cy="199697"/>
+            </a:xfrm>
+            <a:prstGeom prst="ellipse">
+              <a:avLst/>
+            </a:prstGeom>
+            <a:solidFill>
+              <a:srgbClr val="00B050"/>
+            </a:solidFill>
+            <a:ln>
+              <a:solidFill>
+                <a:schemeClr val="tx1"/>
+              </a:solidFill>
+            </a:ln>
+          </p:spPr>
+          <p:style>
+            <a:lnRef idx="2">
+              <a:schemeClr val="accent1">
+                <a:shade val="50000"/>
+              </a:schemeClr>
+            </a:lnRef>
+            <a:fillRef idx="1">
+              <a:schemeClr val="accent1"/>
+            </a:fillRef>
+            <a:effectRef idx="0">
+              <a:schemeClr val="accent1"/>
+            </a:effectRef>
+            <a:fontRef idx="minor">
+              <a:schemeClr val="lt1"/>
+            </a:fontRef>
+          </p:style>
+          <p:txBody>
+            <a:bodyPr rtlCol="0" anchor="ctr"/>
+            <a:lstStyle/>
+            <a:p>
+              <a:pPr algn="ctr"/>
+              <a:endParaRPr lang="es-ES"/>
+            </a:p>
+          </p:txBody>
+        </p:sp>
+        <p:sp>
+          <p:nvSpPr>
+            <p:cNvPr id="7" name="TextBox 6"/>
+            <p:cNvSpPr txBox="1"/>
+            <p:nvPr/>
+          </p:nvSpPr>
+          <p:spPr>
+            <a:xfrm>
+              <a:off x="9522374" y="89989"/>
+              <a:ext cx="1786758" cy="707886"/>
+            </a:xfrm>
+            <a:prstGeom prst="rect">
+              <a:avLst/>
+            </a:prstGeom>
+            <a:noFill/>
+          </p:spPr>
+          <p:txBody>
+            <a:bodyPr wrap="square" rtlCol="0">
+              <a:spAutoFit/>
+            </a:bodyPr>
+            <a:lstStyle/>
+            <a:p>
+              <a:r>
+                <a:rPr lang="es-ES" sz="1600" dirty="0" smtClean="0"/>
+                <a:t>Peor solución</a:t>
+              </a:r>
+              <a:endParaRPr lang="es-ES" sz="1600" dirty="0" smtClean="0"/>
+            </a:p>
+            <a:p>
+              <a:pPr>
+                <a:lnSpc>
+                  <a:spcPct val="150000"/>
+                </a:lnSpc>
+              </a:pPr>
+              <a:r>
+                <a:rPr lang="es-ES" sz="1600" dirty="0" smtClean="0"/>
+                <a:t>Mejor solución</a:t>
+              </a:r>
+              <a:endParaRPr lang="es-ES" sz="1600" dirty="0"/>
+            </a:p>
+          </p:txBody>
+        </p:sp>
+      </p:grpSp>
     </p:spTree>
     <p:extLst>
       <p:ext uri="{BB962C8B-B14F-4D97-AF65-F5344CB8AC3E}">
-        <p14:creationId xmlns:p14="http://schemas.microsoft.com/office/powerpoint/2010/main" val="2002834614"/>
+        <p14:creationId xmlns:p14="http://schemas.microsoft.com/office/powerpoint/2010/main" val="1895955018"/>
       </p:ext>
     </p:extLst>
   </p:cSld>
@@ -3993,7 +6130,7 @@
           <a:p>
             <a:r>
               <a:rPr lang="es-ES" dirty="0" smtClean="0"/>
-              <a:t>Descripción de la implementación</a:t>
+              <a:t>Análisis preliminar de resultados</a:t>
             </a:r>
             <a:endParaRPr lang="es-ES" dirty="0"/>
           </a:p>
@@ -4030,7 +6167,7 @@
     </p:spTree>
     <p:extLst>
       <p:ext uri="{BB962C8B-B14F-4D97-AF65-F5344CB8AC3E}">
-        <p14:creationId xmlns:p14="http://schemas.microsoft.com/office/powerpoint/2010/main" val="1895955018"/>
+        <p14:creationId xmlns:p14="http://schemas.microsoft.com/office/powerpoint/2010/main" val="285103313"/>
       </p:ext>
     </p:extLst>
   </p:cSld>
@@ -4066,154 +6203,107 @@
       </p:grpSpPr>
       <p:sp>
         <p:nvSpPr>
-          <p:cNvPr id="2" name="Rectangle 1"/>
-          <p:cNvSpPr/>
-          <p:nvPr/>
+          <p:cNvPr id="2" name="Title 1"/>
+          <p:cNvSpPr>
+            <a:spLocks noGrp="1"/>
+          </p:cNvSpPr>
+          <p:nvPr>
+            <p:ph type="title"/>
+          </p:nvPr>
         </p:nvSpPr>
         <p:spPr>
           <a:xfrm>
-            <a:off x="843280" y="756652"/>
-            <a:ext cx="8656320" cy="5632311"/>
+            <a:off x="1261872" y="365760"/>
+            <a:ext cx="9692640" cy="792480"/>
           </a:xfrm>
-          <a:prstGeom prst="rect">
-            <a:avLst/>
-          </a:prstGeom>
         </p:spPr>
         <p:txBody>
-          <a:bodyPr wrap="square">
-            <a:spAutoFit/>
-          </a:bodyPr>
+          <a:bodyPr/>
           <a:lstStyle/>
           <a:p>
             <a:r>
-              <a:rPr lang="en-US" dirty="0" smtClean="0">
-                <a:latin typeface="Consolas" panose="020B0609020204030204" pitchFamily="49" charset="0"/>
-              </a:rPr>
-              <a:t>OBJECTIVE_MAX </a:t>
-            </a:r>
-            <a:r>
-              <a:rPr lang="en-US" dirty="0">
-                <a:latin typeface="Consolas" panose="020B0609020204030204" pitchFamily="49" charset="0"/>
-              </a:rPr>
-              <a:t>  = True       # goal of the optimization, True: maximization, False: minimization</a:t>
-            </a:r>
-          </a:p>
-          <a:p>
-            <a:r>
-              <a:rPr lang="en-US" dirty="0">
-                <a:latin typeface="Consolas" panose="020B0609020204030204" pitchFamily="49" charset="0"/>
-              </a:rPr>
-              <a:t>MAX_TRIALS      = 1000       # maximum number of solutions to be explored by each metaheuristic</a:t>
-            </a:r>
-          </a:p>
-          <a:p>
-            <a:r>
-              <a:rPr lang="en-US" dirty="0">
-                <a:latin typeface="Consolas" panose="020B0609020204030204" pitchFamily="49" charset="0"/>
-              </a:rPr>
-              <a:t>ECHO            = False      # printing some traces of the run</a:t>
-            </a:r>
-          </a:p>
-          <a:p>
-            <a:r>
-              <a:rPr lang="en-US" dirty="0">
-                <a:latin typeface="Consolas" panose="020B0609020204030204" pitchFamily="49" charset="0"/>
-              </a:rPr>
-              <a:t>GENERATION_SIZE =  10        # number of generations, for P-metaheuristics</a:t>
-            </a:r>
-          </a:p>
-          <a:p>
-            <a:r>
-              <a:rPr lang="en-US" dirty="0">
-                <a:latin typeface="Consolas" panose="020B0609020204030204" pitchFamily="49" charset="0"/>
-              </a:rPr>
-              <a:t>BEST_REFERENCES =   4        # number of solutions considered in the construction of the next generation, for P-metaheuristics</a:t>
-            </a:r>
-          </a:p>
-          <a:p>
-            <a:r>
-              <a:rPr lang="en-US" dirty="0">
-                <a:latin typeface="Consolas" panose="020B0609020204030204" pitchFamily="49" charset="0"/>
-              </a:rPr>
-              <a:t>GENERATIONAL    =  False     # type of replacement in P-metaheuristics, True: generational, False: SteadyState</a:t>
-            </a:r>
-          </a:p>
-          <a:p>
-            <a:r>
-              <a:rPr lang="en-US" dirty="0">
-                <a:latin typeface="Consolas" panose="020B0609020204030204" pitchFamily="49" charset="0"/>
-              </a:rPr>
-              <a:t>SYSTEMATIC_S_INI=  True      # Systematic search, True: From an arbitrary initial solution, False: not random solution</a:t>
-            </a:r>
-          </a:p>
-          <a:p>
-            <a:r>
-              <a:rPr lang="en-US" strike="sngStrike" dirty="0">
-                <a:latin typeface="Consolas" panose="020B0609020204030204" pitchFamily="49" charset="0"/>
-              </a:rPr>
-              <a:t>RUNS=1                       # Repetitions of the metaheuristics</a:t>
-            </a:r>
-          </a:p>
-          <a:p>
-            <a:r>
-              <a:rPr lang="en-US" strike="sngStrike" dirty="0">
-                <a:latin typeface="Consolas" panose="020B0609020204030204" pitchFamily="49" charset="0"/>
-              </a:rPr>
-              <a:t>CRITERION = 'TA'             # 'TA': </a:t>
-            </a:r>
-            <a:r>
-              <a:rPr lang="en-US" strike="sngStrike" dirty="0" err="1">
-                <a:latin typeface="Consolas" panose="020B0609020204030204" pitchFamily="49" charset="0"/>
-              </a:rPr>
-              <a:t>Treshold</a:t>
-            </a:r>
-            <a:r>
-              <a:rPr lang="en-US" strike="sngStrike" dirty="0">
-                <a:latin typeface="Consolas" panose="020B0609020204030204" pitchFamily="49" charset="0"/>
-              </a:rPr>
-              <a:t> accepting, 'RRT': Record-to-Record Travel</a:t>
-            </a:r>
-          </a:p>
-          <a:p>
-            <a:r>
-              <a:rPr lang="en-US" strike="sngStrike" dirty="0">
-                <a:latin typeface="Consolas" panose="020B0609020204030204" pitchFamily="49" charset="0"/>
-              </a:rPr>
-              <a:t>TRESHOLD = 1                 # For TA and RRT</a:t>
-            </a:r>
-          </a:p>
-          <a:p>
-            <a:r>
-              <a:rPr lang="en-US" dirty="0">
-                <a:latin typeface="Consolas" panose="020B0609020204030204" pitchFamily="49" charset="0"/>
-              </a:rPr>
-              <a:t>TRIALS_BEFORE_RESTART = 50   # For Local Search, trials before restart the search</a:t>
-            </a:r>
-          </a:p>
-          <a:p>
-            <a:r>
-              <a:rPr lang="en-US" dirty="0">
-                <a:latin typeface="Consolas" panose="020B0609020204030204" pitchFamily="49" charset="0"/>
-              </a:rPr>
-              <a:t>'''</a:t>
-            </a:r>
-            <a:endParaRPr lang="en-US" b="0" dirty="0">
-              <a:effectLst/>
-              <a:latin typeface="Consolas" panose="020B0609020204030204" pitchFamily="49" charset="0"/>
-            </a:endParaRPr>
+              <a:rPr lang="es-ES" dirty="0" smtClean="0"/>
+              <a:t>Análisis preliminar de resultados</a:t>
+            </a:r>
+            <a:endParaRPr lang="es-ES" dirty="0"/>
+          </a:p>
+        </p:txBody>
+      </p:sp>
+      <p:sp>
+        <p:nvSpPr>
+          <p:cNvPr id="3" name="Content Placeholder 2"/>
+          <p:cNvSpPr>
+            <a:spLocks noGrp="1"/>
+          </p:cNvSpPr>
+          <p:nvPr>
+            <p:ph idx="1"/>
+          </p:nvPr>
+        </p:nvSpPr>
+        <p:spPr>
+          <a:xfrm>
+            <a:off x="1261872" y="1341120"/>
+            <a:ext cx="8595360" cy="4910137"/>
+          </a:xfrm>
+        </p:spPr>
+        <p:txBody>
+          <a:bodyPr/>
+          <a:lstStyle/>
+          <a:p>
+            <a:r>
+              <a:rPr lang="es-ES" dirty="0" smtClean="0"/>
+              <a:t>Para las P-</a:t>
+            </a:r>
+            <a:r>
+              <a:rPr lang="es-ES" dirty="0" err="1" smtClean="0"/>
+              <a:t>Metaheurísticas</a:t>
+            </a:r>
+            <a:r>
+              <a:rPr lang="es-ES" dirty="0" smtClean="0"/>
+              <a:t> en todas las instancias la Estrategia Evolutiva dio </a:t>
+            </a:r>
+            <a:r>
+              <a:rPr lang="es-ES" dirty="0"/>
+              <a:t>mejor resultado que </a:t>
+            </a:r>
+            <a:r>
+              <a:rPr lang="es-ES" dirty="0" smtClean="0"/>
+              <a:t>el Algoritmo Genético.</a:t>
+            </a:r>
+          </a:p>
+          <a:p>
+            <a:r>
+              <a:rPr lang="es-ES" dirty="0" smtClean="0"/>
+              <a:t> Para las S-</a:t>
+            </a:r>
+            <a:r>
+              <a:rPr lang="es-ES" dirty="0" err="1" smtClean="0"/>
+              <a:t>Metaheuristicas</a:t>
+            </a:r>
+            <a:r>
+              <a:rPr lang="es-ES" dirty="0" smtClean="0"/>
+              <a:t> en todas las instancias el Camino Aleatorio dio mejor resultado que el Escalador de Colinas, lo que significa que se está estancando en mínimos	 locales.</a:t>
+            </a:r>
+            <a:endParaRPr lang="es-ES" dirty="0"/>
           </a:p>
         </p:txBody>
       </p:sp>
     </p:spTree>
     <p:extLst>
       <p:ext uri="{BB962C8B-B14F-4D97-AF65-F5344CB8AC3E}">
-        <p14:creationId xmlns:p14="http://schemas.microsoft.com/office/powerpoint/2010/main" val="1058231028"/>
+        <p14:creationId xmlns:p14="http://schemas.microsoft.com/office/powerpoint/2010/main" val="1672965399"/>
       </p:ext>
     </p:extLst>
   </p:cSld>
   <p:clrMapOvr>
     <a:masterClrMapping/>
   </p:clrMapOvr>
+  <p:timing>
+    <p:tnLst>
+      <p:par>
+        <p:cTn id="1" dur="indefinite" restart="never" nodeType="tmRoot"/>
+      </p:par>
+    </p:tnLst>
+  </p:timing>
 </p:sld>
 </file>
 
@@ -4236,60 +6326,86 @@
       </p:grpSpPr>
       <p:sp>
         <p:nvSpPr>
-          <p:cNvPr id="2" name="Rectangle 1"/>
-          <p:cNvSpPr/>
-          <p:nvPr/>
+          <p:cNvPr id="2" name="Title 1"/>
+          <p:cNvSpPr>
+            <a:spLocks noGrp="1"/>
+          </p:cNvSpPr>
+          <p:nvPr>
+            <p:ph type="ctrTitle"/>
+          </p:nvPr>
         </p:nvSpPr>
-        <p:spPr>
-          <a:xfrm>
-            <a:off x="3048000" y="2828836"/>
-            <a:ext cx="6096000" cy="1200329"/>
-          </a:xfrm>
-          <a:prstGeom prst="rect">
-            <a:avLst/>
-          </a:prstGeom>
-        </p:spPr>
+        <p:spPr/>
         <p:txBody>
-          <a:bodyPr>
-            <a:spAutoFit/>
-          </a:bodyPr>
+          <a:bodyPr/>
           <a:lstStyle/>
           <a:p>
             <a:r>
+              <a:rPr lang="es-ES" dirty="0" smtClean="0"/>
+              <a:t>PREDICCIÓN 1</a:t>
+            </a:r>
+            <a:r>
               <a:rPr lang="es-ES" dirty="0"/>
-              <a:t>valores: [0.3, 0.6, 0.0, 0.9, 0.6]</a:t>
-            </a:r>
-          </a:p>
-          <a:p>
-            <a:r>
+              <a:t/>
+            </a:r>
+            <a:br>
               <a:rPr lang="es-ES" dirty="0"/>
-              <a:t>valores: [0.3, 0.0, 0.3, 0.6, 0.0]</a:t>
-            </a:r>
-          </a:p>
-          <a:p>
-            <a:r>
-              <a:rPr lang="es-ES" dirty="0"/>
-              <a:t>valores: [0.3, 0.0, 0.3, 0.6, 0.0]</a:t>
-            </a:r>
-          </a:p>
-          <a:p>
-            <a:r>
-              <a:rPr lang="es-ES" dirty="0"/>
-              <a:t>error: 51.3</a:t>
-            </a:r>
+            </a:br>
+            <a:endParaRPr lang="es-ES" dirty="0"/>
+          </a:p>
+        </p:txBody>
+      </p:sp>
+      <p:sp>
+        <p:nvSpPr>
+          <p:cNvPr id="3" name="Subtitle 2"/>
+          <p:cNvSpPr>
+            <a:spLocks noGrp="1"/>
+          </p:cNvSpPr>
+          <p:nvPr>
+            <p:ph type="subTitle" idx="1"/>
+          </p:nvPr>
+        </p:nvSpPr>
+        <p:spPr/>
+        <p:txBody>
+          <a:bodyPr/>
+          <a:lstStyle/>
+          <a:p>
+            <a:r>
+              <a:rPr lang="es-ES" dirty="0" smtClean="0"/>
+              <a:t>Integrantes: 	</a:t>
+            </a:r>
+          </a:p>
+          <a:p>
+            <a:r>
+              <a:rPr lang="es-ES" dirty="0" smtClean="0"/>
+              <a:t>Laura González Agüero</a:t>
+            </a:r>
+          </a:p>
+          <a:p>
+            <a:r>
+              <a:rPr lang="es-ES" dirty="0" smtClean="0"/>
+              <a:t>Javier García Hernández</a:t>
+            </a:r>
+            <a:endParaRPr lang="es-ES" dirty="0"/>
           </a:p>
         </p:txBody>
       </p:sp>
     </p:spTree>
     <p:extLst>
       <p:ext uri="{BB962C8B-B14F-4D97-AF65-F5344CB8AC3E}">
-        <p14:creationId xmlns:p14="http://schemas.microsoft.com/office/powerpoint/2010/main" val="241422653"/>
+        <p14:creationId xmlns:p14="http://schemas.microsoft.com/office/powerpoint/2010/main" val="3112194187"/>
       </p:ext>
     </p:extLst>
   </p:cSld>
   <p:clrMapOvr>
     <a:masterClrMapping/>
   </p:clrMapOvr>
+  <p:timing>
+    <p:tnLst>
+      <p:par>
+        <p:cTn id="1" dur="indefinite" restart="never" nodeType="tmRoot"/>
+      </p:par>
+    </p:tnLst>
+  </p:timing>
 </p:sld>
 </file>
 
@@ -4331,151 +6447,14 @@
           <a:lstStyle/>
           <a:p>
             <a:r>
-              <a:rPr lang="es-ES" dirty="0" smtClean="0"/>
+              <a:rPr lang="es-ES" dirty="0"/>
               <a:t>Descripción general</a:t>
             </a:r>
-            <a:endParaRPr lang="es-ES" dirty="0"/>
           </a:p>
         </p:txBody>
       </p:sp>
-      <p:sp>
-        <p:nvSpPr>
-          <p:cNvPr id="3" name="Content Placeholder 2"/>
-          <p:cNvSpPr>
-            <a:spLocks noGrp="1"/>
-          </p:cNvSpPr>
-          <p:nvPr>
-            <p:ph idx="1"/>
-          </p:nvPr>
-        </p:nvSpPr>
-        <p:spPr>
-          <a:xfrm>
-            <a:off x="1261872" y="1239520"/>
-            <a:ext cx="8595360" cy="4348479"/>
-          </a:xfrm>
-        </p:spPr>
-        <p:txBody>
-          <a:bodyPr>
-            <a:normAutofit/>
-          </a:bodyPr>
-          <a:lstStyle/>
-          <a:p>
-            <a:pPr marL="0" indent="0" algn="just">
-              <a:buNone/>
-            </a:pPr>
-            <a:r>
-              <a:rPr lang="es-ES" dirty="0"/>
-              <a:t>Se tienen datos de la lluvia en varios días, así como de la cantidad de lluvia que cayó en los 5 días previos. Un investigador considera que la lluvia depende linealmente de la lluvia en los días previos de la forma: L = K1*L1 + K2*L2 + K3*L3 + K4*L4 + K5*L5, donde L es la lluvia en un día dado, mientras que Li indica la cantidad de lluvia en el día i. El investigador quiere ajustar el modelo para lo cual debe conseguir encontrar los valores K1, K2, K3, K4 y K5 que minimicen el error entre lo que indica el modelo y los valores reales guardados.</a:t>
-            </a:r>
-          </a:p>
-          <a:p>
-            <a:pPr>
-              <a:lnSpc>
-                <a:spcPct val="150000"/>
-              </a:lnSpc>
-            </a:pPr>
-            <a:r>
-              <a:rPr lang="en-US" dirty="0"/>
-              <a:t>Variables: </a:t>
-            </a:r>
-            <a:r>
-              <a:rPr lang="es-ES" dirty="0"/>
-              <a:t>K1, K2, K3, K4 y K5</a:t>
-            </a:r>
-            <a:endParaRPr lang="en-US" dirty="0"/>
-          </a:p>
-          <a:p>
-            <a:pPr>
-              <a:lnSpc>
-                <a:spcPct val="150000"/>
-              </a:lnSpc>
-            </a:pPr>
-            <a:r>
-              <a:rPr lang="es-ES" dirty="0"/>
-              <a:t>Restricciones: -</a:t>
-            </a:r>
-          </a:p>
-          <a:p>
-            <a:pPr>
-              <a:lnSpc>
-                <a:spcPct val="150000"/>
-              </a:lnSpc>
-            </a:pPr>
-            <a:r>
-              <a:rPr lang="es-ES" dirty="0"/>
-              <a:t>Objetivo: Minimización</a:t>
-            </a:r>
-            <a:endParaRPr lang="es-ES" dirty="0"/>
-          </a:p>
-        </p:txBody>
-      </p:sp>
-    </p:spTree>
-    <p:extLst>
-      <p:ext uri="{BB962C8B-B14F-4D97-AF65-F5344CB8AC3E}">
-        <p14:creationId xmlns:p14="http://schemas.microsoft.com/office/powerpoint/2010/main" val="761782049"/>
-      </p:ext>
-    </p:extLst>
-  </p:cSld>
-  <p:clrMapOvr>
-    <a:masterClrMapping/>
-  </p:clrMapOvr>
-  <p:timing>
-    <p:tnLst>
-      <p:par>
-        <p:cTn id="1" dur="indefinite" restart="never" nodeType="tmRoot"/>
-      </p:par>
-    </p:tnLst>
-  </p:timing>
-</p:sld>
-</file>
-
-<file path=ppt/slides/slide3.xml><?xml version="1.0" encoding="utf-8"?>
-<p:sld xmlns:a="http://schemas.openxmlformats.org/drawingml/2006/main" xmlns:r="http://schemas.openxmlformats.org/officeDocument/2006/relationships" xmlns:p="http://schemas.openxmlformats.org/presentationml/2006/main">
-  <p:cSld>
-    <p:spTree>
-      <p:nvGrpSpPr>
-        <p:cNvPr id="1" name=""/>
-        <p:cNvGrpSpPr/>
-        <p:nvPr/>
-      </p:nvGrpSpPr>
-      <p:grpSpPr>
-        <a:xfrm>
-          <a:off x="0" y="0"/>
-          <a:ext cx="0" cy="0"/>
-          <a:chOff x="0" y="0"/>
-          <a:chExt cx="0" cy="0"/>
-        </a:xfrm>
-      </p:grpSpPr>
-      <p:sp>
-        <p:nvSpPr>
-          <p:cNvPr id="2" name="Title 1"/>
-          <p:cNvSpPr>
-            <a:spLocks noGrp="1"/>
-          </p:cNvSpPr>
-          <p:nvPr>
-            <p:ph type="title"/>
-          </p:nvPr>
-        </p:nvSpPr>
-        <p:spPr>
-          <a:xfrm>
-            <a:off x="1261872" y="365760"/>
-            <a:ext cx="9692640" cy="721360"/>
-          </a:xfrm>
-        </p:spPr>
-        <p:txBody>
-          <a:bodyPr/>
-          <a:lstStyle/>
-          <a:p>
-            <a:r>
-              <a:rPr lang="es-ES" dirty="0"/>
-              <a:t>Descripción general</a:t>
-            </a:r>
-            <a:endParaRPr lang="es-ES" dirty="0"/>
-          </a:p>
-        </p:txBody>
-      </p:sp>
-      <mc:AlternateContent xmlns:mc="http://schemas.openxmlformats.org/markup-compatibility/2006">
-        <mc:Choice xmlns:a14="http://schemas.microsoft.com/office/drawing/2010/main" Requires="a14">
+      <mc:AlternateContent xmlns:mc="http://schemas.openxmlformats.org/markup-compatibility/2006" xmlns:a14="http://schemas.microsoft.com/office/drawing/2010/main">
+        <mc:Choice Requires="a14">
           <p:sp>
             <p:nvSpPr>
               <p:cNvPr id="3" name="Content Placeholder 2"/>
@@ -4509,22 +6488,30 @@
                         <m:chr m:val="∑"/>
                         <m:limLoc m:val="undOvr"/>
                         <m:ctrlPr>
-                          <a:rPr lang="es-ES" sz="2000"/>
+                          <a:rPr lang="es-ES" sz="2000" i="1">
+                            <a:latin typeface="Cambria Math" panose="02040503050406030204" pitchFamily="18" charset="0"/>
+                          </a:rPr>
                         </m:ctrlPr>
                       </m:naryPr>
                       <m:sub>
                         <m:r>
-                          <a:rPr lang="es-ES" sz="2000"/>
+                          <a:rPr lang="es-ES" sz="2000">
+                            <a:latin typeface="Cambria Math" panose="02040503050406030204" pitchFamily="18" charset="0"/>
+                          </a:rPr>
                           <m:t>𝑖</m:t>
                         </m:r>
                         <m:r>
-                          <a:rPr lang="es-ES" sz="2000"/>
+                          <a:rPr lang="es-ES" sz="2000">
+                            <a:latin typeface="Cambria Math" panose="02040503050406030204" pitchFamily="18" charset="0"/>
+                          </a:rPr>
                           <m:t>=1</m:t>
                         </m:r>
                       </m:sub>
                       <m:sup>
                         <m:r>
-                          <a:rPr lang="es-ES" sz="2000"/>
+                          <a:rPr lang="es-ES" sz="2000">
+                            <a:latin typeface="Cambria Math" panose="02040503050406030204" pitchFamily="18" charset="0"/>
+                          </a:rPr>
                           <m:t>𝑛</m:t>
                         </m:r>
                       </m:sup>
@@ -4532,211 +6519,293 @@
                         <m:sSup>
                           <m:sSupPr>
                             <m:ctrlPr>
-                              <a:rPr lang="es-ES" sz="2000"/>
+                              <a:rPr lang="es-ES" sz="2000" i="1">
+                                <a:latin typeface="Cambria Math" panose="02040503050406030204" pitchFamily="18" charset="0"/>
+                              </a:rPr>
                             </m:ctrlPr>
                           </m:sSupPr>
                           <m:e>
                             <m:r>
-                              <a:rPr lang="es-ES" sz="2000"/>
+                              <a:rPr lang="es-ES" sz="2000">
+                                <a:latin typeface="Cambria Math" panose="02040503050406030204" pitchFamily="18" charset="0"/>
+                              </a:rPr>
                               <m:t>(</m:t>
                             </m:r>
                             <m:sSub>
                               <m:sSubPr>
                                 <m:ctrlPr>
-                                  <a:rPr lang="es-ES" sz="2000"/>
+                                  <a:rPr lang="es-ES" sz="2000" i="1">
+                                    <a:latin typeface="Cambria Math" panose="02040503050406030204" pitchFamily="18" charset="0"/>
+                                  </a:rPr>
                                 </m:ctrlPr>
                               </m:sSubPr>
                               <m:e>
                                 <m:r>
-                                  <a:rPr lang="es-ES" sz="2000"/>
+                                  <a:rPr lang="es-ES" sz="2000">
+                                    <a:latin typeface="Cambria Math" panose="02040503050406030204" pitchFamily="18" charset="0"/>
+                                  </a:rPr>
                                   <m:t>𝐿</m:t>
                                 </m:r>
                               </m:e>
                               <m:sub>
                                 <m:r>
-                                  <a:rPr lang="es-ES" sz="2000"/>
+                                  <a:rPr lang="es-ES" sz="2000">
+                                    <a:latin typeface="Cambria Math" panose="02040503050406030204" pitchFamily="18" charset="0"/>
+                                  </a:rPr>
                                   <m:t>𝑖</m:t>
                                 </m:r>
                               </m:sub>
                             </m:sSub>
                             <m:r>
-                              <a:rPr lang="es-ES" sz="2000"/>
+                              <a:rPr lang="es-ES" sz="2000">
+                                <a:latin typeface="Cambria Math" panose="02040503050406030204" pitchFamily="18" charset="0"/>
+                              </a:rPr>
                               <m:t>−</m:t>
                             </m:r>
                             <m:d>
                               <m:dPr>
                                 <m:ctrlPr>
-                                  <a:rPr lang="es-ES" sz="2000"/>
+                                  <a:rPr lang="es-ES" sz="2000" i="1">
+                                    <a:latin typeface="Cambria Math" panose="02040503050406030204" pitchFamily="18" charset="0"/>
+                                  </a:rPr>
                                 </m:ctrlPr>
                               </m:dPr>
                               <m:e>
                                 <m:r>
-                                  <a:rPr lang="es-ES" sz="2000"/>
+                                  <a:rPr lang="es-ES" sz="2000">
+                                    <a:latin typeface="Cambria Math" panose="02040503050406030204" pitchFamily="18" charset="0"/>
+                                  </a:rPr>
                                   <m:t>𝐾</m:t>
                                 </m:r>
                                 <m:r>
-                                  <a:rPr lang="es-ES" sz="2000"/>
+                                  <a:rPr lang="es-ES" sz="2000">
+                                    <a:latin typeface="Cambria Math" panose="02040503050406030204" pitchFamily="18" charset="0"/>
+                                  </a:rPr>
                                   <m:t>1∗</m:t>
                                 </m:r>
                                 <m:sSub>
                                   <m:sSubPr>
                                     <m:ctrlPr>
-                                      <a:rPr lang="es-ES" sz="2000"/>
+                                      <a:rPr lang="es-ES" sz="2000" i="1">
+                                        <a:latin typeface="Cambria Math" panose="02040503050406030204" pitchFamily="18" charset="0"/>
+                                      </a:rPr>
                                     </m:ctrlPr>
                                   </m:sSubPr>
                                   <m:e>
                                     <m:r>
-                                      <a:rPr lang="es-ES" sz="2000"/>
+                                      <a:rPr lang="es-ES" sz="2000">
+                                        <a:latin typeface="Cambria Math" panose="02040503050406030204" pitchFamily="18" charset="0"/>
+                                      </a:rPr>
                                       <m:t>𝐿</m:t>
                                     </m:r>
                                   </m:e>
                                   <m:sub>
                                     <m:r>
-                                      <a:rPr lang="es-ES" sz="2000"/>
+                                      <a:rPr lang="es-ES" sz="2000">
+                                        <a:latin typeface="Cambria Math" panose="02040503050406030204" pitchFamily="18" charset="0"/>
+                                      </a:rPr>
                                       <m:t>𝑖</m:t>
                                     </m:r>
                                     <m:r>
-                                      <a:rPr lang="es-ES" sz="2000"/>
+                                      <a:rPr lang="es-ES" sz="2000">
+                                        <a:latin typeface="Cambria Math" panose="02040503050406030204" pitchFamily="18" charset="0"/>
+                                      </a:rPr>
                                       <m:t>−1</m:t>
                                     </m:r>
                                   </m:sub>
                                 </m:sSub>
                                 <m:r>
-                                  <a:rPr lang="es-ES" sz="2000"/>
+                                  <a:rPr lang="es-ES" sz="2000">
+                                    <a:latin typeface="Cambria Math" panose="02040503050406030204" pitchFamily="18" charset="0"/>
+                                  </a:rPr>
                                   <m:t>+</m:t>
                                 </m:r>
                                 <m:r>
-                                  <a:rPr lang="es-ES" sz="2000"/>
+                                  <a:rPr lang="es-ES" sz="2000">
+                                    <a:latin typeface="Cambria Math" panose="02040503050406030204" pitchFamily="18" charset="0"/>
+                                  </a:rPr>
                                   <m:t>𝐾</m:t>
                                 </m:r>
                                 <m:r>
-                                  <a:rPr lang="es-ES" sz="2000"/>
+                                  <a:rPr lang="es-ES" sz="2000">
+                                    <a:latin typeface="Cambria Math" panose="02040503050406030204" pitchFamily="18" charset="0"/>
+                                  </a:rPr>
                                   <m:t>2∗</m:t>
                                 </m:r>
                                 <m:sSub>
                                   <m:sSubPr>
                                     <m:ctrlPr>
-                                      <a:rPr lang="es-ES" sz="2000"/>
+                                      <a:rPr lang="es-ES" sz="2000" i="1">
+                                        <a:latin typeface="Cambria Math" panose="02040503050406030204" pitchFamily="18" charset="0"/>
+                                      </a:rPr>
                                     </m:ctrlPr>
                                   </m:sSubPr>
                                   <m:e>
                                     <m:r>
-                                      <a:rPr lang="es-ES" sz="2000"/>
+                                      <a:rPr lang="es-ES" sz="2000">
+                                        <a:latin typeface="Cambria Math" panose="02040503050406030204" pitchFamily="18" charset="0"/>
+                                      </a:rPr>
                                       <m:t>𝐿</m:t>
                                     </m:r>
                                   </m:e>
                                   <m:sub>
                                     <m:r>
-                                      <a:rPr lang="es-ES" sz="2000"/>
+                                      <a:rPr lang="es-ES" sz="2000">
+                                        <a:latin typeface="Cambria Math" panose="02040503050406030204" pitchFamily="18" charset="0"/>
+                                      </a:rPr>
                                       <m:t>𝑖</m:t>
                                     </m:r>
                                     <m:r>
-                                      <a:rPr lang="es-ES" sz="2000"/>
+                                      <a:rPr lang="es-ES" sz="2000">
+                                        <a:latin typeface="Cambria Math" panose="02040503050406030204" pitchFamily="18" charset="0"/>
+                                      </a:rPr>
                                       <m:t>−2</m:t>
                                     </m:r>
                                   </m:sub>
                                 </m:sSub>
                                 <m:r>
-                                  <a:rPr lang="es-ES" sz="2000"/>
+                                  <a:rPr lang="es-ES" sz="2000">
+                                    <a:latin typeface="Cambria Math" panose="02040503050406030204" pitchFamily="18" charset="0"/>
+                                  </a:rPr>
                                   <m:t>+</m:t>
                                 </m:r>
                                 <m:r>
-                                  <a:rPr lang="es-ES" sz="2000"/>
+                                  <a:rPr lang="es-ES" sz="2000">
+                                    <a:latin typeface="Cambria Math" panose="02040503050406030204" pitchFamily="18" charset="0"/>
+                                  </a:rPr>
                                   <m:t>𝐾</m:t>
                                 </m:r>
                                 <m:r>
-                                  <a:rPr lang="es-ES" sz="2000"/>
+                                  <a:rPr lang="es-ES" sz="2000">
+                                    <a:latin typeface="Cambria Math" panose="02040503050406030204" pitchFamily="18" charset="0"/>
+                                  </a:rPr>
                                   <m:t>3∗</m:t>
                                 </m:r>
                                 <m:sSub>
                                   <m:sSubPr>
                                     <m:ctrlPr>
-                                      <a:rPr lang="es-ES" sz="2000"/>
+                                      <a:rPr lang="es-ES" sz="2000" i="1">
+                                        <a:latin typeface="Cambria Math" panose="02040503050406030204" pitchFamily="18" charset="0"/>
+                                      </a:rPr>
                                     </m:ctrlPr>
                                   </m:sSubPr>
                                   <m:e>
                                     <m:r>
-                                      <a:rPr lang="es-ES" sz="2000"/>
+                                      <a:rPr lang="es-ES" sz="2000">
+                                        <a:latin typeface="Cambria Math" panose="02040503050406030204" pitchFamily="18" charset="0"/>
+                                      </a:rPr>
                                       <m:t>𝐿</m:t>
                                     </m:r>
                                   </m:e>
                                   <m:sub>
                                     <m:r>
-                                      <a:rPr lang="es-ES" sz="2000"/>
+                                      <a:rPr lang="es-ES" sz="2000">
+                                        <a:latin typeface="Cambria Math" panose="02040503050406030204" pitchFamily="18" charset="0"/>
+                                      </a:rPr>
                                       <m:t>𝑖</m:t>
                                     </m:r>
                                     <m:r>
-                                      <a:rPr lang="es-ES" sz="2000"/>
+                                      <a:rPr lang="es-ES" sz="2000">
+                                        <a:latin typeface="Cambria Math" panose="02040503050406030204" pitchFamily="18" charset="0"/>
+                                      </a:rPr>
                                       <m:t>−3</m:t>
                                     </m:r>
                                   </m:sub>
                                 </m:sSub>
                                 <m:r>
-                                  <a:rPr lang="es-ES" sz="2000"/>
+                                  <a:rPr lang="es-ES" sz="2000">
+                                    <a:latin typeface="Cambria Math" panose="02040503050406030204" pitchFamily="18" charset="0"/>
+                                  </a:rPr>
                                   <m:t>+</m:t>
                                 </m:r>
                                 <m:r>
-                                  <a:rPr lang="es-ES" sz="2000"/>
+                                  <a:rPr lang="es-ES" sz="2000">
+                                    <a:latin typeface="Cambria Math" panose="02040503050406030204" pitchFamily="18" charset="0"/>
+                                  </a:rPr>
                                   <m:t>𝐾</m:t>
                                 </m:r>
                                 <m:r>
-                                  <a:rPr lang="es-ES" sz="2000"/>
+                                  <a:rPr lang="es-ES" sz="2000">
+                                    <a:latin typeface="Cambria Math" panose="02040503050406030204" pitchFamily="18" charset="0"/>
+                                  </a:rPr>
                                   <m:t>4∗</m:t>
                                 </m:r>
                                 <m:sSub>
                                   <m:sSubPr>
                                     <m:ctrlPr>
-                                      <a:rPr lang="es-ES" sz="2000"/>
+                                      <a:rPr lang="es-ES" sz="2000" i="1">
+                                        <a:latin typeface="Cambria Math" panose="02040503050406030204" pitchFamily="18" charset="0"/>
+                                      </a:rPr>
                                     </m:ctrlPr>
                                   </m:sSubPr>
                                   <m:e>
                                     <m:r>
-                                      <a:rPr lang="es-ES" sz="2000"/>
+                                      <a:rPr lang="es-ES" sz="2000">
+                                        <a:latin typeface="Cambria Math" panose="02040503050406030204" pitchFamily="18" charset="0"/>
+                                      </a:rPr>
                                       <m:t>𝐿</m:t>
                                     </m:r>
                                   </m:e>
                                   <m:sub>
                                     <m:r>
-                                      <a:rPr lang="es-ES" sz="2000"/>
+                                      <a:rPr lang="es-ES" sz="2000">
+                                        <a:latin typeface="Cambria Math" panose="02040503050406030204" pitchFamily="18" charset="0"/>
+                                      </a:rPr>
                                       <m:t>𝑖</m:t>
                                     </m:r>
                                     <m:r>
-                                      <a:rPr lang="es-ES" sz="2000"/>
+                                      <a:rPr lang="es-ES" sz="2000">
+                                        <a:latin typeface="Cambria Math" panose="02040503050406030204" pitchFamily="18" charset="0"/>
+                                      </a:rPr>
                                       <m:t>−4</m:t>
                                     </m:r>
                                   </m:sub>
                                 </m:sSub>
                                 <m:r>
-                                  <a:rPr lang="es-ES" sz="2000"/>
+                                  <a:rPr lang="es-ES" sz="2000">
+                                    <a:latin typeface="Cambria Math" panose="02040503050406030204" pitchFamily="18" charset="0"/>
+                                  </a:rPr>
                                   <m:t>+</m:t>
                                 </m:r>
                                 <m:r>
-                                  <a:rPr lang="es-ES" sz="2000"/>
+                                  <a:rPr lang="es-ES" sz="2000">
+                                    <a:latin typeface="Cambria Math" panose="02040503050406030204" pitchFamily="18" charset="0"/>
+                                  </a:rPr>
                                   <m:t>𝐾</m:t>
                                 </m:r>
                                 <m:r>
-                                  <a:rPr lang="es-ES" sz="2000"/>
+                                  <a:rPr lang="es-ES" sz="2000">
+                                    <a:latin typeface="Cambria Math" panose="02040503050406030204" pitchFamily="18" charset="0"/>
+                                  </a:rPr>
                                   <m:t>5∗</m:t>
                                 </m:r>
                                 <m:sSub>
                                   <m:sSubPr>
                                     <m:ctrlPr>
-                                      <a:rPr lang="es-ES" sz="2000"/>
+                                      <a:rPr lang="es-ES" sz="2000" i="1">
+                                        <a:latin typeface="Cambria Math" panose="02040503050406030204" pitchFamily="18" charset="0"/>
+                                      </a:rPr>
                                     </m:ctrlPr>
                                   </m:sSubPr>
                                   <m:e>
                                     <m:r>
-                                      <a:rPr lang="es-ES" sz="2000"/>
+                                      <a:rPr lang="es-ES" sz="2000">
+                                        <a:latin typeface="Cambria Math" panose="02040503050406030204" pitchFamily="18" charset="0"/>
+                                      </a:rPr>
                                       <m:t>𝐿</m:t>
                                     </m:r>
                                   </m:e>
                                   <m:sub>
                                     <m:r>
-                                      <a:rPr lang="es-ES" sz="2000"/>
+                                      <a:rPr lang="es-ES" sz="2000">
+                                        <a:latin typeface="Cambria Math" panose="02040503050406030204" pitchFamily="18" charset="0"/>
+                                      </a:rPr>
                                       <m:t>𝑖</m:t>
                                     </m:r>
                                     <m:r>
-                                      <a:rPr lang="es-ES" sz="2000"/>
+                                      <a:rPr lang="es-ES" sz="2000">
+                                        <a:latin typeface="Cambria Math" panose="02040503050406030204" pitchFamily="18" charset="0"/>
+                                      </a:rPr>
                                       <m:t>−5</m:t>
                                     </m:r>
                                   </m:sub>
@@ -4744,13 +6813,17 @@
                               </m:e>
                             </m:d>
                             <m:r>
-                              <a:rPr lang="es-ES" sz="2000"/>
+                              <a:rPr lang="es-ES" sz="2000">
+                                <a:latin typeface="Cambria Math" panose="02040503050406030204" pitchFamily="18" charset="0"/>
+                              </a:rPr>
                               <m:t>)</m:t>
                             </m:r>
                           </m:e>
                           <m:sup>
                             <m:r>
-                              <a:rPr lang="es-ES" sz="2000"/>
+                              <a:rPr lang="es-ES" sz="2000">
+                                <a:latin typeface="Cambria Math" panose="02040503050406030204" pitchFamily="18" charset="0"/>
+                              </a:rPr>
                               <m:t>2</m:t>
                             </m:r>
                           </m:sup>
@@ -4788,7 +6861,9 @@
                 <a14:m>
                   <m:oMath xmlns:m="http://schemas.openxmlformats.org/officeDocument/2006/math">
                     <m:r>
-                      <a:rPr lang="es-ES" sz="2000"/>
+                      <a:rPr lang="es-ES" sz="2000">
+                        <a:latin typeface="Cambria Math" panose="02040503050406030204" pitchFamily="18" charset="0"/>
+                      </a:rPr>
                       <m:t>𝑛</m:t>
                     </m:r>
                   </m:oMath>
@@ -4808,18 +6883,24 @@
                     <m:sSub>
                       <m:sSubPr>
                         <m:ctrlPr>
-                          <a:rPr lang="es-ES" sz="2000"/>
+                          <a:rPr lang="es-ES" sz="2000" i="1">
+                            <a:latin typeface="Cambria Math" panose="02040503050406030204" pitchFamily="18" charset="0"/>
+                          </a:rPr>
                         </m:ctrlPr>
                       </m:sSubPr>
                       <m:e>
                         <m:r>
-                          <a:rPr lang="es-ES" sz="2000"/>
+                          <a:rPr lang="es-ES" sz="2000">
+                            <a:latin typeface="Cambria Math" panose="02040503050406030204" pitchFamily="18" charset="0"/>
+                          </a:rPr>
                           <m:t>𝐿</m:t>
                         </m:r>
                       </m:e>
                       <m:sub>
                         <m:r>
-                          <a:rPr lang="es-ES" sz="2000"/>
+                          <a:rPr lang="es-ES" sz="2000">
+                            <a:latin typeface="Cambria Math" panose="02040503050406030204" pitchFamily="18" charset="0"/>
+                          </a:rPr>
                           <m:t>𝑖</m:t>
                         </m:r>
                       </m:sub>
@@ -4833,7 +6914,9 @@
                 <a14:m>
                   <m:oMath xmlns:m="http://schemas.openxmlformats.org/officeDocument/2006/math">
                     <m:r>
-                      <a:rPr lang="es-ES" sz="2000"/>
+                      <a:rPr lang="es-ES" sz="2000">
+                        <a:latin typeface="Cambria Math" panose="02040503050406030204" pitchFamily="18" charset="0"/>
+                      </a:rPr>
                       <m:t>𝑖</m:t>
                     </m:r>
                   </m:oMath>
@@ -4850,130 +6933,178 @@
                     <m:sSub>
                       <m:sSubPr>
                         <m:ctrlPr>
-                          <a:rPr lang="es-ES" sz="2000"/>
+                          <a:rPr lang="es-ES" sz="2000" i="1">
+                            <a:latin typeface="Cambria Math" panose="02040503050406030204" pitchFamily="18" charset="0"/>
+                          </a:rPr>
                         </m:ctrlPr>
                       </m:sSubPr>
                       <m:e>
                         <m:r>
-                          <a:rPr lang="es-ES" sz="2000"/>
+                          <a:rPr lang="es-ES" sz="2000">
+                            <a:latin typeface="Cambria Math" panose="02040503050406030204" pitchFamily="18" charset="0"/>
+                          </a:rPr>
                           <m:t>𝐿</m:t>
                         </m:r>
                       </m:e>
                       <m:sub>
                         <m:r>
-                          <a:rPr lang="es-ES" sz="2000"/>
+                          <a:rPr lang="es-ES" sz="2000">
+                            <a:latin typeface="Cambria Math" panose="02040503050406030204" pitchFamily="18" charset="0"/>
+                          </a:rPr>
                           <m:t>𝑖</m:t>
                         </m:r>
                         <m:r>
-                          <a:rPr lang="es-ES" sz="2000"/>
+                          <a:rPr lang="es-ES" sz="2000">
+                            <a:latin typeface="Cambria Math" panose="02040503050406030204" pitchFamily="18" charset="0"/>
+                          </a:rPr>
                           <m:t>−1</m:t>
                         </m:r>
                       </m:sub>
                     </m:sSub>
                     <m:r>
-                      <a:rPr lang="es-ES" sz="2000"/>
+                      <a:rPr lang="es-ES" sz="2000">
+                        <a:latin typeface="Cambria Math" panose="02040503050406030204" pitchFamily="18" charset="0"/>
+                      </a:rPr>
                       <m:t>,  </m:t>
                     </m:r>
                     <m:sSub>
                       <m:sSubPr>
                         <m:ctrlPr>
-                          <a:rPr lang="es-ES" sz="2000"/>
+                          <a:rPr lang="es-ES" sz="2000" i="1">
+                            <a:latin typeface="Cambria Math" panose="02040503050406030204" pitchFamily="18" charset="0"/>
+                          </a:rPr>
                         </m:ctrlPr>
                       </m:sSubPr>
                       <m:e>
                         <m:r>
-                          <a:rPr lang="es-ES" sz="2000"/>
+                          <a:rPr lang="es-ES" sz="2000">
+                            <a:latin typeface="Cambria Math" panose="02040503050406030204" pitchFamily="18" charset="0"/>
+                          </a:rPr>
                           <m:t>𝐿</m:t>
                         </m:r>
                       </m:e>
                       <m:sub>
                         <m:r>
-                          <a:rPr lang="es-ES" sz="2000"/>
+                          <a:rPr lang="es-ES" sz="2000">
+                            <a:latin typeface="Cambria Math" panose="02040503050406030204" pitchFamily="18" charset="0"/>
+                          </a:rPr>
                           <m:t>𝑖</m:t>
                         </m:r>
                         <m:r>
-                          <a:rPr lang="es-ES" sz="2000"/>
+                          <a:rPr lang="es-ES" sz="2000">
+                            <a:latin typeface="Cambria Math" panose="02040503050406030204" pitchFamily="18" charset="0"/>
+                          </a:rPr>
                           <m:t>−2</m:t>
                         </m:r>
                       </m:sub>
                     </m:sSub>
                     <m:r>
-                      <a:rPr lang="es-ES" sz="2000"/>
+                      <a:rPr lang="es-ES" sz="2000">
+                        <a:latin typeface="Cambria Math" panose="02040503050406030204" pitchFamily="18" charset="0"/>
+                      </a:rPr>
                       <m:t>,  </m:t>
                     </m:r>
                     <m:sSub>
                       <m:sSubPr>
                         <m:ctrlPr>
-                          <a:rPr lang="es-ES" sz="2000"/>
+                          <a:rPr lang="es-ES" sz="2000" i="1">
+                            <a:latin typeface="Cambria Math" panose="02040503050406030204" pitchFamily="18" charset="0"/>
+                          </a:rPr>
                         </m:ctrlPr>
                       </m:sSubPr>
                       <m:e>
                         <m:r>
-                          <a:rPr lang="es-ES" sz="2000"/>
+                          <a:rPr lang="es-ES" sz="2000">
+                            <a:latin typeface="Cambria Math" panose="02040503050406030204" pitchFamily="18" charset="0"/>
+                          </a:rPr>
                           <m:t>𝐿</m:t>
                         </m:r>
                       </m:e>
                       <m:sub>
                         <m:r>
-                          <a:rPr lang="es-ES" sz="2000"/>
+                          <a:rPr lang="es-ES" sz="2000">
+                            <a:latin typeface="Cambria Math" panose="02040503050406030204" pitchFamily="18" charset="0"/>
+                          </a:rPr>
                           <m:t>𝑖</m:t>
                         </m:r>
                         <m:r>
-                          <a:rPr lang="es-ES" sz="2000"/>
+                          <a:rPr lang="es-ES" sz="2000">
+                            <a:latin typeface="Cambria Math" panose="02040503050406030204" pitchFamily="18" charset="0"/>
+                          </a:rPr>
                           <m:t>−3</m:t>
                         </m:r>
                       </m:sub>
                     </m:sSub>
                     <m:r>
-                      <a:rPr lang="es-ES" sz="2000"/>
+                      <a:rPr lang="es-ES" sz="2000">
+                        <a:latin typeface="Cambria Math" panose="02040503050406030204" pitchFamily="18" charset="0"/>
+                      </a:rPr>
                       <m:t>,  </m:t>
                     </m:r>
                     <m:sSub>
                       <m:sSubPr>
                         <m:ctrlPr>
-                          <a:rPr lang="es-ES" sz="2000"/>
+                          <a:rPr lang="es-ES" sz="2000" i="1">
+                            <a:latin typeface="Cambria Math" panose="02040503050406030204" pitchFamily="18" charset="0"/>
+                          </a:rPr>
                         </m:ctrlPr>
                       </m:sSubPr>
                       <m:e>
                         <m:r>
-                          <a:rPr lang="es-ES" sz="2000"/>
+                          <a:rPr lang="es-ES" sz="2000">
+                            <a:latin typeface="Cambria Math" panose="02040503050406030204" pitchFamily="18" charset="0"/>
+                          </a:rPr>
                           <m:t>𝐿</m:t>
                         </m:r>
                       </m:e>
                       <m:sub>
                         <m:r>
-                          <a:rPr lang="es-ES" sz="2000"/>
+                          <a:rPr lang="es-ES" sz="2000">
+                            <a:latin typeface="Cambria Math" panose="02040503050406030204" pitchFamily="18" charset="0"/>
+                          </a:rPr>
                           <m:t>𝑖</m:t>
                         </m:r>
                         <m:r>
-                          <a:rPr lang="es-ES" sz="2000"/>
+                          <a:rPr lang="es-ES" sz="2000">
+                            <a:latin typeface="Cambria Math" panose="02040503050406030204" pitchFamily="18" charset="0"/>
+                          </a:rPr>
                           <m:t>−4</m:t>
                         </m:r>
                       </m:sub>
                     </m:sSub>
                     <m:r>
-                      <a:rPr lang="es-ES" sz="2000"/>
+                      <a:rPr lang="es-ES" sz="2000">
+                        <a:latin typeface="Cambria Math" panose="02040503050406030204" pitchFamily="18" charset="0"/>
+                      </a:rPr>
                       <m:t>,  </m:t>
                     </m:r>
                     <m:sSub>
                       <m:sSubPr>
                         <m:ctrlPr>
-                          <a:rPr lang="es-ES" sz="2000"/>
+                          <a:rPr lang="es-ES" sz="2000" i="1">
+                            <a:latin typeface="Cambria Math" panose="02040503050406030204" pitchFamily="18" charset="0"/>
+                          </a:rPr>
                         </m:ctrlPr>
                       </m:sSubPr>
                       <m:e>
                         <m:r>
-                          <a:rPr lang="es-ES" sz="2000"/>
+                          <a:rPr lang="es-ES" sz="2000">
+                            <a:latin typeface="Cambria Math" panose="02040503050406030204" pitchFamily="18" charset="0"/>
+                          </a:rPr>
                           <m:t>𝐿</m:t>
                         </m:r>
                       </m:e>
                       <m:sub>
                         <m:r>
-                          <a:rPr lang="es-ES" sz="2000"/>
+                          <a:rPr lang="es-ES" sz="2000">
+                            <a:latin typeface="Cambria Math" panose="02040503050406030204" pitchFamily="18" charset="0"/>
+                          </a:rPr>
                           <m:t>𝑖</m:t>
                         </m:r>
                         <m:r>
-                          <a:rPr lang="es-ES" sz="2000"/>
+                          <a:rPr lang="es-ES" sz="2000">
+                            <a:latin typeface="Cambria Math" panose="02040503050406030204" pitchFamily="18" charset="0"/>
+                          </a:rPr>
                           <m:t>−5</m:t>
                         </m:r>
                       </m:sub>
@@ -4987,7 +7118,9 @@
                 <a14:m>
                   <m:oMath xmlns:m="http://schemas.openxmlformats.org/officeDocument/2006/math">
                     <m:r>
-                      <a:rPr lang="es-ES" sz="2000"/>
+                      <a:rPr lang="es-ES" sz="2000">
+                        <a:latin typeface="Cambria Math" panose="02040503050406030204" pitchFamily="18" charset="0"/>
+                      </a:rPr>
                       <m:t>𝑖</m:t>
                     </m:r>
                   </m:oMath>
@@ -5002,43 +7135,63 @@
                 <a14:m>
                   <m:oMath xmlns:m="http://schemas.openxmlformats.org/officeDocument/2006/math">
                     <m:r>
-                      <a:rPr lang="es-ES" sz="2000"/>
+                      <a:rPr lang="es-ES" sz="2000">
+                        <a:latin typeface="Cambria Math" panose="02040503050406030204" pitchFamily="18" charset="0"/>
+                      </a:rPr>
                       <m:t>𝐾</m:t>
                     </m:r>
                     <m:r>
-                      <a:rPr lang="es-ES" sz="2000"/>
+                      <a:rPr lang="es-ES" sz="2000">
+                        <a:latin typeface="Cambria Math" panose="02040503050406030204" pitchFamily="18" charset="0"/>
+                      </a:rPr>
                       <m:t>1,  </m:t>
                     </m:r>
                     <m:r>
-                      <a:rPr lang="es-ES" sz="2000"/>
+                      <a:rPr lang="es-ES" sz="2000">
+                        <a:latin typeface="Cambria Math" panose="02040503050406030204" pitchFamily="18" charset="0"/>
+                      </a:rPr>
                       <m:t>𝐾</m:t>
                     </m:r>
                     <m:r>
-                      <a:rPr lang="es-ES" sz="2000"/>
+                      <a:rPr lang="es-ES" sz="2000">
+                        <a:latin typeface="Cambria Math" panose="02040503050406030204" pitchFamily="18" charset="0"/>
+                      </a:rPr>
                       <m:t>2,  </m:t>
                     </m:r>
                     <m:r>
-                      <a:rPr lang="es-ES" sz="2000"/>
+                      <a:rPr lang="es-ES" sz="2000">
+                        <a:latin typeface="Cambria Math" panose="02040503050406030204" pitchFamily="18" charset="0"/>
+                      </a:rPr>
                       <m:t>𝐾</m:t>
                     </m:r>
                     <m:r>
-                      <a:rPr lang="es-ES" sz="2000"/>
+                      <a:rPr lang="es-ES" sz="2000">
+                        <a:latin typeface="Cambria Math" panose="02040503050406030204" pitchFamily="18" charset="0"/>
+                      </a:rPr>
                       <m:t>3,  </m:t>
                     </m:r>
                     <m:r>
-                      <a:rPr lang="es-ES" sz="2000"/>
+                      <a:rPr lang="es-ES" sz="2000">
+                        <a:latin typeface="Cambria Math" panose="02040503050406030204" pitchFamily="18" charset="0"/>
+                      </a:rPr>
                       <m:t>𝐾</m:t>
                     </m:r>
                     <m:r>
-                      <a:rPr lang="es-ES" sz="2000"/>
+                      <a:rPr lang="es-ES" sz="2000">
+                        <a:latin typeface="Cambria Math" panose="02040503050406030204" pitchFamily="18" charset="0"/>
+                      </a:rPr>
                       <m:t>4,  </m:t>
                     </m:r>
                     <m:r>
-                      <a:rPr lang="es-ES" sz="2000"/>
+                      <a:rPr lang="es-ES" sz="2000">
+                        <a:latin typeface="Cambria Math" panose="02040503050406030204" pitchFamily="18" charset="0"/>
+                      </a:rPr>
                       <m:t>𝐾</m:t>
                     </m:r>
                     <m:r>
-                      <a:rPr lang="es-ES" sz="2000"/>
+                      <a:rPr lang="es-ES" sz="2000">
+                        <a:latin typeface="Cambria Math" panose="02040503050406030204" pitchFamily="18" charset="0"/>
+                      </a:rPr>
                       <m:t>5</m:t>
                     </m:r>
                   </m:oMath>
@@ -5051,7 +7204,7 @@
             </p:txBody>
           </p:sp>
         </mc:Choice>
-        <mc:Fallback>
+        <mc:Fallback xmlns="">
           <p:sp>
             <p:nvSpPr>
               <p:cNvPr id="3" name="Content Placeholder 2"/>
@@ -5109,6 +7262,146 @@
 </p:sld>
 </file>
 
+<file path=ppt/slides/slide3.xml><?xml version="1.0" encoding="utf-8"?>
+<p:sld xmlns:a="http://schemas.openxmlformats.org/drawingml/2006/main" xmlns:r="http://schemas.openxmlformats.org/officeDocument/2006/relationships" xmlns:p="http://schemas.openxmlformats.org/presentationml/2006/main">
+  <p:cSld>
+    <p:spTree>
+      <p:nvGrpSpPr>
+        <p:cNvPr id="1" name=""/>
+        <p:cNvGrpSpPr/>
+        <p:nvPr/>
+      </p:nvGrpSpPr>
+      <p:grpSpPr>
+        <a:xfrm>
+          <a:off x="0" y="0"/>
+          <a:ext cx="0" cy="0"/>
+          <a:chOff x="0" y="0"/>
+          <a:chExt cx="0" cy="0"/>
+        </a:xfrm>
+      </p:grpSpPr>
+      <p:sp>
+        <p:nvSpPr>
+          <p:cNvPr id="2" name="Title 1"/>
+          <p:cNvSpPr>
+            <a:spLocks noGrp="1"/>
+          </p:cNvSpPr>
+          <p:nvPr>
+            <p:ph type="title"/>
+          </p:nvPr>
+        </p:nvSpPr>
+        <p:spPr>
+          <a:xfrm>
+            <a:off x="1261872" y="365760"/>
+            <a:ext cx="9692640" cy="721360"/>
+          </a:xfrm>
+        </p:spPr>
+        <p:txBody>
+          <a:bodyPr/>
+          <a:lstStyle/>
+          <a:p>
+            <a:r>
+              <a:rPr lang="es-ES" dirty="0" smtClean="0"/>
+              <a:t>Descripción general</a:t>
+            </a:r>
+            <a:endParaRPr lang="es-ES" dirty="0"/>
+          </a:p>
+        </p:txBody>
+      </p:sp>
+      <p:sp>
+        <p:nvSpPr>
+          <p:cNvPr id="3" name="Content Placeholder 2"/>
+          <p:cNvSpPr>
+            <a:spLocks noGrp="1"/>
+          </p:cNvSpPr>
+          <p:nvPr>
+            <p:ph idx="1"/>
+          </p:nvPr>
+        </p:nvSpPr>
+        <p:spPr>
+          <a:xfrm>
+            <a:off x="1261872" y="1239520"/>
+            <a:ext cx="8595360" cy="4348479"/>
+          </a:xfrm>
+        </p:spPr>
+        <p:txBody>
+          <a:bodyPr>
+            <a:normAutofit/>
+          </a:bodyPr>
+          <a:lstStyle/>
+          <a:p>
+            <a:pPr marL="0" indent="0" algn="just">
+              <a:buNone/>
+            </a:pPr>
+            <a:r>
+              <a:rPr lang="es-ES" dirty="0"/>
+              <a:t>Se tienen datos de la lluvia en varios días, así como de la cantidad de lluvia que cayó en los 5 días previos. Un investigador considera que la lluvia depende linealmente de la lluvia en los días previos de la forma: L = K1*L1 + K2*L2 + K3*L3 + K4*L4 + K5*L5, donde L es la lluvia en un día dado, mientras que Li indica la cantidad de lluvia en el día i. El investigador quiere ajustar el modelo para lo cual debe conseguir encontrar los valores K1, K2, K3, K4 y K5 que minimicen el error entre lo que indica el modelo y los valores reales guardados.</a:t>
+            </a:r>
+          </a:p>
+          <a:p>
+            <a:pPr>
+              <a:lnSpc>
+                <a:spcPct val="150000"/>
+              </a:lnSpc>
+            </a:pPr>
+            <a:r>
+              <a:rPr lang="en-US" dirty="0"/>
+              <a:t>Variables: </a:t>
+            </a:r>
+            <a:r>
+              <a:rPr lang="es-ES" dirty="0"/>
+              <a:t>K1, K2, K3, K4 y K5</a:t>
+            </a:r>
+            <a:endParaRPr lang="en-US" dirty="0"/>
+          </a:p>
+          <a:p>
+            <a:pPr>
+              <a:lnSpc>
+                <a:spcPct val="150000"/>
+              </a:lnSpc>
+            </a:pPr>
+            <a:r>
+              <a:rPr lang="es-ES" dirty="0"/>
+              <a:t>Restricciones: -</a:t>
+            </a:r>
+          </a:p>
+          <a:p>
+            <a:pPr>
+              <a:lnSpc>
+                <a:spcPct val="150000"/>
+              </a:lnSpc>
+            </a:pPr>
+            <a:r>
+              <a:rPr lang="es-ES" dirty="0"/>
+              <a:t>Objetivo: </a:t>
+            </a:r>
+            <a:r>
+              <a:rPr lang="es-ES" dirty="0" smtClean="0"/>
+              <a:t>Minimización</a:t>
+            </a:r>
+            <a:endParaRPr lang="es-ES" dirty="0"/>
+          </a:p>
+        </p:txBody>
+      </p:sp>
+    </p:spTree>
+    <p:extLst>
+      <p:ext uri="{BB962C8B-B14F-4D97-AF65-F5344CB8AC3E}">
+        <p14:creationId xmlns:p14="http://schemas.microsoft.com/office/powerpoint/2010/main" val="761782049"/>
+      </p:ext>
+    </p:extLst>
+  </p:cSld>
+  <p:clrMapOvr>
+    <a:masterClrMapping/>
+  </p:clrMapOvr>
+  <p:timing>
+    <p:tnLst>
+      <p:par>
+        <p:cTn id="1" dur="indefinite" restart="never" nodeType="tmRoot"/>
+      </p:par>
+    </p:tnLst>
+  </p:timing>
+</p:sld>
+</file>
+
 <file path=ppt/slides/slide4.xml><?xml version="1.0" encoding="utf-8"?>
 <p:sld xmlns:a="http://schemas.openxmlformats.org/drawingml/2006/main" xmlns:r="http://schemas.openxmlformats.org/officeDocument/2006/relationships" xmlns:p="http://schemas.openxmlformats.org/presentationml/2006/main">
   <p:cSld>
@@ -5176,7 +7469,7 @@
           <a:p>
             <a:r>
               <a:rPr lang="es-ES" dirty="0" smtClean="0"/>
-              <a:t>Aleatoria</a:t>
+              <a:t>La solución inicial se elige de forma aleatoria a través de la siguiente función:</a:t>
             </a:r>
           </a:p>
           <a:p>
@@ -5193,7 +7486,7 @@
           <p:nvPr>
             <p:extLst>
               <p:ext uri="{D42A27DB-BD31-4B8C-83A1-F6EECF244321}">
-                <p14:modId xmlns:p14="http://schemas.microsoft.com/office/powerpoint/2010/main" val="2758178396"/>
+                <p14:modId xmlns:p14="http://schemas.microsoft.com/office/powerpoint/2010/main" val="2003286149"/>
               </p:ext>
             </p:extLst>
           </p:nvPr>
@@ -5495,7 +7788,11 @@
                     <a:p>
                       <a:r>
                         <a:rPr lang="es-ES" dirty="0" smtClean="0"/>
-                        <a:t>Se redondea a dos posiciones decimales</a:t>
+                        <a:t>Se redondea a</a:t>
+                      </a:r>
+                      <a:r>
+                        <a:rPr lang="es-ES" baseline="0" dirty="0" smtClean="0"/>
+                        <a:t> un número entero</a:t>
                       </a:r>
                       <a:endParaRPr lang="es-ES" dirty="0"/>
                     </a:p>
@@ -5750,7 +8047,7 @@
             </a:r>
             <a:r>
               <a:rPr lang="es-ES" dirty="0" smtClean="0"/>
-              <a:t>]  </a:t>
+              <a:t>]  	</a:t>
             </a:r>
             <a:r>
               <a:rPr lang="es-ES" dirty="0" err="1" smtClean="0"/>
@@ -5787,7 +8084,7 @@
             </a:r>
             <a:r>
               <a:rPr lang="es-ES" dirty="0" smtClean="0"/>
-              <a:t>] </a:t>
+              <a:t>] 	</a:t>
             </a:r>
             <a:r>
               <a:rPr lang="es-ES" dirty="0" err="1" smtClean="0"/>
@@ -7278,15 +9575,7 @@
                       </a:r>
                       <a:r>
                         <a:rPr lang="es-ES" dirty="0" smtClean="0"/>
-                        <a:t> = se </a:t>
-                      </a:r>
-                      <a:r>
-                        <a:rPr lang="es-ES" dirty="0" smtClean="0"/>
-                        <a:t>elige </a:t>
-                      </a:r>
-                      <a:r>
-                        <a:rPr lang="es-ES" dirty="0" smtClean="0"/>
-                        <a:t>un </a:t>
+                        <a:t> = se elige un </a:t>
                       </a:r>
                       <a:r>
                         <a:rPr lang="es-ES" dirty="0" err="1" smtClean="0"/>
@@ -7354,7 +9643,6 @@
                         <a:rPr lang="es-ES" dirty="0" smtClean="0"/>
                         <a:t>MIN_VALUE</a:t>
                       </a:r>
-                      <a:endParaRPr lang="es-ES" dirty="0" smtClean="0"/>
                     </a:p>
                   </a:txBody>
                   <a:tcPr/>
@@ -7587,6 +9875,158 @@
           </p:txBody>
         </p:sp>
       </p:grpSp>
+      <p:grpSp>
+        <p:nvGrpSpPr>
+          <p:cNvPr id="14" name="Group 13"/>
+          <p:cNvGrpSpPr/>
+          <p:nvPr/>
+        </p:nvGrpSpPr>
+        <p:grpSpPr>
+          <a:xfrm>
+            <a:off x="9330734" y="89989"/>
+            <a:ext cx="1978398" cy="707886"/>
+            <a:chOff x="9519920" y="205505"/>
+            <a:chExt cx="1978398" cy="707886"/>
+          </a:xfrm>
+        </p:grpSpPr>
+        <p:sp>
+          <p:nvSpPr>
+            <p:cNvPr id="6" name="Oval 5"/>
+            <p:cNvSpPr/>
+            <p:nvPr/>
+          </p:nvSpPr>
+          <p:spPr>
+            <a:xfrm>
+              <a:off x="9519920" y="252248"/>
+              <a:ext cx="191639" cy="199697"/>
+            </a:xfrm>
+            <a:prstGeom prst="ellipse">
+              <a:avLst/>
+            </a:prstGeom>
+            <a:solidFill>
+              <a:srgbClr val="FF0000"/>
+            </a:solidFill>
+            <a:ln>
+              <a:solidFill>
+                <a:schemeClr val="tx1"/>
+              </a:solidFill>
+            </a:ln>
+          </p:spPr>
+          <p:style>
+            <a:lnRef idx="2">
+              <a:schemeClr val="accent1">
+                <a:shade val="50000"/>
+              </a:schemeClr>
+            </a:lnRef>
+            <a:fillRef idx="1">
+              <a:schemeClr val="accent1"/>
+            </a:fillRef>
+            <a:effectRef idx="0">
+              <a:schemeClr val="accent1"/>
+            </a:effectRef>
+            <a:fontRef idx="minor">
+              <a:schemeClr val="lt1"/>
+            </a:fontRef>
+          </p:style>
+          <p:txBody>
+            <a:bodyPr rtlCol="0" anchor="ctr"/>
+            <a:lstStyle/>
+            <a:p>
+              <a:pPr algn="ctr"/>
+              <a:endParaRPr lang="es-ES"/>
+            </a:p>
+          </p:txBody>
+        </p:sp>
+        <p:sp>
+          <p:nvSpPr>
+            <p:cNvPr id="11" name="Oval 10"/>
+            <p:cNvSpPr/>
+            <p:nvPr/>
+          </p:nvSpPr>
+          <p:spPr>
+            <a:xfrm>
+              <a:off x="9519920" y="577158"/>
+              <a:ext cx="191639" cy="199697"/>
+            </a:xfrm>
+            <a:prstGeom prst="ellipse">
+              <a:avLst/>
+            </a:prstGeom>
+            <a:solidFill>
+              <a:srgbClr val="00B0F0"/>
+            </a:solidFill>
+            <a:ln>
+              <a:solidFill>
+                <a:schemeClr val="tx1"/>
+              </a:solidFill>
+            </a:ln>
+          </p:spPr>
+          <p:style>
+            <a:lnRef idx="2">
+              <a:schemeClr val="accent1">
+                <a:shade val="50000"/>
+              </a:schemeClr>
+            </a:lnRef>
+            <a:fillRef idx="1">
+              <a:schemeClr val="accent1"/>
+            </a:fillRef>
+            <a:effectRef idx="0">
+              <a:schemeClr val="accent1"/>
+            </a:effectRef>
+            <a:fontRef idx="minor">
+              <a:schemeClr val="lt1"/>
+            </a:fontRef>
+          </p:style>
+          <p:txBody>
+            <a:bodyPr rtlCol="0" anchor="ctr"/>
+            <a:lstStyle/>
+            <a:p>
+              <a:pPr algn="ctr"/>
+              <a:endParaRPr lang="es-ES"/>
+            </a:p>
+          </p:txBody>
+        </p:sp>
+        <p:sp>
+          <p:nvSpPr>
+            <p:cNvPr id="13" name="TextBox 12"/>
+            <p:cNvSpPr txBox="1"/>
+            <p:nvPr/>
+          </p:nvSpPr>
+          <p:spPr>
+            <a:xfrm>
+              <a:off x="9711560" y="205505"/>
+              <a:ext cx="1786758" cy="707886"/>
+            </a:xfrm>
+            <a:prstGeom prst="rect">
+              <a:avLst/>
+            </a:prstGeom>
+            <a:noFill/>
+          </p:spPr>
+          <p:txBody>
+            <a:bodyPr wrap="square" rtlCol="0">
+              <a:spAutoFit/>
+            </a:bodyPr>
+            <a:lstStyle/>
+            <a:p>
+              <a:r>
+                <a:rPr lang="es-ES" sz="1600" dirty="0" smtClean="0"/>
+                <a:t>Valor a eliminar</a:t>
+              </a:r>
+            </a:p>
+            <a:p>
+              <a:pPr>
+                <a:lnSpc>
+                  <a:spcPct val="150000"/>
+                </a:lnSpc>
+              </a:pPr>
+              <a:r>
+                <a:rPr lang="es-ES" sz="1600" dirty="0" smtClean="0"/>
+                <a:t>Valor nuevo</a:t>
+              </a:r>
+              <a:endParaRPr lang="es-ES" sz="1600" dirty="0"/>
+            </a:p>
+          </p:txBody>
+        </p:sp>
+      </p:grpSp>
     </p:spTree>
     <p:extLst>
       <p:ext uri="{BB962C8B-B14F-4D97-AF65-F5344CB8AC3E}">
@@ -7636,7 +10076,7 @@
         </p:nvSpPr>
         <p:spPr>
           <a:xfrm>
-            <a:off x="1261872" y="365760"/>
+            <a:off x="1261872" y="356651"/>
             <a:ext cx="9692640" cy="792480"/>
           </a:xfrm>
         </p:spPr>
@@ -7719,11 +10159,39 @@
             </a:pPr>
             <a:r>
               <a:rPr lang="es-ES" dirty="0"/>
-              <a:t>solution1: [0.3, 0.6, 0.0, 0.9, </a:t>
+              <a:t>solution1: [</a:t>
+            </a:r>
+            <a:r>
+              <a:rPr lang="es-ES" dirty="0">
+                <a:solidFill>
+                  <a:srgbClr val="00B050"/>
+                </a:solidFill>
+              </a:rPr>
+              <a:t>0.3</a:t>
+            </a:r>
+            <a:r>
+              <a:rPr lang="es-ES" dirty="0"/>
+              <a:t>, 0.6, 0.0, 0.9, </a:t>
+            </a:r>
+            <a:r>
+              <a:rPr lang="es-ES" dirty="0" smtClean="0">
+                <a:solidFill>
+                  <a:srgbClr val="00B050"/>
+                </a:solidFill>
+              </a:rPr>
+              <a:t>0.0</a:t>
             </a:r>
             <a:r>
               <a:rPr lang="es-ES" dirty="0" smtClean="0"/>
-              <a:t>0.6]		vector: 0-1-1-1-1</a:t>
+              <a:t>]		</a:t>
+            </a:r>
+            <a:r>
+              <a:rPr lang="es-ES" dirty="0"/>
+              <a:t> </a:t>
+            </a:r>
+            <a:r>
+              <a:rPr lang="es-ES" dirty="0" smtClean="0"/>
+              <a:t>      vector:        0   - 1  -  1 -  1  -  0 </a:t>
             </a:r>
             <a:endParaRPr lang="es-ES" dirty="0"/>
           </a:p>
@@ -7737,15 +10205,103 @@
             </a:r>
             <a:r>
               <a:rPr lang="es-ES" dirty="0"/>
-              <a:t>[0.3, 0.0, 0.3, 0.6, 0.0</a:t>
+              <a:t>[0.3, </a:t>
+            </a:r>
+            <a:r>
+              <a:rPr lang="es-ES" dirty="0">
+                <a:solidFill>
+                  <a:srgbClr val="00B0F0"/>
+                </a:solidFill>
+              </a:rPr>
+              <a:t>0.0</a:t>
+            </a:r>
+            <a:r>
+              <a:rPr lang="es-ES" dirty="0"/>
+              <a:t>, </a:t>
+            </a:r>
+            <a:r>
+              <a:rPr lang="es-ES" dirty="0">
+                <a:solidFill>
+                  <a:srgbClr val="00B0F0"/>
+                </a:solidFill>
+              </a:rPr>
+              <a:t>0.3</a:t>
+            </a:r>
+            <a:r>
+              <a:rPr lang="es-ES" dirty="0"/>
+              <a:t>, </a:t>
+            </a:r>
+            <a:r>
+              <a:rPr lang="es-ES" dirty="0">
+                <a:solidFill>
+                  <a:srgbClr val="00B0F0"/>
+                </a:solidFill>
+              </a:rPr>
+              <a:t>0.6</a:t>
+            </a:r>
+            <a:r>
+              <a:rPr lang="es-ES" dirty="0"/>
+              <a:t>, </a:t>
             </a:r>
             <a:r>
               <a:rPr lang="es-ES" dirty="0" smtClean="0"/>
-              <a:t>]		solución final: [0.3</a:t>
+              <a:t>0.6]		solución final: [</a:t>
+            </a:r>
+            <a:r>
+              <a:rPr lang="es-ES" dirty="0" smtClean="0">
+                <a:solidFill>
+                  <a:srgbClr val="00B050"/>
+                </a:solidFill>
+              </a:rPr>
+              <a:t>0.3</a:t>
             </a:r>
             <a:r>
               <a:rPr lang="es-ES" dirty="0"/>
-              <a:t>, 0.0, 0.3, 0.6, 0.0</a:t>
+              <a:t>, </a:t>
+            </a:r>
+            <a:r>
+              <a:rPr lang="es-ES" dirty="0">
+                <a:solidFill>
+                  <a:srgbClr val="00B0F0"/>
+                </a:solidFill>
+              </a:rPr>
+              <a:t>0.0</a:t>
+            </a:r>
+            <a:r>
+              <a:rPr lang="es-ES" dirty="0"/>
+              <a:t>, </a:t>
+            </a:r>
+            <a:r>
+              <a:rPr lang="es-ES" dirty="0">
+                <a:solidFill>
+                  <a:srgbClr val="00B0F0"/>
+                </a:solidFill>
+              </a:rPr>
+              <a:t>0.3</a:t>
+            </a:r>
+            <a:r>
+              <a:rPr lang="es-ES" dirty="0"/>
+              <a:t>, </a:t>
+            </a:r>
+            <a:r>
+              <a:rPr lang="es-ES" dirty="0">
+                <a:solidFill>
+                  <a:srgbClr val="00B0F0"/>
+                </a:solidFill>
+              </a:rPr>
+              <a:t>0.6</a:t>
+            </a:r>
+            <a:r>
+              <a:rPr lang="es-ES" dirty="0"/>
+              <a:t>, </a:t>
+            </a:r>
+            <a:r>
+              <a:rPr lang="es-ES" dirty="0">
+                <a:solidFill>
+                  <a:srgbClr val="00B050"/>
+                </a:solidFill>
+              </a:rPr>
+              <a:t>0.0</a:t>
             </a:r>
             <a:r>
               <a:rPr lang="es-ES" dirty="0" smtClean="0"/>
@@ -7820,28 +10376,15 @@
                     <a:p>
                       <a:r>
                         <a:rPr lang="es-ES" dirty="0" smtClean="0"/>
-                        <a:t>Entrada: </a:t>
-                      </a:r>
+                        <a:t>Entrada: solution1 (arreglo)</a:t>
+                      </a:r>
+                      <a:endParaRPr lang="es-ES" baseline="0" dirty="0" smtClean="0"/>
+                    </a:p>
+                    <a:p>
                       <a:r>
                         <a:rPr lang="es-ES" dirty="0" smtClean="0"/>
-                        <a:t>solution1 </a:t>
-                      </a:r>
-                      <a:r>
-                        <a:rPr lang="es-ES" dirty="0" smtClean="0"/>
-                        <a:t>(arreglo)</a:t>
-                      </a:r>
-                      <a:endParaRPr lang="es-ES" baseline="0" dirty="0" smtClean="0"/>
-                    </a:p>
-                    <a:p>
-                      <a:r>
-                        <a:rPr lang="es-ES" dirty="0" smtClean="0"/>
-                        <a:t>                </a:t>
-                      </a:r>
-                      <a:r>
-                        <a:rPr lang="es-ES" dirty="0" smtClean="0"/>
-                        <a:t>solution2 (arreglo)</a:t>
-                      </a:r>
-                      <a:endParaRPr lang="es-ES" dirty="0" smtClean="0"/>
+                        <a:t>                solution2 (arreglo)</a:t>
+                      </a:r>
                     </a:p>
                   </a:txBody>
                   <a:tcPr/>
@@ -8380,6 +10923,158 @@
           </a:graphicData>
         </a:graphic>
       </p:graphicFrame>
+      <p:grpSp>
+        <p:nvGrpSpPr>
+          <p:cNvPr id="9" name="Group 8"/>
+          <p:cNvGrpSpPr/>
+          <p:nvPr/>
+        </p:nvGrpSpPr>
+        <p:grpSpPr>
+          <a:xfrm>
+            <a:off x="8784196" y="164662"/>
+            <a:ext cx="2398810" cy="707886"/>
+            <a:chOff x="9330734" y="89989"/>
+            <a:chExt cx="2398810" cy="707886"/>
+          </a:xfrm>
+        </p:grpSpPr>
+        <p:sp>
+          <p:nvSpPr>
+            <p:cNvPr id="6" name="Oval 5"/>
+            <p:cNvSpPr/>
+            <p:nvPr/>
+          </p:nvSpPr>
+          <p:spPr>
+            <a:xfrm>
+              <a:off x="9330734" y="147242"/>
+              <a:ext cx="191639" cy="199697"/>
+            </a:xfrm>
+            <a:prstGeom prst="ellipse">
+              <a:avLst/>
+            </a:prstGeom>
+            <a:solidFill>
+              <a:srgbClr val="00B050"/>
+            </a:solidFill>
+            <a:ln>
+              <a:solidFill>
+                <a:schemeClr val="tx1"/>
+              </a:solidFill>
+            </a:ln>
+          </p:spPr>
+          <p:style>
+            <a:lnRef idx="2">
+              <a:schemeClr val="accent1">
+                <a:shade val="50000"/>
+              </a:schemeClr>
+            </a:lnRef>
+            <a:fillRef idx="1">
+              <a:schemeClr val="accent1"/>
+            </a:fillRef>
+            <a:effectRef idx="0">
+              <a:schemeClr val="accent1"/>
+            </a:effectRef>
+            <a:fontRef idx="minor">
+              <a:schemeClr val="lt1"/>
+            </a:fontRef>
+          </p:style>
+          <p:txBody>
+            <a:bodyPr rtlCol="0" anchor="ctr"/>
+            <a:lstStyle/>
+            <a:p>
+              <a:pPr algn="ctr"/>
+              <a:endParaRPr lang="es-ES"/>
+            </a:p>
+          </p:txBody>
+        </p:sp>
+        <p:sp>
+          <p:nvSpPr>
+            <p:cNvPr id="7" name="Oval 6"/>
+            <p:cNvSpPr/>
+            <p:nvPr/>
+          </p:nvSpPr>
+          <p:spPr>
+            <a:xfrm>
+              <a:off x="9330734" y="461642"/>
+              <a:ext cx="191639" cy="199697"/>
+            </a:xfrm>
+            <a:prstGeom prst="ellipse">
+              <a:avLst/>
+            </a:prstGeom>
+            <a:solidFill>
+              <a:srgbClr val="00B0F0"/>
+            </a:solidFill>
+            <a:ln>
+              <a:solidFill>
+                <a:schemeClr val="tx1"/>
+              </a:solidFill>
+            </a:ln>
+          </p:spPr>
+          <p:style>
+            <a:lnRef idx="2">
+              <a:schemeClr val="accent1">
+                <a:shade val="50000"/>
+              </a:schemeClr>
+            </a:lnRef>
+            <a:fillRef idx="1">
+              <a:schemeClr val="accent1"/>
+            </a:fillRef>
+            <a:effectRef idx="0">
+              <a:schemeClr val="accent1"/>
+            </a:effectRef>
+            <a:fontRef idx="minor">
+              <a:schemeClr val="lt1"/>
+            </a:fontRef>
+          </p:style>
+          <p:txBody>
+            <a:bodyPr rtlCol="0" anchor="ctr"/>
+            <a:lstStyle/>
+            <a:p>
+              <a:pPr algn="ctr"/>
+              <a:endParaRPr lang="es-ES"/>
+            </a:p>
+          </p:txBody>
+        </p:sp>
+        <p:sp>
+          <p:nvSpPr>
+            <p:cNvPr id="8" name="TextBox 7"/>
+            <p:cNvSpPr txBox="1"/>
+            <p:nvPr/>
+          </p:nvSpPr>
+          <p:spPr>
+            <a:xfrm>
+              <a:off x="9522373" y="89989"/>
+              <a:ext cx="2207171" cy="707886"/>
+            </a:xfrm>
+            <a:prstGeom prst="rect">
+              <a:avLst/>
+            </a:prstGeom>
+            <a:noFill/>
+          </p:spPr>
+          <p:txBody>
+            <a:bodyPr wrap="square" rtlCol="0">
+              <a:spAutoFit/>
+            </a:bodyPr>
+            <a:lstStyle/>
+            <a:p>
+              <a:r>
+                <a:rPr lang="es-ES" sz="1600" dirty="0" smtClean="0"/>
+                <a:t>Valor de la solución 1</a:t>
+              </a:r>
+            </a:p>
+            <a:p>
+              <a:pPr>
+                <a:lnSpc>
+                  <a:spcPct val="150000"/>
+                </a:lnSpc>
+              </a:pPr>
+              <a:r>
+                <a:rPr lang="es-ES" sz="1600" dirty="0" smtClean="0"/>
+                <a:t>Valor de la solución 2</a:t>
+              </a:r>
+              <a:endParaRPr lang="es-ES" sz="1600" dirty="0"/>
+            </a:p>
+          </p:txBody>
+        </p:sp>
+      </p:grpSp>
     </p:spTree>
     <p:extLst>
       <p:ext uri="{BB962C8B-B14F-4D97-AF65-F5344CB8AC3E}">
@@ -8438,12 +11133,8 @@
           <a:lstStyle/>
           <a:p>
             <a:r>
-              <a:rPr lang="es-ES" dirty="0"/>
-              <a:t>Operadores de </a:t>
-            </a:r>
-            <a:r>
               <a:rPr lang="es-ES" dirty="0" smtClean="0"/>
-              <a:t>vecindad</a:t>
+              <a:t>Descripción de la implementación</a:t>
             </a:r>
             <a:endParaRPr lang="es-ES" dirty="0"/>
           </a:p>
@@ -8461,26 +11152,187 @@
         </p:nvSpPr>
         <p:spPr>
           <a:xfrm>
-            <a:off x="1261872" y="1341120"/>
-            <a:ext cx="8595360" cy="4910137"/>
+            <a:off x="1261872" y="1341119"/>
+            <a:ext cx="8595360" cy="1601777"/>
           </a:xfrm>
         </p:spPr>
         <p:txBody>
-          <a:bodyPr/>
+          <a:bodyPr>
+            <a:normAutofit fontScale="85000" lnSpcReduction="20000"/>
+          </a:bodyPr>
           <a:lstStyle/>
           <a:p>
             <a:r>
+              <a:rPr lang="es-ES" b="1" dirty="0" err="1" smtClean="0"/>
+              <a:t>Metaheuristic</a:t>
+            </a:r>
+            <a:r>
+              <a:rPr lang="es-ES" b="1" dirty="0" smtClean="0"/>
+              <a:t>: </a:t>
+            </a:r>
+            <a:r>
               <a:rPr lang="es-ES" dirty="0" smtClean="0"/>
-              <a:t>Cruzamiento</a:t>
-            </a:r>
-            <a:endParaRPr lang="es-ES" dirty="0"/>
+              <a:t>Es donde se realiza la configuración y prueba las </a:t>
+            </a:r>
+            <a:r>
+              <a:rPr lang="es-ES" dirty="0" err="1" smtClean="0"/>
+              <a:t>metaheuristicas</a:t>
+            </a:r>
+            <a:r>
+              <a:rPr lang="es-ES" dirty="0" smtClean="0"/>
+              <a:t> para darle solución al problema.</a:t>
+            </a:r>
+            <a:endParaRPr lang="es-ES" b="1" dirty="0" smtClean="0"/>
+          </a:p>
+          <a:p>
+            <a:r>
+              <a:rPr lang="es-ES" b="1" dirty="0" smtClean="0"/>
+              <a:t>MH240210</a:t>
+            </a:r>
+            <a:r>
+              <a:rPr lang="es-ES" dirty="0" smtClean="0"/>
+              <a:t> </a:t>
+            </a:r>
+            <a:r>
+              <a:rPr lang="es-ES" b="1" dirty="0" smtClean="0"/>
+              <a:t>:</a:t>
+            </a:r>
+            <a:r>
+              <a:rPr lang="es-ES" dirty="0" smtClean="0"/>
+              <a:t> contiene </a:t>
+            </a:r>
+            <a:r>
+              <a:rPr lang="es-ES" dirty="0"/>
+              <a:t>un conjunto de </a:t>
+            </a:r>
+            <a:r>
+              <a:rPr lang="es-ES" dirty="0" err="1"/>
+              <a:t>metaheurísticas</a:t>
+            </a:r>
+            <a:r>
+              <a:rPr lang="es-ES" dirty="0" smtClean="0"/>
+              <a:t>.</a:t>
+            </a:r>
+          </a:p>
+          <a:p>
+            <a:pPr lvl="0"/>
+            <a:r>
+              <a:rPr lang="es-ES" b="1" dirty="0" err="1" smtClean="0"/>
+              <a:t>RainProblem</a:t>
+            </a:r>
+            <a:r>
+              <a:rPr lang="es-ES" b="1" dirty="0" smtClean="0"/>
+              <a:t>: </a:t>
+            </a:r>
+            <a:r>
+              <a:rPr lang="es-ES" dirty="0"/>
+              <a:t>cuenta con las funciones relacionadas con el problema a resolver</a:t>
+            </a:r>
+            <a:r>
+              <a:rPr lang="es-ES" dirty="0" smtClean="0"/>
+              <a:t>.</a:t>
+            </a:r>
+          </a:p>
+          <a:p>
+            <a:pPr lvl="0"/>
+            <a:r>
+              <a:rPr lang="es-ES" b="1" dirty="0" err="1" smtClean="0"/>
+              <a:t>Operators</a:t>
+            </a:r>
+            <a:r>
+              <a:rPr lang="es-ES" b="1" dirty="0" smtClean="0"/>
+              <a:t>:</a:t>
+            </a:r>
+            <a:r>
+              <a:rPr lang="es-ES" dirty="0" smtClean="0"/>
+              <a:t> </a:t>
+            </a:r>
+            <a:r>
+              <a:rPr lang="es-ES" dirty="0"/>
+              <a:t>ofrece un conjunto de operadores de </a:t>
+            </a:r>
+            <a:r>
+              <a:rPr lang="es-ES" dirty="0" smtClean="0"/>
+              <a:t>mutación </a:t>
+            </a:r>
+            <a:r>
+              <a:rPr lang="es-ES" dirty="0"/>
+              <a:t>y cruzamiento. </a:t>
+            </a:r>
+          </a:p>
+        </p:txBody>
+      </p:sp>
+      <p:pic>
+        <p:nvPicPr>
+          <p:cNvPr id="6" name="Picture 5"/>
+          <p:cNvPicPr>
+            <a:picLocks noChangeAspect="1"/>
+          </p:cNvPicPr>
+          <p:nvPr/>
+        </p:nvPicPr>
+        <p:blipFill rotWithShape="1">
+          <a:blip r:embed="rId2">
+            <a:extLst>
+              <a:ext uri="{28A0092B-C50C-407E-A947-70E740481C1C}">
+                <a14:useLocalDpi xmlns:a14="http://schemas.microsoft.com/office/drawing/2010/main" val="0"/>
+              </a:ext>
+            </a:extLst>
+          </a:blip>
+          <a:srcRect l="5857" t="45482" r="37520" b="18222"/>
+          <a:stretch/>
+        </p:blipFill>
+        <p:spPr>
+          <a:xfrm>
+            <a:off x="1506763" y="3104755"/>
+            <a:ext cx="8105578" cy="3266228"/>
+          </a:xfrm>
+          <a:prstGeom prst="rect">
+            <a:avLst/>
+          </a:prstGeom>
+        </p:spPr>
+      </p:pic>
+      <p:sp>
+        <p:nvSpPr>
+          <p:cNvPr id="7" name="TextBox 6"/>
+          <p:cNvSpPr txBox="1"/>
+          <p:nvPr/>
+        </p:nvSpPr>
+        <p:spPr>
+          <a:xfrm>
+            <a:off x="0" y="6532842"/>
+            <a:ext cx="5696606" cy="307777"/>
+          </a:xfrm>
+          <a:prstGeom prst="rect">
+            <a:avLst/>
+          </a:prstGeom>
+          <a:noFill/>
+        </p:spPr>
+        <p:txBody>
+          <a:bodyPr wrap="square" rtlCol="0">
+            <a:spAutoFit/>
+          </a:bodyPr>
+          <a:lstStyle/>
+          <a:p>
+            <a:r>
+              <a:rPr lang="es-ES" sz="1400" dirty="0" smtClean="0">
+                <a:solidFill>
+                  <a:srgbClr val="FF0000"/>
+                </a:solidFill>
+              </a:rPr>
+              <a:t>*se muestran solo las funciones que se utilizan</a:t>
+            </a:r>
+            <a:endParaRPr lang="es-ES" sz="1400" dirty="0">
+              <a:solidFill>
+                <a:srgbClr val="FF0000"/>
+              </a:solidFill>
+            </a:endParaRPr>
           </a:p>
         </p:txBody>
       </p:sp>
     </p:spTree>
     <p:extLst>
       <p:ext uri="{BB962C8B-B14F-4D97-AF65-F5344CB8AC3E}">
-        <p14:creationId xmlns:p14="http://schemas.microsoft.com/office/powerpoint/2010/main" val="3747080859"/>
+        <p14:creationId xmlns:p14="http://schemas.microsoft.com/office/powerpoint/2010/main" val="1311507618"/>
       </p:ext>
     </p:extLst>
   </p:cSld>
@@ -8536,7 +11388,7 @@
           <a:p>
             <a:r>
               <a:rPr lang="es-ES" dirty="0" smtClean="0"/>
-              <a:t>Descripción de la implementación</a:t>
+              <a:t>Descripción de la configuración</a:t>
             </a:r>
             <a:endParaRPr lang="es-ES" dirty="0"/>
           </a:p>
@@ -8555,17 +11407,147 @@
         <p:spPr>
           <a:xfrm>
             <a:off x="1261872" y="1341120"/>
-            <a:ext cx="8595360" cy="4910137"/>
+            <a:ext cx="8595360" cy="5039360"/>
           </a:xfrm>
         </p:spPr>
         <p:txBody>
-          <a:bodyPr/>
+          <a:bodyPr>
+            <a:normAutofit/>
+          </a:bodyPr>
           <a:lstStyle/>
           <a:p>
+            <a:pPr marL="0" indent="0" algn="just">
+              <a:buNone/>
+            </a:pPr>
+            <a:r>
+              <a:rPr lang="es-ES" dirty="0"/>
+              <a:t>Para realizar los experimentos se seleccionan como S-</a:t>
+            </a:r>
+            <a:r>
+              <a:rPr lang="es-ES" dirty="0" err="1"/>
+              <a:t>Metaheurísticas</a:t>
+            </a:r>
+            <a:r>
+              <a:rPr lang="es-ES" dirty="0"/>
+              <a:t> el Camino Aleatorio y el Escalador de Colinas y como P-</a:t>
+            </a:r>
+            <a:r>
+              <a:rPr lang="es-ES" dirty="0" err="1"/>
+              <a:t>Metaheurística</a:t>
+            </a:r>
+            <a:r>
+              <a:rPr lang="es-ES" dirty="0"/>
+              <a:t> el Algoritmo Genético y la Estrategia Evolutiva</a:t>
+            </a:r>
             <a:r>
               <a:rPr lang="es-ES" dirty="0" smtClean="0"/>
-              <a:t>Cruzamiento</a:t>
-            </a:r>
+              <a:t>. Se utilizan en todos para la inicialización inicial una solución </a:t>
+            </a:r>
+            <a:r>
+              <a:rPr lang="es-ES" dirty="0" smtClean="0"/>
+              <a:t>aleatoria y se toma el rango de -1 a 1.</a:t>
+            </a:r>
+            <a:endParaRPr lang="es-ES" dirty="0"/>
+          </a:p>
+          <a:p>
+            <a:pPr marL="0" indent="0" algn="just">
+              <a:buNone/>
+            </a:pPr>
+            <a:r>
+              <a:rPr lang="es-ES" dirty="0" smtClean="0"/>
+              <a:t>Parámetros: </a:t>
+            </a:r>
+          </a:p>
+          <a:p>
+            <a:pPr algn="just"/>
+            <a:r>
+              <a:rPr lang="es-ES" dirty="0" smtClean="0"/>
+              <a:t>OBJECTIVE_MAX</a:t>
+            </a:r>
+            <a:r>
+              <a:rPr lang="es-ES" dirty="0"/>
+              <a:t>: </a:t>
+            </a:r>
+            <a:r>
+              <a:rPr lang="es-ES" dirty="0" smtClean="0"/>
+              <a:t>False (Objetivo del problema en minimizar)</a:t>
+            </a:r>
+          </a:p>
+          <a:p>
+            <a:pPr algn="just"/>
+            <a:r>
+              <a:rPr lang="en-US" dirty="0" smtClean="0"/>
+              <a:t>MAX_TRIALS = 1000 (</a:t>
+            </a:r>
+            <a:r>
+              <a:rPr lang="es-ES" dirty="0" smtClean="0"/>
+              <a:t>Número máximo de soluciones a ser exploradas)</a:t>
+            </a:r>
+          </a:p>
+          <a:p>
+            <a:pPr algn="just"/>
+            <a:r>
+              <a:rPr lang="en-US" dirty="0" smtClean="0"/>
+              <a:t>GENERATION_SIZE</a:t>
+            </a:r>
+            <a:r>
+              <a:rPr lang="en-US" dirty="0"/>
+              <a:t> </a:t>
+            </a:r>
+            <a:r>
+              <a:rPr lang="en-US" dirty="0" smtClean="0"/>
+              <a:t>= 20 </a:t>
+            </a:r>
+            <a:r>
+              <a:rPr lang="es-ES" dirty="0" smtClean="0"/>
+              <a:t>(Tamaño de las generaciones para las P-</a:t>
+            </a:r>
+            <a:r>
+              <a:rPr lang="es-ES" dirty="0" err="1" smtClean="0"/>
+              <a:t>Metaheurísticas</a:t>
+            </a:r>
+            <a:r>
+              <a:rPr lang="es-ES" dirty="0" smtClean="0"/>
+              <a:t>)</a:t>
+            </a:r>
+          </a:p>
+          <a:p>
+            <a:pPr algn="just"/>
+            <a:r>
+              <a:rPr lang="es-ES" dirty="0" smtClean="0"/>
+              <a:t>BEST_REFERENCES = 10 (Número de soluciones consideradas para la construcción de la nueva generación para las P-</a:t>
+            </a:r>
+            <a:r>
+              <a:rPr lang="es-ES" dirty="0" err="1" smtClean="0"/>
+              <a:t>Metaheuristicas</a:t>
+            </a:r>
+            <a:r>
+              <a:rPr lang="es-ES" dirty="0" smtClean="0"/>
+              <a:t>)</a:t>
+            </a:r>
+            <a:endParaRPr lang="es-ES" dirty="0"/>
+          </a:p>
+          <a:p>
+            <a:pPr algn="just"/>
+            <a:r>
+              <a:rPr lang="es-ES" dirty="0" smtClean="0"/>
+              <a:t>GENERATIONAL : False (Se eligen las mejores de todas las instancias generadas </a:t>
+            </a:r>
+            <a:r>
+              <a:rPr lang="es-ES" dirty="0"/>
+              <a:t>para las P-</a:t>
+            </a:r>
+            <a:r>
+              <a:rPr lang="es-ES" dirty="0" err="1"/>
+              <a:t>Metaheuris</a:t>
+            </a:r>
+            <a:r>
+              <a:rPr lang="es-ES" dirty="0" smtClean="0"/>
+              <a:t>)</a:t>
+            </a:r>
+          </a:p>
+          <a:p>
+            <a:pPr algn="just"/>
             <a:endParaRPr lang="es-ES" dirty="0"/>
           </a:p>
         </p:txBody>
@@ -8573,7 +11555,7 @@
     </p:spTree>
     <p:extLst>
       <p:ext uri="{BB962C8B-B14F-4D97-AF65-F5344CB8AC3E}">
-        <p14:creationId xmlns:p14="http://schemas.microsoft.com/office/powerpoint/2010/main" val="4043559191"/>
+        <p14:creationId xmlns:p14="http://schemas.microsoft.com/office/powerpoint/2010/main" val="1860858603"/>
       </p:ext>
     </p:extLst>
   </p:cSld>
@@ -8841,4 +11823,265 @@
     </a:ext>
   </a:extLst>
 </a:theme>
+</file>
+
+<file path=ppt/theme/theme2.xml><?xml version="1.0" encoding="utf-8"?>
+<a:theme xmlns:a="http://schemas.openxmlformats.org/drawingml/2006/main" name="Office Theme">
+  <a:themeElements>
+    <a:clrScheme name="Office">
+      <a:dk1>
+        <a:sysClr val="windowText" lastClr="000000"/>
+      </a:dk1>
+      <a:lt1>
+        <a:sysClr val="window" lastClr="FFFFFF"/>
+      </a:lt1>
+      <a:dk2>
+        <a:srgbClr val="44546A"/>
+      </a:dk2>
+      <a:lt2>
+        <a:srgbClr val="E7E6E6"/>
+      </a:lt2>
+      <a:accent1>
+        <a:srgbClr val="5B9BD5"/>
+      </a:accent1>
+      <a:accent2>
+        <a:srgbClr val="ED7D31"/>
+      </a:accent2>
+      <a:accent3>
+        <a:srgbClr val="A5A5A5"/>
+      </a:accent3>
+      <a:accent4>
+        <a:srgbClr val="FFC000"/>
+      </a:accent4>
+      <a:accent5>
+        <a:srgbClr val="4472C4"/>
+      </a:accent5>
+      <a:accent6>
+        <a:srgbClr val="70AD47"/>
+      </a:accent6>
+      <a:hlink>
+        <a:srgbClr val="0563C1"/>
+      </a:hlink>
+      <a:folHlink>
+        <a:srgbClr val="954F72"/>
+      </a:folHlink>
+    </a:clrScheme>
+    <a:fontScheme name="Office">
+      <a:majorFont>
+        <a:latin typeface="Calibri Light" panose="020F0302020204030204"/>
+        <a:ea typeface=""/>
+        <a:cs typeface=""/>
+        <a:font script="Jpan" typeface="游ゴシック Light"/>
+        <a:font script="Hang" typeface="맑은 고딕"/>
+        <a:font script="Hans" typeface="等线 Light"/>
+        <a:font script="Hant" typeface="新細明體"/>
+        <a:font script="Arab" typeface="Times New Roman"/>
+        <a:font script="Hebr" typeface="Times New Roman"/>
+        <a:font script="Thai" typeface="Angsana New"/>
+        <a:font script="Ethi" typeface="Nyala"/>
+        <a:font script="Beng" typeface="Vrinda"/>
+        <a:font script="Gujr" typeface="Shruti"/>
+        <a:font script="Khmr" typeface="MoolBoran"/>
+        <a:font script="Knda" typeface="Tunga"/>
+        <a:font script="Guru" typeface="Raavi"/>
+        <a:font script="Cans" typeface="Euphemia"/>
+        <a:font script="Cher" typeface="Plantagenet Cherokee"/>
+        <a:font script="Yiii" typeface="Microsoft Yi Baiti"/>
+        <a:font script="Tibt" typeface="Microsoft Himalaya"/>
+        <a:font script="Thaa" typeface="MV Boli"/>
+        <a:font script="Deva" typeface="Mangal"/>
+        <a:font script="Telu" typeface="Gautami"/>
+        <a:font script="Taml" typeface="Latha"/>
+        <a:font script="Syrc" typeface="Estrangelo Edessa"/>
+        <a:font script="Orya" typeface="Kalinga"/>
+        <a:font script="Mlym" typeface="Kartika"/>
+        <a:font script="Laoo" typeface="DokChampa"/>
+        <a:font script="Sinh" typeface="Iskoola Pota"/>
+        <a:font script="Mong" typeface="Mongolian Baiti"/>
+        <a:font script="Viet" typeface="Times New Roman"/>
+        <a:font script="Uigh" typeface="Microsoft Uighur"/>
+        <a:font script="Geor" typeface="Sylfaen"/>
+      </a:majorFont>
+      <a:minorFont>
+        <a:latin typeface="Calibri" panose="020F0502020204030204"/>
+        <a:ea typeface=""/>
+        <a:cs typeface=""/>
+        <a:font script="Jpan" typeface="游ゴシック"/>
+        <a:font script="Hang" typeface="맑은 고딕"/>
+        <a:font script="Hans" typeface="等线"/>
+        <a:font script="Hant" typeface="新細明體"/>
+        <a:font script="Arab" typeface="Arial"/>
+        <a:font script="Hebr" typeface="Arial"/>
+        <a:font script="Thai" typeface="Cordia New"/>
+        <a:font script="Ethi" typeface="Nyala"/>
+        <a:font script="Beng" typeface="Vrinda"/>
+        <a:font script="Gujr" typeface="Shruti"/>
+        <a:font script="Khmr" typeface="DaunPenh"/>
+        <a:font script="Knda" typeface="Tunga"/>
+        <a:font script="Guru" typeface="Raavi"/>
+        <a:font script="Cans" typeface="Euphemia"/>
+        <a:font script="Cher" typeface="Plantagenet Cherokee"/>
+        <a:font script="Yiii" typeface="Microsoft Yi Baiti"/>
+        <a:font script="Tibt" typeface="Microsoft Himalaya"/>
+        <a:font script="Thaa" typeface="MV Boli"/>
+        <a:font script="Deva" typeface="Mangal"/>
+        <a:font script="Telu" typeface="Gautami"/>
+        <a:font script="Taml" typeface="Latha"/>
+        <a:font script="Syrc" typeface="Estrangelo Edessa"/>
+        <a:font script="Orya" typeface="Kalinga"/>
+        <a:font script="Mlym" typeface="Kartika"/>
+        <a:font script="Laoo" typeface="DokChampa"/>
+        <a:font script="Sinh" typeface="Iskoola Pota"/>
+        <a:font script="Mong" typeface="Mongolian Baiti"/>
+        <a:font script="Viet" typeface="Arial"/>
+        <a:font script="Uigh" typeface="Microsoft Uighur"/>
+        <a:font script="Geor" typeface="Sylfaen"/>
+      </a:minorFont>
+    </a:fontScheme>
+    <a:fmtScheme name="Office">
+      <a:fillStyleLst>
+        <a:solidFill>
+          <a:schemeClr val="phClr"/>
+        </a:solidFill>
+        <a:gradFill rotWithShape="1">
+          <a:gsLst>
+            <a:gs pos="0">
+              <a:schemeClr val="phClr">
+                <a:lumMod val="110000"/>
+                <a:satMod val="105000"/>
+                <a:tint val="67000"/>
+              </a:schemeClr>
+            </a:gs>
+            <a:gs pos="50000">
+              <a:schemeClr val="phClr">
+                <a:lumMod val="105000"/>
+                <a:satMod val="103000"/>
+                <a:tint val="73000"/>
+              </a:schemeClr>
+            </a:gs>
+            <a:gs pos="100000">
+              <a:schemeClr val="phClr">
+                <a:lumMod val="105000"/>
+                <a:satMod val="109000"/>
+                <a:tint val="81000"/>
+              </a:schemeClr>
+            </a:gs>
+          </a:gsLst>
+          <a:lin ang="5400000" scaled="0"/>
+        </a:gradFill>
+        <a:gradFill rotWithShape="1">
+          <a:gsLst>
+            <a:gs pos="0">
+              <a:schemeClr val="phClr">
+                <a:satMod val="103000"/>
+                <a:lumMod val="102000"/>
+                <a:tint val="94000"/>
+              </a:schemeClr>
+            </a:gs>
+            <a:gs pos="50000">
+              <a:schemeClr val="phClr">
+                <a:satMod val="110000"/>
+                <a:lumMod val="100000"/>
+                <a:shade val="100000"/>
+              </a:schemeClr>
+            </a:gs>
+            <a:gs pos="100000">
+              <a:schemeClr val="phClr">
+                <a:lumMod val="99000"/>
+                <a:satMod val="120000"/>
+                <a:shade val="78000"/>
+              </a:schemeClr>
+            </a:gs>
+          </a:gsLst>
+          <a:lin ang="5400000" scaled="0"/>
+        </a:gradFill>
+      </a:fillStyleLst>
+      <a:lnStyleLst>
+        <a:ln w="6350" cap="flat" cmpd="sng" algn="ctr">
+          <a:solidFill>
+            <a:schemeClr val="phClr"/>
+          </a:solidFill>
+          <a:prstDash val="solid"/>
+          <a:miter lim="800000"/>
+        </a:ln>
+        <a:ln w="12700" cap="flat" cmpd="sng" algn="ctr">
+          <a:solidFill>
+            <a:schemeClr val="phClr"/>
+          </a:solidFill>
+          <a:prstDash val="solid"/>
+          <a:miter lim="800000"/>
+        </a:ln>
+        <a:ln w="19050" cap="flat" cmpd="sng" algn="ctr">
+          <a:solidFill>
+            <a:schemeClr val="phClr"/>
+          </a:solidFill>
+          <a:prstDash val="solid"/>
+          <a:miter lim="800000"/>
+        </a:ln>
+      </a:lnStyleLst>
+      <a:effectStyleLst>
+        <a:effectStyle>
+          <a:effectLst/>
+        </a:effectStyle>
+        <a:effectStyle>
+          <a:effectLst/>
+        </a:effectStyle>
+        <a:effectStyle>
+          <a:effectLst>
+            <a:outerShdw blurRad="57150" dist="19050" dir="5400000" algn="ctr" rotWithShape="0">
+              <a:srgbClr val="000000">
+                <a:alpha val="63000"/>
+              </a:srgbClr>
+            </a:outerShdw>
+          </a:effectLst>
+        </a:effectStyle>
+      </a:effectStyleLst>
+      <a:bgFillStyleLst>
+        <a:solidFill>
+          <a:schemeClr val="phClr"/>
+        </a:solidFill>
+        <a:solidFill>
+          <a:schemeClr val="phClr">
+            <a:tint val="95000"/>
+            <a:satMod val="170000"/>
+          </a:schemeClr>
+        </a:solidFill>
+        <a:gradFill rotWithShape="1">
+          <a:gsLst>
+            <a:gs pos="0">
+              <a:schemeClr val="phClr">
+                <a:tint val="93000"/>
+                <a:satMod val="150000"/>
+                <a:shade val="98000"/>
+                <a:lumMod val="102000"/>
+              </a:schemeClr>
+            </a:gs>
+            <a:gs pos="50000">
+              <a:schemeClr val="phClr">
+                <a:tint val="98000"/>
+                <a:satMod val="130000"/>
+                <a:shade val="90000"/>
+                <a:lumMod val="103000"/>
+              </a:schemeClr>
+            </a:gs>
+            <a:gs pos="100000">
+              <a:schemeClr val="phClr">
+                <a:shade val="63000"/>
+                <a:satMod val="120000"/>
+              </a:schemeClr>
+            </a:gs>
+          </a:gsLst>
+          <a:lin ang="5400000" scaled="0"/>
+        </a:gradFill>
+      </a:bgFillStyleLst>
+    </a:fmtScheme>
+  </a:themeElements>
+  <a:objectDefaults/>
+  <a:extraClrSchemeLst/>
+  <a:extLst>
+    <a:ext uri="{05A4C25C-085E-4340-85A3-A5531E510DB2}">
+      <thm15:themeFamily xmlns:thm15="http://schemas.microsoft.com/office/thememl/2012/main" name="Office Theme" id="{62F939B6-93AF-4DB8-9C6B-D6C7DFDC589F}" vid="{4A3C46E8-61CC-4603-A589-7422A47A8E4A}"/>
+    </a:ext>
+  </a:extLst>
+</a:theme>
 </file>
--- a/ppt/MH_Laura_Javier T2.pptx
+++ b/ppt/MH_Laura_Javier T2.pptx
@@ -141,6 +141,984 @@
 </p:cmAuthorLst>
 </file>
 
+<file path=ppt/charts/chart1.xml><?xml version="1.0" encoding="utf-8"?>
+<c:chartSpace xmlns:c="http://schemas.openxmlformats.org/drawingml/2006/chart" xmlns:a="http://schemas.openxmlformats.org/drawingml/2006/main" xmlns:r="http://schemas.openxmlformats.org/officeDocument/2006/relationships">
+  <c:date1904 val="0"/>
+  <c:lang val="es-ES"/>
+  <c:roundedCorners val="0"/>
+  <mc:AlternateContent xmlns:mc="http://schemas.openxmlformats.org/markup-compatibility/2006">
+    <mc:Choice xmlns:c14="http://schemas.microsoft.com/office/drawing/2007/8/2/chart" Requires="c14">
+      <c14:style val="102"/>
+    </mc:Choice>
+    <mc:Fallback>
+      <c:style val="2"/>
+    </mc:Fallback>
+  </mc:AlternateContent>
+  <c:clrMapOvr bg1="lt1" tx1="dk1" bg2="lt2" tx2="dk2" accent1="accent1" accent2="accent2" accent3="accent3" accent4="accent4" accent5="accent5" accent6="accent6" hlink="hlink" folHlink="folHlink"/>
+  <c:chart>
+    <c:autoTitleDeleted val="1"/>
+    <c:plotArea>
+      <c:layout>
+        <c:manualLayout>
+          <c:layoutTarget val="inner"/>
+          <c:xMode val="edge"/>
+          <c:yMode val="edge"/>
+          <c:x val="3.1682352370861297E-2"/>
+          <c:y val="9.2861409796893682E-2"/>
+          <c:w val="0.93313734859659692"/>
+          <c:h val="0.75160279024261756"/>
+        </c:manualLayout>
+      </c:layout>
+      <c:barChart>
+        <c:barDir val="col"/>
+        <c:grouping val="clustered"/>
+        <c:varyColors val="0"/>
+        <c:ser>
+          <c:idx val="0"/>
+          <c:order val="0"/>
+          <c:tx>
+            <c:strRef>
+              <c:f>Hoja1!$D$7</c:f>
+              <c:strCache>
+                <c:ptCount val="1"/>
+                <c:pt idx="0">
+                  <c:v>STEP 0.1</c:v>
+                </c:pt>
+              </c:strCache>
+            </c:strRef>
+          </c:tx>
+          <c:spPr>
+            <a:solidFill>
+              <a:schemeClr val="accent1"/>
+            </a:solidFill>
+            <a:ln>
+              <a:noFill/>
+            </a:ln>
+            <a:effectLst/>
+          </c:spPr>
+          <c:invertIfNegative val="0"/>
+          <c:cat>
+            <c:strRef>
+              <c:f>Hoja1!$C$8:$C$12</c:f>
+              <c:strCache>
+                <c:ptCount val="5"/>
+                <c:pt idx="0">
+                  <c:v>Búsqueda Aleatoria</c:v>
+                </c:pt>
+                <c:pt idx="1">
+                  <c:v>Camino Aleatorio</c:v>
+                </c:pt>
+                <c:pt idx="2">
+                  <c:v>Escalador de Colinas</c:v>
+                </c:pt>
+                <c:pt idx="3">
+                  <c:v>Algoritmo Genético</c:v>
+                </c:pt>
+                <c:pt idx="4">
+                  <c:v>Estrategia Evolutiva</c:v>
+                </c:pt>
+              </c:strCache>
+            </c:strRef>
+          </c:cat>
+          <c:val>
+            <c:numRef>
+              <c:f>Hoja1!$D$8:$D$12</c:f>
+              <c:numCache>
+                <c:formatCode>General</c:formatCode>
+                <c:ptCount val="5"/>
+                <c:pt idx="0">
+                  <c:v>0.8</c:v>
+                </c:pt>
+                <c:pt idx="1">
+                  <c:v>0.59</c:v>
+                </c:pt>
+                <c:pt idx="2">
+                  <c:v>1.0900000000000001</c:v>
+                </c:pt>
+                <c:pt idx="3">
+                  <c:v>1.2</c:v>
+                </c:pt>
+                <c:pt idx="4">
+                  <c:v>0.59</c:v>
+                </c:pt>
+              </c:numCache>
+            </c:numRef>
+          </c:val>
+        </c:ser>
+        <c:ser>
+          <c:idx val="1"/>
+          <c:order val="1"/>
+          <c:tx>
+            <c:strRef>
+              <c:f>Hoja1!$E$7</c:f>
+              <c:strCache>
+                <c:ptCount val="1"/>
+                <c:pt idx="0">
+                  <c:v>STEP 0.2</c:v>
+                </c:pt>
+              </c:strCache>
+            </c:strRef>
+          </c:tx>
+          <c:spPr>
+            <a:solidFill>
+              <a:schemeClr val="accent2"/>
+            </a:solidFill>
+            <a:ln>
+              <a:noFill/>
+            </a:ln>
+            <a:effectLst/>
+          </c:spPr>
+          <c:invertIfNegative val="0"/>
+          <c:cat>
+            <c:strRef>
+              <c:f>Hoja1!$C$8:$C$12</c:f>
+              <c:strCache>
+                <c:ptCount val="5"/>
+                <c:pt idx="0">
+                  <c:v>Búsqueda Aleatoria</c:v>
+                </c:pt>
+                <c:pt idx="1">
+                  <c:v>Camino Aleatorio</c:v>
+                </c:pt>
+                <c:pt idx="2">
+                  <c:v>Escalador de Colinas</c:v>
+                </c:pt>
+                <c:pt idx="3">
+                  <c:v>Algoritmo Genético</c:v>
+                </c:pt>
+                <c:pt idx="4">
+                  <c:v>Estrategia Evolutiva</c:v>
+                </c:pt>
+              </c:strCache>
+            </c:strRef>
+          </c:cat>
+          <c:val>
+            <c:numRef>
+              <c:f>Hoja1!$E$8:$E$12</c:f>
+              <c:numCache>
+                <c:formatCode>General</c:formatCode>
+                <c:ptCount val="5"/>
+                <c:pt idx="0">
+                  <c:v>0.4</c:v>
+                </c:pt>
+                <c:pt idx="1">
+                  <c:v>0.59</c:v>
+                </c:pt>
+                <c:pt idx="2">
+                  <c:v>3.6</c:v>
+                </c:pt>
+                <c:pt idx="3">
+                  <c:v>3.6</c:v>
+                </c:pt>
+                <c:pt idx="4">
+                  <c:v>0.99</c:v>
+                </c:pt>
+              </c:numCache>
+            </c:numRef>
+          </c:val>
+        </c:ser>
+        <c:ser>
+          <c:idx val="2"/>
+          <c:order val="2"/>
+          <c:tx>
+            <c:strRef>
+              <c:f>Hoja1!$F$7</c:f>
+              <c:strCache>
+                <c:ptCount val="1"/>
+                <c:pt idx="0">
+                  <c:v>STEP 0.3</c:v>
+                </c:pt>
+              </c:strCache>
+            </c:strRef>
+          </c:tx>
+          <c:spPr>
+            <a:solidFill>
+              <a:schemeClr val="accent3"/>
+            </a:solidFill>
+            <a:ln>
+              <a:noFill/>
+            </a:ln>
+            <a:effectLst/>
+          </c:spPr>
+          <c:invertIfNegative val="0"/>
+          <c:cat>
+            <c:strRef>
+              <c:f>Hoja1!$C$8:$C$12</c:f>
+              <c:strCache>
+                <c:ptCount val="5"/>
+                <c:pt idx="0">
+                  <c:v>Búsqueda Aleatoria</c:v>
+                </c:pt>
+                <c:pt idx="1">
+                  <c:v>Camino Aleatorio</c:v>
+                </c:pt>
+                <c:pt idx="2">
+                  <c:v>Escalador de Colinas</c:v>
+                </c:pt>
+                <c:pt idx="3">
+                  <c:v>Algoritmo Genético</c:v>
+                </c:pt>
+                <c:pt idx="4">
+                  <c:v>Estrategia Evolutiva</c:v>
+                </c:pt>
+              </c:strCache>
+            </c:strRef>
+          </c:cat>
+          <c:val>
+            <c:numRef>
+              <c:f>Hoja1!$F$8:$F$12</c:f>
+              <c:numCache>
+                <c:formatCode>General</c:formatCode>
+                <c:ptCount val="5"/>
+                <c:pt idx="0">
+                  <c:v>0.89</c:v>
+                </c:pt>
+                <c:pt idx="1">
+                  <c:v>0.19</c:v>
+                </c:pt>
+                <c:pt idx="2">
+                  <c:v>7.2</c:v>
+                </c:pt>
+                <c:pt idx="3">
+                  <c:v>1.69</c:v>
+                </c:pt>
+                <c:pt idx="4">
+                  <c:v>0.9</c:v>
+                </c:pt>
+              </c:numCache>
+            </c:numRef>
+          </c:val>
+        </c:ser>
+        <c:dLbls>
+          <c:showLegendKey val="0"/>
+          <c:showVal val="0"/>
+          <c:showCatName val="0"/>
+          <c:showSerName val="0"/>
+          <c:showPercent val="0"/>
+          <c:showBubbleSize val="0"/>
+        </c:dLbls>
+        <c:gapWidth val="219"/>
+        <c:overlap val="-27"/>
+        <c:axId val="525053088"/>
+        <c:axId val="429559864"/>
+      </c:barChart>
+      <c:catAx>
+        <c:axId val="525053088"/>
+        <c:scaling>
+          <c:orientation val="minMax"/>
+        </c:scaling>
+        <c:delete val="0"/>
+        <c:axPos val="b"/>
+        <c:numFmt formatCode="General" sourceLinked="1"/>
+        <c:majorTickMark val="none"/>
+        <c:minorTickMark val="none"/>
+        <c:tickLblPos val="nextTo"/>
+        <c:spPr>
+          <a:noFill/>
+          <a:ln w="9525" cap="flat" cmpd="sng" algn="ctr">
+            <a:solidFill>
+              <a:schemeClr val="tx1">
+                <a:lumMod val="15000"/>
+                <a:lumOff val="85000"/>
+              </a:schemeClr>
+            </a:solidFill>
+            <a:round/>
+          </a:ln>
+          <a:effectLst/>
+        </c:spPr>
+        <c:txPr>
+          <a:bodyPr rot="-60000000" spcFirstLastPara="1" vertOverflow="ellipsis" vert="horz" wrap="square" anchor="ctr" anchorCtr="1"/>
+          <a:lstStyle/>
+          <a:p>
+            <a:pPr>
+              <a:defRPr sz="900" b="0" i="0" u="none" strike="noStrike" kern="1200" baseline="0">
+                <a:solidFill>
+                  <a:schemeClr val="tx1">
+                    <a:lumMod val="65000"/>
+                    <a:lumOff val="35000"/>
+                  </a:schemeClr>
+                </a:solidFill>
+                <a:latin typeface="+mn-lt"/>
+                <a:ea typeface="+mn-ea"/>
+                <a:cs typeface="+mn-cs"/>
+              </a:defRPr>
+            </a:pPr>
+            <a:endParaRPr lang="es-ES"/>
+          </a:p>
+        </c:txPr>
+        <c:crossAx val="429559864"/>
+        <c:crosses val="autoZero"/>
+        <c:auto val="1"/>
+        <c:lblAlgn val="ctr"/>
+        <c:lblOffset val="100"/>
+        <c:noMultiLvlLbl val="0"/>
+      </c:catAx>
+      <c:valAx>
+        <c:axId val="429559864"/>
+        <c:scaling>
+          <c:orientation val="minMax"/>
+        </c:scaling>
+        <c:delete val="0"/>
+        <c:axPos val="l"/>
+        <c:majorGridlines>
+          <c:spPr>
+            <a:ln w="9525" cap="flat" cmpd="sng" algn="ctr">
+              <a:solidFill>
+                <a:schemeClr val="tx1">
+                  <a:lumMod val="15000"/>
+                  <a:lumOff val="85000"/>
+                </a:schemeClr>
+              </a:solidFill>
+              <a:round/>
+            </a:ln>
+            <a:effectLst/>
+          </c:spPr>
+        </c:majorGridlines>
+        <c:numFmt formatCode="General" sourceLinked="1"/>
+        <c:majorTickMark val="none"/>
+        <c:minorTickMark val="none"/>
+        <c:tickLblPos val="nextTo"/>
+        <c:spPr>
+          <a:noFill/>
+          <a:ln>
+            <a:noFill/>
+          </a:ln>
+          <a:effectLst/>
+        </c:spPr>
+        <c:txPr>
+          <a:bodyPr rot="-60000000" spcFirstLastPara="1" vertOverflow="ellipsis" vert="horz" wrap="square" anchor="ctr" anchorCtr="1"/>
+          <a:lstStyle/>
+          <a:p>
+            <a:pPr>
+              <a:defRPr sz="900" b="0" i="0" u="none" strike="noStrike" kern="1200" baseline="0">
+                <a:solidFill>
+                  <a:schemeClr val="tx1">
+                    <a:lumMod val="65000"/>
+                    <a:lumOff val="35000"/>
+                  </a:schemeClr>
+                </a:solidFill>
+                <a:latin typeface="+mn-lt"/>
+                <a:ea typeface="+mn-ea"/>
+                <a:cs typeface="+mn-cs"/>
+              </a:defRPr>
+            </a:pPr>
+            <a:endParaRPr lang="es-ES"/>
+          </a:p>
+        </c:txPr>
+        <c:crossAx val="525053088"/>
+        <c:crosses val="autoZero"/>
+        <c:crossBetween val="between"/>
+      </c:valAx>
+      <c:spPr>
+        <a:noFill/>
+        <a:ln>
+          <a:noFill/>
+        </a:ln>
+        <a:effectLst/>
+      </c:spPr>
+    </c:plotArea>
+    <c:legend>
+      <c:legendPos val="b"/>
+      <c:layout/>
+      <c:overlay val="0"/>
+      <c:spPr>
+        <a:noFill/>
+        <a:ln>
+          <a:noFill/>
+        </a:ln>
+        <a:effectLst/>
+      </c:spPr>
+      <c:txPr>
+        <a:bodyPr rot="0" spcFirstLastPara="1" vertOverflow="ellipsis" vert="horz" wrap="square" anchor="ctr" anchorCtr="1"/>
+        <a:lstStyle/>
+        <a:p>
+          <a:pPr>
+            <a:defRPr sz="900" b="0" i="0" u="none" strike="noStrike" kern="1200" baseline="0">
+              <a:solidFill>
+                <a:schemeClr val="tx1">
+                  <a:lumMod val="65000"/>
+                  <a:lumOff val="35000"/>
+                </a:schemeClr>
+              </a:solidFill>
+              <a:latin typeface="+mn-lt"/>
+              <a:ea typeface="+mn-ea"/>
+              <a:cs typeface="+mn-cs"/>
+            </a:defRPr>
+          </a:pPr>
+          <a:endParaRPr lang="es-ES"/>
+        </a:p>
+      </c:txPr>
+    </c:legend>
+    <c:plotVisOnly val="1"/>
+    <c:dispBlanksAs val="gap"/>
+    <c:showDLblsOverMax val="0"/>
+  </c:chart>
+  <c:spPr>
+    <a:noFill/>
+    <a:ln>
+      <a:noFill/>
+    </a:ln>
+    <a:effectLst/>
+  </c:spPr>
+  <c:txPr>
+    <a:bodyPr/>
+    <a:lstStyle/>
+    <a:p>
+      <a:pPr>
+        <a:defRPr/>
+      </a:pPr>
+      <a:endParaRPr lang="es-ES"/>
+    </a:p>
+  </c:txPr>
+  <c:externalData r:id="rId4">
+    <c:autoUpdate val="0"/>
+  </c:externalData>
+</c:chartSpace>
+</file>
+
+<file path=ppt/charts/colors1.xml><?xml version="1.0" encoding="utf-8"?>
+<cs:colorStyle xmlns:cs="http://schemas.microsoft.com/office/drawing/2012/chartStyle" xmlns:a="http://schemas.openxmlformats.org/drawingml/2006/main" meth="cycle" id="10">
+  <a:schemeClr val="accent1"/>
+  <a:schemeClr val="accent2"/>
+  <a:schemeClr val="accent3"/>
+  <a:schemeClr val="accent4"/>
+  <a:schemeClr val="accent5"/>
+  <a:schemeClr val="accent6"/>
+  <cs:variation/>
+  <cs:variation>
+    <a:lumMod val="60000"/>
+  </cs:variation>
+  <cs:variation>
+    <a:lumMod val="80000"/>
+    <a:lumOff val="20000"/>
+  </cs:variation>
+  <cs:variation>
+    <a:lumMod val="80000"/>
+  </cs:variation>
+  <cs:variation>
+    <a:lumMod val="60000"/>
+    <a:lumOff val="40000"/>
+  </cs:variation>
+  <cs:variation>
+    <a:lumMod val="50000"/>
+  </cs:variation>
+  <cs:variation>
+    <a:lumMod val="70000"/>
+    <a:lumOff val="30000"/>
+  </cs:variation>
+  <cs:variation>
+    <a:lumMod val="70000"/>
+  </cs:variation>
+  <cs:variation>
+    <a:lumMod val="50000"/>
+    <a:lumOff val="50000"/>
+  </cs:variation>
+</cs:colorStyle>
+</file>
+
+<file path=ppt/charts/style1.xml><?xml version="1.0" encoding="utf-8"?>
+<cs:chartStyle xmlns:cs="http://schemas.microsoft.com/office/drawing/2012/chartStyle" xmlns:a="http://schemas.openxmlformats.org/drawingml/2006/main" id="201">
+  <cs:axisTitle>
+    <cs:lnRef idx="0"/>
+    <cs:fillRef idx="0"/>
+    <cs:effectRef idx="0"/>
+    <cs:fontRef idx="minor">
+      <a:schemeClr val="tx1">
+        <a:lumMod val="65000"/>
+        <a:lumOff val="35000"/>
+      </a:schemeClr>
+    </cs:fontRef>
+    <cs:defRPr sz="1000" kern="1200"/>
+  </cs:axisTitle>
+  <cs:categoryAxis>
+    <cs:lnRef idx="0"/>
+    <cs:fillRef idx="0"/>
+    <cs:effectRef idx="0"/>
+    <cs:fontRef idx="minor">
+      <a:schemeClr val="tx1">
+        <a:lumMod val="65000"/>
+        <a:lumOff val="35000"/>
+      </a:schemeClr>
+    </cs:fontRef>
+    <cs:spPr>
+      <a:ln w="9525" cap="flat" cmpd="sng" algn="ctr">
+        <a:solidFill>
+          <a:schemeClr val="tx1">
+            <a:lumMod val="15000"/>
+            <a:lumOff val="85000"/>
+          </a:schemeClr>
+        </a:solidFill>
+        <a:round/>
+      </a:ln>
+    </cs:spPr>
+    <cs:defRPr sz="900" kern="1200"/>
+  </cs:categoryAxis>
+  <cs:chartArea mods="allowNoFillOverride allowNoLineOverride">
+    <cs:lnRef idx="0"/>
+    <cs:fillRef idx="0"/>
+    <cs:effectRef idx="0"/>
+    <cs:fontRef idx="minor">
+      <a:schemeClr val="tx1"/>
+    </cs:fontRef>
+    <cs:spPr>
+      <a:solidFill>
+        <a:schemeClr val="bg1"/>
+      </a:solidFill>
+      <a:ln w="9525" cap="flat" cmpd="sng" algn="ctr">
+        <a:solidFill>
+          <a:schemeClr val="tx1">
+            <a:lumMod val="15000"/>
+            <a:lumOff val="85000"/>
+          </a:schemeClr>
+        </a:solidFill>
+        <a:round/>
+      </a:ln>
+    </cs:spPr>
+    <cs:defRPr sz="1000" kern="1200"/>
+  </cs:chartArea>
+  <cs:dataLabel>
+    <cs:lnRef idx="0"/>
+    <cs:fillRef idx="0"/>
+    <cs:effectRef idx="0"/>
+    <cs:fontRef idx="minor">
+      <a:schemeClr val="tx1">
+        <a:lumMod val="75000"/>
+        <a:lumOff val="25000"/>
+      </a:schemeClr>
+    </cs:fontRef>
+    <cs:defRPr sz="900" kern="1200"/>
+  </cs:dataLabel>
+  <cs:dataLabelCallout>
+    <cs:lnRef idx="0"/>
+    <cs:fillRef idx="0"/>
+    <cs:effectRef idx="0"/>
+    <cs:fontRef idx="minor">
+      <a:schemeClr val="dk1">
+        <a:lumMod val="65000"/>
+        <a:lumOff val="35000"/>
+      </a:schemeClr>
+    </cs:fontRef>
+    <cs:spPr>
+      <a:solidFill>
+        <a:schemeClr val="lt1"/>
+      </a:solidFill>
+      <a:ln>
+        <a:solidFill>
+          <a:schemeClr val="dk1">
+            <a:lumMod val="25000"/>
+            <a:lumOff val="75000"/>
+          </a:schemeClr>
+        </a:solidFill>
+      </a:ln>
+    </cs:spPr>
+    <cs:defRPr sz="900" kern="1200"/>
+    <cs:bodyPr rot="0" spcFirstLastPara="1" vertOverflow="clip" horzOverflow="clip" vert="horz" wrap="square" lIns="36576" tIns="18288" rIns="36576" bIns="18288" anchor="ctr" anchorCtr="1">
+      <a:spAutoFit/>
+    </cs:bodyPr>
+  </cs:dataLabelCallout>
+  <cs:dataPoint>
+    <cs:lnRef idx="0"/>
+    <cs:fillRef idx="1">
+      <cs:styleClr val="auto"/>
+    </cs:fillRef>
+    <cs:effectRef idx="0"/>
+    <cs:fontRef idx="minor">
+      <a:schemeClr val="tx1"/>
+    </cs:fontRef>
+  </cs:dataPoint>
+  <cs:dataPoint3D>
+    <cs:lnRef idx="0"/>
+    <cs:fillRef idx="1">
+      <cs:styleClr val="auto"/>
+    </cs:fillRef>
+    <cs:effectRef idx="0"/>
+    <cs:fontRef idx="minor">
+      <a:schemeClr val="tx1"/>
+    </cs:fontRef>
+  </cs:dataPoint3D>
+  <cs:dataPointLine>
+    <cs:lnRef idx="0">
+      <cs:styleClr val="auto"/>
+    </cs:lnRef>
+    <cs:fillRef idx="1"/>
+    <cs:effectRef idx="0"/>
+    <cs:fontRef idx="minor">
+      <a:schemeClr val="tx1"/>
+    </cs:fontRef>
+    <cs:spPr>
+      <a:ln w="28575" cap="rnd">
+        <a:solidFill>
+          <a:schemeClr val="phClr"/>
+        </a:solidFill>
+        <a:round/>
+      </a:ln>
+    </cs:spPr>
+  </cs:dataPointLine>
+  <cs:dataPointMarker>
+    <cs:lnRef idx="0">
+      <cs:styleClr val="auto"/>
+    </cs:lnRef>
+    <cs:fillRef idx="1">
+      <cs:styleClr val="auto"/>
+    </cs:fillRef>
+    <cs:effectRef idx="0"/>
+    <cs:fontRef idx="minor">
+      <a:schemeClr val="tx1"/>
+    </cs:fontRef>
+    <cs:spPr>
+      <a:ln w="9525">
+        <a:solidFill>
+          <a:schemeClr val="phClr"/>
+        </a:solidFill>
+      </a:ln>
+    </cs:spPr>
+  </cs:dataPointMarker>
+  <cs:dataPointMarkerLayout symbol="circle" size="5"/>
+  <cs:dataPointWireframe>
+    <cs:lnRef idx="0">
+      <cs:styleClr val="auto"/>
+    </cs:lnRef>
+    <cs:fillRef idx="1"/>
+    <cs:effectRef idx="0"/>
+    <cs:fontRef idx="minor">
+      <a:schemeClr val="tx1"/>
+    </cs:fontRef>
+    <cs:spPr>
+      <a:ln w="9525" cap="rnd">
+        <a:solidFill>
+          <a:schemeClr val="phClr"/>
+        </a:solidFill>
+        <a:round/>
+      </a:ln>
+    </cs:spPr>
+  </cs:dataPointWireframe>
+  <cs:dataTable>
+    <cs:lnRef idx="0"/>
+    <cs:fillRef idx="0"/>
+    <cs:effectRef idx="0"/>
+    <cs:fontRef idx="minor">
+      <a:schemeClr val="tx1">
+        <a:lumMod val="65000"/>
+        <a:lumOff val="35000"/>
+      </a:schemeClr>
+    </cs:fontRef>
+    <cs:spPr>
+      <a:noFill/>
+      <a:ln w="9525" cap="flat" cmpd="sng" algn="ctr">
+        <a:solidFill>
+          <a:schemeClr val="tx1">
+            <a:lumMod val="15000"/>
+            <a:lumOff val="85000"/>
+          </a:schemeClr>
+        </a:solidFill>
+        <a:round/>
+      </a:ln>
+    </cs:spPr>
+    <cs:defRPr sz="900" kern="1200"/>
+  </cs:dataTable>
+  <cs:downBar>
+    <cs:lnRef idx="0"/>
+    <cs:fillRef idx="0"/>
+    <cs:effectRef idx="0"/>
+    <cs:fontRef idx="minor">
+      <a:schemeClr val="dk1"/>
+    </cs:fontRef>
+    <cs:spPr>
+      <a:solidFill>
+        <a:schemeClr val="dk1">
+          <a:lumMod val="65000"/>
+          <a:lumOff val="35000"/>
+        </a:schemeClr>
+      </a:solidFill>
+      <a:ln w="9525">
+        <a:solidFill>
+          <a:schemeClr val="tx1">
+            <a:lumMod val="65000"/>
+            <a:lumOff val="35000"/>
+          </a:schemeClr>
+        </a:solidFill>
+      </a:ln>
+    </cs:spPr>
+  </cs:downBar>
+  <cs:dropLine>
+    <cs:lnRef idx="0"/>
+    <cs:fillRef idx="0"/>
+    <cs:effectRef idx="0"/>
+    <cs:fontRef idx="minor">
+      <a:schemeClr val="tx1"/>
+    </cs:fontRef>
+    <cs:spPr>
+      <a:ln w="9525" cap="flat" cmpd="sng" algn="ctr">
+        <a:solidFill>
+          <a:schemeClr val="tx1">
+            <a:lumMod val="35000"/>
+            <a:lumOff val="65000"/>
+          </a:schemeClr>
+        </a:solidFill>
+        <a:round/>
+      </a:ln>
+    </cs:spPr>
+  </cs:dropLine>
+  <cs:errorBar>
+    <cs:lnRef idx="0"/>
+    <cs:fillRef idx="0"/>
+    <cs:effectRef idx="0"/>
+    <cs:fontRef idx="minor">
+      <a:schemeClr val="tx1"/>
+    </cs:fontRef>
+    <cs:spPr>
+      <a:ln w="9525" cap="flat" cmpd="sng" algn="ctr">
+        <a:solidFill>
+          <a:schemeClr val="tx1">
+            <a:lumMod val="65000"/>
+            <a:lumOff val="35000"/>
+          </a:schemeClr>
+        </a:solidFill>
+        <a:round/>
+      </a:ln>
+    </cs:spPr>
+  </cs:errorBar>
+  <cs:floor>
+    <cs:lnRef idx="0"/>
+    <cs:fillRef idx="0"/>
+    <cs:effectRef idx="0"/>
+    <cs:fontRef idx="minor">
+      <a:schemeClr val="tx1"/>
+    </cs:fontRef>
+    <cs:spPr>
+      <a:noFill/>
+      <a:ln>
+        <a:noFill/>
+      </a:ln>
+    </cs:spPr>
+  </cs:floor>
+  <cs:gridlineMajor>
+    <cs:lnRef idx="0"/>
+    <cs:fillRef idx="0"/>
+    <cs:effectRef idx="0"/>
+    <cs:fontRef idx="minor">
+      <a:schemeClr val="tx1"/>
+    </cs:fontRef>
+    <cs:spPr>
+      <a:ln w="9525" cap="flat" cmpd="sng" algn="ctr">
+        <a:solidFill>
+          <a:schemeClr val="tx1">
+            <a:lumMod val="15000"/>
+            <a:lumOff val="85000"/>
+          </a:schemeClr>
+        </a:solidFill>
+        <a:round/>
+      </a:ln>
+    </cs:spPr>
+  </cs:gridlineMajor>
+  <cs:gridlineMinor>
+    <cs:lnRef idx="0"/>
+    <cs:fillRef idx="0"/>
+    <cs:effectRef idx="0"/>
+    <cs:fontRef idx="minor">
+      <a:schemeClr val="tx1"/>
+    </cs:fontRef>
+    <cs:spPr>
+      <a:ln w="9525" cap="flat" cmpd="sng" algn="ctr">
+        <a:solidFill>
+          <a:schemeClr val="tx1">
+            <a:lumMod val="5000"/>
+            <a:lumOff val="95000"/>
+          </a:schemeClr>
+        </a:solidFill>
+        <a:round/>
+      </a:ln>
+    </cs:spPr>
+  </cs:gridlineMinor>
+  <cs:hiLoLine>
+    <cs:lnRef idx="0"/>
+    <cs:fillRef idx="0"/>
+    <cs:effectRef idx="0"/>
+    <cs:fontRef idx="minor">
+      <a:schemeClr val="tx1"/>
+    </cs:fontRef>
+    <cs:spPr>
+      <a:ln w="9525" cap="flat" cmpd="sng" algn="ctr">
+        <a:solidFill>
+          <a:schemeClr val="tx1">
+            <a:lumMod val="75000"/>
+            <a:lumOff val="25000"/>
+          </a:schemeClr>
+        </a:solidFill>
+        <a:round/>
+      </a:ln>
+    </cs:spPr>
+  </cs:hiLoLine>
+  <cs:leaderLine>
+    <cs:lnRef idx="0"/>
+    <cs:fillRef idx="0"/>
+    <cs:effectRef idx="0"/>
+    <cs:fontRef idx="minor">
+      <a:schemeClr val="tx1"/>
+    </cs:fontRef>
+    <cs:spPr>
+      <a:ln w="9525" cap="flat" cmpd="sng" algn="ctr">
+        <a:solidFill>
+          <a:schemeClr val="tx1">
+            <a:lumMod val="35000"/>
+            <a:lumOff val="65000"/>
+          </a:schemeClr>
+        </a:solidFill>
+        <a:round/>
+      </a:ln>
+    </cs:spPr>
+  </cs:leaderLine>
+  <cs:legend>
+    <cs:lnRef idx="0"/>
+    <cs:fillRef idx="0"/>
+    <cs:effectRef idx="0"/>
+    <cs:fontRef idx="minor">
+      <a:schemeClr val="tx1">
+        <a:lumMod val="65000"/>
+        <a:lumOff val="35000"/>
+      </a:schemeClr>
+    </cs:fontRef>
+    <cs:defRPr sz="900" kern="1200"/>
+  </cs:legend>
+  <cs:plotArea mods="allowNoFillOverride allowNoLineOverride">
+    <cs:lnRef idx="0"/>
+    <cs:fillRef idx="0"/>
+    <cs:effectRef idx="0"/>
+    <cs:fontRef idx="minor">
+      <a:schemeClr val="tx1"/>
+    </cs:fontRef>
+  </cs:plotArea>
+  <cs:plotArea3D mods="allowNoFillOverride allowNoLineOverride">
+    <cs:lnRef idx="0"/>
+    <cs:fillRef idx="0"/>
+    <cs:effectRef idx="0"/>
+    <cs:fontRef idx="minor">
+      <a:schemeClr val="tx1"/>
+    </cs:fontRef>
+  </cs:plotArea3D>
+  <cs:seriesAxis>
+    <cs:lnRef idx="0"/>
+    <cs:fillRef idx="0"/>
+    <cs:effectRef idx="0"/>
+    <cs:fontRef idx="minor">
+      <a:schemeClr val="tx1">
+        <a:lumMod val="65000"/>
+        <a:lumOff val="35000"/>
+      </a:schemeClr>
+    </cs:fontRef>
+    <cs:defRPr sz="900" kern="1200"/>
+  </cs:seriesAxis>
+  <cs:seriesLine>
+    <cs:lnRef idx="0"/>
+    <cs:fillRef idx="0"/>
+    <cs:effectRef idx="0"/>
+    <cs:fontRef idx="minor">
+      <a:schemeClr val="tx1"/>
+    </cs:fontRef>
+    <cs:spPr>
+      <a:ln w="9525" cap="flat" cmpd="sng" algn="ctr">
+        <a:solidFill>
+          <a:schemeClr val="tx1">
+            <a:lumMod val="35000"/>
+            <a:lumOff val="65000"/>
+          </a:schemeClr>
+        </a:solidFill>
+        <a:round/>
+      </a:ln>
+    </cs:spPr>
+  </cs:seriesLine>
+  <cs:title>
+    <cs:lnRef idx="0"/>
+    <cs:fillRef idx="0"/>
+    <cs:effectRef idx="0"/>
+    <cs:fontRef idx="minor">
+      <a:schemeClr val="tx1">
+        <a:lumMod val="65000"/>
+        <a:lumOff val="35000"/>
+      </a:schemeClr>
+    </cs:fontRef>
+    <cs:defRPr sz="1400" b="0" kern="1200" spc="0" baseline="0"/>
+  </cs:title>
+  <cs:trendline>
+    <cs:lnRef idx="0">
+      <cs:styleClr val="auto"/>
+    </cs:lnRef>
+    <cs:fillRef idx="0"/>
+    <cs:effectRef idx="0"/>
+    <cs:fontRef idx="minor">
+      <a:schemeClr val="tx1"/>
+    </cs:fontRef>
+    <cs:spPr>
+      <a:ln w="19050" cap="rnd">
+        <a:solidFill>
+          <a:schemeClr val="phClr"/>
+        </a:solidFill>
+        <a:prstDash val="sysDot"/>
+      </a:ln>
+    </cs:spPr>
+  </cs:trendline>
+  <cs:trendlineLabel>
+    <cs:lnRef idx="0"/>
+    <cs:fillRef idx="0"/>
+    <cs:effectRef idx="0"/>
+    <cs:fontRef idx="minor">
+      <a:schemeClr val="tx1">
+        <a:lumMod val="65000"/>
+        <a:lumOff val="35000"/>
+      </a:schemeClr>
+    </cs:fontRef>
+    <cs:defRPr sz="900" kern="1200"/>
+  </cs:trendlineLabel>
+  <cs:upBar>
+    <cs:lnRef idx="0"/>
+    <cs:fillRef idx="0"/>
+    <cs:effectRef idx="0"/>
+    <cs:fontRef idx="minor">
+      <a:schemeClr val="dk1"/>
+    </cs:fontRef>
+    <cs:spPr>
+      <a:solidFill>
+        <a:schemeClr val="lt1"/>
+      </a:solidFill>
+      <a:ln w="9525">
+        <a:solidFill>
+          <a:schemeClr val="tx1">
+            <a:lumMod val="15000"/>
+            <a:lumOff val="85000"/>
+          </a:schemeClr>
+        </a:solidFill>
+      </a:ln>
+    </cs:spPr>
+  </cs:upBar>
+  <cs:valueAxis>
+    <cs:lnRef idx="0"/>
+    <cs:fillRef idx="0"/>
+    <cs:effectRef idx="0"/>
+    <cs:fontRef idx="minor">
+      <a:schemeClr val="tx1">
+        <a:lumMod val="65000"/>
+        <a:lumOff val="35000"/>
+      </a:schemeClr>
+    </cs:fontRef>
+    <cs:defRPr sz="900" kern="1200"/>
+  </cs:valueAxis>
+  <cs:wall>
+    <cs:lnRef idx="0"/>
+    <cs:fillRef idx="0"/>
+    <cs:effectRef idx="0"/>
+    <cs:fontRef idx="minor">
+      <a:schemeClr val="tx1"/>
+    </cs:fontRef>
+    <cs:spPr>
+      <a:noFill/>
+      <a:ln>
+        <a:noFill/>
+      </a:ln>
+    </cs:spPr>
+  </cs:wall>
+</cs:chartStyle>
+</file>
+
 <file path=ppt/notesMasters/notesMaster1.xml><?xml version="1.0" encoding="utf-8"?>
 <p:notesMaster xmlns:a="http://schemas.openxmlformats.org/drawingml/2006/main" xmlns:r="http://schemas.openxmlformats.org/officeDocument/2006/relationships" xmlns:p="http://schemas.openxmlformats.org/presentationml/2006/main">
   <p:cSld>
@@ -382,7 +1360,7 @@
           <a:p>
             <a:fld id="{65154C0B-E2C7-4D9E-827C-72C00C2A711B}" type="slidenum">
               <a:rPr lang="es-ES" smtClean="0"/>
-              <a:t>‹#›</a:t>
+              <a:t>‹Nº›</a:t>
             </a:fld>
             <a:endParaRPr lang="es-ES"/>
           </a:p>
@@ -1009,7 +1987,7 @@
           <a:p>
             <a:fld id="{D0D03522-ACFB-465D-BFFC-5FB31DCDE28F}" type="slidenum">
               <a:rPr lang="es-ES" smtClean="0"/>
-              <a:t>‹#›</a:t>
+              <a:t>‹Nº›</a:t>
             </a:fld>
             <a:endParaRPr lang="es-ES"/>
           </a:p>
@@ -1217,7 +2195,7 @@
           <a:p>
             <a:fld id="{D0D03522-ACFB-465D-BFFC-5FB31DCDE28F}" type="slidenum">
               <a:rPr lang="es-ES" smtClean="0"/>
-              <a:t>‹#›</a:t>
+              <a:t>‹Nº›</a:t>
             </a:fld>
             <a:endParaRPr lang="es-ES"/>
           </a:p>
@@ -1397,7 +2375,7 @@
           <a:p>
             <a:fld id="{D0D03522-ACFB-465D-BFFC-5FB31DCDE28F}" type="slidenum">
               <a:rPr lang="es-ES" smtClean="0"/>
-              <a:t>‹#›</a:t>
+              <a:t>‹Nº›</a:t>
             </a:fld>
             <a:endParaRPr lang="es-ES"/>
           </a:p>
@@ -1567,7 +2545,7 @@
           <a:p>
             <a:fld id="{D0D03522-ACFB-465D-BFFC-5FB31DCDE28F}" type="slidenum">
               <a:rPr lang="es-ES" smtClean="0"/>
-              <a:t>‹#›</a:t>
+              <a:t>‹Nº›</a:t>
             </a:fld>
             <a:endParaRPr lang="es-ES"/>
           </a:p>
@@ -1821,7 +2799,7 @@
           <a:p>
             <a:fld id="{D0D03522-ACFB-465D-BFFC-5FB31DCDE28F}" type="slidenum">
               <a:rPr lang="es-ES" smtClean="0"/>
-              <a:t>‹#›</a:t>
+              <a:t>‹Nº›</a:t>
             </a:fld>
             <a:endParaRPr lang="es-ES"/>
           </a:p>
@@ -2147,7 +3125,7 @@
           <a:p>
             <a:fld id="{D0D03522-ACFB-465D-BFFC-5FB31DCDE28F}" type="slidenum">
               <a:rPr lang="es-ES" smtClean="0"/>
-              <a:t>‹#›</a:t>
+              <a:t>‹Nº›</a:t>
             </a:fld>
             <a:endParaRPr lang="es-ES"/>
           </a:p>
@@ -2598,7 +3576,7 @@
           <a:p>
             <a:fld id="{D0D03522-ACFB-465D-BFFC-5FB31DCDE28F}" type="slidenum">
               <a:rPr lang="es-ES" smtClean="0"/>
-              <a:t>‹#›</a:t>
+              <a:t>‹Nº›</a:t>
             </a:fld>
             <a:endParaRPr lang="es-ES"/>
           </a:p>
@@ -2716,7 +3694,7 @@
           <a:p>
             <a:fld id="{D0D03522-ACFB-465D-BFFC-5FB31DCDE28F}" type="slidenum">
               <a:rPr lang="es-ES" smtClean="0"/>
-              <a:t>‹#›</a:t>
+              <a:t>‹Nº›</a:t>
             </a:fld>
             <a:endParaRPr lang="es-ES"/>
           </a:p>
@@ -2811,7 +3789,7 @@
           <a:p>
             <a:fld id="{D0D03522-ACFB-465D-BFFC-5FB31DCDE28F}" type="slidenum">
               <a:rPr lang="es-ES" smtClean="0"/>
-              <a:t>‹#›</a:t>
+              <a:t>‹Nº›</a:t>
             </a:fld>
             <a:endParaRPr lang="es-ES"/>
           </a:p>
@@ -3098,7 +4076,7 @@
           <a:p>
             <a:fld id="{D0D03522-ACFB-465D-BFFC-5FB31DCDE28F}" type="slidenum">
               <a:rPr lang="es-ES" smtClean="0"/>
-              <a:t>‹#›</a:t>
+              <a:t>‹Nº›</a:t>
             </a:fld>
             <a:endParaRPr lang="es-ES"/>
           </a:p>
@@ -3420,7 +4398,7 @@
           <a:p>
             <a:fld id="{D0D03522-ACFB-465D-BFFC-5FB31DCDE28F}" type="slidenum">
               <a:rPr lang="es-ES" smtClean="0"/>
-              <a:t>‹#›</a:t>
+              <a:t>‹Nº›</a:t>
             </a:fld>
             <a:endParaRPr lang="es-ES"/>
           </a:p>
@@ -3714,7 +4692,7 @@
           <a:p>
             <a:fld id="{D0D03522-ACFB-465D-BFFC-5FB31DCDE28F}" type="slidenum">
               <a:rPr lang="es-ES" smtClean="0"/>
-              <a:t>‹#›</a:t>
+              <a:t>‹Nº›</a:t>
             </a:fld>
             <a:endParaRPr lang="es-ES"/>
           </a:p>
@@ -4816,7 +5794,6 @@
                 <a:rPr lang="es-ES" sz="1600" dirty="0" smtClean="0"/>
                 <a:t>Peor solución</a:t>
               </a:r>
-              <a:endParaRPr lang="es-ES" sz="1600" dirty="0" smtClean="0"/>
             </a:p>
             <a:p>
               <a:pPr>
@@ -4898,8 +5875,8 @@
           </a:p>
         </p:txBody>
       </p:sp>
-      <mc:AlternateContent xmlns:mc="http://schemas.openxmlformats.org/markup-compatibility/2006">
-        <mc:Choice xmlns:a14="http://schemas.microsoft.com/office/drawing/2010/main" Requires="a14">
+      <mc:AlternateContent xmlns:mc="http://schemas.openxmlformats.org/markup-compatibility/2006" xmlns:a14="http://schemas.microsoft.com/office/drawing/2010/main">
+        <mc:Choice Requires="a14">
           <p:sp>
             <p:nvSpPr>
               <p:cNvPr id="3" name="Content Placeholder 2"/>
@@ -5288,7 +6265,7 @@
             </p:txBody>
           </p:sp>
         </mc:Choice>
-        <mc:Fallback>
+        <mc:Fallback xmlns="">
           <p:sp>
             <p:nvSpPr>
               <p:cNvPr id="3" name="Content Placeholder 2"/>
@@ -5462,7 +6439,6 @@
                 <a:rPr lang="es-ES" sz="1600" dirty="0" smtClean="0"/>
                 <a:t>Peor solución</a:t>
               </a:r>
-              <a:endParaRPr lang="es-ES" sz="1600" dirty="0" smtClean="0"/>
             </a:p>
             <a:p>
               <a:pPr>
@@ -6054,7 +7030,6 @@
                 <a:rPr lang="es-ES" sz="1600" dirty="0" smtClean="0"/>
                 <a:t>Peor solución</a:t>
               </a:r>
-              <a:endParaRPr lang="es-ES" sz="1600" dirty="0" smtClean="0"/>
             </a:p>
             <a:p>
               <a:pPr>
@@ -6136,34 +7111,30 @@
           </a:p>
         </p:txBody>
       </p:sp>
-      <p:sp>
-        <p:nvSpPr>
-          <p:cNvPr id="3" name="Content Placeholder 2"/>
-          <p:cNvSpPr>
-            <a:spLocks noGrp="1"/>
-          </p:cNvSpPr>
+      <p:graphicFrame>
+        <p:nvGraphicFramePr>
+          <p:cNvPr id="10" name="Gráfico 9"/>
+          <p:cNvGraphicFramePr>
+            <a:graphicFrameLocks/>
+          </p:cNvGraphicFramePr>
           <p:nvPr>
-            <p:ph idx="1"/>
+            <p:extLst>
+              <p:ext uri="{D42A27DB-BD31-4B8C-83A1-F6EECF244321}">
+                <p14:modId xmlns:p14="http://schemas.microsoft.com/office/powerpoint/2010/main" val="352751526"/>
+              </p:ext>
+            </p:extLst>
           </p:nvPr>
-        </p:nvSpPr>
-        <p:spPr>
-          <a:xfrm>
-            <a:off x="1261872" y="1341120"/>
-            <a:ext cx="8595360" cy="4910137"/>
-          </a:xfrm>
-        </p:spPr>
-        <p:txBody>
-          <a:bodyPr/>
-          <a:lstStyle/>
-          <a:p>
-            <a:r>
-              <a:rPr lang="es-ES" dirty="0" smtClean="0"/>
-              <a:t>Cruzamiento</a:t>
-            </a:r>
-            <a:endParaRPr lang="es-ES" dirty="0"/>
-          </a:p>
-        </p:txBody>
-      </p:sp>
+        </p:nvGraphicFramePr>
+        <p:xfrm>
+          <a:off x="1057014" y="1386909"/>
+          <a:ext cx="9169166" cy="5156503"/>
+        </p:xfrm>
+        <a:graphic>
+          <a:graphicData uri="http://schemas.openxmlformats.org/drawingml/2006/chart">
+            <c:chart xmlns:c="http://schemas.openxmlformats.org/drawingml/2006/chart" xmlns:r="http://schemas.openxmlformats.org/officeDocument/2006/relationships" r:id="rId2"/>
+          </a:graphicData>
+        </a:graphic>
+      </p:graphicFrame>
     </p:spTree>
     <p:extLst>
       <p:ext uri="{BB962C8B-B14F-4D97-AF65-F5344CB8AC3E}">
@@ -7505,21 +8476,21 @@
                 <a:gridCol w="406400">
                   <a:extLst>
                     <a:ext uri="{9D8B030D-6E8A-4147-A177-3AD203B41FA5}">
-                      <a16:colId xmlns:a16="http://schemas.microsoft.com/office/drawing/2014/main" val="1801000517"/>
+                      <a16:colId xmlns:a16="http://schemas.microsoft.com/office/drawing/2014/main" xmlns="" val="1801000517"/>
                     </a:ext>
                   </a:extLst>
                 </a:gridCol>
                 <a:gridCol w="375920">
                   <a:extLst>
                     <a:ext uri="{9D8B030D-6E8A-4147-A177-3AD203B41FA5}">
-                      <a16:colId xmlns:a16="http://schemas.microsoft.com/office/drawing/2014/main" val="1657204703"/>
+                      <a16:colId xmlns:a16="http://schemas.microsoft.com/office/drawing/2014/main" xmlns="" val="1657204703"/>
                     </a:ext>
                   </a:extLst>
                 </a:gridCol>
                 <a:gridCol w="7325360">
                   <a:extLst>
                     <a:ext uri="{9D8B030D-6E8A-4147-A177-3AD203B41FA5}">
-                      <a16:colId xmlns:a16="http://schemas.microsoft.com/office/drawing/2014/main" val="3305165988"/>
+                      <a16:colId xmlns:a16="http://schemas.microsoft.com/office/drawing/2014/main" xmlns="" val="3305165988"/>
                     </a:ext>
                   </a:extLst>
                 </a:gridCol>
@@ -7597,7 +8568,7 @@
                 </a:tc>
                 <a:extLst>
                   <a:ext uri="{0D108BD9-81ED-4DB2-BD59-A6C34878D82A}">
-                    <a16:rowId xmlns:a16="http://schemas.microsoft.com/office/drawing/2014/main" val="1190365663"/>
+                    <a16:rowId xmlns:a16="http://schemas.microsoft.com/office/drawing/2014/main" xmlns="" val="1190365663"/>
                   </a:ext>
                 </a:extLst>
               </a:tr>
@@ -7646,7 +8617,7 @@
                 </a:tc>
                 <a:extLst>
                   <a:ext uri="{0D108BD9-81ED-4DB2-BD59-A6C34878D82A}">
-                    <a16:rowId xmlns:a16="http://schemas.microsoft.com/office/drawing/2014/main" val="1730090890"/>
+                    <a16:rowId xmlns:a16="http://schemas.microsoft.com/office/drawing/2014/main" xmlns="" val="1730090890"/>
                   </a:ext>
                 </a:extLst>
               </a:tr>
@@ -7695,7 +8666,7 @@
                 </a:tc>
                 <a:extLst>
                   <a:ext uri="{0D108BD9-81ED-4DB2-BD59-A6C34878D82A}">
-                    <a16:rowId xmlns:a16="http://schemas.microsoft.com/office/drawing/2014/main" val="1626348320"/>
+                    <a16:rowId xmlns:a16="http://schemas.microsoft.com/office/drawing/2014/main" xmlns="" val="1626348320"/>
                   </a:ext>
                 </a:extLst>
               </a:tr>
@@ -7756,7 +8727,7 @@
                 </a:tc>
                 <a:extLst>
                   <a:ext uri="{0D108BD9-81ED-4DB2-BD59-A6C34878D82A}">
-                    <a16:rowId xmlns:a16="http://schemas.microsoft.com/office/drawing/2014/main" val="2554951521"/>
+                    <a16:rowId xmlns:a16="http://schemas.microsoft.com/office/drawing/2014/main" xmlns="" val="2554951521"/>
                   </a:ext>
                 </a:extLst>
               </a:tr>
@@ -7801,7 +8772,7 @@
                 </a:tc>
                 <a:extLst>
                   <a:ext uri="{0D108BD9-81ED-4DB2-BD59-A6C34878D82A}">
-                    <a16:rowId xmlns:a16="http://schemas.microsoft.com/office/drawing/2014/main" val="1427695710"/>
+                    <a16:rowId xmlns:a16="http://schemas.microsoft.com/office/drawing/2014/main" xmlns="" val="1427695710"/>
                   </a:ext>
                 </a:extLst>
               </a:tr>
@@ -7854,7 +8825,7 @@
                 </a:tc>
                 <a:extLst>
                   <a:ext uri="{0D108BD9-81ED-4DB2-BD59-A6C34878D82A}">
-                    <a16:rowId xmlns:a16="http://schemas.microsoft.com/office/drawing/2014/main" val="1009187632"/>
+                    <a16:rowId xmlns:a16="http://schemas.microsoft.com/office/drawing/2014/main" xmlns="" val="1009187632"/>
                   </a:ext>
                 </a:extLst>
               </a:tr>
@@ -7899,7 +8870,7 @@
                 </a:tc>
                 <a:extLst>
                   <a:ext uri="{0D108BD9-81ED-4DB2-BD59-A6C34878D82A}">
-                    <a16:rowId xmlns:a16="http://schemas.microsoft.com/office/drawing/2014/main" val="993100956"/>
+                    <a16:rowId xmlns:a16="http://schemas.microsoft.com/office/drawing/2014/main" xmlns="" val="993100956"/>
                   </a:ext>
                 </a:extLst>
               </a:tr>
@@ -7944,7 +8915,7 @@
                 </a:tc>
                 <a:extLst>
                   <a:ext uri="{0D108BD9-81ED-4DB2-BD59-A6C34878D82A}">
-                    <a16:rowId xmlns:a16="http://schemas.microsoft.com/office/drawing/2014/main" val="3588268998"/>
+                    <a16:rowId xmlns:a16="http://schemas.microsoft.com/office/drawing/2014/main" xmlns="" val="3588268998"/>
                   </a:ext>
                 </a:extLst>
               </a:tr>
@@ -8132,42 +9103,42 @@
                 <a:gridCol w="1354667">
                   <a:extLst>
                     <a:ext uri="{9D8B030D-6E8A-4147-A177-3AD203B41FA5}">
-                      <a16:colId xmlns:a16="http://schemas.microsoft.com/office/drawing/2014/main" val="4031248115"/>
+                      <a16:colId xmlns:a16="http://schemas.microsoft.com/office/drawing/2014/main" xmlns="" val="4031248115"/>
                     </a:ext>
                   </a:extLst>
                 </a:gridCol>
                 <a:gridCol w="1354667">
                   <a:extLst>
                     <a:ext uri="{9D8B030D-6E8A-4147-A177-3AD203B41FA5}">
-                      <a16:colId xmlns:a16="http://schemas.microsoft.com/office/drawing/2014/main" val="220679877"/>
+                      <a16:colId xmlns:a16="http://schemas.microsoft.com/office/drawing/2014/main" xmlns="" val="220679877"/>
                     </a:ext>
                   </a:extLst>
                 </a:gridCol>
                 <a:gridCol w="1354667">
                   <a:extLst>
                     <a:ext uri="{9D8B030D-6E8A-4147-A177-3AD203B41FA5}">
-                      <a16:colId xmlns:a16="http://schemas.microsoft.com/office/drawing/2014/main" val="2773510325"/>
+                      <a16:colId xmlns:a16="http://schemas.microsoft.com/office/drawing/2014/main" xmlns="" val="2773510325"/>
                     </a:ext>
                   </a:extLst>
                 </a:gridCol>
                 <a:gridCol w="1354667">
                   <a:extLst>
                     <a:ext uri="{9D8B030D-6E8A-4147-A177-3AD203B41FA5}">
-                      <a16:colId xmlns:a16="http://schemas.microsoft.com/office/drawing/2014/main" val="269533158"/>
+                      <a16:colId xmlns:a16="http://schemas.microsoft.com/office/drawing/2014/main" xmlns="" val="269533158"/>
                     </a:ext>
                   </a:extLst>
                 </a:gridCol>
                 <a:gridCol w="1354667">
                   <a:extLst>
                     <a:ext uri="{9D8B030D-6E8A-4147-A177-3AD203B41FA5}">
-                      <a16:colId xmlns:a16="http://schemas.microsoft.com/office/drawing/2014/main" val="4000846733"/>
+                      <a16:colId xmlns:a16="http://schemas.microsoft.com/office/drawing/2014/main" xmlns="" val="4000846733"/>
                     </a:ext>
                   </a:extLst>
                 </a:gridCol>
                 <a:gridCol w="1354667">
                   <a:extLst>
                     <a:ext uri="{9D8B030D-6E8A-4147-A177-3AD203B41FA5}">
-                      <a16:colId xmlns:a16="http://schemas.microsoft.com/office/drawing/2014/main" val="465695325"/>
+                      <a16:colId xmlns:a16="http://schemas.microsoft.com/office/drawing/2014/main" xmlns="" val="465695325"/>
                     </a:ext>
                   </a:extLst>
                 </a:gridCol>
@@ -8255,7 +9226,7 @@
                 </a:tc>
                 <a:extLst>
                   <a:ext uri="{0D108BD9-81ED-4DB2-BD59-A6C34878D82A}">
-                    <a16:rowId xmlns:a16="http://schemas.microsoft.com/office/drawing/2014/main" val="1848507414"/>
+                    <a16:rowId xmlns:a16="http://schemas.microsoft.com/office/drawing/2014/main" xmlns="" val="1848507414"/>
                   </a:ext>
                 </a:extLst>
               </a:tr>
@@ -8345,7 +9316,7 @@
                 </a:tc>
                 <a:extLst>
                   <a:ext uri="{0D108BD9-81ED-4DB2-BD59-A6C34878D82A}">
-                    <a16:rowId xmlns:a16="http://schemas.microsoft.com/office/drawing/2014/main" val="3575386969"/>
+                    <a16:rowId xmlns:a16="http://schemas.microsoft.com/office/drawing/2014/main" xmlns="" val="3575386969"/>
                   </a:ext>
                 </a:extLst>
               </a:tr>
@@ -8439,7 +9410,7 @@
                 </a:tc>
                 <a:extLst>
                   <a:ext uri="{0D108BD9-81ED-4DB2-BD59-A6C34878D82A}">
-                    <a16:rowId xmlns:a16="http://schemas.microsoft.com/office/drawing/2014/main" val="4209900852"/>
+                    <a16:rowId xmlns:a16="http://schemas.microsoft.com/office/drawing/2014/main" xmlns="" val="4209900852"/>
                   </a:ext>
                 </a:extLst>
               </a:tr>
@@ -8525,7 +9496,7 @@
                 </a:tc>
                 <a:extLst>
                   <a:ext uri="{0D108BD9-81ED-4DB2-BD59-A6C34878D82A}">
-                    <a16:rowId xmlns:a16="http://schemas.microsoft.com/office/drawing/2014/main" val="2009515904"/>
+                    <a16:rowId xmlns:a16="http://schemas.microsoft.com/office/drawing/2014/main" xmlns="" val="2009515904"/>
                   </a:ext>
                 </a:extLst>
               </a:tr>
@@ -8636,7 +9607,7 @@
                 </a:tc>
                 <a:extLst>
                   <a:ext uri="{0D108BD9-81ED-4DB2-BD59-A6C34878D82A}">
-                    <a16:rowId xmlns:a16="http://schemas.microsoft.com/office/drawing/2014/main" val="3195264674"/>
+                    <a16:rowId xmlns:a16="http://schemas.microsoft.com/office/drawing/2014/main" xmlns="" val="3195264674"/>
                   </a:ext>
                 </a:extLst>
               </a:tr>
@@ -8672,42 +9643,42 @@
                 <a:gridCol w="1354667">
                   <a:extLst>
                     <a:ext uri="{9D8B030D-6E8A-4147-A177-3AD203B41FA5}">
-                      <a16:colId xmlns:a16="http://schemas.microsoft.com/office/drawing/2014/main" val="4031248115"/>
+                      <a16:colId xmlns:a16="http://schemas.microsoft.com/office/drawing/2014/main" xmlns="" val="4031248115"/>
                     </a:ext>
                   </a:extLst>
                 </a:gridCol>
                 <a:gridCol w="1354667">
                   <a:extLst>
                     <a:ext uri="{9D8B030D-6E8A-4147-A177-3AD203B41FA5}">
-                      <a16:colId xmlns:a16="http://schemas.microsoft.com/office/drawing/2014/main" val="220679877"/>
+                      <a16:colId xmlns:a16="http://schemas.microsoft.com/office/drawing/2014/main" xmlns="" val="220679877"/>
                     </a:ext>
                   </a:extLst>
                 </a:gridCol>
                 <a:gridCol w="1354667">
                   <a:extLst>
                     <a:ext uri="{9D8B030D-6E8A-4147-A177-3AD203B41FA5}">
-                      <a16:colId xmlns:a16="http://schemas.microsoft.com/office/drawing/2014/main" val="2773510325"/>
+                      <a16:colId xmlns:a16="http://schemas.microsoft.com/office/drawing/2014/main" xmlns="" val="2773510325"/>
                     </a:ext>
                   </a:extLst>
                 </a:gridCol>
                 <a:gridCol w="1354667">
                   <a:extLst>
                     <a:ext uri="{9D8B030D-6E8A-4147-A177-3AD203B41FA5}">
-                      <a16:colId xmlns:a16="http://schemas.microsoft.com/office/drawing/2014/main" val="269533158"/>
+                      <a16:colId xmlns:a16="http://schemas.microsoft.com/office/drawing/2014/main" xmlns="" val="269533158"/>
                     </a:ext>
                   </a:extLst>
                 </a:gridCol>
                 <a:gridCol w="1354667">
                   <a:extLst>
                     <a:ext uri="{9D8B030D-6E8A-4147-A177-3AD203B41FA5}">
-                      <a16:colId xmlns:a16="http://schemas.microsoft.com/office/drawing/2014/main" val="4000846733"/>
+                      <a16:colId xmlns:a16="http://schemas.microsoft.com/office/drawing/2014/main" xmlns="" val="4000846733"/>
                     </a:ext>
                   </a:extLst>
                 </a:gridCol>
                 <a:gridCol w="1354667">
                   <a:extLst>
                     <a:ext uri="{9D8B030D-6E8A-4147-A177-3AD203B41FA5}">
-                      <a16:colId xmlns:a16="http://schemas.microsoft.com/office/drawing/2014/main" val="465695325"/>
+                      <a16:colId xmlns:a16="http://schemas.microsoft.com/office/drawing/2014/main" xmlns="" val="465695325"/>
                     </a:ext>
                   </a:extLst>
                 </a:gridCol>
@@ -8795,7 +9766,7 @@
                 </a:tc>
                 <a:extLst>
                   <a:ext uri="{0D108BD9-81ED-4DB2-BD59-A6C34878D82A}">
-                    <a16:rowId xmlns:a16="http://schemas.microsoft.com/office/drawing/2014/main" val="1848507414"/>
+                    <a16:rowId xmlns:a16="http://schemas.microsoft.com/office/drawing/2014/main" xmlns="" val="1848507414"/>
                   </a:ext>
                 </a:extLst>
               </a:tr>
@@ -8885,7 +9856,7 @@
                 </a:tc>
                 <a:extLst>
                   <a:ext uri="{0D108BD9-81ED-4DB2-BD59-A6C34878D82A}">
-                    <a16:rowId xmlns:a16="http://schemas.microsoft.com/office/drawing/2014/main" val="3575386969"/>
+                    <a16:rowId xmlns:a16="http://schemas.microsoft.com/office/drawing/2014/main" xmlns="" val="3575386969"/>
                   </a:ext>
                 </a:extLst>
               </a:tr>
@@ -8979,7 +9950,7 @@
                 </a:tc>
                 <a:extLst>
                   <a:ext uri="{0D108BD9-81ED-4DB2-BD59-A6C34878D82A}">
-                    <a16:rowId xmlns:a16="http://schemas.microsoft.com/office/drawing/2014/main" val="4209900852"/>
+                    <a16:rowId xmlns:a16="http://schemas.microsoft.com/office/drawing/2014/main" xmlns="" val="4209900852"/>
                   </a:ext>
                 </a:extLst>
               </a:tr>
@@ -9065,7 +10036,7 @@
                 </a:tc>
                 <a:extLst>
                   <a:ext uri="{0D108BD9-81ED-4DB2-BD59-A6C34878D82A}">
-                    <a16:rowId xmlns:a16="http://schemas.microsoft.com/office/drawing/2014/main" val="2009515904"/>
+                    <a16:rowId xmlns:a16="http://schemas.microsoft.com/office/drawing/2014/main" xmlns="" val="2009515904"/>
                   </a:ext>
                 </a:extLst>
               </a:tr>
@@ -9210,7 +10181,7 @@
                 </a:tc>
                 <a:extLst>
                   <a:ext uri="{0D108BD9-81ED-4DB2-BD59-A6C34878D82A}">
-                    <a16:rowId xmlns:a16="http://schemas.microsoft.com/office/drawing/2014/main" val="3195264674"/>
+                    <a16:rowId xmlns:a16="http://schemas.microsoft.com/office/drawing/2014/main" xmlns="" val="3195264674"/>
                   </a:ext>
                 </a:extLst>
               </a:tr>
@@ -9434,14 +10405,14 @@
                 <a:gridCol w="406400">
                   <a:extLst>
                     <a:ext uri="{9D8B030D-6E8A-4147-A177-3AD203B41FA5}">
-                      <a16:colId xmlns:a16="http://schemas.microsoft.com/office/drawing/2014/main" val="1801000517"/>
+                      <a16:colId xmlns:a16="http://schemas.microsoft.com/office/drawing/2014/main" xmlns="" val="1801000517"/>
                     </a:ext>
                   </a:extLst>
                 </a:gridCol>
                 <a:gridCol w="7701280">
                   <a:extLst>
                     <a:ext uri="{9D8B030D-6E8A-4147-A177-3AD203B41FA5}">
-                      <a16:colId xmlns:a16="http://schemas.microsoft.com/office/drawing/2014/main" val="1657204703"/>
+                      <a16:colId xmlns:a16="http://schemas.microsoft.com/office/drawing/2014/main" xmlns="" val="1657204703"/>
                     </a:ext>
                   </a:extLst>
                 </a:gridCol>
@@ -9493,7 +10464,7 @@
                 </a:tc>
                 <a:extLst>
                   <a:ext uri="{0D108BD9-81ED-4DB2-BD59-A6C34878D82A}">
-                    <a16:rowId xmlns:a16="http://schemas.microsoft.com/office/drawing/2014/main" val="1190365663"/>
+                    <a16:rowId xmlns:a16="http://schemas.microsoft.com/office/drawing/2014/main" xmlns="" val="1190365663"/>
                   </a:ext>
                 </a:extLst>
               </a:tr>
@@ -9532,7 +10503,7 @@
                 </a:tc>
                 <a:extLst>
                   <a:ext uri="{0D108BD9-81ED-4DB2-BD59-A6C34878D82A}">
-                    <a16:rowId xmlns:a16="http://schemas.microsoft.com/office/drawing/2014/main" val="1730090890"/>
+                    <a16:rowId xmlns:a16="http://schemas.microsoft.com/office/drawing/2014/main" xmlns="" val="1730090890"/>
                   </a:ext>
                 </a:extLst>
               </a:tr>
@@ -9599,7 +10570,7 @@
                 </a:tc>
                 <a:extLst>
                   <a:ext uri="{0D108BD9-81ED-4DB2-BD59-A6C34878D82A}">
-                    <a16:rowId xmlns:a16="http://schemas.microsoft.com/office/drawing/2014/main" val="1626348320"/>
+                    <a16:rowId xmlns:a16="http://schemas.microsoft.com/office/drawing/2014/main" xmlns="" val="1626348320"/>
                   </a:ext>
                 </a:extLst>
               </a:tr>
@@ -9649,7 +10620,7 @@
                 </a:tc>
                 <a:extLst>
                   <a:ext uri="{0D108BD9-81ED-4DB2-BD59-A6C34878D82A}">
-                    <a16:rowId xmlns:a16="http://schemas.microsoft.com/office/drawing/2014/main" val="993100956"/>
+                    <a16:rowId xmlns:a16="http://schemas.microsoft.com/office/drawing/2014/main" xmlns="" val="993100956"/>
                   </a:ext>
                 </a:extLst>
               </a:tr>
@@ -9696,7 +10667,7 @@
                 </a:tc>
                 <a:extLst>
                   <a:ext uri="{0D108BD9-81ED-4DB2-BD59-A6C34878D82A}">
-                    <a16:rowId xmlns:a16="http://schemas.microsoft.com/office/drawing/2014/main" val="3588268998"/>
+                    <a16:rowId xmlns:a16="http://schemas.microsoft.com/office/drawing/2014/main" xmlns="" val="3588268998"/>
                   </a:ext>
                 </a:extLst>
               </a:tr>
@@ -9735,7 +10706,7 @@
                 </a:tc>
                 <a:extLst>
                   <a:ext uri="{0D108BD9-81ED-4DB2-BD59-A6C34878D82A}">
-                    <a16:rowId xmlns:a16="http://schemas.microsoft.com/office/drawing/2014/main" val="2826695688"/>
+                    <a16:rowId xmlns:a16="http://schemas.microsoft.com/office/drawing/2014/main" xmlns="" val="2826695688"/>
                   </a:ext>
                 </a:extLst>
               </a:tr>
@@ -10342,28 +11313,28 @@
                 <a:gridCol w="406400">
                   <a:extLst>
                     <a:ext uri="{9D8B030D-6E8A-4147-A177-3AD203B41FA5}">
-                      <a16:colId xmlns:a16="http://schemas.microsoft.com/office/drawing/2014/main" val="1801000517"/>
+                      <a16:colId xmlns:a16="http://schemas.microsoft.com/office/drawing/2014/main" xmlns="" val="1801000517"/>
                     </a:ext>
                   </a:extLst>
                 </a:gridCol>
                 <a:gridCol w="465328">
                   <a:extLst>
                     <a:ext uri="{9D8B030D-6E8A-4147-A177-3AD203B41FA5}">
-                      <a16:colId xmlns:a16="http://schemas.microsoft.com/office/drawing/2014/main" val="1657204703"/>
+                      <a16:colId xmlns:a16="http://schemas.microsoft.com/office/drawing/2014/main" xmlns="" val="1657204703"/>
                     </a:ext>
                   </a:extLst>
                 </a:gridCol>
                 <a:gridCol w="355600">
                   <a:extLst>
                     <a:ext uri="{9D8B030D-6E8A-4147-A177-3AD203B41FA5}">
-                      <a16:colId xmlns:a16="http://schemas.microsoft.com/office/drawing/2014/main" val="2374098939"/>
+                      <a16:colId xmlns:a16="http://schemas.microsoft.com/office/drawing/2014/main" xmlns="" val="2374098939"/>
                     </a:ext>
                   </a:extLst>
                 </a:gridCol>
                 <a:gridCol w="6880352">
                   <a:extLst>
                     <a:ext uri="{9D8B030D-6E8A-4147-A177-3AD203B41FA5}">
-                      <a16:colId xmlns:a16="http://schemas.microsoft.com/office/drawing/2014/main" val="76615332"/>
+                      <a16:colId xmlns:a16="http://schemas.microsoft.com/office/drawing/2014/main" xmlns="" val="76615332"/>
                     </a:ext>
                   </a:extLst>
                 </a:gridCol>
@@ -10421,7 +11392,7 @@
                 </a:tc>
                 <a:extLst>
                   <a:ext uri="{0D108BD9-81ED-4DB2-BD59-A6C34878D82A}">
-                    <a16:rowId xmlns:a16="http://schemas.microsoft.com/office/drawing/2014/main" val="1190365663"/>
+                    <a16:rowId xmlns:a16="http://schemas.microsoft.com/office/drawing/2014/main" xmlns="" val="1190365663"/>
                   </a:ext>
                 </a:extLst>
               </a:tr>
@@ -10480,7 +11451,7 @@
                 </a:tc>
                 <a:extLst>
                   <a:ext uri="{0D108BD9-81ED-4DB2-BD59-A6C34878D82A}">
-                    <a16:rowId xmlns:a16="http://schemas.microsoft.com/office/drawing/2014/main" val="1730090890"/>
+                    <a16:rowId xmlns:a16="http://schemas.microsoft.com/office/drawing/2014/main" xmlns="" val="1730090890"/>
                   </a:ext>
                 </a:extLst>
               </a:tr>
@@ -10552,7 +11523,7 @@
                 </a:tc>
                 <a:extLst>
                   <a:ext uri="{0D108BD9-81ED-4DB2-BD59-A6C34878D82A}">
-                    <a16:rowId xmlns:a16="http://schemas.microsoft.com/office/drawing/2014/main" val="1626348320"/>
+                    <a16:rowId xmlns:a16="http://schemas.microsoft.com/office/drawing/2014/main" xmlns="" val="1626348320"/>
                   </a:ext>
                 </a:extLst>
               </a:tr>
@@ -10628,7 +11599,7 @@
                 </a:tc>
                 <a:extLst>
                   <a:ext uri="{0D108BD9-81ED-4DB2-BD59-A6C34878D82A}">
-                    <a16:rowId xmlns:a16="http://schemas.microsoft.com/office/drawing/2014/main" val="993100956"/>
+                    <a16:rowId xmlns:a16="http://schemas.microsoft.com/office/drawing/2014/main" xmlns="" val="993100956"/>
                   </a:ext>
                 </a:extLst>
               </a:tr>
@@ -10691,7 +11662,7 @@
                 </a:tc>
                 <a:extLst>
                   <a:ext uri="{0D108BD9-81ED-4DB2-BD59-A6C34878D82A}">
-                    <a16:rowId xmlns:a16="http://schemas.microsoft.com/office/drawing/2014/main" val="3588268998"/>
+                    <a16:rowId xmlns:a16="http://schemas.microsoft.com/office/drawing/2014/main" xmlns="" val="3588268998"/>
                   </a:ext>
                 </a:extLst>
               </a:tr>
@@ -10746,7 +11717,7 @@
                 </a:tc>
                 <a:extLst>
                   <a:ext uri="{0D108BD9-81ED-4DB2-BD59-A6C34878D82A}">
-                    <a16:rowId xmlns:a16="http://schemas.microsoft.com/office/drawing/2014/main" val="2137013417"/>
+                    <a16:rowId xmlns:a16="http://schemas.microsoft.com/office/drawing/2014/main" xmlns="" val="2137013417"/>
                   </a:ext>
                 </a:extLst>
               </a:tr>
@@ -10801,7 +11772,7 @@
                 </a:tc>
                 <a:extLst>
                   <a:ext uri="{0D108BD9-81ED-4DB2-BD59-A6C34878D82A}">
-                    <a16:rowId xmlns:a16="http://schemas.microsoft.com/office/drawing/2014/main" val="3367745634"/>
+                    <a16:rowId xmlns:a16="http://schemas.microsoft.com/office/drawing/2014/main" xmlns="" val="3367745634"/>
                   </a:ext>
                 </a:extLst>
               </a:tr>
@@ -10856,7 +11827,7 @@
                 </a:tc>
                 <a:extLst>
                   <a:ext uri="{0D108BD9-81ED-4DB2-BD59-A6C34878D82A}">
-                    <a16:rowId xmlns:a16="http://schemas.microsoft.com/office/drawing/2014/main" val="2048022435"/>
+                    <a16:rowId xmlns:a16="http://schemas.microsoft.com/office/drawing/2014/main" xmlns="" val="2048022435"/>
                   </a:ext>
                 </a:extLst>
               </a:tr>
@@ -10915,7 +11886,7 @@
                 </a:tc>
                 <a:extLst>
                   <a:ext uri="{0D108BD9-81ED-4DB2-BD59-A6C34878D82A}">
-                    <a16:rowId xmlns:a16="http://schemas.microsoft.com/office/drawing/2014/main" val="2826695688"/>
+                    <a16:rowId xmlns:a16="http://schemas.microsoft.com/office/drawing/2014/main" xmlns="" val="2826695688"/>
                   </a:ext>
                 </a:extLst>
               </a:tr>
@@ -11441,11 +12412,7 @@
             </a:r>
             <a:r>
               <a:rPr lang="es-ES" dirty="0" smtClean="0"/>
-              <a:t>. Se utilizan en todos para la inicialización inicial una solución </a:t>
-            </a:r>
-            <a:r>
-              <a:rPr lang="es-ES" dirty="0" smtClean="0"/>
-              <a:t>aleatoria y se toma el rango de -1 a 1.</a:t>
+              <a:t>. Se utilizan en todos para la inicialización inicial una solución aleatoria y se toma el rango de -1 a 1.</a:t>
             </a:r>
             <a:endParaRPr lang="es-ES" dirty="0"/>
           </a:p>
@@ -12084,4 +13051,256 @@
     </a:ext>
   </a:extLst>
 </a:theme>
+</file>
+
+<file path=ppt/theme/themeOverride1.xml><?xml version="1.0" encoding="utf-8"?>
+<a:themeOverride xmlns:a="http://schemas.openxmlformats.org/drawingml/2006/main">
+  <a:clrScheme name="Office">
+    <a:dk1>
+      <a:sysClr val="windowText" lastClr="000000"/>
+    </a:dk1>
+    <a:lt1>
+      <a:sysClr val="window" lastClr="FFFFFF"/>
+    </a:lt1>
+    <a:dk2>
+      <a:srgbClr val="44546A"/>
+    </a:dk2>
+    <a:lt2>
+      <a:srgbClr val="E7E6E6"/>
+    </a:lt2>
+    <a:accent1>
+      <a:srgbClr val="5B9BD5"/>
+    </a:accent1>
+    <a:accent2>
+      <a:srgbClr val="ED7D31"/>
+    </a:accent2>
+    <a:accent3>
+      <a:srgbClr val="A5A5A5"/>
+    </a:accent3>
+    <a:accent4>
+      <a:srgbClr val="FFC000"/>
+    </a:accent4>
+    <a:accent5>
+      <a:srgbClr val="4472C4"/>
+    </a:accent5>
+    <a:accent6>
+      <a:srgbClr val="70AD47"/>
+    </a:accent6>
+    <a:hlink>
+      <a:srgbClr val="0563C1"/>
+    </a:hlink>
+    <a:folHlink>
+      <a:srgbClr val="954F72"/>
+    </a:folHlink>
+  </a:clrScheme>
+  <a:fontScheme name="Office">
+    <a:majorFont>
+      <a:latin typeface="Calibri Light" panose="020F0302020204030204"/>
+      <a:ea typeface=""/>
+      <a:cs typeface=""/>
+      <a:font script="Jpan" typeface="ＭＳ Ｐゴシック"/>
+      <a:font script="Hang" typeface="맑은 고딕"/>
+      <a:font script="Hans" typeface="宋体"/>
+      <a:font script="Hant" typeface="新細明體"/>
+      <a:font script="Arab" typeface="Times New Roman"/>
+      <a:font script="Hebr" typeface="Times New Roman"/>
+      <a:font script="Thai" typeface="Tahoma"/>
+      <a:font script="Ethi" typeface="Nyala"/>
+      <a:font script="Beng" typeface="Vrinda"/>
+      <a:font script="Gujr" typeface="Shruti"/>
+      <a:font script="Khmr" typeface="MoolBoran"/>
+      <a:font script="Knda" typeface="Tunga"/>
+      <a:font script="Guru" typeface="Raavi"/>
+      <a:font script="Cans" typeface="Euphemia"/>
+      <a:font script="Cher" typeface="Plantagenet Cherokee"/>
+      <a:font script="Yiii" typeface="Microsoft Yi Baiti"/>
+      <a:font script="Tibt" typeface="Microsoft Himalaya"/>
+      <a:font script="Thaa" typeface="MV Boli"/>
+      <a:font script="Deva" typeface="Mangal"/>
+      <a:font script="Telu" typeface="Gautami"/>
+      <a:font script="Taml" typeface="Latha"/>
+      <a:font script="Syrc" typeface="Estrangelo Edessa"/>
+      <a:font script="Orya" typeface="Kalinga"/>
+      <a:font script="Mlym" typeface="Kartika"/>
+      <a:font script="Laoo" typeface="DokChampa"/>
+      <a:font script="Sinh" typeface="Iskoola Pota"/>
+      <a:font script="Mong" typeface="Mongolian Baiti"/>
+      <a:font script="Viet" typeface="Times New Roman"/>
+      <a:font script="Uigh" typeface="Microsoft Uighur"/>
+      <a:font script="Geor" typeface="Sylfaen"/>
+    </a:majorFont>
+    <a:minorFont>
+      <a:latin typeface="Calibri" panose="020F0502020204030204"/>
+      <a:ea typeface=""/>
+      <a:cs typeface=""/>
+      <a:font script="Jpan" typeface="ＭＳ Ｐゴシック"/>
+      <a:font script="Hang" typeface="맑은 고딕"/>
+      <a:font script="Hans" typeface="宋体"/>
+      <a:font script="Hant" typeface="新細明體"/>
+      <a:font script="Arab" typeface="Arial"/>
+      <a:font script="Hebr" typeface="Arial"/>
+      <a:font script="Thai" typeface="Tahoma"/>
+      <a:font script="Ethi" typeface="Nyala"/>
+      <a:font script="Beng" typeface="Vrinda"/>
+      <a:font script="Gujr" typeface="Shruti"/>
+      <a:font script="Khmr" typeface="DaunPenh"/>
+      <a:font script="Knda" typeface="Tunga"/>
+      <a:font script="Guru" typeface="Raavi"/>
+      <a:font script="Cans" typeface="Euphemia"/>
+      <a:font script="Cher" typeface="Plantagenet Cherokee"/>
+      <a:font script="Yiii" typeface="Microsoft Yi Baiti"/>
+      <a:font script="Tibt" typeface="Microsoft Himalaya"/>
+      <a:font script="Thaa" typeface="MV Boli"/>
+      <a:font script="Deva" typeface="Mangal"/>
+      <a:font script="Telu" typeface="Gautami"/>
+      <a:font script="Taml" typeface="Latha"/>
+      <a:font script="Syrc" typeface="Estrangelo Edessa"/>
+      <a:font script="Orya" typeface="Kalinga"/>
+      <a:font script="Mlym" typeface="Kartika"/>
+      <a:font script="Laoo" typeface="DokChampa"/>
+      <a:font script="Sinh" typeface="Iskoola Pota"/>
+      <a:font script="Mong" typeface="Mongolian Baiti"/>
+      <a:font script="Viet" typeface="Arial"/>
+      <a:font script="Uigh" typeface="Microsoft Uighur"/>
+      <a:font script="Geor" typeface="Sylfaen"/>
+    </a:minorFont>
+  </a:fontScheme>
+  <a:fmtScheme name="Office">
+    <a:fillStyleLst>
+      <a:solidFill>
+        <a:schemeClr val="phClr"/>
+      </a:solidFill>
+      <a:gradFill rotWithShape="1">
+        <a:gsLst>
+          <a:gs pos="0">
+            <a:schemeClr val="phClr">
+              <a:lumMod val="110000"/>
+              <a:satMod val="105000"/>
+              <a:tint val="67000"/>
+            </a:schemeClr>
+          </a:gs>
+          <a:gs pos="50000">
+            <a:schemeClr val="phClr">
+              <a:lumMod val="105000"/>
+              <a:satMod val="103000"/>
+              <a:tint val="73000"/>
+            </a:schemeClr>
+          </a:gs>
+          <a:gs pos="100000">
+            <a:schemeClr val="phClr">
+              <a:lumMod val="105000"/>
+              <a:satMod val="109000"/>
+              <a:tint val="81000"/>
+            </a:schemeClr>
+          </a:gs>
+        </a:gsLst>
+        <a:lin ang="5400000" scaled="0"/>
+      </a:gradFill>
+      <a:gradFill rotWithShape="1">
+        <a:gsLst>
+          <a:gs pos="0">
+            <a:schemeClr val="phClr">
+              <a:satMod val="103000"/>
+              <a:lumMod val="102000"/>
+              <a:tint val="94000"/>
+            </a:schemeClr>
+          </a:gs>
+          <a:gs pos="50000">
+            <a:schemeClr val="phClr">
+              <a:satMod val="110000"/>
+              <a:lumMod val="100000"/>
+              <a:shade val="100000"/>
+            </a:schemeClr>
+          </a:gs>
+          <a:gs pos="100000">
+            <a:schemeClr val="phClr">
+              <a:lumMod val="99000"/>
+              <a:satMod val="120000"/>
+              <a:shade val="78000"/>
+            </a:schemeClr>
+          </a:gs>
+        </a:gsLst>
+        <a:lin ang="5400000" scaled="0"/>
+      </a:gradFill>
+    </a:fillStyleLst>
+    <a:lnStyleLst>
+      <a:ln w="6350" cap="flat" cmpd="sng" algn="ctr">
+        <a:solidFill>
+          <a:schemeClr val="phClr"/>
+        </a:solidFill>
+        <a:prstDash val="solid"/>
+        <a:miter lim="800000"/>
+      </a:ln>
+      <a:ln w="12700" cap="flat" cmpd="sng" algn="ctr">
+        <a:solidFill>
+          <a:schemeClr val="phClr"/>
+        </a:solidFill>
+        <a:prstDash val="solid"/>
+        <a:miter lim="800000"/>
+      </a:ln>
+      <a:ln w="19050" cap="flat" cmpd="sng" algn="ctr">
+        <a:solidFill>
+          <a:schemeClr val="phClr"/>
+        </a:solidFill>
+        <a:prstDash val="solid"/>
+        <a:miter lim="800000"/>
+      </a:ln>
+    </a:lnStyleLst>
+    <a:effectStyleLst>
+      <a:effectStyle>
+        <a:effectLst/>
+      </a:effectStyle>
+      <a:effectStyle>
+        <a:effectLst/>
+      </a:effectStyle>
+      <a:effectStyle>
+        <a:effectLst>
+          <a:outerShdw blurRad="57150" dist="19050" dir="5400000" algn="ctr" rotWithShape="0">
+            <a:srgbClr val="000000">
+              <a:alpha val="63000"/>
+            </a:srgbClr>
+          </a:outerShdw>
+        </a:effectLst>
+      </a:effectStyle>
+    </a:effectStyleLst>
+    <a:bgFillStyleLst>
+      <a:solidFill>
+        <a:schemeClr val="phClr"/>
+      </a:solidFill>
+      <a:solidFill>
+        <a:schemeClr val="phClr">
+          <a:tint val="95000"/>
+          <a:satMod val="170000"/>
+        </a:schemeClr>
+      </a:solidFill>
+      <a:gradFill rotWithShape="1">
+        <a:gsLst>
+          <a:gs pos="0">
+            <a:schemeClr val="phClr">
+              <a:tint val="93000"/>
+              <a:satMod val="150000"/>
+              <a:shade val="98000"/>
+              <a:lumMod val="102000"/>
+            </a:schemeClr>
+          </a:gs>
+          <a:gs pos="50000">
+            <a:schemeClr val="phClr">
+              <a:tint val="98000"/>
+              <a:satMod val="130000"/>
+              <a:shade val="90000"/>
+              <a:lumMod val="103000"/>
+            </a:schemeClr>
+          </a:gs>
+          <a:gs pos="100000">
+            <a:schemeClr val="phClr">
+              <a:shade val="63000"/>
+              <a:satMod val="120000"/>
+            </a:schemeClr>
+          </a:gs>
+        </a:gsLst>
+        <a:lin ang="5400000" scaled="0"/>
+      </a:gradFill>
+    </a:bgFillStyleLst>
+  </a:fmtScheme>
+</a:themeOverride>
 </file>
--- a/ppt/MH_Laura_Javier T2.pptx
+++ b/ppt/MH_Laura_Javier T2.pptx
@@ -9,8 +9,8 @@
   </p:notesMasterIdLst>
   <p:sldIdLst>
     <p:sldId id="256" r:id="rId2"/>
-    <p:sldId id="270" r:id="rId3"/>
-    <p:sldId id="257" r:id="rId4"/>
+    <p:sldId id="257" r:id="rId3"/>
+    <p:sldId id="270" r:id="rId4"/>
     <p:sldId id="258" r:id="rId5"/>
     <p:sldId id="259" r:id="rId6"/>
     <p:sldId id="262" r:id="rId7"/>
@@ -142,9 +142,9 @@
 </file>
 
 <file path=ppt/charts/chart1.xml><?xml version="1.0" encoding="utf-8"?>
-<c:chartSpace xmlns:c="http://schemas.openxmlformats.org/drawingml/2006/chart" xmlns:a="http://schemas.openxmlformats.org/drawingml/2006/main" xmlns:r="http://schemas.openxmlformats.org/officeDocument/2006/relationships">
+<c:chartSpace xmlns:c="http://schemas.openxmlformats.org/drawingml/2006/chart" xmlns:a="http://schemas.openxmlformats.org/drawingml/2006/main" xmlns:r="http://schemas.openxmlformats.org/officeDocument/2006/relationships" xmlns:c16r2="http://schemas.microsoft.com/office/drawing/2015/06/chart">
   <c:date1904 val="0"/>
-  <c:lang val="es-ES"/>
+  <c:lang val="en-US"/>
   <c:roundedCorners val="0"/>
   <mc:AlternateContent xmlns:mc="http://schemas.openxmlformats.org/markup-compatibility/2006">
     <mc:Choice xmlns:c14="http://schemas.microsoft.com/office/drawing/2007/8/2/chart" Requires="c14">
@@ -244,6 +244,11 @@
               </c:numCache>
             </c:numRef>
           </c:val>
+          <c:extLst>
+            <c:ext xmlns:c16="http://schemas.microsoft.com/office/drawing/2014/chart" uri="{C3380CC4-5D6E-409C-BE32-E72D297353CC}">
+              <c16:uniqueId val="{00000000-D186-4498-9989-EA998F9CE702}"/>
+            </c:ext>
+          </c:extLst>
         </c:ser>
         <c:ser>
           <c:idx val="1"/>
@@ -316,6 +321,11 @@
               </c:numCache>
             </c:numRef>
           </c:val>
+          <c:extLst>
+            <c:ext xmlns:c16="http://schemas.microsoft.com/office/drawing/2014/chart" uri="{C3380CC4-5D6E-409C-BE32-E72D297353CC}">
+              <c16:uniqueId val="{00000001-D186-4498-9989-EA998F9CE702}"/>
+            </c:ext>
+          </c:extLst>
         </c:ser>
         <c:ser>
           <c:idx val="2"/>
@@ -388,6 +398,11 @@
               </c:numCache>
             </c:numRef>
           </c:val>
+          <c:extLst>
+            <c:ext xmlns:c16="http://schemas.microsoft.com/office/drawing/2014/chart" uri="{C3380CC4-5D6E-409C-BE32-E72D297353CC}">
+              <c16:uniqueId val="{00000002-D186-4498-9989-EA998F9CE702}"/>
+            </c:ext>
+          </c:extLst>
         </c:ser>
         <c:dLbls>
           <c:showLegendKey val="0"/>
@@ -431,7 +446,7 @@
           <a:lstStyle/>
           <a:p>
             <a:pPr>
-              <a:defRPr sz="900" b="0" i="0" u="none" strike="noStrike" kern="1200" baseline="0">
+              <a:defRPr sz="1200" b="0" i="0" u="none" strike="noStrike" kern="1200" baseline="0">
                 <a:solidFill>
                   <a:schemeClr val="tx1">
                     <a:lumMod val="65000"/>
@@ -519,7 +534,6 @@
     </c:plotArea>
     <c:legend>
       <c:legendPos val="b"/>
-      <c:layout/>
       <c:overlay val="0"/>
       <c:spPr>
         <a:noFill/>
@@ -533,7 +547,7 @@
         <a:lstStyle/>
         <a:p>
           <a:pPr>
-            <a:defRPr sz="900" b="0" i="0" u="none" strike="noStrike" kern="1200" baseline="0">
+            <a:defRPr sz="1200" b="0" i="0" u="none" strike="noStrike" kern="1200" baseline="0">
               <a:solidFill>
                 <a:schemeClr val="tx1">
                   <a:lumMod val="65000"/>
@@ -1360,7 +1374,7 @@
           <a:p>
             <a:fld id="{65154C0B-E2C7-4D9E-827C-72C00C2A711B}" type="slidenum">
               <a:rPr lang="es-ES" smtClean="0"/>
-              <a:t>‹Nº›</a:t>
+              <a:t>‹#›</a:t>
             </a:fld>
             <a:endParaRPr lang="es-ES"/>
           </a:p>
@@ -1987,7 +2001,7 @@
           <a:p>
             <a:fld id="{D0D03522-ACFB-465D-BFFC-5FB31DCDE28F}" type="slidenum">
               <a:rPr lang="es-ES" smtClean="0"/>
-              <a:t>‹Nº›</a:t>
+              <a:t>‹#›</a:t>
             </a:fld>
             <a:endParaRPr lang="es-ES"/>
           </a:p>
@@ -2195,7 +2209,7 @@
           <a:p>
             <a:fld id="{D0D03522-ACFB-465D-BFFC-5FB31DCDE28F}" type="slidenum">
               <a:rPr lang="es-ES" smtClean="0"/>
-              <a:t>‹Nº›</a:t>
+              <a:t>‹#›</a:t>
             </a:fld>
             <a:endParaRPr lang="es-ES"/>
           </a:p>
@@ -2375,7 +2389,7 @@
           <a:p>
             <a:fld id="{D0D03522-ACFB-465D-BFFC-5FB31DCDE28F}" type="slidenum">
               <a:rPr lang="es-ES" smtClean="0"/>
-              <a:t>‹Nº›</a:t>
+              <a:t>‹#›</a:t>
             </a:fld>
             <a:endParaRPr lang="es-ES"/>
           </a:p>
@@ -2545,7 +2559,7 @@
           <a:p>
             <a:fld id="{D0D03522-ACFB-465D-BFFC-5FB31DCDE28F}" type="slidenum">
               <a:rPr lang="es-ES" smtClean="0"/>
-              <a:t>‹Nº›</a:t>
+              <a:t>‹#›</a:t>
             </a:fld>
             <a:endParaRPr lang="es-ES"/>
           </a:p>
@@ -2799,7 +2813,7 @@
           <a:p>
             <a:fld id="{D0D03522-ACFB-465D-BFFC-5FB31DCDE28F}" type="slidenum">
               <a:rPr lang="es-ES" smtClean="0"/>
-              <a:t>‹Nº›</a:t>
+              <a:t>‹#›</a:t>
             </a:fld>
             <a:endParaRPr lang="es-ES"/>
           </a:p>
@@ -3125,7 +3139,7 @@
           <a:p>
             <a:fld id="{D0D03522-ACFB-465D-BFFC-5FB31DCDE28F}" type="slidenum">
               <a:rPr lang="es-ES" smtClean="0"/>
-              <a:t>‹Nº›</a:t>
+              <a:t>‹#›</a:t>
             </a:fld>
             <a:endParaRPr lang="es-ES"/>
           </a:p>
@@ -3576,7 +3590,7 @@
           <a:p>
             <a:fld id="{D0D03522-ACFB-465D-BFFC-5FB31DCDE28F}" type="slidenum">
               <a:rPr lang="es-ES" smtClean="0"/>
-              <a:t>‹Nº›</a:t>
+              <a:t>‹#›</a:t>
             </a:fld>
             <a:endParaRPr lang="es-ES"/>
           </a:p>
@@ -3694,7 +3708,7 @@
           <a:p>
             <a:fld id="{D0D03522-ACFB-465D-BFFC-5FB31DCDE28F}" type="slidenum">
               <a:rPr lang="es-ES" smtClean="0"/>
-              <a:t>‹Nº›</a:t>
+              <a:t>‹#›</a:t>
             </a:fld>
             <a:endParaRPr lang="es-ES"/>
           </a:p>
@@ -3789,7 +3803,7 @@
           <a:p>
             <a:fld id="{D0D03522-ACFB-465D-BFFC-5FB31DCDE28F}" type="slidenum">
               <a:rPr lang="es-ES" smtClean="0"/>
-              <a:t>‹Nº›</a:t>
+              <a:t>‹#›</a:t>
             </a:fld>
             <a:endParaRPr lang="es-ES"/>
           </a:p>
@@ -4076,7 +4090,7 @@
           <a:p>
             <a:fld id="{D0D03522-ACFB-465D-BFFC-5FB31DCDE28F}" type="slidenum">
               <a:rPr lang="es-ES" smtClean="0"/>
-              <a:t>‹Nº›</a:t>
+              <a:t>‹#›</a:t>
             </a:fld>
             <a:endParaRPr lang="es-ES"/>
           </a:p>
@@ -4398,7 +4412,7 @@
           <a:p>
             <a:fld id="{D0D03522-ACFB-465D-BFFC-5FB31DCDE28F}" type="slidenum">
               <a:rPr lang="es-ES" smtClean="0"/>
-              <a:t>‹Nº›</a:t>
+              <a:t>‹#›</a:t>
             </a:fld>
             <a:endParaRPr lang="es-ES"/>
           </a:p>
@@ -4692,7 +4706,7 @@
           <a:p>
             <a:fld id="{D0D03522-ACFB-465D-BFFC-5FB31DCDE28F}" type="slidenum">
               <a:rPr lang="es-ES" smtClean="0"/>
-              <a:t>‹Nº›</a:t>
+              <a:t>‹#›</a:t>
             </a:fld>
             <a:endParaRPr lang="es-ES"/>
           </a:p>
@@ -7120,7 +7134,7 @@
           <p:nvPr>
             <p:extLst>
               <p:ext uri="{D42A27DB-BD31-4B8C-83A1-F6EECF244321}">
-                <p14:modId xmlns:p14="http://schemas.microsoft.com/office/powerpoint/2010/main" val="352751526"/>
+                <p14:modId xmlns:p14="http://schemas.microsoft.com/office/powerpoint/2010/main" val="3825528206"/>
               </p:ext>
             </p:extLst>
           </p:nvPr>
@@ -7220,6 +7234,11 @@
           <a:bodyPr/>
           <a:lstStyle/>
           <a:p>
+            <a:pPr algn="just">
+              <a:lnSpc>
+                <a:spcPct val="150000"/>
+              </a:lnSpc>
+            </a:pPr>
             <a:r>
               <a:rPr lang="es-ES" dirty="0" smtClean="0"/>
               <a:t>Para las P-</a:t>
@@ -7242,6 +7261,11 @@
             </a:r>
           </a:p>
           <a:p>
+            <a:pPr algn="just">
+              <a:lnSpc>
+                <a:spcPct val="150000"/>
+              </a:lnSpc>
+            </a:pPr>
             <a:r>
               <a:rPr lang="es-ES" dirty="0" smtClean="0"/>
               <a:t> Para las S-</a:t>
@@ -7252,7 +7276,66 @@
             </a:r>
             <a:r>
               <a:rPr lang="es-ES" dirty="0" smtClean="0"/>
-              <a:t> en todas las instancias el Camino Aleatorio dio mejor resultado que el Escalador de Colinas, lo que significa que se está estancando en mínimos	 locales.</a:t>
+              <a:t> en todas las instancias el Camino Aleatorio dio mejor resultado que el Escalador de Colinas, lo que significa que </a:t>
+            </a:r>
+            <a:r>
+              <a:rPr lang="es-ES" smtClean="0"/>
+              <a:t>esta última </a:t>
+            </a:r>
+            <a:r>
+              <a:rPr lang="es-ES" dirty="0" err="1" smtClean="0"/>
+              <a:t>metaheurística</a:t>
+            </a:r>
+            <a:r>
+              <a:rPr lang="es-ES" dirty="0" smtClean="0"/>
+              <a:t> se está estancando en mínimos locales.</a:t>
+            </a:r>
+          </a:p>
+          <a:p>
+            <a:pPr algn="just">
+              <a:lnSpc>
+                <a:spcPct val="150000"/>
+              </a:lnSpc>
+            </a:pPr>
+            <a:r>
+              <a:rPr lang="es-ES" dirty="0" smtClean="0"/>
+              <a:t>A medida que disminuye el paso disminuye la media de los errores generados por los diferentes algoritmos </a:t>
+            </a:r>
+            <a:r>
+              <a:rPr lang="es-ES" dirty="0" err="1" smtClean="0"/>
+              <a:t>metaheurísticos</a:t>
+            </a:r>
+            <a:r>
+              <a:rPr lang="es-ES" dirty="0" smtClean="0"/>
+              <a:t>. </a:t>
+            </a:r>
+            <a:endParaRPr lang="es-ES" dirty="0"/>
+          </a:p>
+          <a:p>
+            <a:pPr algn="just">
+              <a:lnSpc>
+                <a:spcPct val="150000"/>
+              </a:lnSpc>
+            </a:pPr>
+            <a:r>
+              <a:rPr lang="es-ES" dirty="0" smtClean="0"/>
+              <a:t>La mejor solución encontrada </a:t>
+            </a:r>
+            <a:r>
+              <a:rPr lang="es-ES" dirty="0"/>
+              <a:t>fue [0.0, 0.6, 0.6, 0.3, -0.6</a:t>
+            </a:r>
+            <a:r>
+              <a:rPr lang="es-ES" dirty="0" smtClean="0"/>
+              <a:t>] con evaluación de 0.19, realizada con paso 0.3 y como </a:t>
+            </a:r>
+            <a:r>
+              <a:rPr lang="es-ES" dirty="0" err="1" smtClean="0"/>
+              <a:t>metaheuristica</a:t>
+            </a:r>
+            <a:r>
+              <a:rPr lang="es-ES" dirty="0" smtClean="0"/>
+              <a:t> Camino Aleatorio.</a:t>
             </a:r>
             <a:endParaRPr lang="es-ES" dirty="0"/>
           </a:p>
@@ -7381,6 +7464,146 @@
 </file>
 
 <file path=ppt/slides/slide2.xml><?xml version="1.0" encoding="utf-8"?>
+<p:sld xmlns:a="http://schemas.openxmlformats.org/drawingml/2006/main" xmlns:r="http://schemas.openxmlformats.org/officeDocument/2006/relationships" xmlns:p="http://schemas.openxmlformats.org/presentationml/2006/main">
+  <p:cSld>
+    <p:spTree>
+      <p:nvGrpSpPr>
+        <p:cNvPr id="1" name=""/>
+        <p:cNvGrpSpPr/>
+        <p:nvPr/>
+      </p:nvGrpSpPr>
+      <p:grpSpPr>
+        <a:xfrm>
+          <a:off x="0" y="0"/>
+          <a:ext cx="0" cy="0"/>
+          <a:chOff x="0" y="0"/>
+          <a:chExt cx="0" cy="0"/>
+        </a:xfrm>
+      </p:grpSpPr>
+      <p:sp>
+        <p:nvSpPr>
+          <p:cNvPr id="2" name="Title 1"/>
+          <p:cNvSpPr>
+            <a:spLocks noGrp="1"/>
+          </p:cNvSpPr>
+          <p:nvPr>
+            <p:ph type="title"/>
+          </p:nvPr>
+        </p:nvSpPr>
+        <p:spPr>
+          <a:xfrm>
+            <a:off x="1261872" y="365760"/>
+            <a:ext cx="9692640" cy="721360"/>
+          </a:xfrm>
+        </p:spPr>
+        <p:txBody>
+          <a:bodyPr/>
+          <a:lstStyle/>
+          <a:p>
+            <a:r>
+              <a:rPr lang="es-ES" dirty="0" smtClean="0"/>
+              <a:t>Descripción general</a:t>
+            </a:r>
+            <a:endParaRPr lang="es-ES" dirty="0"/>
+          </a:p>
+        </p:txBody>
+      </p:sp>
+      <p:sp>
+        <p:nvSpPr>
+          <p:cNvPr id="3" name="Content Placeholder 2"/>
+          <p:cNvSpPr>
+            <a:spLocks noGrp="1"/>
+          </p:cNvSpPr>
+          <p:nvPr>
+            <p:ph idx="1"/>
+          </p:nvPr>
+        </p:nvSpPr>
+        <p:spPr>
+          <a:xfrm>
+            <a:off x="1261872" y="1239520"/>
+            <a:ext cx="8595360" cy="4348479"/>
+          </a:xfrm>
+        </p:spPr>
+        <p:txBody>
+          <a:bodyPr>
+            <a:normAutofit/>
+          </a:bodyPr>
+          <a:lstStyle/>
+          <a:p>
+            <a:pPr marL="0" indent="0" algn="just">
+              <a:buNone/>
+            </a:pPr>
+            <a:r>
+              <a:rPr lang="es-ES" dirty="0"/>
+              <a:t>Se tienen datos de la lluvia en varios días, así como de la cantidad de lluvia que cayó en los 5 días previos. Un investigador considera que la lluvia depende linealmente de la lluvia en los días previos de la forma: L = K1*L1 + K2*L2 + K3*L3 + K4*L4 + K5*L5, donde L es la lluvia en un día dado, mientras que Li indica la cantidad de lluvia en el día i. El investigador quiere ajustar el modelo para lo cual debe conseguir encontrar los valores K1, K2, K3, K4 y K5 que minimicen el error entre lo que indica el modelo y los valores reales guardados.</a:t>
+            </a:r>
+          </a:p>
+          <a:p>
+            <a:pPr>
+              <a:lnSpc>
+                <a:spcPct val="150000"/>
+              </a:lnSpc>
+            </a:pPr>
+            <a:r>
+              <a:rPr lang="en-US" dirty="0"/>
+              <a:t>Variables: </a:t>
+            </a:r>
+            <a:r>
+              <a:rPr lang="es-ES" dirty="0"/>
+              <a:t>K1, K2, K3, K4 y K5</a:t>
+            </a:r>
+            <a:endParaRPr lang="en-US" dirty="0"/>
+          </a:p>
+          <a:p>
+            <a:pPr>
+              <a:lnSpc>
+                <a:spcPct val="150000"/>
+              </a:lnSpc>
+            </a:pPr>
+            <a:r>
+              <a:rPr lang="es-ES" dirty="0"/>
+              <a:t>Restricciones: -</a:t>
+            </a:r>
+          </a:p>
+          <a:p>
+            <a:pPr>
+              <a:lnSpc>
+                <a:spcPct val="150000"/>
+              </a:lnSpc>
+            </a:pPr>
+            <a:r>
+              <a:rPr lang="es-ES" dirty="0"/>
+              <a:t>Objetivo: </a:t>
+            </a:r>
+            <a:r>
+              <a:rPr lang="es-ES" dirty="0" smtClean="0"/>
+              <a:t>Minimización</a:t>
+            </a:r>
+            <a:endParaRPr lang="es-ES" dirty="0"/>
+          </a:p>
+        </p:txBody>
+      </p:sp>
+    </p:spTree>
+    <p:extLst>
+      <p:ext uri="{BB962C8B-B14F-4D97-AF65-F5344CB8AC3E}">
+        <p14:creationId xmlns:p14="http://schemas.microsoft.com/office/powerpoint/2010/main" val="761782049"/>
+      </p:ext>
+    </p:extLst>
+  </p:cSld>
+  <p:clrMapOvr>
+    <a:masterClrMapping/>
+  </p:clrMapOvr>
+  <p:timing>
+    <p:tnLst>
+      <p:par>
+        <p:cTn id="1" dur="indefinite" restart="never" nodeType="tmRoot"/>
+      </p:par>
+    </p:tnLst>
+  </p:timing>
+</p:sld>
+</file>
+
+<file path=ppt/slides/slide3.xml><?xml version="1.0" encoding="utf-8"?>
 <p:sld xmlns:a="http://schemas.openxmlformats.org/drawingml/2006/main" xmlns:r="http://schemas.openxmlformats.org/officeDocument/2006/relationships" xmlns:p="http://schemas.openxmlformats.org/presentationml/2006/main">
   <p:cSld>
     <p:spTree>
@@ -8233,146 +8456,6 @@
 </p:sld>
 </file>
 
-<file path=ppt/slides/slide3.xml><?xml version="1.0" encoding="utf-8"?>
-<p:sld xmlns:a="http://schemas.openxmlformats.org/drawingml/2006/main" xmlns:r="http://schemas.openxmlformats.org/officeDocument/2006/relationships" xmlns:p="http://schemas.openxmlformats.org/presentationml/2006/main">
-  <p:cSld>
-    <p:spTree>
-      <p:nvGrpSpPr>
-        <p:cNvPr id="1" name=""/>
-        <p:cNvGrpSpPr/>
-        <p:nvPr/>
-      </p:nvGrpSpPr>
-      <p:grpSpPr>
-        <a:xfrm>
-          <a:off x="0" y="0"/>
-          <a:ext cx="0" cy="0"/>
-          <a:chOff x="0" y="0"/>
-          <a:chExt cx="0" cy="0"/>
-        </a:xfrm>
-      </p:grpSpPr>
-      <p:sp>
-        <p:nvSpPr>
-          <p:cNvPr id="2" name="Title 1"/>
-          <p:cNvSpPr>
-            <a:spLocks noGrp="1"/>
-          </p:cNvSpPr>
-          <p:nvPr>
-            <p:ph type="title"/>
-          </p:nvPr>
-        </p:nvSpPr>
-        <p:spPr>
-          <a:xfrm>
-            <a:off x="1261872" y="365760"/>
-            <a:ext cx="9692640" cy="721360"/>
-          </a:xfrm>
-        </p:spPr>
-        <p:txBody>
-          <a:bodyPr/>
-          <a:lstStyle/>
-          <a:p>
-            <a:r>
-              <a:rPr lang="es-ES" dirty="0" smtClean="0"/>
-              <a:t>Descripción general</a:t>
-            </a:r>
-            <a:endParaRPr lang="es-ES" dirty="0"/>
-          </a:p>
-        </p:txBody>
-      </p:sp>
-      <p:sp>
-        <p:nvSpPr>
-          <p:cNvPr id="3" name="Content Placeholder 2"/>
-          <p:cNvSpPr>
-            <a:spLocks noGrp="1"/>
-          </p:cNvSpPr>
-          <p:nvPr>
-            <p:ph idx="1"/>
-          </p:nvPr>
-        </p:nvSpPr>
-        <p:spPr>
-          <a:xfrm>
-            <a:off x="1261872" y="1239520"/>
-            <a:ext cx="8595360" cy="4348479"/>
-          </a:xfrm>
-        </p:spPr>
-        <p:txBody>
-          <a:bodyPr>
-            <a:normAutofit/>
-          </a:bodyPr>
-          <a:lstStyle/>
-          <a:p>
-            <a:pPr marL="0" indent="0" algn="just">
-              <a:buNone/>
-            </a:pPr>
-            <a:r>
-              <a:rPr lang="es-ES" dirty="0"/>
-              <a:t>Se tienen datos de la lluvia en varios días, así como de la cantidad de lluvia que cayó en los 5 días previos. Un investigador considera que la lluvia depende linealmente de la lluvia en los días previos de la forma: L = K1*L1 + K2*L2 + K3*L3 + K4*L4 + K5*L5, donde L es la lluvia en un día dado, mientras que Li indica la cantidad de lluvia en el día i. El investigador quiere ajustar el modelo para lo cual debe conseguir encontrar los valores K1, K2, K3, K4 y K5 que minimicen el error entre lo que indica el modelo y los valores reales guardados.</a:t>
-            </a:r>
-          </a:p>
-          <a:p>
-            <a:pPr>
-              <a:lnSpc>
-                <a:spcPct val="150000"/>
-              </a:lnSpc>
-            </a:pPr>
-            <a:r>
-              <a:rPr lang="en-US" dirty="0"/>
-              <a:t>Variables: </a:t>
-            </a:r>
-            <a:r>
-              <a:rPr lang="es-ES" dirty="0"/>
-              <a:t>K1, K2, K3, K4 y K5</a:t>
-            </a:r>
-            <a:endParaRPr lang="en-US" dirty="0"/>
-          </a:p>
-          <a:p>
-            <a:pPr>
-              <a:lnSpc>
-                <a:spcPct val="150000"/>
-              </a:lnSpc>
-            </a:pPr>
-            <a:r>
-              <a:rPr lang="es-ES" dirty="0"/>
-              <a:t>Restricciones: -</a:t>
-            </a:r>
-          </a:p>
-          <a:p>
-            <a:pPr>
-              <a:lnSpc>
-                <a:spcPct val="150000"/>
-              </a:lnSpc>
-            </a:pPr>
-            <a:r>
-              <a:rPr lang="es-ES" dirty="0"/>
-              <a:t>Objetivo: </a:t>
-            </a:r>
-            <a:r>
-              <a:rPr lang="es-ES" dirty="0" smtClean="0"/>
-              <a:t>Minimización</a:t>
-            </a:r>
-            <a:endParaRPr lang="es-ES" dirty="0"/>
-          </a:p>
-        </p:txBody>
-      </p:sp>
-    </p:spTree>
-    <p:extLst>
-      <p:ext uri="{BB962C8B-B14F-4D97-AF65-F5344CB8AC3E}">
-        <p14:creationId xmlns:p14="http://schemas.microsoft.com/office/powerpoint/2010/main" val="761782049"/>
-      </p:ext>
-    </p:extLst>
-  </p:cSld>
-  <p:clrMapOvr>
-    <a:masterClrMapping/>
-  </p:clrMapOvr>
-  <p:timing>
-    <p:tnLst>
-      <p:par>
-        <p:cTn id="1" dur="indefinite" restart="never" nodeType="tmRoot"/>
-      </p:par>
-    </p:tnLst>
-  </p:timing>
-</p:sld>
-</file>
-
 <file path=ppt/slides/slide4.xml><?xml version="1.0" encoding="utf-8"?>
 <p:sld xmlns:a="http://schemas.openxmlformats.org/drawingml/2006/main" xmlns:r="http://schemas.openxmlformats.org/officeDocument/2006/relationships" xmlns:p="http://schemas.openxmlformats.org/presentationml/2006/main">
   <p:cSld>
@@ -8457,7 +8540,7 @@
           <p:nvPr>
             <p:extLst>
               <p:ext uri="{D42A27DB-BD31-4B8C-83A1-F6EECF244321}">
-                <p14:modId xmlns:p14="http://schemas.microsoft.com/office/powerpoint/2010/main" val="2003286149"/>
+                <p14:modId xmlns:p14="http://schemas.microsoft.com/office/powerpoint/2010/main" val="3024838081"/>
               </p:ext>
             </p:extLst>
           </p:nvPr>
@@ -8476,21 +8559,21 @@
                 <a:gridCol w="406400">
                   <a:extLst>
                     <a:ext uri="{9D8B030D-6E8A-4147-A177-3AD203B41FA5}">
-                      <a16:colId xmlns:a16="http://schemas.microsoft.com/office/drawing/2014/main" xmlns="" val="1801000517"/>
+                      <a16:colId xmlns:a16="http://schemas.microsoft.com/office/drawing/2014/main" val="1801000517"/>
                     </a:ext>
                   </a:extLst>
                 </a:gridCol>
                 <a:gridCol w="375920">
                   <a:extLst>
                     <a:ext uri="{9D8B030D-6E8A-4147-A177-3AD203B41FA5}">
-                      <a16:colId xmlns:a16="http://schemas.microsoft.com/office/drawing/2014/main" xmlns="" val="1657204703"/>
+                      <a16:colId xmlns:a16="http://schemas.microsoft.com/office/drawing/2014/main" val="1657204703"/>
                     </a:ext>
                   </a:extLst>
                 </a:gridCol>
                 <a:gridCol w="7325360">
                   <a:extLst>
                     <a:ext uri="{9D8B030D-6E8A-4147-A177-3AD203B41FA5}">
-                      <a16:colId xmlns:a16="http://schemas.microsoft.com/office/drawing/2014/main" xmlns="" val="3305165988"/>
+                      <a16:colId xmlns:a16="http://schemas.microsoft.com/office/drawing/2014/main" val="3305165988"/>
                     </a:ext>
                   </a:extLst>
                 </a:gridCol>
@@ -8519,6 +8602,10 @@
                         <a:rPr lang="es-ES" dirty="0" err="1" smtClean="0"/>
                         <a:t>max</a:t>
                       </a:r>
+                      <a:r>
+                        <a:rPr lang="es-ES" dirty="0" smtClean="0"/>
+                        <a:t> (entero)</a:t>
+                      </a:r>
                       <a:endParaRPr lang="es-ES" dirty="0" smtClean="0"/>
                     </a:p>
                     <a:p>
@@ -8530,6 +8617,10 @@
                         <a:rPr lang="es-ES" dirty="0" err="1" smtClean="0"/>
                         <a:t>intv</a:t>
                       </a:r>
+                      <a:r>
+                        <a:rPr lang="es-ES" dirty="0" smtClean="0"/>
+                        <a:t> (entero)</a:t>
+                      </a:r>
                       <a:endParaRPr lang="es-ES" dirty="0" smtClean="0"/>
                     </a:p>
                     <a:p>
@@ -8539,7 +8630,11 @@
                       </a:r>
                       <a:r>
                         <a:rPr lang="es-ES" dirty="0" err="1" smtClean="0"/>
-                        <a:t>num_vals</a:t>
+                        <a:t>limit</a:t>
+                      </a:r>
+                      <a:r>
+                        <a:rPr lang="es-ES" dirty="0" smtClean="0"/>
+                        <a:t> (entero)</a:t>
                       </a:r>
                       <a:endParaRPr lang="es-ES" dirty="0" smtClean="0"/>
                     </a:p>
@@ -8568,7 +8663,7 @@
                 </a:tc>
                 <a:extLst>
                   <a:ext uri="{0D108BD9-81ED-4DB2-BD59-A6C34878D82A}">
-                    <a16:rowId xmlns:a16="http://schemas.microsoft.com/office/drawing/2014/main" xmlns="" val="1190365663"/>
+                    <a16:rowId xmlns:a16="http://schemas.microsoft.com/office/drawing/2014/main" val="1190365663"/>
                   </a:ext>
                 </a:extLst>
               </a:tr>
@@ -8617,7 +8712,7 @@
                 </a:tc>
                 <a:extLst>
                   <a:ext uri="{0D108BD9-81ED-4DB2-BD59-A6C34878D82A}">
-                    <a16:rowId xmlns:a16="http://schemas.microsoft.com/office/drawing/2014/main" xmlns="" val="1730090890"/>
+                    <a16:rowId xmlns:a16="http://schemas.microsoft.com/office/drawing/2014/main" val="1730090890"/>
                   </a:ext>
                 </a:extLst>
               </a:tr>
@@ -8643,7 +8738,7 @@
                       </a:r>
                       <a:r>
                         <a:rPr lang="es-ES" dirty="0" err="1" smtClean="0"/>
-                        <a:t>num_vals</a:t>
+                        <a:t>limit</a:t>
                       </a:r>
                       <a:r>
                         <a:rPr lang="es-ES" dirty="0" smtClean="0"/>
@@ -8666,7 +8761,7 @@
                 </a:tc>
                 <a:extLst>
                   <a:ext uri="{0D108BD9-81ED-4DB2-BD59-A6C34878D82A}">
-                    <a16:rowId xmlns:a16="http://schemas.microsoft.com/office/drawing/2014/main" xmlns="" val="1626348320"/>
+                    <a16:rowId xmlns:a16="http://schemas.microsoft.com/office/drawing/2014/main" val="1626348320"/>
                   </a:ext>
                 </a:extLst>
               </a:tr>
@@ -8727,7 +8822,7 @@
                 </a:tc>
                 <a:extLst>
                   <a:ext uri="{0D108BD9-81ED-4DB2-BD59-A6C34878D82A}">
-                    <a16:rowId xmlns:a16="http://schemas.microsoft.com/office/drawing/2014/main" xmlns="" val="2554951521"/>
+                    <a16:rowId xmlns:a16="http://schemas.microsoft.com/office/drawing/2014/main" val="2554951521"/>
                   </a:ext>
                 </a:extLst>
               </a:tr>
@@ -8772,7 +8867,7 @@
                 </a:tc>
                 <a:extLst>
                   <a:ext uri="{0D108BD9-81ED-4DB2-BD59-A6C34878D82A}">
-                    <a16:rowId xmlns:a16="http://schemas.microsoft.com/office/drawing/2014/main" xmlns="" val="1427695710"/>
+                    <a16:rowId xmlns:a16="http://schemas.microsoft.com/office/drawing/2014/main" val="1427695710"/>
                   </a:ext>
                 </a:extLst>
               </a:tr>
@@ -8825,7 +8920,7 @@
                 </a:tc>
                 <a:extLst>
                   <a:ext uri="{0D108BD9-81ED-4DB2-BD59-A6C34878D82A}">
-                    <a16:rowId xmlns:a16="http://schemas.microsoft.com/office/drawing/2014/main" xmlns="" val="1009187632"/>
+                    <a16:rowId xmlns:a16="http://schemas.microsoft.com/office/drawing/2014/main" val="1009187632"/>
                   </a:ext>
                 </a:extLst>
               </a:tr>
@@ -8870,7 +8965,7 @@
                 </a:tc>
                 <a:extLst>
                   <a:ext uri="{0D108BD9-81ED-4DB2-BD59-A6C34878D82A}">
-                    <a16:rowId xmlns:a16="http://schemas.microsoft.com/office/drawing/2014/main" xmlns="" val="993100956"/>
+                    <a16:rowId xmlns:a16="http://schemas.microsoft.com/office/drawing/2014/main" val="993100956"/>
                   </a:ext>
                 </a:extLst>
               </a:tr>
@@ -8915,7 +9010,7 @@
                 </a:tc>
                 <a:extLst>
                   <a:ext uri="{0D108BD9-81ED-4DB2-BD59-A6C34878D82A}">
-                    <a16:rowId xmlns:a16="http://schemas.microsoft.com/office/drawing/2014/main" xmlns="" val="3588268998"/>
+                    <a16:rowId xmlns:a16="http://schemas.microsoft.com/office/drawing/2014/main" val="3588268998"/>
                   </a:ext>
                 </a:extLst>
               </a:tr>
@@ -9103,42 +9198,42 @@
                 <a:gridCol w="1354667">
                   <a:extLst>
                     <a:ext uri="{9D8B030D-6E8A-4147-A177-3AD203B41FA5}">
-                      <a16:colId xmlns:a16="http://schemas.microsoft.com/office/drawing/2014/main" xmlns="" val="4031248115"/>
+                      <a16:colId xmlns:a16="http://schemas.microsoft.com/office/drawing/2014/main" val="4031248115"/>
                     </a:ext>
                   </a:extLst>
                 </a:gridCol>
                 <a:gridCol w="1354667">
                   <a:extLst>
                     <a:ext uri="{9D8B030D-6E8A-4147-A177-3AD203B41FA5}">
-                      <a16:colId xmlns:a16="http://schemas.microsoft.com/office/drawing/2014/main" xmlns="" val="220679877"/>
+                      <a16:colId xmlns:a16="http://schemas.microsoft.com/office/drawing/2014/main" val="220679877"/>
                     </a:ext>
                   </a:extLst>
                 </a:gridCol>
                 <a:gridCol w="1354667">
                   <a:extLst>
                     <a:ext uri="{9D8B030D-6E8A-4147-A177-3AD203B41FA5}">
-                      <a16:colId xmlns:a16="http://schemas.microsoft.com/office/drawing/2014/main" xmlns="" val="2773510325"/>
+                      <a16:colId xmlns:a16="http://schemas.microsoft.com/office/drawing/2014/main" val="2773510325"/>
                     </a:ext>
                   </a:extLst>
                 </a:gridCol>
                 <a:gridCol w="1354667">
                   <a:extLst>
                     <a:ext uri="{9D8B030D-6E8A-4147-A177-3AD203B41FA5}">
-                      <a16:colId xmlns:a16="http://schemas.microsoft.com/office/drawing/2014/main" xmlns="" val="269533158"/>
+                      <a16:colId xmlns:a16="http://schemas.microsoft.com/office/drawing/2014/main" val="269533158"/>
                     </a:ext>
                   </a:extLst>
                 </a:gridCol>
                 <a:gridCol w="1354667">
                   <a:extLst>
                     <a:ext uri="{9D8B030D-6E8A-4147-A177-3AD203B41FA5}">
-                      <a16:colId xmlns:a16="http://schemas.microsoft.com/office/drawing/2014/main" xmlns="" val="4000846733"/>
+                      <a16:colId xmlns:a16="http://schemas.microsoft.com/office/drawing/2014/main" val="4000846733"/>
                     </a:ext>
                   </a:extLst>
                 </a:gridCol>
                 <a:gridCol w="1354667">
                   <a:extLst>
                     <a:ext uri="{9D8B030D-6E8A-4147-A177-3AD203B41FA5}">
-                      <a16:colId xmlns:a16="http://schemas.microsoft.com/office/drawing/2014/main" xmlns="" val="465695325"/>
+                      <a16:colId xmlns:a16="http://schemas.microsoft.com/office/drawing/2014/main" val="465695325"/>
                     </a:ext>
                   </a:extLst>
                 </a:gridCol>
@@ -9226,7 +9321,7 @@
                 </a:tc>
                 <a:extLst>
                   <a:ext uri="{0D108BD9-81ED-4DB2-BD59-A6C34878D82A}">
-                    <a16:rowId xmlns:a16="http://schemas.microsoft.com/office/drawing/2014/main" xmlns="" val="1848507414"/>
+                    <a16:rowId xmlns:a16="http://schemas.microsoft.com/office/drawing/2014/main" val="1848507414"/>
                   </a:ext>
                 </a:extLst>
               </a:tr>
@@ -9316,7 +9411,7 @@
                 </a:tc>
                 <a:extLst>
                   <a:ext uri="{0D108BD9-81ED-4DB2-BD59-A6C34878D82A}">
-                    <a16:rowId xmlns:a16="http://schemas.microsoft.com/office/drawing/2014/main" xmlns="" val="3575386969"/>
+                    <a16:rowId xmlns:a16="http://schemas.microsoft.com/office/drawing/2014/main" val="3575386969"/>
                   </a:ext>
                 </a:extLst>
               </a:tr>
@@ -9410,7 +9505,7 @@
                 </a:tc>
                 <a:extLst>
                   <a:ext uri="{0D108BD9-81ED-4DB2-BD59-A6C34878D82A}">
-                    <a16:rowId xmlns:a16="http://schemas.microsoft.com/office/drawing/2014/main" xmlns="" val="4209900852"/>
+                    <a16:rowId xmlns:a16="http://schemas.microsoft.com/office/drawing/2014/main" val="4209900852"/>
                   </a:ext>
                 </a:extLst>
               </a:tr>
@@ -9496,7 +9591,7 @@
                 </a:tc>
                 <a:extLst>
                   <a:ext uri="{0D108BD9-81ED-4DB2-BD59-A6C34878D82A}">
-                    <a16:rowId xmlns:a16="http://schemas.microsoft.com/office/drawing/2014/main" xmlns="" val="2009515904"/>
+                    <a16:rowId xmlns:a16="http://schemas.microsoft.com/office/drawing/2014/main" val="2009515904"/>
                   </a:ext>
                 </a:extLst>
               </a:tr>
@@ -9607,7 +9702,7 @@
                 </a:tc>
                 <a:extLst>
                   <a:ext uri="{0D108BD9-81ED-4DB2-BD59-A6C34878D82A}">
-                    <a16:rowId xmlns:a16="http://schemas.microsoft.com/office/drawing/2014/main" xmlns="" val="3195264674"/>
+                    <a16:rowId xmlns:a16="http://schemas.microsoft.com/office/drawing/2014/main" val="3195264674"/>
                   </a:ext>
                 </a:extLst>
               </a:tr>
@@ -9643,42 +9738,42 @@
                 <a:gridCol w="1354667">
                   <a:extLst>
                     <a:ext uri="{9D8B030D-6E8A-4147-A177-3AD203B41FA5}">
-                      <a16:colId xmlns:a16="http://schemas.microsoft.com/office/drawing/2014/main" xmlns="" val="4031248115"/>
+                      <a16:colId xmlns:a16="http://schemas.microsoft.com/office/drawing/2014/main" val="4031248115"/>
                     </a:ext>
                   </a:extLst>
                 </a:gridCol>
                 <a:gridCol w="1354667">
                   <a:extLst>
                     <a:ext uri="{9D8B030D-6E8A-4147-A177-3AD203B41FA5}">
-                      <a16:colId xmlns:a16="http://schemas.microsoft.com/office/drawing/2014/main" xmlns="" val="220679877"/>
+                      <a16:colId xmlns:a16="http://schemas.microsoft.com/office/drawing/2014/main" val="220679877"/>
                     </a:ext>
                   </a:extLst>
                 </a:gridCol>
                 <a:gridCol w="1354667">
                   <a:extLst>
                     <a:ext uri="{9D8B030D-6E8A-4147-A177-3AD203B41FA5}">
-                      <a16:colId xmlns:a16="http://schemas.microsoft.com/office/drawing/2014/main" xmlns="" val="2773510325"/>
+                      <a16:colId xmlns:a16="http://schemas.microsoft.com/office/drawing/2014/main" val="2773510325"/>
                     </a:ext>
                   </a:extLst>
                 </a:gridCol>
                 <a:gridCol w="1354667">
                   <a:extLst>
                     <a:ext uri="{9D8B030D-6E8A-4147-A177-3AD203B41FA5}">
-                      <a16:colId xmlns:a16="http://schemas.microsoft.com/office/drawing/2014/main" xmlns="" val="269533158"/>
+                      <a16:colId xmlns:a16="http://schemas.microsoft.com/office/drawing/2014/main" val="269533158"/>
                     </a:ext>
                   </a:extLst>
                 </a:gridCol>
                 <a:gridCol w="1354667">
                   <a:extLst>
                     <a:ext uri="{9D8B030D-6E8A-4147-A177-3AD203B41FA5}">
-                      <a16:colId xmlns:a16="http://schemas.microsoft.com/office/drawing/2014/main" xmlns="" val="4000846733"/>
+                      <a16:colId xmlns:a16="http://schemas.microsoft.com/office/drawing/2014/main" val="4000846733"/>
                     </a:ext>
                   </a:extLst>
                 </a:gridCol>
                 <a:gridCol w="1354667">
                   <a:extLst>
                     <a:ext uri="{9D8B030D-6E8A-4147-A177-3AD203B41FA5}">
-                      <a16:colId xmlns:a16="http://schemas.microsoft.com/office/drawing/2014/main" xmlns="" val="465695325"/>
+                      <a16:colId xmlns:a16="http://schemas.microsoft.com/office/drawing/2014/main" val="465695325"/>
                     </a:ext>
                   </a:extLst>
                 </a:gridCol>
@@ -9766,7 +9861,7 @@
                 </a:tc>
                 <a:extLst>
                   <a:ext uri="{0D108BD9-81ED-4DB2-BD59-A6C34878D82A}">
-                    <a16:rowId xmlns:a16="http://schemas.microsoft.com/office/drawing/2014/main" xmlns="" val="1848507414"/>
+                    <a16:rowId xmlns:a16="http://schemas.microsoft.com/office/drawing/2014/main" val="1848507414"/>
                   </a:ext>
                 </a:extLst>
               </a:tr>
@@ -9856,7 +9951,7 @@
                 </a:tc>
                 <a:extLst>
                   <a:ext uri="{0D108BD9-81ED-4DB2-BD59-A6C34878D82A}">
-                    <a16:rowId xmlns:a16="http://schemas.microsoft.com/office/drawing/2014/main" xmlns="" val="3575386969"/>
+                    <a16:rowId xmlns:a16="http://schemas.microsoft.com/office/drawing/2014/main" val="3575386969"/>
                   </a:ext>
                 </a:extLst>
               </a:tr>
@@ -9950,7 +10045,7 @@
                 </a:tc>
                 <a:extLst>
                   <a:ext uri="{0D108BD9-81ED-4DB2-BD59-A6C34878D82A}">
-                    <a16:rowId xmlns:a16="http://schemas.microsoft.com/office/drawing/2014/main" xmlns="" val="4209900852"/>
+                    <a16:rowId xmlns:a16="http://schemas.microsoft.com/office/drawing/2014/main" val="4209900852"/>
                   </a:ext>
                 </a:extLst>
               </a:tr>
@@ -10036,7 +10131,7 @@
                 </a:tc>
                 <a:extLst>
                   <a:ext uri="{0D108BD9-81ED-4DB2-BD59-A6C34878D82A}">
-                    <a16:rowId xmlns:a16="http://schemas.microsoft.com/office/drawing/2014/main" xmlns="" val="2009515904"/>
+                    <a16:rowId xmlns:a16="http://schemas.microsoft.com/office/drawing/2014/main" val="2009515904"/>
                   </a:ext>
                 </a:extLst>
               </a:tr>
@@ -10181,7 +10276,7 @@
                 </a:tc>
                 <a:extLst>
                   <a:ext uri="{0D108BD9-81ED-4DB2-BD59-A6C34878D82A}">
-                    <a16:rowId xmlns:a16="http://schemas.microsoft.com/office/drawing/2014/main" xmlns="" val="3195264674"/>
+                    <a16:rowId xmlns:a16="http://schemas.microsoft.com/office/drawing/2014/main" val="3195264674"/>
                   </a:ext>
                 </a:extLst>
               </a:tr>
@@ -10386,14 +10481,14 @@
           <p:nvPr>
             <p:extLst>
               <p:ext uri="{D42A27DB-BD31-4B8C-83A1-F6EECF244321}">
-                <p14:modId xmlns:p14="http://schemas.microsoft.com/office/powerpoint/2010/main" val="3045225648"/>
+                <p14:modId xmlns:p14="http://schemas.microsoft.com/office/powerpoint/2010/main" val="805221244"/>
               </p:ext>
             </p:extLst>
           </p:nvPr>
         </p:nvGraphicFramePr>
         <p:xfrm>
-          <a:off x="1412240" y="1811400"/>
-          <a:ext cx="8107680" cy="3017520"/>
+          <a:off x="1412240" y="1934673"/>
+          <a:ext cx="8107680" cy="2707163"/>
         </p:xfrm>
         <a:graphic>
           <a:graphicData uri="http://schemas.openxmlformats.org/drawingml/2006/table">
@@ -10405,19 +10500,19 @@
                 <a:gridCol w="406400">
                   <a:extLst>
                     <a:ext uri="{9D8B030D-6E8A-4147-A177-3AD203B41FA5}">
-                      <a16:colId xmlns:a16="http://schemas.microsoft.com/office/drawing/2014/main" xmlns="" val="1801000517"/>
+                      <a16:colId xmlns:a16="http://schemas.microsoft.com/office/drawing/2014/main" val="1801000517"/>
                     </a:ext>
                   </a:extLst>
                 </a:gridCol>
                 <a:gridCol w="7701280">
                   <a:extLst>
                     <a:ext uri="{9D8B030D-6E8A-4147-A177-3AD203B41FA5}">
-                      <a16:colId xmlns:a16="http://schemas.microsoft.com/office/drawing/2014/main" xmlns="" val="1657204703"/>
+                      <a16:colId xmlns:a16="http://schemas.microsoft.com/office/drawing/2014/main" val="1657204703"/>
                     </a:ext>
                   </a:extLst>
                 </a:gridCol>
               </a:tblGrid>
-              <a:tr h="906043">
+              <a:tr h="604043">
                 <a:tc gridSpan="2">
                   <a:txBody>
                     <a:bodyPr/>
@@ -10433,21 +10528,13 @@
                       </a:r>
                       <a:r>
                         <a:rPr lang="es-ES" dirty="0" smtClean="0"/>
-                        <a:t> (arreglo)</a:t>
+                        <a:t> (arreglo</a:t>
+                      </a:r>
+                      <a:r>
+                        <a:rPr lang="es-ES" dirty="0" smtClean="0"/>
+                        <a:t>)</a:t>
                       </a:r>
                       <a:endParaRPr lang="es-ES" baseline="0" dirty="0" smtClean="0"/>
-                    </a:p>
-                    <a:p>
-                      <a:r>
-                        <a:rPr lang="es-ES" dirty="0" smtClean="0"/>
-                        <a:t>                MAX_VALUE</a:t>
-                      </a:r>
-                    </a:p>
-                    <a:p>
-                      <a:r>
-                        <a:rPr lang="es-ES" dirty="0" smtClean="0"/>
-                        <a:t>                MIN_VALUE</a:t>
-                      </a:r>
                     </a:p>
                   </a:txBody>
                   <a:tcPr/>
@@ -10464,11 +10551,11 @@
                 </a:tc>
                 <a:extLst>
                   <a:ext uri="{0D108BD9-81ED-4DB2-BD59-A6C34878D82A}">
-                    <a16:rowId xmlns:a16="http://schemas.microsoft.com/office/drawing/2014/main" xmlns="" val="1190365663"/>
+                    <a16:rowId xmlns:a16="http://schemas.microsoft.com/office/drawing/2014/main" val="1190365663"/>
                   </a:ext>
                 </a:extLst>
               </a:tr>
-              <a:tr h="342307">
+              <a:tr h="325680">
                 <a:tc gridSpan="2">
                   <a:txBody>
                     <a:bodyPr/>
@@ -10503,11 +10590,11 @@
                 </a:tc>
                 <a:extLst>
                   <a:ext uri="{0D108BD9-81ED-4DB2-BD59-A6C34878D82A}">
-                    <a16:rowId xmlns:a16="http://schemas.microsoft.com/office/drawing/2014/main" xmlns="" val="1730090890"/>
+                    <a16:rowId xmlns:a16="http://schemas.microsoft.com/office/drawing/2014/main" val="1730090890"/>
                   </a:ext>
                 </a:extLst>
               </a:tr>
-              <a:tr h="342307">
+              <a:tr h="325680">
                 <a:tc>
                   <a:txBody>
                     <a:bodyPr/>
@@ -10570,11 +10657,11 @@
                 </a:tc>
                 <a:extLst>
                   <a:ext uri="{0D108BD9-81ED-4DB2-BD59-A6C34878D82A}">
-                    <a16:rowId xmlns:a16="http://schemas.microsoft.com/office/drawing/2014/main" xmlns="" val="1626348320"/>
+                    <a16:rowId xmlns:a16="http://schemas.microsoft.com/office/drawing/2014/main" val="1626348320"/>
                   </a:ext>
                 </a:extLst>
               </a:tr>
-              <a:tr h="342307">
+              <a:tr h="569940">
                 <a:tc>
                   <a:txBody>
                     <a:bodyPr/>
@@ -10620,11 +10707,11 @@
                 </a:tc>
                 <a:extLst>
                   <a:ext uri="{0D108BD9-81ED-4DB2-BD59-A6C34878D82A}">
-                    <a16:rowId xmlns:a16="http://schemas.microsoft.com/office/drawing/2014/main" xmlns="" val="993100956"/>
+                    <a16:rowId xmlns:a16="http://schemas.microsoft.com/office/drawing/2014/main" val="993100956"/>
                   </a:ext>
                 </a:extLst>
               </a:tr>
-              <a:tr h="342307">
+              <a:tr h="325680">
                 <a:tc>
                   <a:txBody>
                     <a:bodyPr/>
@@ -10667,11 +10754,11 @@
                 </a:tc>
                 <a:extLst>
                   <a:ext uri="{0D108BD9-81ED-4DB2-BD59-A6C34878D82A}">
-                    <a16:rowId xmlns:a16="http://schemas.microsoft.com/office/drawing/2014/main" xmlns="" val="3588268998"/>
+                    <a16:rowId xmlns:a16="http://schemas.microsoft.com/office/drawing/2014/main" val="3588268998"/>
                   </a:ext>
                 </a:extLst>
               </a:tr>
-              <a:tr h="342307">
+              <a:tr h="325680">
                 <a:tc>
                   <a:txBody>
                     <a:bodyPr/>
@@ -10706,7 +10793,7 @@
                 </a:tc>
                 <a:extLst>
                   <a:ext uri="{0D108BD9-81ED-4DB2-BD59-A6C34878D82A}">
-                    <a16:rowId xmlns:a16="http://schemas.microsoft.com/office/drawing/2014/main" xmlns="" val="2826695688"/>
+                    <a16:rowId xmlns:a16="http://schemas.microsoft.com/office/drawing/2014/main" val="2826695688"/>
                   </a:ext>
                 </a:extLst>
               </a:tr>
@@ -11313,28 +11400,28 @@
                 <a:gridCol w="406400">
                   <a:extLst>
                     <a:ext uri="{9D8B030D-6E8A-4147-A177-3AD203B41FA5}">
-                      <a16:colId xmlns:a16="http://schemas.microsoft.com/office/drawing/2014/main" xmlns="" val="1801000517"/>
+                      <a16:colId xmlns:a16="http://schemas.microsoft.com/office/drawing/2014/main" val="1801000517"/>
                     </a:ext>
                   </a:extLst>
                 </a:gridCol>
                 <a:gridCol w="465328">
                   <a:extLst>
                     <a:ext uri="{9D8B030D-6E8A-4147-A177-3AD203B41FA5}">
-                      <a16:colId xmlns:a16="http://schemas.microsoft.com/office/drawing/2014/main" xmlns="" val="1657204703"/>
+                      <a16:colId xmlns:a16="http://schemas.microsoft.com/office/drawing/2014/main" val="1657204703"/>
                     </a:ext>
                   </a:extLst>
                 </a:gridCol>
                 <a:gridCol w="355600">
                   <a:extLst>
                     <a:ext uri="{9D8B030D-6E8A-4147-A177-3AD203B41FA5}">
-                      <a16:colId xmlns:a16="http://schemas.microsoft.com/office/drawing/2014/main" xmlns="" val="2374098939"/>
+                      <a16:colId xmlns:a16="http://schemas.microsoft.com/office/drawing/2014/main" val="2374098939"/>
                     </a:ext>
                   </a:extLst>
                 </a:gridCol>
                 <a:gridCol w="6880352">
                   <a:extLst>
                     <a:ext uri="{9D8B030D-6E8A-4147-A177-3AD203B41FA5}">
-                      <a16:colId xmlns:a16="http://schemas.microsoft.com/office/drawing/2014/main" xmlns="" val="76615332"/>
+                      <a16:colId xmlns:a16="http://schemas.microsoft.com/office/drawing/2014/main" val="76615332"/>
                     </a:ext>
                   </a:extLst>
                 </a:gridCol>
@@ -11392,7 +11479,7 @@
                 </a:tc>
                 <a:extLst>
                   <a:ext uri="{0D108BD9-81ED-4DB2-BD59-A6C34878D82A}">
-                    <a16:rowId xmlns:a16="http://schemas.microsoft.com/office/drawing/2014/main" xmlns="" val="1190365663"/>
+                    <a16:rowId xmlns:a16="http://schemas.microsoft.com/office/drawing/2014/main" val="1190365663"/>
                   </a:ext>
                 </a:extLst>
               </a:tr>
@@ -11451,7 +11538,7 @@
                 </a:tc>
                 <a:extLst>
                   <a:ext uri="{0D108BD9-81ED-4DB2-BD59-A6C34878D82A}">
-                    <a16:rowId xmlns:a16="http://schemas.microsoft.com/office/drawing/2014/main" xmlns="" val="1730090890"/>
+                    <a16:rowId xmlns:a16="http://schemas.microsoft.com/office/drawing/2014/main" val="1730090890"/>
                   </a:ext>
                 </a:extLst>
               </a:tr>
@@ -11523,7 +11610,7 @@
                 </a:tc>
                 <a:extLst>
                   <a:ext uri="{0D108BD9-81ED-4DB2-BD59-A6C34878D82A}">
-                    <a16:rowId xmlns:a16="http://schemas.microsoft.com/office/drawing/2014/main" xmlns="" val="1626348320"/>
+                    <a16:rowId xmlns:a16="http://schemas.microsoft.com/office/drawing/2014/main" val="1626348320"/>
                   </a:ext>
                 </a:extLst>
               </a:tr>
@@ -11599,7 +11686,7 @@
                 </a:tc>
                 <a:extLst>
                   <a:ext uri="{0D108BD9-81ED-4DB2-BD59-A6C34878D82A}">
-                    <a16:rowId xmlns:a16="http://schemas.microsoft.com/office/drawing/2014/main" xmlns="" val="993100956"/>
+                    <a16:rowId xmlns:a16="http://schemas.microsoft.com/office/drawing/2014/main" val="993100956"/>
                   </a:ext>
                 </a:extLst>
               </a:tr>
@@ -11662,7 +11749,7 @@
                 </a:tc>
                 <a:extLst>
                   <a:ext uri="{0D108BD9-81ED-4DB2-BD59-A6C34878D82A}">
-                    <a16:rowId xmlns:a16="http://schemas.microsoft.com/office/drawing/2014/main" xmlns="" val="3588268998"/>
+                    <a16:rowId xmlns:a16="http://schemas.microsoft.com/office/drawing/2014/main" val="3588268998"/>
                   </a:ext>
                 </a:extLst>
               </a:tr>
@@ -11717,7 +11804,7 @@
                 </a:tc>
                 <a:extLst>
                   <a:ext uri="{0D108BD9-81ED-4DB2-BD59-A6C34878D82A}">
-                    <a16:rowId xmlns:a16="http://schemas.microsoft.com/office/drawing/2014/main" xmlns="" val="2137013417"/>
+                    <a16:rowId xmlns:a16="http://schemas.microsoft.com/office/drawing/2014/main" val="2137013417"/>
                   </a:ext>
                 </a:extLst>
               </a:tr>
@@ -11772,7 +11859,7 @@
                 </a:tc>
                 <a:extLst>
                   <a:ext uri="{0D108BD9-81ED-4DB2-BD59-A6C34878D82A}">
-                    <a16:rowId xmlns:a16="http://schemas.microsoft.com/office/drawing/2014/main" xmlns="" val="3367745634"/>
+                    <a16:rowId xmlns:a16="http://schemas.microsoft.com/office/drawing/2014/main" val="3367745634"/>
                   </a:ext>
                 </a:extLst>
               </a:tr>
@@ -11827,7 +11914,7 @@
                 </a:tc>
                 <a:extLst>
                   <a:ext uri="{0D108BD9-81ED-4DB2-BD59-A6C34878D82A}">
-                    <a16:rowId xmlns:a16="http://schemas.microsoft.com/office/drawing/2014/main" xmlns="" val="2048022435"/>
+                    <a16:rowId xmlns:a16="http://schemas.microsoft.com/office/drawing/2014/main" val="2048022435"/>
                   </a:ext>
                 </a:extLst>
               </a:tr>
@@ -11886,7 +11973,7 @@
                 </a:tc>
                 <a:extLst>
                   <a:ext uri="{0D108BD9-81ED-4DB2-BD59-A6C34878D82A}">
-                    <a16:rowId xmlns:a16="http://schemas.microsoft.com/office/drawing/2014/main" xmlns="" val="2826695688"/>
+                    <a16:rowId xmlns:a16="http://schemas.microsoft.com/office/drawing/2014/main" val="2826695688"/>
                   </a:ext>
                 </a:extLst>
               </a:tr>

--- a/ppt/MH_Laura_Javier T2.pptx
+++ b/ppt/MH_Laura_Javier T2.pptx
@@ -5,7 +5,7 @@
     <p:sldMasterId id="2147483738" r:id="rId1"/>
   </p:sldMasterIdLst>
   <p:notesMasterIdLst>
-    <p:notesMasterId r:id="rId17"/>
+    <p:notesMasterId r:id="rId18"/>
   </p:notesMasterIdLst>
   <p:sldIdLst>
     <p:sldId id="256" r:id="rId2"/>
@@ -21,8 +21,9 @@
     <p:sldId id="268" r:id="rId12"/>
     <p:sldId id="269" r:id="rId13"/>
     <p:sldId id="267" r:id="rId14"/>
-    <p:sldId id="271" r:id="rId15"/>
-    <p:sldId id="278" r:id="rId16"/>
+    <p:sldId id="279" r:id="rId15"/>
+    <p:sldId id="271" r:id="rId16"/>
+    <p:sldId id="278" r:id="rId17"/>
   </p:sldIdLst>
   <p:sldSz cx="12192000" cy="6858000"/>
   <p:notesSz cx="6858000" cy="9144000"/>
@@ -142,9 +143,9 @@
 </file>
 
 <file path=ppt/charts/chart1.xml><?xml version="1.0" encoding="utf-8"?>
-<c:chartSpace xmlns:c="http://schemas.openxmlformats.org/drawingml/2006/chart" xmlns:a="http://schemas.openxmlformats.org/drawingml/2006/main" xmlns:r="http://schemas.openxmlformats.org/officeDocument/2006/relationships" xmlns:c16r2="http://schemas.microsoft.com/office/drawing/2015/06/chart">
+<c:chartSpace xmlns:c="http://schemas.openxmlformats.org/drawingml/2006/chart" xmlns:a="http://schemas.openxmlformats.org/drawingml/2006/main" xmlns:r="http://schemas.openxmlformats.org/officeDocument/2006/relationships">
   <c:date1904 val="0"/>
-  <c:lang val="en-US"/>
+  <c:lang val="es-ES"/>
   <c:roundedCorners val="0"/>
   <mc:AlternateContent xmlns:mc="http://schemas.openxmlformats.org/markup-compatibility/2006">
     <mc:Choice xmlns:c14="http://schemas.microsoft.com/office/drawing/2007/8/2/chart" Requires="c14">
@@ -244,7 +245,7 @@
               </c:numCache>
             </c:numRef>
           </c:val>
-          <c:extLst>
+          <c:extLst xmlns:c16r2="http://schemas.microsoft.com/office/drawing/2015/06/chart">
             <c:ext xmlns:c16="http://schemas.microsoft.com/office/drawing/2014/chart" uri="{C3380CC4-5D6E-409C-BE32-E72D297353CC}">
               <c16:uniqueId val="{00000000-D186-4498-9989-EA998F9CE702}"/>
             </c:ext>
@@ -321,7 +322,7 @@
               </c:numCache>
             </c:numRef>
           </c:val>
-          <c:extLst>
+          <c:extLst xmlns:c16r2="http://schemas.microsoft.com/office/drawing/2015/06/chart">
             <c:ext xmlns:c16="http://schemas.microsoft.com/office/drawing/2014/chart" uri="{C3380CC4-5D6E-409C-BE32-E72D297353CC}">
               <c16:uniqueId val="{00000001-D186-4498-9989-EA998F9CE702}"/>
             </c:ext>
@@ -398,7 +399,7 @@
               </c:numCache>
             </c:numRef>
           </c:val>
-          <c:extLst>
+          <c:extLst xmlns:c16r2="http://schemas.microsoft.com/office/drawing/2015/06/chart">
             <c:ext xmlns:c16="http://schemas.microsoft.com/office/drawing/2014/chart" uri="{C3380CC4-5D6E-409C-BE32-E72D297353CC}">
               <c16:uniqueId val="{00000002-D186-4498-9989-EA998F9CE702}"/>
             </c:ext>
@@ -414,11 +415,11 @@
         </c:dLbls>
         <c:gapWidth val="219"/>
         <c:overlap val="-27"/>
-        <c:axId val="525053088"/>
-        <c:axId val="429559864"/>
+        <c:axId val="391728888"/>
+        <c:axId val="391733592"/>
       </c:barChart>
       <c:catAx>
-        <c:axId val="525053088"/>
+        <c:axId val="391728888"/>
         <c:scaling>
           <c:orientation val="minMax"/>
         </c:scaling>
@@ -461,7 +462,7 @@
             <a:endParaRPr lang="es-ES"/>
           </a:p>
         </c:txPr>
-        <c:crossAx val="429559864"/>
+        <c:crossAx val="391733592"/>
         <c:crosses val="autoZero"/>
         <c:auto val="1"/>
         <c:lblAlgn val="ctr"/>
@@ -469,7 +470,7 @@
         <c:noMultiLvlLbl val="0"/>
       </c:catAx>
       <c:valAx>
-        <c:axId val="429559864"/>
+        <c:axId val="391733592"/>
         <c:scaling>
           <c:orientation val="minMax"/>
         </c:scaling>
@@ -520,7 +521,7 @@
             <a:endParaRPr lang="es-ES"/>
           </a:p>
         </c:txPr>
-        <c:crossAx val="525053088"/>
+        <c:crossAx val="391728888"/>
         <c:crosses val="autoZero"/>
         <c:crossBetween val="between"/>
       </c:valAx>
@@ -534,6 +535,7 @@
     </c:plotArea>
     <c:legend>
       <c:legendPos val="b"/>
+      <c:layout/>
       <c:overlay val="0"/>
       <c:spPr>
         <a:noFill/>
@@ -590,7 +592,350 @@
 </c:chartSpace>
 </file>
 
+<file path=ppt/charts/chart2.xml><?xml version="1.0" encoding="utf-8"?>
+<c:chartSpace xmlns:c="http://schemas.openxmlformats.org/drawingml/2006/chart" xmlns:a="http://schemas.openxmlformats.org/drawingml/2006/main" xmlns:r="http://schemas.openxmlformats.org/officeDocument/2006/relationships">
+  <c:date1904 val="0"/>
+  <c:lang val="es-ES"/>
+  <c:roundedCorners val="0"/>
+  <mc:AlternateContent xmlns:mc="http://schemas.openxmlformats.org/markup-compatibility/2006">
+    <mc:Choice xmlns:c14="http://schemas.microsoft.com/office/drawing/2007/8/2/chart" Requires="c14">
+      <c14:style val="102"/>
+    </mc:Choice>
+    <mc:Fallback>
+      <c:style val="2"/>
+    </mc:Fallback>
+  </mc:AlternateContent>
+  <c:clrMapOvr bg1="lt1" tx1="dk1" bg2="lt2" tx2="dk2" accent1="accent1" accent2="accent2" accent3="accent3" accent4="accent4" accent5="accent5" accent6="accent6" hlink="hlink" folHlink="folHlink"/>
+  <c:chart>
+    <c:title>
+      <c:layout/>
+      <c:overlay val="0"/>
+      <c:spPr>
+        <a:noFill/>
+        <a:ln>
+          <a:noFill/>
+        </a:ln>
+        <a:effectLst/>
+      </c:spPr>
+      <c:txPr>
+        <a:bodyPr rot="0" spcFirstLastPara="1" vertOverflow="ellipsis" vert="horz" wrap="square" anchor="ctr" anchorCtr="1"/>
+        <a:lstStyle/>
+        <a:p>
+          <a:pPr>
+            <a:defRPr sz="1400" b="0" i="0" u="none" strike="noStrike" kern="1200" spc="0" baseline="0">
+              <a:solidFill>
+                <a:schemeClr val="tx1">
+                  <a:lumMod val="65000"/>
+                  <a:lumOff val="35000"/>
+                </a:schemeClr>
+              </a:solidFill>
+              <a:latin typeface="+mn-lt"/>
+              <a:ea typeface="+mn-ea"/>
+              <a:cs typeface="+mn-cs"/>
+            </a:defRPr>
+          </a:pPr>
+          <a:endParaRPr lang="es-ES"/>
+        </a:p>
+      </c:txPr>
+    </c:title>
+    <c:autoTitleDeleted val="0"/>
+    <c:view3D>
+      <c:rotX val="15"/>
+      <c:rotY val="20"/>
+      <c:depthPercent val="100"/>
+      <c:rAngAx val="1"/>
+    </c:view3D>
+    <c:floor>
+      <c:thickness val="0"/>
+      <c:spPr>
+        <a:noFill/>
+        <a:ln>
+          <a:noFill/>
+        </a:ln>
+        <a:effectLst/>
+        <a:sp3d/>
+      </c:spPr>
+    </c:floor>
+    <c:sideWall>
+      <c:thickness val="0"/>
+      <c:spPr>
+        <a:noFill/>
+        <a:ln>
+          <a:noFill/>
+        </a:ln>
+        <a:effectLst/>
+        <a:sp3d/>
+      </c:spPr>
+    </c:sideWall>
+    <c:backWall>
+      <c:thickness val="0"/>
+      <c:spPr>
+        <a:noFill/>
+        <a:ln>
+          <a:noFill/>
+        </a:ln>
+        <a:effectLst/>
+        <a:sp3d/>
+      </c:spPr>
+    </c:backWall>
+    <c:plotArea>
+      <c:layout/>
+      <c:bar3DChart>
+        <c:barDir val="col"/>
+        <c:grouping val="clustered"/>
+        <c:varyColors val="0"/>
+        <c:ser>
+          <c:idx val="0"/>
+          <c:order val="0"/>
+          <c:tx>
+            <c:strRef>
+              <c:f>Hoja1!$B$27</c:f>
+              <c:strCache>
+                <c:ptCount val="1"/>
+                <c:pt idx="0">
+                  <c:v>Proporción</c:v>
+                </c:pt>
+              </c:strCache>
+            </c:strRef>
+          </c:tx>
+          <c:spPr>
+            <a:solidFill>
+              <a:schemeClr val="accent1"/>
+            </a:solidFill>
+            <a:ln>
+              <a:noFill/>
+            </a:ln>
+            <a:effectLst/>
+            <a:sp3d/>
+          </c:spPr>
+          <c:invertIfNegative val="0"/>
+          <c:cat>
+            <c:strRef>
+              <c:f>Hoja1!$C$26:$E$26</c:f>
+              <c:strCache>
+                <c:ptCount val="3"/>
+                <c:pt idx="0">
+                  <c:v>STEP 0.1</c:v>
+                </c:pt>
+                <c:pt idx="1">
+                  <c:v>STEP 0.2</c:v>
+                </c:pt>
+                <c:pt idx="2">
+                  <c:v>STEP 0.3</c:v>
+                </c:pt>
+              </c:strCache>
+            </c:strRef>
+          </c:cat>
+          <c:val>
+            <c:numRef>
+              <c:f>Hoja1!$C$27:$E$27</c:f>
+              <c:numCache>
+                <c:formatCode>General</c:formatCode>
+                <c:ptCount val="3"/>
+                <c:pt idx="0">
+                  <c:v>2.4485000000000002E-4</c:v>
+                </c:pt>
+                <c:pt idx="1">
+                  <c:v>6.2091999999999998E-3</c:v>
+                </c:pt>
+                <c:pt idx="2">
+                  <c:v>5.9499000000000003E-2</c:v>
+                </c:pt>
+              </c:numCache>
+            </c:numRef>
+          </c:val>
+        </c:ser>
+        <c:dLbls>
+          <c:showLegendKey val="0"/>
+          <c:showVal val="0"/>
+          <c:showCatName val="0"/>
+          <c:showSerName val="0"/>
+          <c:showPercent val="0"/>
+          <c:showBubbleSize val="0"/>
+        </c:dLbls>
+        <c:gapWidth val="150"/>
+        <c:shape val="box"/>
+        <c:axId val="435717880"/>
+        <c:axId val="435718664"/>
+        <c:axId val="0"/>
+      </c:bar3DChart>
+      <c:catAx>
+        <c:axId val="435717880"/>
+        <c:scaling>
+          <c:orientation val="minMax"/>
+        </c:scaling>
+        <c:delete val="0"/>
+        <c:axPos val="b"/>
+        <c:numFmt formatCode="General" sourceLinked="1"/>
+        <c:majorTickMark val="none"/>
+        <c:minorTickMark val="none"/>
+        <c:tickLblPos val="nextTo"/>
+        <c:spPr>
+          <a:noFill/>
+          <a:ln>
+            <a:noFill/>
+          </a:ln>
+          <a:effectLst/>
+        </c:spPr>
+        <c:txPr>
+          <a:bodyPr rot="-60000000" spcFirstLastPara="1" vertOverflow="ellipsis" vert="horz" wrap="square" anchor="ctr" anchorCtr="1"/>
+          <a:lstStyle/>
+          <a:p>
+            <a:pPr>
+              <a:defRPr sz="900" b="0" i="0" u="none" strike="noStrike" kern="1200" baseline="0">
+                <a:solidFill>
+                  <a:schemeClr val="tx1">
+                    <a:lumMod val="65000"/>
+                    <a:lumOff val="35000"/>
+                  </a:schemeClr>
+                </a:solidFill>
+                <a:latin typeface="+mn-lt"/>
+                <a:ea typeface="+mn-ea"/>
+                <a:cs typeface="+mn-cs"/>
+              </a:defRPr>
+            </a:pPr>
+            <a:endParaRPr lang="es-ES"/>
+          </a:p>
+        </c:txPr>
+        <c:crossAx val="435718664"/>
+        <c:crosses val="autoZero"/>
+        <c:auto val="1"/>
+        <c:lblAlgn val="ctr"/>
+        <c:lblOffset val="100"/>
+        <c:noMultiLvlLbl val="0"/>
+      </c:catAx>
+      <c:valAx>
+        <c:axId val="435718664"/>
+        <c:scaling>
+          <c:orientation val="minMax"/>
+        </c:scaling>
+        <c:delete val="0"/>
+        <c:axPos val="l"/>
+        <c:majorGridlines>
+          <c:spPr>
+            <a:ln w="9525" cap="flat" cmpd="sng" algn="ctr">
+              <a:solidFill>
+                <a:schemeClr val="tx1">
+                  <a:lumMod val="15000"/>
+                  <a:lumOff val="85000"/>
+                </a:schemeClr>
+              </a:solidFill>
+              <a:round/>
+            </a:ln>
+            <a:effectLst/>
+          </c:spPr>
+        </c:majorGridlines>
+        <c:numFmt formatCode="General" sourceLinked="1"/>
+        <c:majorTickMark val="none"/>
+        <c:minorTickMark val="none"/>
+        <c:tickLblPos val="nextTo"/>
+        <c:spPr>
+          <a:noFill/>
+          <a:ln>
+            <a:noFill/>
+          </a:ln>
+          <a:effectLst/>
+        </c:spPr>
+        <c:txPr>
+          <a:bodyPr rot="-60000000" spcFirstLastPara="1" vertOverflow="ellipsis" vert="horz" wrap="square" anchor="ctr" anchorCtr="1"/>
+          <a:lstStyle/>
+          <a:p>
+            <a:pPr>
+              <a:defRPr sz="900" b="0" i="0" u="none" strike="noStrike" kern="1200" baseline="0">
+                <a:solidFill>
+                  <a:schemeClr val="tx1">
+                    <a:lumMod val="65000"/>
+                    <a:lumOff val="35000"/>
+                  </a:schemeClr>
+                </a:solidFill>
+                <a:latin typeface="+mn-lt"/>
+                <a:ea typeface="+mn-ea"/>
+                <a:cs typeface="+mn-cs"/>
+              </a:defRPr>
+            </a:pPr>
+            <a:endParaRPr lang="es-ES"/>
+          </a:p>
+        </c:txPr>
+        <c:crossAx val="435717880"/>
+        <c:crosses val="autoZero"/>
+        <c:crossBetween val="between"/>
+      </c:valAx>
+      <c:spPr>
+        <a:noFill/>
+        <a:ln>
+          <a:noFill/>
+        </a:ln>
+        <a:effectLst/>
+      </c:spPr>
+    </c:plotArea>
+    <c:plotVisOnly val="1"/>
+    <c:dispBlanksAs val="gap"/>
+    <c:showDLblsOverMax val="0"/>
+  </c:chart>
+  <c:spPr>
+    <a:noFill/>
+    <a:ln>
+      <a:noFill/>
+    </a:ln>
+    <a:effectLst/>
+  </c:spPr>
+  <c:txPr>
+    <a:bodyPr/>
+    <a:lstStyle/>
+    <a:p>
+      <a:pPr>
+        <a:defRPr/>
+      </a:pPr>
+      <a:endParaRPr lang="es-ES"/>
+    </a:p>
+  </c:txPr>
+  <c:externalData r:id="rId4">
+    <c:autoUpdate val="0"/>
+  </c:externalData>
+</c:chartSpace>
+</file>
+
 <file path=ppt/charts/colors1.xml><?xml version="1.0" encoding="utf-8"?>
+<cs:colorStyle xmlns:cs="http://schemas.microsoft.com/office/drawing/2012/chartStyle" xmlns:a="http://schemas.openxmlformats.org/drawingml/2006/main" meth="cycle" id="10">
+  <a:schemeClr val="accent1"/>
+  <a:schemeClr val="accent2"/>
+  <a:schemeClr val="accent3"/>
+  <a:schemeClr val="accent4"/>
+  <a:schemeClr val="accent5"/>
+  <a:schemeClr val="accent6"/>
+  <cs:variation/>
+  <cs:variation>
+    <a:lumMod val="60000"/>
+  </cs:variation>
+  <cs:variation>
+    <a:lumMod val="80000"/>
+    <a:lumOff val="20000"/>
+  </cs:variation>
+  <cs:variation>
+    <a:lumMod val="80000"/>
+  </cs:variation>
+  <cs:variation>
+    <a:lumMod val="60000"/>
+    <a:lumOff val="40000"/>
+  </cs:variation>
+  <cs:variation>
+    <a:lumMod val="50000"/>
+  </cs:variation>
+  <cs:variation>
+    <a:lumMod val="70000"/>
+    <a:lumOff val="30000"/>
+  </cs:variation>
+  <cs:variation>
+    <a:lumMod val="70000"/>
+  </cs:variation>
+  <cs:variation>
+    <a:lumMod val="50000"/>
+    <a:lumOff val="50000"/>
+  </cs:variation>
+</cs:colorStyle>
+</file>
+
+<file path=ppt/charts/colors2.xml><?xml version="1.0" encoding="utf-8"?>
 <cs:colorStyle xmlns:cs="http://schemas.microsoft.com/office/drawing/2012/chartStyle" xmlns:a="http://schemas.openxmlformats.org/drawingml/2006/main" meth="cycle" id="10">
   <a:schemeClr val="accent1"/>
   <a:schemeClr val="accent2"/>
@@ -1133,6 +1478,500 @@
 </cs:chartStyle>
 </file>
 
+<file path=ppt/charts/style2.xml><?xml version="1.0" encoding="utf-8"?>
+<cs:chartStyle xmlns:cs="http://schemas.microsoft.com/office/drawing/2012/chartStyle" xmlns:a="http://schemas.openxmlformats.org/drawingml/2006/main" id="286">
+  <cs:axisTitle>
+    <cs:lnRef idx="0"/>
+    <cs:fillRef idx="0"/>
+    <cs:effectRef idx="0"/>
+    <cs:fontRef idx="minor">
+      <a:schemeClr val="tx1">
+        <a:lumMod val="65000"/>
+        <a:lumOff val="35000"/>
+      </a:schemeClr>
+    </cs:fontRef>
+    <cs:defRPr sz="1000" kern="1200"/>
+  </cs:axisTitle>
+  <cs:categoryAxis>
+    <cs:lnRef idx="0"/>
+    <cs:fillRef idx="0"/>
+    <cs:effectRef idx="0"/>
+    <cs:fontRef idx="minor">
+      <a:schemeClr val="tx1">
+        <a:lumMod val="65000"/>
+        <a:lumOff val="35000"/>
+      </a:schemeClr>
+    </cs:fontRef>
+    <cs:defRPr sz="900" kern="1200"/>
+  </cs:categoryAxis>
+  <cs:chartArea mods="allowNoFillOverride allowNoLineOverride">
+    <cs:lnRef idx="0"/>
+    <cs:fillRef idx="0"/>
+    <cs:effectRef idx="0"/>
+    <cs:fontRef idx="minor">
+      <a:schemeClr val="tx1"/>
+    </cs:fontRef>
+    <cs:spPr>
+      <a:solidFill>
+        <a:schemeClr val="bg1"/>
+      </a:solidFill>
+      <a:ln w="9525" cap="flat" cmpd="sng" algn="ctr">
+        <a:solidFill>
+          <a:schemeClr val="tx1">
+            <a:lumMod val="15000"/>
+            <a:lumOff val="85000"/>
+          </a:schemeClr>
+        </a:solidFill>
+        <a:round/>
+      </a:ln>
+    </cs:spPr>
+    <cs:defRPr sz="1000" kern="1200"/>
+  </cs:chartArea>
+  <cs:dataLabel>
+    <cs:lnRef idx="0"/>
+    <cs:fillRef idx="0"/>
+    <cs:effectRef idx="0"/>
+    <cs:fontRef idx="minor">
+      <a:schemeClr val="tx1">
+        <a:lumMod val="75000"/>
+        <a:lumOff val="25000"/>
+      </a:schemeClr>
+    </cs:fontRef>
+    <cs:defRPr sz="900" kern="1200"/>
+  </cs:dataLabel>
+  <cs:dataLabelCallout>
+    <cs:lnRef idx="0"/>
+    <cs:fillRef idx="0"/>
+    <cs:effectRef idx="0"/>
+    <cs:fontRef idx="minor">
+      <a:schemeClr val="dk1">
+        <a:lumMod val="65000"/>
+        <a:lumOff val="35000"/>
+      </a:schemeClr>
+    </cs:fontRef>
+    <cs:spPr>
+      <a:solidFill>
+        <a:schemeClr val="lt1"/>
+      </a:solidFill>
+      <a:ln>
+        <a:solidFill>
+          <a:schemeClr val="dk1">
+            <a:lumMod val="25000"/>
+            <a:lumOff val="75000"/>
+          </a:schemeClr>
+        </a:solidFill>
+      </a:ln>
+    </cs:spPr>
+    <cs:defRPr sz="900" kern="1200"/>
+    <cs:bodyPr rot="0" spcFirstLastPara="1" vertOverflow="clip" horzOverflow="clip" vert="horz" wrap="square" lIns="36576" tIns="18288" rIns="36576" bIns="18288" anchor="ctr" anchorCtr="1">
+      <a:spAutoFit/>
+    </cs:bodyPr>
+  </cs:dataLabelCallout>
+  <cs:dataPoint>
+    <cs:lnRef idx="0"/>
+    <cs:fillRef idx="1">
+      <cs:styleClr val="auto"/>
+    </cs:fillRef>
+    <cs:effectRef idx="0"/>
+    <cs:fontRef idx="minor">
+      <a:schemeClr val="tx1"/>
+    </cs:fontRef>
+  </cs:dataPoint>
+  <cs:dataPoint3D>
+    <cs:lnRef idx="0"/>
+    <cs:fillRef idx="1">
+      <cs:styleClr val="auto"/>
+    </cs:fillRef>
+    <cs:effectRef idx="0"/>
+    <cs:fontRef idx="minor">
+      <a:schemeClr val="tx1"/>
+    </cs:fontRef>
+  </cs:dataPoint3D>
+  <cs:dataPointLine>
+    <cs:lnRef idx="0">
+      <cs:styleClr val="auto"/>
+    </cs:lnRef>
+    <cs:fillRef idx="1"/>
+    <cs:effectRef idx="0"/>
+    <cs:fontRef idx="minor">
+      <a:schemeClr val="tx1"/>
+    </cs:fontRef>
+    <cs:spPr>
+      <a:ln w="28575" cap="rnd">
+        <a:solidFill>
+          <a:schemeClr val="phClr"/>
+        </a:solidFill>
+        <a:round/>
+      </a:ln>
+    </cs:spPr>
+  </cs:dataPointLine>
+  <cs:dataPointMarker>
+    <cs:lnRef idx="0">
+      <cs:styleClr val="auto"/>
+    </cs:lnRef>
+    <cs:fillRef idx="1">
+      <cs:styleClr val="auto"/>
+    </cs:fillRef>
+    <cs:effectRef idx="0"/>
+    <cs:fontRef idx="minor">
+      <a:schemeClr val="tx1"/>
+    </cs:fontRef>
+    <cs:spPr>
+      <a:ln w="9525">
+        <a:solidFill>
+          <a:schemeClr val="phClr"/>
+        </a:solidFill>
+      </a:ln>
+    </cs:spPr>
+  </cs:dataPointMarker>
+  <cs:dataPointMarkerLayout symbol="circle" size="5"/>
+  <cs:dataPointWireframe>
+    <cs:lnRef idx="0">
+      <cs:styleClr val="auto"/>
+    </cs:lnRef>
+    <cs:fillRef idx="1"/>
+    <cs:effectRef idx="0"/>
+    <cs:fontRef idx="minor">
+      <a:schemeClr val="tx1"/>
+    </cs:fontRef>
+    <cs:spPr>
+      <a:ln w="9525" cap="rnd">
+        <a:solidFill>
+          <a:schemeClr val="phClr"/>
+        </a:solidFill>
+        <a:round/>
+      </a:ln>
+    </cs:spPr>
+  </cs:dataPointWireframe>
+  <cs:dataTable>
+    <cs:lnRef idx="0"/>
+    <cs:fillRef idx="0"/>
+    <cs:effectRef idx="0"/>
+    <cs:fontRef idx="minor">
+      <a:schemeClr val="tx1">
+        <a:lumMod val="65000"/>
+        <a:lumOff val="35000"/>
+      </a:schemeClr>
+    </cs:fontRef>
+    <cs:spPr>
+      <a:noFill/>
+      <a:ln w="9525" cap="flat" cmpd="sng" algn="ctr">
+        <a:solidFill>
+          <a:schemeClr val="tx1">
+            <a:lumMod val="15000"/>
+            <a:lumOff val="85000"/>
+          </a:schemeClr>
+        </a:solidFill>
+        <a:round/>
+      </a:ln>
+    </cs:spPr>
+    <cs:defRPr sz="900" kern="1200"/>
+  </cs:dataTable>
+  <cs:downBar>
+    <cs:lnRef idx="0"/>
+    <cs:fillRef idx="0"/>
+    <cs:effectRef idx="0"/>
+    <cs:fontRef idx="minor">
+      <a:schemeClr val="tx1"/>
+    </cs:fontRef>
+    <cs:spPr>
+      <a:solidFill>
+        <a:schemeClr val="dk1">
+          <a:lumMod val="75000"/>
+          <a:lumOff val="25000"/>
+        </a:schemeClr>
+      </a:solidFill>
+      <a:ln w="9525" cap="flat" cmpd="sng" algn="ctr">
+        <a:solidFill>
+          <a:schemeClr val="tx1">
+            <a:lumMod val="65000"/>
+            <a:lumOff val="35000"/>
+          </a:schemeClr>
+        </a:solidFill>
+        <a:round/>
+      </a:ln>
+    </cs:spPr>
+  </cs:downBar>
+  <cs:dropLine>
+    <cs:lnRef idx="0"/>
+    <cs:fillRef idx="0"/>
+    <cs:effectRef idx="0"/>
+    <cs:fontRef idx="minor">
+      <a:schemeClr val="tx1"/>
+    </cs:fontRef>
+    <cs:spPr>
+      <a:ln w="9525" cap="flat" cmpd="sng" algn="ctr">
+        <a:solidFill>
+          <a:schemeClr val="tx1">
+            <a:lumMod val="35000"/>
+            <a:lumOff val="65000"/>
+          </a:schemeClr>
+        </a:solidFill>
+        <a:round/>
+      </a:ln>
+    </cs:spPr>
+  </cs:dropLine>
+  <cs:errorBar>
+    <cs:lnRef idx="0"/>
+    <cs:fillRef idx="0"/>
+    <cs:effectRef idx="0"/>
+    <cs:fontRef idx="minor">
+      <a:schemeClr val="tx1"/>
+    </cs:fontRef>
+    <cs:spPr>
+      <a:ln w="9525" cap="flat" cmpd="sng" algn="ctr">
+        <a:solidFill>
+          <a:schemeClr val="tx1">
+            <a:lumMod val="65000"/>
+            <a:lumOff val="35000"/>
+          </a:schemeClr>
+        </a:solidFill>
+        <a:round/>
+      </a:ln>
+    </cs:spPr>
+  </cs:errorBar>
+  <cs:floor>
+    <cs:lnRef idx="0"/>
+    <cs:fillRef idx="0"/>
+    <cs:effectRef idx="0"/>
+    <cs:fontRef idx="minor">
+      <a:schemeClr val="tx1"/>
+    </cs:fontRef>
+    <cs:spPr>
+      <a:noFill/>
+      <a:ln>
+        <a:noFill/>
+      </a:ln>
+    </cs:spPr>
+  </cs:floor>
+  <cs:gridlineMajor>
+    <cs:lnRef idx="0"/>
+    <cs:fillRef idx="0"/>
+    <cs:effectRef idx="0"/>
+    <cs:fontRef idx="minor">
+      <a:schemeClr val="tx1"/>
+    </cs:fontRef>
+    <cs:spPr>
+      <a:ln w="9525" cap="flat" cmpd="sng" algn="ctr">
+        <a:solidFill>
+          <a:schemeClr val="tx1">
+            <a:lumMod val="15000"/>
+            <a:lumOff val="85000"/>
+          </a:schemeClr>
+        </a:solidFill>
+        <a:round/>
+      </a:ln>
+    </cs:spPr>
+  </cs:gridlineMajor>
+  <cs:gridlineMinor>
+    <cs:lnRef idx="0"/>
+    <cs:fillRef idx="0"/>
+    <cs:effectRef idx="0"/>
+    <cs:fontRef idx="minor">
+      <a:schemeClr val="tx1"/>
+    </cs:fontRef>
+    <cs:spPr>
+      <a:ln w="9525" cap="flat" cmpd="sng" algn="ctr">
+        <a:solidFill>
+          <a:schemeClr val="tx1">
+            <a:lumMod val="5000"/>
+            <a:lumOff val="95000"/>
+          </a:schemeClr>
+        </a:solidFill>
+        <a:round/>
+      </a:ln>
+    </cs:spPr>
+  </cs:gridlineMinor>
+  <cs:hiLoLine>
+    <cs:lnRef idx="0"/>
+    <cs:fillRef idx="0"/>
+    <cs:effectRef idx="0"/>
+    <cs:fontRef idx="minor">
+      <a:schemeClr val="tx1"/>
+    </cs:fontRef>
+    <cs:spPr>
+      <a:ln w="9525" cap="flat" cmpd="sng" algn="ctr">
+        <a:solidFill>
+          <a:schemeClr val="tx1">
+            <a:lumMod val="50000"/>
+            <a:lumOff val="50000"/>
+          </a:schemeClr>
+        </a:solidFill>
+        <a:round/>
+      </a:ln>
+    </cs:spPr>
+  </cs:hiLoLine>
+  <cs:leaderLine>
+    <cs:lnRef idx="0"/>
+    <cs:fillRef idx="0"/>
+    <cs:effectRef idx="0"/>
+    <cs:fontRef idx="minor">
+      <a:schemeClr val="tx1"/>
+    </cs:fontRef>
+    <cs:spPr>
+      <a:ln w="9525" cap="flat" cmpd="sng" algn="ctr">
+        <a:solidFill>
+          <a:schemeClr val="tx1">
+            <a:lumMod val="35000"/>
+            <a:lumOff val="65000"/>
+          </a:schemeClr>
+        </a:solidFill>
+        <a:round/>
+      </a:ln>
+    </cs:spPr>
+  </cs:leaderLine>
+  <cs:legend>
+    <cs:lnRef idx="0"/>
+    <cs:fillRef idx="0"/>
+    <cs:effectRef idx="0"/>
+    <cs:fontRef idx="minor">
+      <a:schemeClr val="tx1">
+        <a:lumMod val="65000"/>
+        <a:lumOff val="35000"/>
+      </a:schemeClr>
+    </cs:fontRef>
+    <cs:defRPr sz="900" kern="1200"/>
+  </cs:legend>
+  <cs:plotArea mods="allowNoFillOverride allowNoLineOverride">
+    <cs:lnRef idx="0"/>
+    <cs:fillRef idx="0"/>
+    <cs:effectRef idx="0"/>
+    <cs:fontRef idx="minor">
+      <a:schemeClr val="tx1"/>
+    </cs:fontRef>
+  </cs:plotArea>
+  <cs:plotArea3D mods="allowNoFillOverride allowNoLineOverride">
+    <cs:lnRef idx="0"/>
+    <cs:fillRef idx="0"/>
+    <cs:effectRef idx="0"/>
+    <cs:fontRef idx="minor">
+      <a:schemeClr val="tx1"/>
+    </cs:fontRef>
+  </cs:plotArea3D>
+  <cs:seriesAxis>
+    <cs:lnRef idx="0"/>
+    <cs:fillRef idx="0"/>
+    <cs:effectRef idx="0"/>
+    <cs:fontRef idx="minor">
+      <a:schemeClr val="tx1">
+        <a:lumMod val="65000"/>
+        <a:lumOff val="35000"/>
+      </a:schemeClr>
+    </cs:fontRef>
+    <cs:defRPr sz="900" kern="1200"/>
+  </cs:seriesAxis>
+  <cs:seriesLine>
+    <cs:lnRef idx="0"/>
+    <cs:fillRef idx="0"/>
+    <cs:effectRef idx="0"/>
+    <cs:fontRef idx="minor">
+      <a:schemeClr val="tx1"/>
+    </cs:fontRef>
+    <cs:spPr>
+      <a:ln w="9525" cap="flat" cmpd="sng" algn="ctr">
+        <a:solidFill>
+          <a:schemeClr val="tx1">
+            <a:lumMod val="35000"/>
+            <a:lumOff val="65000"/>
+          </a:schemeClr>
+        </a:solidFill>
+        <a:round/>
+      </a:ln>
+    </cs:spPr>
+  </cs:seriesLine>
+  <cs:title>
+    <cs:lnRef idx="0"/>
+    <cs:fillRef idx="0"/>
+    <cs:effectRef idx="0"/>
+    <cs:fontRef idx="minor">
+      <a:schemeClr val="tx1">
+        <a:lumMod val="65000"/>
+        <a:lumOff val="35000"/>
+      </a:schemeClr>
+    </cs:fontRef>
+    <cs:defRPr sz="1400" b="0" kern="1200" spc="0" baseline="0"/>
+  </cs:title>
+  <cs:trendline>
+    <cs:lnRef idx="0">
+      <cs:styleClr val="auto"/>
+    </cs:lnRef>
+    <cs:fillRef idx="0"/>
+    <cs:effectRef idx="0"/>
+    <cs:fontRef idx="minor">
+      <a:schemeClr val="tx1"/>
+    </cs:fontRef>
+    <cs:spPr>
+      <a:ln w="19050" cap="rnd">
+        <a:solidFill>
+          <a:schemeClr val="phClr"/>
+        </a:solidFill>
+        <a:prstDash val="sysDot"/>
+      </a:ln>
+    </cs:spPr>
+  </cs:trendline>
+  <cs:trendlineLabel>
+    <cs:lnRef idx="0"/>
+    <cs:fillRef idx="0"/>
+    <cs:effectRef idx="0"/>
+    <cs:fontRef idx="minor">
+      <a:schemeClr val="tx1">
+        <a:lumMod val="65000"/>
+        <a:lumOff val="35000"/>
+      </a:schemeClr>
+    </cs:fontRef>
+    <cs:defRPr sz="900" kern="1200"/>
+  </cs:trendlineLabel>
+  <cs:upBar>
+    <cs:lnRef idx="0"/>
+    <cs:fillRef idx="0"/>
+    <cs:effectRef idx="0"/>
+    <cs:fontRef idx="minor">
+      <a:schemeClr val="tx1"/>
+    </cs:fontRef>
+    <cs:spPr>
+      <a:solidFill>
+        <a:schemeClr val="lt1"/>
+      </a:solidFill>
+      <a:ln w="9525" cap="flat" cmpd="sng" algn="ctr">
+        <a:solidFill>
+          <a:schemeClr val="tx1">
+            <a:lumMod val="65000"/>
+            <a:lumOff val="35000"/>
+          </a:schemeClr>
+        </a:solidFill>
+        <a:round/>
+      </a:ln>
+    </cs:spPr>
+  </cs:upBar>
+  <cs:valueAxis>
+    <cs:lnRef idx="0"/>
+    <cs:fillRef idx="0"/>
+    <cs:effectRef idx="0"/>
+    <cs:fontRef idx="minor">
+      <a:schemeClr val="tx1">
+        <a:lumMod val="65000"/>
+        <a:lumOff val="35000"/>
+      </a:schemeClr>
+    </cs:fontRef>
+    <cs:defRPr sz="900" kern="1200"/>
+  </cs:valueAxis>
+  <cs:wall>
+    <cs:lnRef idx="0"/>
+    <cs:fillRef idx="0"/>
+    <cs:effectRef idx="0"/>
+    <cs:fontRef idx="minor">
+      <a:schemeClr val="tx1"/>
+    </cs:fontRef>
+    <cs:spPr>
+      <a:noFill/>
+      <a:ln>
+        <a:noFill/>
+      </a:ln>
+    </cs:spPr>
+  </cs:wall>
+</cs:chartStyle>
+</file>
+
 <file path=ppt/notesMasters/notesMaster1.xml><?xml version="1.0" encoding="utf-8"?>
 <p:notesMaster xmlns:a="http://schemas.openxmlformats.org/drawingml/2006/main" xmlns:r="http://schemas.openxmlformats.org/officeDocument/2006/relationships" xmlns:p="http://schemas.openxmlformats.org/presentationml/2006/main">
   <p:cSld>
@@ -1374,7 +2213,7 @@
           <a:p>
             <a:fld id="{65154C0B-E2C7-4D9E-827C-72C00C2A711B}" type="slidenum">
               <a:rPr lang="es-ES" smtClean="0"/>
-              <a:t>‹#›</a:t>
+              <a:t>‹Nº›</a:t>
             </a:fld>
             <a:endParaRPr lang="es-ES"/>
           </a:p>
@@ -2001,7 +2840,7 @@
           <a:p>
             <a:fld id="{D0D03522-ACFB-465D-BFFC-5FB31DCDE28F}" type="slidenum">
               <a:rPr lang="es-ES" smtClean="0"/>
-              <a:t>‹#›</a:t>
+              <a:t>‹Nº›</a:t>
             </a:fld>
             <a:endParaRPr lang="es-ES"/>
           </a:p>
@@ -2209,7 +3048,7 @@
           <a:p>
             <a:fld id="{D0D03522-ACFB-465D-BFFC-5FB31DCDE28F}" type="slidenum">
               <a:rPr lang="es-ES" smtClean="0"/>
-              <a:t>‹#›</a:t>
+              <a:t>‹Nº›</a:t>
             </a:fld>
             <a:endParaRPr lang="es-ES"/>
           </a:p>
@@ -2389,7 +3228,7 @@
           <a:p>
             <a:fld id="{D0D03522-ACFB-465D-BFFC-5FB31DCDE28F}" type="slidenum">
               <a:rPr lang="es-ES" smtClean="0"/>
-              <a:t>‹#›</a:t>
+              <a:t>‹Nº›</a:t>
             </a:fld>
             <a:endParaRPr lang="es-ES"/>
           </a:p>
@@ -2559,7 +3398,7 @@
           <a:p>
             <a:fld id="{D0D03522-ACFB-465D-BFFC-5FB31DCDE28F}" type="slidenum">
               <a:rPr lang="es-ES" smtClean="0"/>
-              <a:t>‹#›</a:t>
+              <a:t>‹Nº›</a:t>
             </a:fld>
             <a:endParaRPr lang="es-ES"/>
           </a:p>
@@ -2813,7 +3652,7 @@
           <a:p>
             <a:fld id="{D0D03522-ACFB-465D-BFFC-5FB31DCDE28F}" type="slidenum">
               <a:rPr lang="es-ES" smtClean="0"/>
-              <a:t>‹#›</a:t>
+              <a:t>‹Nº›</a:t>
             </a:fld>
             <a:endParaRPr lang="es-ES"/>
           </a:p>
@@ -3139,7 +3978,7 @@
           <a:p>
             <a:fld id="{D0D03522-ACFB-465D-BFFC-5FB31DCDE28F}" type="slidenum">
               <a:rPr lang="es-ES" smtClean="0"/>
-              <a:t>‹#›</a:t>
+              <a:t>‹Nº›</a:t>
             </a:fld>
             <a:endParaRPr lang="es-ES"/>
           </a:p>
@@ -3590,7 +4429,7 @@
           <a:p>
             <a:fld id="{D0D03522-ACFB-465D-BFFC-5FB31DCDE28F}" type="slidenum">
               <a:rPr lang="es-ES" smtClean="0"/>
-              <a:t>‹#›</a:t>
+              <a:t>‹Nº›</a:t>
             </a:fld>
             <a:endParaRPr lang="es-ES"/>
           </a:p>
@@ -3708,7 +4547,7 @@
           <a:p>
             <a:fld id="{D0D03522-ACFB-465D-BFFC-5FB31DCDE28F}" type="slidenum">
               <a:rPr lang="es-ES" smtClean="0"/>
-              <a:t>‹#›</a:t>
+              <a:t>‹Nº›</a:t>
             </a:fld>
             <a:endParaRPr lang="es-ES"/>
           </a:p>
@@ -3803,7 +4642,7 @@
           <a:p>
             <a:fld id="{D0D03522-ACFB-465D-BFFC-5FB31DCDE28F}" type="slidenum">
               <a:rPr lang="es-ES" smtClean="0"/>
-              <a:t>‹#›</a:t>
+              <a:t>‹Nº›</a:t>
             </a:fld>
             <a:endParaRPr lang="es-ES"/>
           </a:p>
@@ -4090,7 +4929,7 @@
           <a:p>
             <a:fld id="{D0D03522-ACFB-465D-BFFC-5FB31DCDE28F}" type="slidenum">
               <a:rPr lang="es-ES" smtClean="0"/>
-              <a:t>‹#›</a:t>
+              <a:t>‹Nº›</a:t>
             </a:fld>
             <a:endParaRPr lang="es-ES"/>
           </a:p>
@@ -4412,7 +5251,7 @@
           <a:p>
             <a:fld id="{D0D03522-ACFB-465D-BFFC-5FB31DCDE28F}" type="slidenum">
               <a:rPr lang="es-ES" smtClean="0"/>
-              <a:t>‹#›</a:t>
+              <a:t>‹Nº›</a:t>
             </a:fld>
             <a:endParaRPr lang="es-ES"/>
           </a:p>
@@ -4706,7 +5545,7 @@
           <a:p>
             <a:fld id="{D0D03522-ACFB-465D-BFFC-5FB31DCDE28F}" type="slidenum">
               <a:rPr lang="es-ES" smtClean="0"/>
-              <a:t>‹#›</a:t>
+              <a:t>‹Nº›</a:t>
             </a:fld>
             <a:endParaRPr lang="es-ES"/>
           </a:p>
@@ -7214,6 +8053,95 @@
           </a:p>
         </p:txBody>
       </p:sp>
+      <p:graphicFrame>
+        <p:nvGraphicFramePr>
+          <p:cNvPr id="4" name="Gráfico 3"/>
+          <p:cNvGraphicFramePr>
+            <a:graphicFrameLocks/>
+          </p:cNvGraphicFramePr>
+          <p:nvPr>
+            <p:extLst>
+              <p:ext uri="{D42A27DB-BD31-4B8C-83A1-F6EECF244321}">
+                <p14:modId xmlns:p14="http://schemas.microsoft.com/office/powerpoint/2010/main" val="1778833612"/>
+              </p:ext>
+            </p:extLst>
+          </p:nvPr>
+        </p:nvGraphicFramePr>
+        <p:xfrm>
+          <a:off x="1098958" y="1780562"/>
+          <a:ext cx="8082571" cy="4276289"/>
+        </p:xfrm>
+        <a:graphic>
+          <a:graphicData uri="http://schemas.openxmlformats.org/drawingml/2006/chart">
+            <c:chart xmlns:c="http://schemas.openxmlformats.org/drawingml/2006/chart" xmlns:r="http://schemas.openxmlformats.org/officeDocument/2006/relationships" r:id="rId2"/>
+          </a:graphicData>
+        </a:graphic>
+      </p:graphicFrame>
+    </p:spTree>
+    <p:extLst>
+      <p:ext uri="{BB962C8B-B14F-4D97-AF65-F5344CB8AC3E}">
+        <p14:creationId xmlns:p14="http://schemas.microsoft.com/office/powerpoint/2010/main" val="3386269869"/>
+      </p:ext>
+    </p:extLst>
+  </p:cSld>
+  <p:clrMapOvr>
+    <a:masterClrMapping/>
+  </p:clrMapOvr>
+  <p:timing>
+    <p:tnLst>
+      <p:par>
+        <p:cTn id="1" dur="indefinite" restart="never" nodeType="tmRoot"/>
+      </p:par>
+    </p:tnLst>
+  </p:timing>
+</p:sld>
+</file>
+
+<file path=ppt/slides/slide15.xml><?xml version="1.0" encoding="utf-8"?>
+<p:sld xmlns:a="http://schemas.openxmlformats.org/drawingml/2006/main" xmlns:r="http://schemas.openxmlformats.org/officeDocument/2006/relationships" xmlns:p="http://schemas.openxmlformats.org/presentationml/2006/main">
+  <p:cSld>
+    <p:spTree>
+      <p:nvGrpSpPr>
+        <p:cNvPr id="1" name=""/>
+        <p:cNvGrpSpPr/>
+        <p:nvPr/>
+      </p:nvGrpSpPr>
+      <p:grpSpPr>
+        <a:xfrm>
+          <a:off x="0" y="0"/>
+          <a:ext cx="0" cy="0"/>
+          <a:chOff x="0" y="0"/>
+          <a:chExt cx="0" cy="0"/>
+        </a:xfrm>
+      </p:grpSpPr>
+      <p:sp>
+        <p:nvSpPr>
+          <p:cNvPr id="2" name="Title 1"/>
+          <p:cNvSpPr>
+            <a:spLocks noGrp="1"/>
+          </p:cNvSpPr>
+          <p:nvPr>
+            <p:ph type="title"/>
+          </p:nvPr>
+        </p:nvSpPr>
+        <p:spPr>
+          <a:xfrm>
+            <a:off x="1261872" y="365760"/>
+            <a:ext cx="9692640" cy="792480"/>
+          </a:xfrm>
+        </p:spPr>
+        <p:txBody>
+          <a:bodyPr/>
+          <a:lstStyle/>
+          <a:p>
+            <a:r>
+              <a:rPr lang="es-ES" dirty="0" smtClean="0"/>
+              <a:t>Análisis preliminar de resultados</a:t>
+            </a:r>
+            <a:endParaRPr lang="es-ES" dirty="0"/>
+          </a:p>
+        </p:txBody>
+      </p:sp>
       <p:sp>
         <p:nvSpPr>
           <p:cNvPr id="3" name="Content Placeholder 2"/>
@@ -7361,7 +8289,7 @@
 </p:sld>
 </file>
 
-<file path=ppt/slides/slide15.xml><?xml version="1.0" encoding="utf-8"?>
+<file path=ppt/slides/slide16.xml><?xml version="1.0" encoding="utf-8"?>
 <p:sld xmlns:a="http://schemas.openxmlformats.org/drawingml/2006/main" xmlns:r="http://schemas.openxmlformats.org/officeDocument/2006/relationships" xmlns:p="http://schemas.openxmlformats.org/presentationml/2006/main">
   <p:cSld>
     <p:spTree>
@@ -8559,21 +9487,21 @@
                 <a:gridCol w="406400">
                   <a:extLst>
                     <a:ext uri="{9D8B030D-6E8A-4147-A177-3AD203B41FA5}">
-                      <a16:colId xmlns:a16="http://schemas.microsoft.com/office/drawing/2014/main" val="1801000517"/>
+                      <a16:colId xmlns:a16="http://schemas.microsoft.com/office/drawing/2014/main" xmlns="" val="1801000517"/>
                     </a:ext>
                   </a:extLst>
                 </a:gridCol>
                 <a:gridCol w="375920">
                   <a:extLst>
                     <a:ext uri="{9D8B030D-6E8A-4147-A177-3AD203B41FA5}">
-                      <a16:colId xmlns:a16="http://schemas.microsoft.com/office/drawing/2014/main" val="1657204703"/>
+                      <a16:colId xmlns:a16="http://schemas.microsoft.com/office/drawing/2014/main" xmlns="" val="1657204703"/>
                     </a:ext>
                   </a:extLst>
                 </a:gridCol>
                 <a:gridCol w="7325360">
                   <a:extLst>
                     <a:ext uri="{9D8B030D-6E8A-4147-A177-3AD203B41FA5}">
-                      <a16:colId xmlns:a16="http://schemas.microsoft.com/office/drawing/2014/main" val="3305165988"/>
+                      <a16:colId xmlns:a16="http://schemas.microsoft.com/office/drawing/2014/main" xmlns="" val="3305165988"/>
                     </a:ext>
                   </a:extLst>
                 </a:gridCol>
@@ -8606,7 +9534,6 @@
                         <a:rPr lang="es-ES" dirty="0" smtClean="0"/>
                         <a:t> (entero)</a:t>
                       </a:r>
-                      <a:endParaRPr lang="es-ES" dirty="0" smtClean="0"/>
                     </a:p>
                     <a:p>
                       <a:r>
@@ -8621,7 +9548,6 @@
                         <a:rPr lang="es-ES" dirty="0" smtClean="0"/>
                         <a:t> (entero)</a:t>
                       </a:r>
-                      <a:endParaRPr lang="es-ES" dirty="0" smtClean="0"/>
                     </a:p>
                     <a:p>
                       <a:r>
@@ -8636,7 +9562,6 @@
                         <a:rPr lang="es-ES" dirty="0" smtClean="0"/>
                         <a:t> (entero)</a:t>
                       </a:r>
-                      <a:endParaRPr lang="es-ES" dirty="0" smtClean="0"/>
                     </a:p>
                   </a:txBody>
                   <a:tcPr/>
@@ -8663,7 +9588,7 @@
                 </a:tc>
                 <a:extLst>
                   <a:ext uri="{0D108BD9-81ED-4DB2-BD59-A6C34878D82A}">
-                    <a16:rowId xmlns:a16="http://schemas.microsoft.com/office/drawing/2014/main" val="1190365663"/>
+                    <a16:rowId xmlns:a16="http://schemas.microsoft.com/office/drawing/2014/main" xmlns="" val="1190365663"/>
                   </a:ext>
                 </a:extLst>
               </a:tr>
@@ -8712,7 +9637,7 @@
                 </a:tc>
                 <a:extLst>
                   <a:ext uri="{0D108BD9-81ED-4DB2-BD59-A6C34878D82A}">
-                    <a16:rowId xmlns:a16="http://schemas.microsoft.com/office/drawing/2014/main" val="1730090890"/>
+                    <a16:rowId xmlns:a16="http://schemas.microsoft.com/office/drawing/2014/main" xmlns="" val="1730090890"/>
                   </a:ext>
                 </a:extLst>
               </a:tr>
@@ -8761,7 +9686,7 @@
                 </a:tc>
                 <a:extLst>
                   <a:ext uri="{0D108BD9-81ED-4DB2-BD59-A6C34878D82A}">
-                    <a16:rowId xmlns:a16="http://schemas.microsoft.com/office/drawing/2014/main" val="1626348320"/>
+                    <a16:rowId xmlns:a16="http://schemas.microsoft.com/office/drawing/2014/main" xmlns="" val="1626348320"/>
                   </a:ext>
                 </a:extLst>
               </a:tr>
@@ -8822,7 +9747,7 @@
                 </a:tc>
                 <a:extLst>
                   <a:ext uri="{0D108BD9-81ED-4DB2-BD59-A6C34878D82A}">
-                    <a16:rowId xmlns:a16="http://schemas.microsoft.com/office/drawing/2014/main" val="2554951521"/>
+                    <a16:rowId xmlns:a16="http://schemas.microsoft.com/office/drawing/2014/main" xmlns="" val="2554951521"/>
                   </a:ext>
                 </a:extLst>
               </a:tr>
@@ -8867,7 +9792,7 @@
                 </a:tc>
                 <a:extLst>
                   <a:ext uri="{0D108BD9-81ED-4DB2-BD59-A6C34878D82A}">
-                    <a16:rowId xmlns:a16="http://schemas.microsoft.com/office/drawing/2014/main" val="1427695710"/>
+                    <a16:rowId xmlns:a16="http://schemas.microsoft.com/office/drawing/2014/main" xmlns="" val="1427695710"/>
                   </a:ext>
                 </a:extLst>
               </a:tr>
@@ -8920,7 +9845,7 @@
                 </a:tc>
                 <a:extLst>
                   <a:ext uri="{0D108BD9-81ED-4DB2-BD59-A6C34878D82A}">
-                    <a16:rowId xmlns:a16="http://schemas.microsoft.com/office/drawing/2014/main" val="1009187632"/>
+                    <a16:rowId xmlns:a16="http://schemas.microsoft.com/office/drawing/2014/main" xmlns="" val="1009187632"/>
                   </a:ext>
                 </a:extLst>
               </a:tr>
@@ -8965,7 +9890,7 @@
                 </a:tc>
                 <a:extLst>
                   <a:ext uri="{0D108BD9-81ED-4DB2-BD59-A6C34878D82A}">
-                    <a16:rowId xmlns:a16="http://schemas.microsoft.com/office/drawing/2014/main" val="993100956"/>
+                    <a16:rowId xmlns:a16="http://schemas.microsoft.com/office/drawing/2014/main" xmlns="" val="993100956"/>
                   </a:ext>
                 </a:extLst>
               </a:tr>
@@ -9010,7 +9935,7 @@
                 </a:tc>
                 <a:extLst>
                   <a:ext uri="{0D108BD9-81ED-4DB2-BD59-A6C34878D82A}">
-                    <a16:rowId xmlns:a16="http://schemas.microsoft.com/office/drawing/2014/main" val="3588268998"/>
+                    <a16:rowId xmlns:a16="http://schemas.microsoft.com/office/drawing/2014/main" xmlns="" val="3588268998"/>
                   </a:ext>
                 </a:extLst>
               </a:tr>
@@ -9198,42 +10123,42 @@
                 <a:gridCol w="1354667">
                   <a:extLst>
                     <a:ext uri="{9D8B030D-6E8A-4147-A177-3AD203B41FA5}">
-                      <a16:colId xmlns:a16="http://schemas.microsoft.com/office/drawing/2014/main" val="4031248115"/>
+                      <a16:colId xmlns:a16="http://schemas.microsoft.com/office/drawing/2014/main" xmlns="" val="4031248115"/>
                     </a:ext>
                   </a:extLst>
                 </a:gridCol>
                 <a:gridCol w="1354667">
                   <a:extLst>
                     <a:ext uri="{9D8B030D-6E8A-4147-A177-3AD203B41FA5}">
-                      <a16:colId xmlns:a16="http://schemas.microsoft.com/office/drawing/2014/main" val="220679877"/>
+                      <a16:colId xmlns:a16="http://schemas.microsoft.com/office/drawing/2014/main" xmlns="" val="220679877"/>
                     </a:ext>
                   </a:extLst>
                 </a:gridCol>
                 <a:gridCol w="1354667">
                   <a:extLst>
                     <a:ext uri="{9D8B030D-6E8A-4147-A177-3AD203B41FA5}">
-                      <a16:colId xmlns:a16="http://schemas.microsoft.com/office/drawing/2014/main" val="2773510325"/>
+                      <a16:colId xmlns:a16="http://schemas.microsoft.com/office/drawing/2014/main" xmlns="" val="2773510325"/>
                     </a:ext>
                   </a:extLst>
                 </a:gridCol>
                 <a:gridCol w="1354667">
                   <a:extLst>
                     <a:ext uri="{9D8B030D-6E8A-4147-A177-3AD203B41FA5}">
-                      <a16:colId xmlns:a16="http://schemas.microsoft.com/office/drawing/2014/main" val="269533158"/>
+                      <a16:colId xmlns:a16="http://schemas.microsoft.com/office/drawing/2014/main" xmlns="" val="269533158"/>
                     </a:ext>
                   </a:extLst>
                 </a:gridCol>
                 <a:gridCol w="1354667">
                   <a:extLst>
                     <a:ext uri="{9D8B030D-6E8A-4147-A177-3AD203B41FA5}">
-                      <a16:colId xmlns:a16="http://schemas.microsoft.com/office/drawing/2014/main" val="4000846733"/>
+                      <a16:colId xmlns:a16="http://schemas.microsoft.com/office/drawing/2014/main" xmlns="" val="4000846733"/>
                     </a:ext>
                   </a:extLst>
                 </a:gridCol>
                 <a:gridCol w="1354667">
                   <a:extLst>
                     <a:ext uri="{9D8B030D-6E8A-4147-A177-3AD203B41FA5}">
-                      <a16:colId xmlns:a16="http://schemas.microsoft.com/office/drawing/2014/main" val="465695325"/>
+                      <a16:colId xmlns:a16="http://schemas.microsoft.com/office/drawing/2014/main" xmlns="" val="465695325"/>
                     </a:ext>
                   </a:extLst>
                 </a:gridCol>
@@ -9321,7 +10246,7 @@
                 </a:tc>
                 <a:extLst>
                   <a:ext uri="{0D108BD9-81ED-4DB2-BD59-A6C34878D82A}">
-                    <a16:rowId xmlns:a16="http://schemas.microsoft.com/office/drawing/2014/main" val="1848507414"/>
+                    <a16:rowId xmlns:a16="http://schemas.microsoft.com/office/drawing/2014/main" xmlns="" val="1848507414"/>
                   </a:ext>
                 </a:extLst>
               </a:tr>
@@ -9411,7 +10336,7 @@
                 </a:tc>
                 <a:extLst>
                   <a:ext uri="{0D108BD9-81ED-4DB2-BD59-A6C34878D82A}">
-                    <a16:rowId xmlns:a16="http://schemas.microsoft.com/office/drawing/2014/main" val="3575386969"/>
+                    <a16:rowId xmlns:a16="http://schemas.microsoft.com/office/drawing/2014/main" xmlns="" val="3575386969"/>
                   </a:ext>
                 </a:extLst>
               </a:tr>
@@ -9505,7 +10430,7 @@
                 </a:tc>
                 <a:extLst>
                   <a:ext uri="{0D108BD9-81ED-4DB2-BD59-A6C34878D82A}">
-                    <a16:rowId xmlns:a16="http://schemas.microsoft.com/office/drawing/2014/main" val="4209900852"/>
+                    <a16:rowId xmlns:a16="http://schemas.microsoft.com/office/drawing/2014/main" xmlns="" val="4209900852"/>
                   </a:ext>
                 </a:extLst>
               </a:tr>
@@ -9591,7 +10516,7 @@
                 </a:tc>
                 <a:extLst>
                   <a:ext uri="{0D108BD9-81ED-4DB2-BD59-A6C34878D82A}">
-                    <a16:rowId xmlns:a16="http://schemas.microsoft.com/office/drawing/2014/main" val="2009515904"/>
+                    <a16:rowId xmlns:a16="http://schemas.microsoft.com/office/drawing/2014/main" xmlns="" val="2009515904"/>
                   </a:ext>
                 </a:extLst>
               </a:tr>
@@ -9702,7 +10627,7 @@
                 </a:tc>
                 <a:extLst>
                   <a:ext uri="{0D108BD9-81ED-4DB2-BD59-A6C34878D82A}">
-                    <a16:rowId xmlns:a16="http://schemas.microsoft.com/office/drawing/2014/main" val="3195264674"/>
+                    <a16:rowId xmlns:a16="http://schemas.microsoft.com/office/drawing/2014/main" xmlns="" val="3195264674"/>
                   </a:ext>
                 </a:extLst>
               </a:tr>
@@ -9738,42 +10663,42 @@
                 <a:gridCol w="1354667">
                   <a:extLst>
                     <a:ext uri="{9D8B030D-6E8A-4147-A177-3AD203B41FA5}">
-                      <a16:colId xmlns:a16="http://schemas.microsoft.com/office/drawing/2014/main" val="4031248115"/>
+                      <a16:colId xmlns:a16="http://schemas.microsoft.com/office/drawing/2014/main" xmlns="" val="4031248115"/>
                     </a:ext>
                   </a:extLst>
                 </a:gridCol>
                 <a:gridCol w="1354667">
                   <a:extLst>
                     <a:ext uri="{9D8B030D-6E8A-4147-A177-3AD203B41FA5}">
-                      <a16:colId xmlns:a16="http://schemas.microsoft.com/office/drawing/2014/main" val="220679877"/>
+                      <a16:colId xmlns:a16="http://schemas.microsoft.com/office/drawing/2014/main" xmlns="" val="220679877"/>
                     </a:ext>
                   </a:extLst>
                 </a:gridCol>
                 <a:gridCol w="1354667">
                   <a:extLst>
                     <a:ext uri="{9D8B030D-6E8A-4147-A177-3AD203B41FA5}">
-                      <a16:colId xmlns:a16="http://schemas.microsoft.com/office/drawing/2014/main" val="2773510325"/>
+                      <a16:colId xmlns:a16="http://schemas.microsoft.com/office/drawing/2014/main" xmlns="" val="2773510325"/>
                     </a:ext>
                   </a:extLst>
                 </a:gridCol>
                 <a:gridCol w="1354667">
                   <a:extLst>
                     <a:ext uri="{9D8B030D-6E8A-4147-A177-3AD203B41FA5}">
-                      <a16:colId xmlns:a16="http://schemas.microsoft.com/office/drawing/2014/main" val="269533158"/>
+                      <a16:colId xmlns:a16="http://schemas.microsoft.com/office/drawing/2014/main" xmlns="" val="269533158"/>
                     </a:ext>
                   </a:extLst>
                 </a:gridCol>
                 <a:gridCol w="1354667">
                   <a:extLst>
                     <a:ext uri="{9D8B030D-6E8A-4147-A177-3AD203B41FA5}">
-                      <a16:colId xmlns:a16="http://schemas.microsoft.com/office/drawing/2014/main" val="4000846733"/>
+                      <a16:colId xmlns:a16="http://schemas.microsoft.com/office/drawing/2014/main" xmlns="" val="4000846733"/>
                     </a:ext>
                   </a:extLst>
                 </a:gridCol>
                 <a:gridCol w="1354667">
                   <a:extLst>
                     <a:ext uri="{9D8B030D-6E8A-4147-A177-3AD203B41FA5}">
-                      <a16:colId xmlns:a16="http://schemas.microsoft.com/office/drawing/2014/main" val="465695325"/>
+                      <a16:colId xmlns:a16="http://schemas.microsoft.com/office/drawing/2014/main" xmlns="" val="465695325"/>
                     </a:ext>
                   </a:extLst>
                 </a:gridCol>
@@ -9861,7 +10786,7 @@
                 </a:tc>
                 <a:extLst>
                   <a:ext uri="{0D108BD9-81ED-4DB2-BD59-A6C34878D82A}">
-                    <a16:rowId xmlns:a16="http://schemas.microsoft.com/office/drawing/2014/main" val="1848507414"/>
+                    <a16:rowId xmlns:a16="http://schemas.microsoft.com/office/drawing/2014/main" xmlns="" val="1848507414"/>
                   </a:ext>
                 </a:extLst>
               </a:tr>
@@ -9951,7 +10876,7 @@
                 </a:tc>
                 <a:extLst>
                   <a:ext uri="{0D108BD9-81ED-4DB2-BD59-A6C34878D82A}">
-                    <a16:rowId xmlns:a16="http://schemas.microsoft.com/office/drawing/2014/main" val="3575386969"/>
+                    <a16:rowId xmlns:a16="http://schemas.microsoft.com/office/drawing/2014/main" xmlns="" val="3575386969"/>
                   </a:ext>
                 </a:extLst>
               </a:tr>
@@ -10045,7 +10970,7 @@
                 </a:tc>
                 <a:extLst>
                   <a:ext uri="{0D108BD9-81ED-4DB2-BD59-A6C34878D82A}">
-                    <a16:rowId xmlns:a16="http://schemas.microsoft.com/office/drawing/2014/main" val="4209900852"/>
+                    <a16:rowId xmlns:a16="http://schemas.microsoft.com/office/drawing/2014/main" xmlns="" val="4209900852"/>
                   </a:ext>
                 </a:extLst>
               </a:tr>
@@ -10131,7 +11056,7 @@
                 </a:tc>
                 <a:extLst>
                   <a:ext uri="{0D108BD9-81ED-4DB2-BD59-A6C34878D82A}">
-                    <a16:rowId xmlns:a16="http://schemas.microsoft.com/office/drawing/2014/main" val="2009515904"/>
+                    <a16:rowId xmlns:a16="http://schemas.microsoft.com/office/drawing/2014/main" xmlns="" val="2009515904"/>
                   </a:ext>
                 </a:extLst>
               </a:tr>
@@ -10276,7 +11201,7 @@
                 </a:tc>
                 <a:extLst>
                   <a:ext uri="{0D108BD9-81ED-4DB2-BD59-A6C34878D82A}">
-                    <a16:rowId xmlns:a16="http://schemas.microsoft.com/office/drawing/2014/main" val="3195264674"/>
+                    <a16:rowId xmlns:a16="http://schemas.microsoft.com/office/drawing/2014/main" xmlns="" val="3195264674"/>
                   </a:ext>
                 </a:extLst>
               </a:tr>
@@ -10500,14 +11425,14 @@
                 <a:gridCol w="406400">
                   <a:extLst>
                     <a:ext uri="{9D8B030D-6E8A-4147-A177-3AD203B41FA5}">
-                      <a16:colId xmlns:a16="http://schemas.microsoft.com/office/drawing/2014/main" val="1801000517"/>
+                      <a16:colId xmlns:a16="http://schemas.microsoft.com/office/drawing/2014/main" xmlns="" val="1801000517"/>
                     </a:ext>
                   </a:extLst>
                 </a:gridCol>
                 <a:gridCol w="7701280">
                   <a:extLst>
                     <a:ext uri="{9D8B030D-6E8A-4147-A177-3AD203B41FA5}">
-                      <a16:colId xmlns:a16="http://schemas.microsoft.com/office/drawing/2014/main" val="1657204703"/>
+                      <a16:colId xmlns:a16="http://schemas.microsoft.com/office/drawing/2014/main" xmlns="" val="1657204703"/>
                     </a:ext>
                   </a:extLst>
                 </a:gridCol>
@@ -10528,11 +11453,7 @@
                       </a:r>
                       <a:r>
                         <a:rPr lang="es-ES" dirty="0" smtClean="0"/>
-                        <a:t> (arreglo</a:t>
-                      </a:r>
-                      <a:r>
-                        <a:rPr lang="es-ES" dirty="0" smtClean="0"/>
-                        <a:t>)</a:t>
+                        <a:t> (arreglo)</a:t>
                       </a:r>
                       <a:endParaRPr lang="es-ES" baseline="0" dirty="0" smtClean="0"/>
                     </a:p>
@@ -10551,7 +11472,7 @@
                 </a:tc>
                 <a:extLst>
                   <a:ext uri="{0D108BD9-81ED-4DB2-BD59-A6C34878D82A}">
-                    <a16:rowId xmlns:a16="http://schemas.microsoft.com/office/drawing/2014/main" val="1190365663"/>
+                    <a16:rowId xmlns:a16="http://schemas.microsoft.com/office/drawing/2014/main" xmlns="" val="1190365663"/>
                   </a:ext>
                 </a:extLst>
               </a:tr>
@@ -10590,7 +11511,7 @@
                 </a:tc>
                 <a:extLst>
                   <a:ext uri="{0D108BD9-81ED-4DB2-BD59-A6C34878D82A}">
-                    <a16:rowId xmlns:a16="http://schemas.microsoft.com/office/drawing/2014/main" val="1730090890"/>
+                    <a16:rowId xmlns:a16="http://schemas.microsoft.com/office/drawing/2014/main" xmlns="" val="1730090890"/>
                   </a:ext>
                 </a:extLst>
               </a:tr>
@@ -10657,7 +11578,7 @@
                 </a:tc>
                 <a:extLst>
                   <a:ext uri="{0D108BD9-81ED-4DB2-BD59-A6C34878D82A}">
-                    <a16:rowId xmlns:a16="http://schemas.microsoft.com/office/drawing/2014/main" val="1626348320"/>
+                    <a16:rowId xmlns:a16="http://schemas.microsoft.com/office/drawing/2014/main" xmlns="" val="1626348320"/>
                   </a:ext>
                 </a:extLst>
               </a:tr>
@@ -10707,7 +11628,7 @@
                 </a:tc>
                 <a:extLst>
                   <a:ext uri="{0D108BD9-81ED-4DB2-BD59-A6C34878D82A}">
-                    <a16:rowId xmlns:a16="http://schemas.microsoft.com/office/drawing/2014/main" val="993100956"/>
+                    <a16:rowId xmlns:a16="http://schemas.microsoft.com/office/drawing/2014/main" xmlns="" val="993100956"/>
                   </a:ext>
                 </a:extLst>
               </a:tr>
@@ -10754,7 +11675,7 @@
                 </a:tc>
                 <a:extLst>
                   <a:ext uri="{0D108BD9-81ED-4DB2-BD59-A6C34878D82A}">
-                    <a16:rowId xmlns:a16="http://schemas.microsoft.com/office/drawing/2014/main" val="3588268998"/>
+                    <a16:rowId xmlns:a16="http://schemas.microsoft.com/office/drawing/2014/main" xmlns="" val="3588268998"/>
                   </a:ext>
                 </a:extLst>
               </a:tr>
@@ -10793,7 +11714,7 @@
                 </a:tc>
                 <a:extLst>
                   <a:ext uri="{0D108BD9-81ED-4DB2-BD59-A6C34878D82A}">
-                    <a16:rowId xmlns:a16="http://schemas.microsoft.com/office/drawing/2014/main" val="2826695688"/>
+                    <a16:rowId xmlns:a16="http://schemas.microsoft.com/office/drawing/2014/main" xmlns="" val="2826695688"/>
                   </a:ext>
                 </a:extLst>
               </a:tr>
@@ -11400,28 +12321,28 @@
                 <a:gridCol w="406400">
                   <a:extLst>
                     <a:ext uri="{9D8B030D-6E8A-4147-A177-3AD203B41FA5}">
-                      <a16:colId xmlns:a16="http://schemas.microsoft.com/office/drawing/2014/main" val="1801000517"/>
+                      <a16:colId xmlns:a16="http://schemas.microsoft.com/office/drawing/2014/main" xmlns="" val="1801000517"/>
                     </a:ext>
                   </a:extLst>
                 </a:gridCol>
                 <a:gridCol w="465328">
                   <a:extLst>
                     <a:ext uri="{9D8B030D-6E8A-4147-A177-3AD203B41FA5}">
-                      <a16:colId xmlns:a16="http://schemas.microsoft.com/office/drawing/2014/main" val="1657204703"/>
+                      <a16:colId xmlns:a16="http://schemas.microsoft.com/office/drawing/2014/main" xmlns="" val="1657204703"/>
                     </a:ext>
                   </a:extLst>
                 </a:gridCol>
                 <a:gridCol w="355600">
                   <a:extLst>
                     <a:ext uri="{9D8B030D-6E8A-4147-A177-3AD203B41FA5}">
-                      <a16:colId xmlns:a16="http://schemas.microsoft.com/office/drawing/2014/main" val="2374098939"/>
+                      <a16:colId xmlns:a16="http://schemas.microsoft.com/office/drawing/2014/main" xmlns="" val="2374098939"/>
                     </a:ext>
                   </a:extLst>
                 </a:gridCol>
                 <a:gridCol w="6880352">
                   <a:extLst>
                     <a:ext uri="{9D8B030D-6E8A-4147-A177-3AD203B41FA5}">
-                      <a16:colId xmlns:a16="http://schemas.microsoft.com/office/drawing/2014/main" val="76615332"/>
+                      <a16:colId xmlns:a16="http://schemas.microsoft.com/office/drawing/2014/main" xmlns="" val="76615332"/>
                     </a:ext>
                   </a:extLst>
                 </a:gridCol>
@@ -11479,7 +12400,7 @@
                 </a:tc>
                 <a:extLst>
                   <a:ext uri="{0D108BD9-81ED-4DB2-BD59-A6C34878D82A}">
-                    <a16:rowId xmlns:a16="http://schemas.microsoft.com/office/drawing/2014/main" val="1190365663"/>
+                    <a16:rowId xmlns:a16="http://schemas.microsoft.com/office/drawing/2014/main" xmlns="" val="1190365663"/>
                   </a:ext>
                 </a:extLst>
               </a:tr>
@@ -11538,7 +12459,7 @@
                 </a:tc>
                 <a:extLst>
                   <a:ext uri="{0D108BD9-81ED-4DB2-BD59-A6C34878D82A}">
-                    <a16:rowId xmlns:a16="http://schemas.microsoft.com/office/drawing/2014/main" val="1730090890"/>
+                    <a16:rowId xmlns:a16="http://schemas.microsoft.com/office/drawing/2014/main" xmlns="" val="1730090890"/>
                   </a:ext>
                 </a:extLst>
               </a:tr>
@@ -11610,7 +12531,7 @@
                 </a:tc>
                 <a:extLst>
                   <a:ext uri="{0D108BD9-81ED-4DB2-BD59-A6C34878D82A}">
-                    <a16:rowId xmlns:a16="http://schemas.microsoft.com/office/drawing/2014/main" val="1626348320"/>
+                    <a16:rowId xmlns:a16="http://schemas.microsoft.com/office/drawing/2014/main" xmlns="" val="1626348320"/>
                   </a:ext>
                 </a:extLst>
               </a:tr>
@@ -11686,7 +12607,7 @@
                 </a:tc>
                 <a:extLst>
                   <a:ext uri="{0D108BD9-81ED-4DB2-BD59-A6C34878D82A}">
-                    <a16:rowId xmlns:a16="http://schemas.microsoft.com/office/drawing/2014/main" val="993100956"/>
+                    <a16:rowId xmlns:a16="http://schemas.microsoft.com/office/drawing/2014/main" xmlns="" val="993100956"/>
                   </a:ext>
                 </a:extLst>
               </a:tr>
@@ -11749,7 +12670,7 @@
                 </a:tc>
                 <a:extLst>
                   <a:ext uri="{0D108BD9-81ED-4DB2-BD59-A6C34878D82A}">
-                    <a16:rowId xmlns:a16="http://schemas.microsoft.com/office/drawing/2014/main" val="3588268998"/>
+                    <a16:rowId xmlns:a16="http://schemas.microsoft.com/office/drawing/2014/main" xmlns="" val="3588268998"/>
                   </a:ext>
                 </a:extLst>
               </a:tr>
@@ -11804,7 +12725,7 @@
                 </a:tc>
                 <a:extLst>
                   <a:ext uri="{0D108BD9-81ED-4DB2-BD59-A6C34878D82A}">
-                    <a16:rowId xmlns:a16="http://schemas.microsoft.com/office/drawing/2014/main" val="2137013417"/>
+                    <a16:rowId xmlns:a16="http://schemas.microsoft.com/office/drawing/2014/main" xmlns="" val="2137013417"/>
                   </a:ext>
                 </a:extLst>
               </a:tr>
@@ -11859,7 +12780,7 @@
                 </a:tc>
                 <a:extLst>
                   <a:ext uri="{0D108BD9-81ED-4DB2-BD59-A6C34878D82A}">
-                    <a16:rowId xmlns:a16="http://schemas.microsoft.com/office/drawing/2014/main" val="3367745634"/>
+                    <a16:rowId xmlns:a16="http://schemas.microsoft.com/office/drawing/2014/main" xmlns="" val="3367745634"/>
                   </a:ext>
                 </a:extLst>
               </a:tr>
@@ -11914,7 +12835,7 @@
                 </a:tc>
                 <a:extLst>
                   <a:ext uri="{0D108BD9-81ED-4DB2-BD59-A6C34878D82A}">
-                    <a16:rowId xmlns:a16="http://schemas.microsoft.com/office/drawing/2014/main" val="2048022435"/>
+                    <a16:rowId xmlns:a16="http://schemas.microsoft.com/office/drawing/2014/main" xmlns="" val="2048022435"/>
                   </a:ext>
                 </a:extLst>
               </a:tr>
@@ -11973,7 +12894,7 @@
                 </a:tc>
                 <a:extLst>
                   <a:ext uri="{0D108BD9-81ED-4DB2-BD59-A6C34878D82A}">
-                    <a16:rowId xmlns:a16="http://schemas.microsoft.com/office/drawing/2014/main" val="2826695688"/>
+                    <a16:rowId xmlns:a16="http://schemas.microsoft.com/office/drawing/2014/main" xmlns="" val="2826695688"/>
                   </a:ext>
                 </a:extLst>
               </a:tr>
@@ -13390,4 +14311,256 @@
     </a:bgFillStyleLst>
   </a:fmtScheme>
 </a:themeOverride>
+</file>
+
+<file path=ppt/theme/themeOverride2.xml><?xml version="1.0" encoding="utf-8"?>
+<a:themeOverride xmlns:a="http://schemas.openxmlformats.org/drawingml/2006/main">
+  <a:clrScheme name="Office">
+    <a:dk1>
+      <a:sysClr val="windowText" lastClr="000000"/>
+    </a:dk1>
+    <a:lt1>
+      <a:sysClr val="window" lastClr="FFFFFF"/>
+    </a:lt1>
+    <a:dk2>
+      <a:srgbClr val="44546A"/>
+    </a:dk2>
+    <a:lt2>
+      <a:srgbClr val="E7E6E6"/>
+    </a:lt2>
+    <a:accent1>
+      <a:srgbClr val="5B9BD5"/>
+    </a:accent1>
+    <a:accent2>
+      <a:srgbClr val="ED7D31"/>
+    </a:accent2>
+    <a:accent3>
+      <a:srgbClr val="A5A5A5"/>
+    </a:accent3>
+    <a:accent4>
+      <a:srgbClr val="FFC000"/>
+    </a:accent4>
+    <a:accent5>
+      <a:srgbClr val="4472C4"/>
+    </a:accent5>
+    <a:accent6>
+      <a:srgbClr val="70AD47"/>
+    </a:accent6>
+    <a:hlink>
+      <a:srgbClr val="0563C1"/>
+    </a:hlink>
+    <a:folHlink>
+      <a:srgbClr val="954F72"/>
+    </a:folHlink>
+  </a:clrScheme>
+  <a:fontScheme name="Office">
+    <a:majorFont>
+      <a:latin typeface="Calibri Light" panose="020F0302020204030204"/>
+      <a:ea typeface=""/>
+      <a:cs typeface=""/>
+      <a:font script="Jpan" typeface="ＭＳ Ｐゴシック"/>
+      <a:font script="Hang" typeface="맑은 고딕"/>
+      <a:font script="Hans" typeface="宋体"/>
+      <a:font script="Hant" typeface="新細明體"/>
+      <a:font script="Arab" typeface="Times New Roman"/>
+      <a:font script="Hebr" typeface="Times New Roman"/>
+      <a:font script="Thai" typeface="Tahoma"/>
+      <a:font script="Ethi" typeface="Nyala"/>
+      <a:font script="Beng" typeface="Vrinda"/>
+      <a:font script="Gujr" typeface="Shruti"/>
+      <a:font script="Khmr" typeface="MoolBoran"/>
+      <a:font script="Knda" typeface="Tunga"/>
+      <a:font script="Guru" typeface="Raavi"/>
+      <a:font script="Cans" typeface="Euphemia"/>
+      <a:font script="Cher" typeface="Plantagenet Cherokee"/>
+      <a:font script="Yiii" typeface="Microsoft Yi Baiti"/>
+      <a:font script="Tibt" typeface="Microsoft Himalaya"/>
+      <a:font script="Thaa" typeface="MV Boli"/>
+      <a:font script="Deva" typeface="Mangal"/>
+      <a:font script="Telu" typeface="Gautami"/>
+      <a:font script="Taml" typeface="Latha"/>
+      <a:font script="Syrc" typeface="Estrangelo Edessa"/>
+      <a:font script="Orya" typeface="Kalinga"/>
+      <a:font script="Mlym" typeface="Kartika"/>
+      <a:font script="Laoo" typeface="DokChampa"/>
+      <a:font script="Sinh" typeface="Iskoola Pota"/>
+      <a:font script="Mong" typeface="Mongolian Baiti"/>
+      <a:font script="Viet" typeface="Times New Roman"/>
+      <a:font script="Uigh" typeface="Microsoft Uighur"/>
+      <a:font script="Geor" typeface="Sylfaen"/>
+    </a:majorFont>
+    <a:minorFont>
+      <a:latin typeface="Calibri" panose="020F0502020204030204"/>
+      <a:ea typeface=""/>
+      <a:cs typeface=""/>
+      <a:font script="Jpan" typeface="ＭＳ Ｐゴシック"/>
+      <a:font script="Hang" typeface="맑은 고딕"/>
+      <a:font script="Hans" typeface="宋体"/>
+      <a:font script="Hant" typeface="新細明體"/>
+      <a:font script="Arab" typeface="Arial"/>
+      <a:font script="Hebr" typeface="Arial"/>
+      <a:font script="Thai" typeface="Tahoma"/>
+      <a:font script="Ethi" typeface="Nyala"/>
+      <a:font script="Beng" typeface="Vrinda"/>
+      <a:font script="Gujr" typeface="Shruti"/>
+      <a:font script="Khmr" typeface="DaunPenh"/>
+      <a:font script="Knda" typeface="Tunga"/>
+      <a:font script="Guru" typeface="Raavi"/>
+      <a:font script="Cans" typeface="Euphemia"/>
+      <a:font script="Cher" typeface="Plantagenet Cherokee"/>
+      <a:font script="Yiii" typeface="Microsoft Yi Baiti"/>
+      <a:font script="Tibt" typeface="Microsoft Himalaya"/>
+      <a:font script="Thaa" typeface="MV Boli"/>
+      <a:font script="Deva" typeface="Mangal"/>
+      <a:font script="Telu" typeface="Gautami"/>
+      <a:font script="Taml" typeface="Latha"/>
+      <a:font script="Syrc" typeface="Estrangelo Edessa"/>
+      <a:font script="Orya" typeface="Kalinga"/>
+      <a:font script="Mlym" typeface="Kartika"/>
+      <a:font script="Laoo" typeface="DokChampa"/>
+      <a:font script="Sinh" typeface="Iskoola Pota"/>
+      <a:font script="Mong" typeface="Mongolian Baiti"/>
+      <a:font script="Viet" typeface="Arial"/>
+      <a:font script="Uigh" typeface="Microsoft Uighur"/>
+      <a:font script="Geor" typeface="Sylfaen"/>
+    </a:minorFont>
+  </a:fontScheme>
+  <a:fmtScheme name="Office">
+    <a:fillStyleLst>
+      <a:solidFill>
+        <a:schemeClr val="phClr"/>
+      </a:solidFill>
+      <a:gradFill rotWithShape="1">
+        <a:gsLst>
+          <a:gs pos="0">
+            <a:schemeClr val="phClr">
+              <a:lumMod val="110000"/>
+              <a:satMod val="105000"/>
+              <a:tint val="67000"/>
+            </a:schemeClr>
+          </a:gs>
+          <a:gs pos="50000">
+            <a:schemeClr val="phClr">
+              <a:lumMod val="105000"/>
+              <a:satMod val="103000"/>
+              <a:tint val="73000"/>
+            </a:schemeClr>
+          </a:gs>
+          <a:gs pos="100000">
+            <a:schemeClr val="phClr">
+              <a:lumMod val="105000"/>
+              <a:satMod val="109000"/>
+              <a:tint val="81000"/>
+            </a:schemeClr>
+          </a:gs>
+        </a:gsLst>
+        <a:lin ang="5400000" scaled="0"/>
+      </a:gradFill>
+      <a:gradFill rotWithShape="1">
+        <a:gsLst>
+          <a:gs pos="0">
+            <a:schemeClr val="phClr">
+              <a:satMod val="103000"/>
+              <a:lumMod val="102000"/>
+              <a:tint val="94000"/>
+            </a:schemeClr>
+          </a:gs>
+          <a:gs pos="50000">
+            <a:schemeClr val="phClr">
+              <a:satMod val="110000"/>
+              <a:lumMod val="100000"/>
+              <a:shade val="100000"/>
+            </a:schemeClr>
+          </a:gs>
+          <a:gs pos="100000">
+            <a:schemeClr val="phClr">
+              <a:lumMod val="99000"/>
+              <a:satMod val="120000"/>
+              <a:shade val="78000"/>
+            </a:schemeClr>
+          </a:gs>
+        </a:gsLst>
+        <a:lin ang="5400000" scaled="0"/>
+      </a:gradFill>
+    </a:fillStyleLst>
+    <a:lnStyleLst>
+      <a:ln w="6350" cap="flat" cmpd="sng" algn="ctr">
+        <a:solidFill>
+          <a:schemeClr val="phClr"/>
+        </a:solidFill>
+        <a:prstDash val="solid"/>
+        <a:miter lim="800000"/>
+      </a:ln>
+      <a:ln w="12700" cap="flat" cmpd="sng" algn="ctr">
+        <a:solidFill>
+          <a:schemeClr val="phClr"/>
+        </a:solidFill>
+        <a:prstDash val="solid"/>
+        <a:miter lim="800000"/>
+      </a:ln>
+      <a:ln w="19050" cap="flat" cmpd="sng" algn="ctr">
+        <a:solidFill>
+          <a:schemeClr val="phClr"/>
+        </a:solidFill>
+        <a:prstDash val="solid"/>
+        <a:miter lim="800000"/>
+      </a:ln>
+    </a:lnStyleLst>
+    <a:effectStyleLst>
+      <a:effectStyle>
+        <a:effectLst/>
+      </a:effectStyle>
+      <a:effectStyle>
+        <a:effectLst/>
+      </a:effectStyle>
+      <a:effectStyle>
+        <a:effectLst>
+          <a:outerShdw blurRad="57150" dist="19050" dir="5400000" algn="ctr" rotWithShape="0">
+            <a:srgbClr val="000000">
+              <a:alpha val="63000"/>
+            </a:srgbClr>
+          </a:outerShdw>
+        </a:effectLst>
+      </a:effectStyle>
+    </a:effectStyleLst>
+    <a:bgFillStyleLst>
+      <a:solidFill>
+        <a:schemeClr val="phClr"/>
+      </a:solidFill>
+      <a:solidFill>
+        <a:schemeClr val="phClr">
+          <a:tint val="95000"/>
+          <a:satMod val="170000"/>
+        </a:schemeClr>
+      </a:solidFill>
+      <a:gradFill rotWithShape="1">
+        <a:gsLst>
+          <a:gs pos="0">
+            <a:schemeClr val="phClr">
+              <a:tint val="93000"/>
+              <a:satMod val="150000"/>
+              <a:shade val="98000"/>
+              <a:lumMod val="102000"/>
+            </a:schemeClr>
+          </a:gs>
+          <a:gs pos="50000">
+            <a:schemeClr val="phClr">
+              <a:tint val="98000"/>
+              <a:satMod val="130000"/>
+              <a:shade val="90000"/>
+              <a:lumMod val="103000"/>
+            </a:schemeClr>
+          </a:gs>
+          <a:gs pos="100000">
+            <a:schemeClr val="phClr">
+              <a:shade val="63000"/>
+              <a:satMod val="120000"/>
+            </a:schemeClr>
+          </a:gs>
+        </a:gsLst>
+        <a:lin ang="5400000" scaled="0"/>
+      </a:gradFill>
+    </a:bgFillStyleLst>
+  </a:fmtScheme>
+</a:themeOverride>
 </file>
--- a/ppt/MH_Laura_Javier T2.pptx
+++ b/ppt/MH_Laura_Javier T2.pptx
@@ -415,11 +415,11 @@
         </c:dLbls>
         <c:gapWidth val="219"/>
         <c:overlap val="-27"/>
-        <c:axId val="391728888"/>
-        <c:axId val="391733592"/>
+        <c:axId val="299487216"/>
+        <c:axId val="299494664"/>
       </c:barChart>
       <c:catAx>
-        <c:axId val="391728888"/>
+        <c:axId val="299487216"/>
         <c:scaling>
           <c:orientation val="minMax"/>
         </c:scaling>
@@ -462,7 +462,7 @@
             <a:endParaRPr lang="es-ES"/>
           </a:p>
         </c:txPr>
-        <c:crossAx val="391733592"/>
+        <c:crossAx val="299494664"/>
         <c:crosses val="autoZero"/>
         <c:auto val="1"/>
         <c:lblAlgn val="ctr"/>
@@ -470,7 +470,7 @@
         <c:noMultiLvlLbl val="0"/>
       </c:catAx>
       <c:valAx>
-        <c:axId val="391733592"/>
+        <c:axId val="299494664"/>
         <c:scaling>
           <c:orientation val="minMax"/>
         </c:scaling>
@@ -521,7 +521,7 @@
             <a:endParaRPr lang="es-ES"/>
           </a:p>
         </c:txPr>
-        <c:crossAx val="391728888"/>
+        <c:crossAx val="299487216"/>
         <c:crosses val="autoZero"/>
         <c:crossBetween val="between"/>
       </c:valAx>
@@ -535,7 +535,6 @@
     </c:plotArea>
     <c:legend>
       <c:legendPos val="b"/>
-      <c:layout/>
       <c:overlay val="0"/>
       <c:spPr>
         <a:noFill/>
@@ -755,12 +754,12 @@
         </c:dLbls>
         <c:gapWidth val="150"/>
         <c:shape val="box"/>
-        <c:axId val="435717880"/>
-        <c:axId val="435718664"/>
+        <c:axId val="284805056"/>
+        <c:axId val="284810576"/>
         <c:axId val="0"/>
       </c:bar3DChart>
       <c:catAx>
-        <c:axId val="435717880"/>
+        <c:axId val="284805056"/>
         <c:scaling>
           <c:orientation val="minMax"/>
         </c:scaling>
@@ -797,7 +796,7 @@
             <a:endParaRPr lang="es-ES"/>
           </a:p>
         </c:txPr>
-        <c:crossAx val="435718664"/>
+        <c:crossAx val="284810576"/>
         <c:crosses val="autoZero"/>
         <c:auto val="1"/>
         <c:lblAlgn val="ctr"/>
@@ -805,7 +804,7 @@
         <c:noMultiLvlLbl val="0"/>
       </c:catAx>
       <c:valAx>
-        <c:axId val="435718664"/>
+        <c:axId val="284810576"/>
         <c:scaling>
           <c:orientation val="minMax"/>
         </c:scaling>
@@ -856,7 +855,7 @@
             <a:endParaRPr lang="es-ES"/>
           </a:p>
         </c:txPr>
-        <c:crossAx val="435717880"/>
+        <c:crossAx val="284805056"/>
         <c:crosses val="autoZero"/>
         <c:crossBetween val="between"/>
       </c:valAx>
@@ -9487,21 +9486,21 @@
                 <a:gridCol w="406400">
                   <a:extLst>
                     <a:ext uri="{9D8B030D-6E8A-4147-A177-3AD203B41FA5}">
-                      <a16:colId xmlns:a16="http://schemas.microsoft.com/office/drawing/2014/main" xmlns="" val="1801000517"/>
+                      <a16:colId xmlns="" xmlns:a16="http://schemas.microsoft.com/office/drawing/2014/main" val="1801000517"/>
                     </a:ext>
                   </a:extLst>
                 </a:gridCol>
                 <a:gridCol w="375920">
                   <a:extLst>
                     <a:ext uri="{9D8B030D-6E8A-4147-A177-3AD203B41FA5}">
-                      <a16:colId xmlns:a16="http://schemas.microsoft.com/office/drawing/2014/main" xmlns="" val="1657204703"/>
+                      <a16:colId xmlns="" xmlns:a16="http://schemas.microsoft.com/office/drawing/2014/main" val="1657204703"/>
                     </a:ext>
                   </a:extLst>
                 </a:gridCol>
                 <a:gridCol w="7325360">
                   <a:extLst>
                     <a:ext uri="{9D8B030D-6E8A-4147-A177-3AD203B41FA5}">
-                      <a16:colId xmlns:a16="http://schemas.microsoft.com/office/drawing/2014/main" xmlns="" val="3305165988"/>
+                      <a16:colId xmlns="" xmlns:a16="http://schemas.microsoft.com/office/drawing/2014/main" val="3305165988"/>
                     </a:ext>
                   </a:extLst>
                 </a:gridCol>
@@ -9588,7 +9587,7 @@
                 </a:tc>
                 <a:extLst>
                   <a:ext uri="{0D108BD9-81ED-4DB2-BD59-A6C34878D82A}">
-                    <a16:rowId xmlns:a16="http://schemas.microsoft.com/office/drawing/2014/main" xmlns="" val="1190365663"/>
+                    <a16:rowId xmlns="" xmlns:a16="http://schemas.microsoft.com/office/drawing/2014/main" val="1190365663"/>
                   </a:ext>
                 </a:extLst>
               </a:tr>
@@ -9637,7 +9636,7 @@
                 </a:tc>
                 <a:extLst>
                   <a:ext uri="{0D108BD9-81ED-4DB2-BD59-A6C34878D82A}">
-                    <a16:rowId xmlns:a16="http://schemas.microsoft.com/office/drawing/2014/main" xmlns="" val="1730090890"/>
+                    <a16:rowId xmlns="" xmlns:a16="http://schemas.microsoft.com/office/drawing/2014/main" val="1730090890"/>
                   </a:ext>
                 </a:extLst>
               </a:tr>
@@ -9686,7 +9685,7 @@
                 </a:tc>
                 <a:extLst>
                   <a:ext uri="{0D108BD9-81ED-4DB2-BD59-A6C34878D82A}">
-                    <a16:rowId xmlns:a16="http://schemas.microsoft.com/office/drawing/2014/main" xmlns="" val="1626348320"/>
+                    <a16:rowId xmlns="" xmlns:a16="http://schemas.microsoft.com/office/drawing/2014/main" val="1626348320"/>
                   </a:ext>
                 </a:extLst>
               </a:tr>
@@ -9747,7 +9746,7 @@
                 </a:tc>
                 <a:extLst>
                   <a:ext uri="{0D108BD9-81ED-4DB2-BD59-A6C34878D82A}">
-                    <a16:rowId xmlns:a16="http://schemas.microsoft.com/office/drawing/2014/main" xmlns="" val="2554951521"/>
+                    <a16:rowId xmlns="" xmlns:a16="http://schemas.microsoft.com/office/drawing/2014/main" val="2554951521"/>
                   </a:ext>
                 </a:extLst>
               </a:tr>
@@ -9792,7 +9791,7 @@
                 </a:tc>
                 <a:extLst>
                   <a:ext uri="{0D108BD9-81ED-4DB2-BD59-A6C34878D82A}">
-                    <a16:rowId xmlns:a16="http://schemas.microsoft.com/office/drawing/2014/main" xmlns="" val="1427695710"/>
+                    <a16:rowId xmlns="" xmlns:a16="http://schemas.microsoft.com/office/drawing/2014/main" val="1427695710"/>
                   </a:ext>
                 </a:extLst>
               </a:tr>
@@ -9845,7 +9844,7 @@
                 </a:tc>
                 <a:extLst>
                   <a:ext uri="{0D108BD9-81ED-4DB2-BD59-A6C34878D82A}">
-                    <a16:rowId xmlns:a16="http://schemas.microsoft.com/office/drawing/2014/main" xmlns="" val="1009187632"/>
+                    <a16:rowId xmlns="" xmlns:a16="http://schemas.microsoft.com/office/drawing/2014/main" val="1009187632"/>
                   </a:ext>
                 </a:extLst>
               </a:tr>
@@ -9890,7 +9889,7 @@
                 </a:tc>
                 <a:extLst>
                   <a:ext uri="{0D108BD9-81ED-4DB2-BD59-A6C34878D82A}">
-                    <a16:rowId xmlns:a16="http://schemas.microsoft.com/office/drawing/2014/main" xmlns="" val="993100956"/>
+                    <a16:rowId xmlns="" xmlns:a16="http://schemas.microsoft.com/office/drawing/2014/main" val="993100956"/>
                   </a:ext>
                 </a:extLst>
               </a:tr>
@@ -9935,7 +9934,7 @@
                 </a:tc>
                 <a:extLst>
                   <a:ext uri="{0D108BD9-81ED-4DB2-BD59-A6C34878D82A}">
-                    <a16:rowId xmlns:a16="http://schemas.microsoft.com/office/drawing/2014/main" xmlns="" val="3588268998"/>
+                    <a16:rowId xmlns="" xmlns:a16="http://schemas.microsoft.com/office/drawing/2014/main" val="3588268998"/>
                   </a:ext>
                 </a:extLst>
               </a:tr>
@@ -10123,42 +10122,42 @@
                 <a:gridCol w="1354667">
                   <a:extLst>
                     <a:ext uri="{9D8B030D-6E8A-4147-A177-3AD203B41FA5}">
-                      <a16:colId xmlns:a16="http://schemas.microsoft.com/office/drawing/2014/main" xmlns="" val="4031248115"/>
+                      <a16:colId xmlns="" xmlns:a16="http://schemas.microsoft.com/office/drawing/2014/main" val="4031248115"/>
                     </a:ext>
                   </a:extLst>
                 </a:gridCol>
                 <a:gridCol w="1354667">
                   <a:extLst>
                     <a:ext uri="{9D8B030D-6E8A-4147-A177-3AD203B41FA5}">
-                      <a16:colId xmlns:a16="http://schemas.microsoft.com/office/drawing/2014/main" xmlns="" val="220679877"/>
+                      <a16:colId xmlns="" xmlns:a16="http://schemas.microsoft.com/office/drawing/2014/main" val="220679877"/>
                     </a:ext>
                   </a:extLst>
                 </a:gridCol>
                 <a:gridCol w="1354667">
                   <a:extLst>
                     <a:ext uri="{9D8B030D-6E8A-4147-A177-3AD203B41FA5}">
-                      <a16:colId xmlns:a16="http://schemas.microsoft.com/office/drawing/2014/main" xmlns="" val="2773510325"/>
+                      <a16:colId xmlns="" xmlns:a16="http://schemas.microsoft.com/office/drawing/2014/main" val="2773510325"/>
                     </a:ext>
                   </a:extLst>
                 </a:gridCol>
                 <a:gridCol w="1354667">
                   <a:extLst>
                     <a:ext uri="{9D8B030D-6E8A-4147-A177-3AD203B41FA5}">
-                      <a16:colId xmlns:a16="http://schemas.microsoft.com/office/drawing/2014/main" xmlns="" val="269533158"/>
+                      <a16:colId xmlns="" xmlns:a16="http://schemas.microsoft.com/office/drawing/2014/main" val="269533158"/>
                     </a:ext>
                   </a:extLst>
                 </a:gridCol>
                 <a:gridCol w="1354667">
                   <a:extLst>
                     <a:ext uri="{9D8B030D-6E8A-4147-A177-3AD203B41FA5}">
-                      <a16:colId xmlns:a16="http://schemas.microsoft.com/office/drawing/2014/main" xmlns="" val="4000846733"/>
+                      <a16:colId xmlns="" xmlns:a16="http://schemas.microsoft.com/office/drawing/2014/main" val="4000846733"/>
                     </a:ext>
                   </a:extLst>
                 </a:gridCol>
                 <a:gridCol w="1354667">
                   <a:extLst>
                     <a:ext uri="{9D8B030D-6E8A-4147-A177-3AD203B41FA5}">
-                      <a16:colId xmlns:a16="http://schemas.microsoft.com/office/drawing/2014/main" xmlns="" val="465695325"/>
+                      <a16:colId xmlns="" xmlns:a16="http://schemas.microsoft.com/office/drawing/2014/main" val="465695325"/>
                     </a:ext>
                   </a:extLst>
                 </a:gridCol>
@@ -10246,7 +10245,7 @@
                 </a:tc>
                 <a:extLst>
                   <a:ext uri="{0D108BD9-81ED-4DB2-BD59-A6C34878D82A}">
-                    <a16:rowId xmlns:a16="http://schemas.microsoft.com/office/drawing/2014/main" xmlns="" val="1848507414"/>
+                    <a16:rowId xmlns="" xmlns:a16="http://schemas.microsoft.com/office/drawing/2014/main" val="1848507414"/>
                   </a:ext>
                 </a:extLst>
               </a:tr>
@@ -10336,7 +10335,7 @@
                 </a:tc>
                 <a:extLst>
                   <a:ext uri="{0D108BD9-81ED-4DB2-BD59-A6C34878D82A}">
-                    <a16:rowId xmlns:a16="http://schemas.microsoft.com/office/drawing/2014/main" xmlns="" val="3575386969"/>
+                    <a16:rowId xmlns="" xmlns:a16="http://schemas.microsoft.com/office/drawing/2014/main" val="3575386969"/>
                   </a:ext>
                 </a:extLst>
               </a:tr>
@@ -10430,7 +10429,7 @@
                 </a:tc>
                 <a:extLst>
                   <a:ext uri="{0D108BD9-81ED-4DB2-BD59-A6C34878D82A}">
-                    <a16:rowId xmlns:a16="http://schemas.microsoft.com/office/drawing/2014/main" xmlns="" val="4209900852"/>
+                    <a16:rowId xmlns="" xmlns:a16="http://schemas.microsoft.com/office/drawing/2014/main" val="4209900852"/>
                   </a:ext>
                 </a:extLst>
               </a:tr>
@@ -10516,7 +10515,7 @@
                 </a:tc>
                 <a:extLst>
                   <a:ext uri="{0D108BD9-81ED-4DB2-BD59-A6C34878D82A}">
-                    <a16:rowId xmlns:a16="http://schemas.microsoft.com/office/drawing/2014/main" xmlns="" val="2009515904"/>
+                    <a16:rowId xmlns="" xmlns:a16="http://schemas.microsoft.com/office/drawing/2014/main" val="2009515904"/>
                   </a:ext>
                 </a:extLst>
               </a:tr>
@@ -10627,7 +10626,7 @@
                 </a:tc>
                 <a:extLst>
                   <a:ext uri="{0D108BD9-81ED-4DB2-BD59-A6C34878D82A}">
-                    <a16:rowId xmlns:a16="http://schemas.microsoft.com/office/drawing/2014/main" xmlns="" val="3195264674"/>
+                    <a16:rowId xmlns="" xmlns:a16="http://schemas.microsoft.com/office/drawing/2014/main" val="3195264674"/>
                   </a:ext>
                 </a:extLst>
               </a:tr>
@@ -10663,42 +10662,42 @@
                 <a:gridCol w="1354667">
                   <a:extLst>
                     <a:ext uri="{9D8B030D-6E8A-4147-A177-3AD203B41FA5}">
-                      <a16:colId xmlns:a16="http://schemas.microsoft.com/office/drawing/2014/main" xmlns="" val="4031248115"/>
+                      <a16:colId xmlns="" xmlns:a16="http://schemas.microsoft.com/office/drawing/2014/main" val="4031248115"/>
                     </a:ext>
                   </a:extLst>
                 </a:gridCol>
                 <a:gridCol w="1354667">
                   <a:extLst>
                     <a:ext uri="{9D8B030D-6E8A-4147-A177-3AD203B41FA5}">
-                      <a16:colId xmlns:a16="http://schemas.microsoft.com/office/drawing/2014/main" xmlns="" val="220679877"/>
+                      <a16:colId xmlns="" xmlns:a16="http://schemas.microsoft.com/office/drawing/2014/main" val="220679877"/>
                     </a:ext>
                   </a:extLst>
                 </a:gridCol>
                 <a:gridCol w="1354667">
                   <a:extLst>
                     <a:ext uri="{9D8B030D-6E8A-4147-A177-3AD203B41FA5}">
-                      <a16:colId xmlns:a16="http://schemas.microsoft.com/office/drawing/2014/main" xmlns="" val="2773510325"/>
+                      <a16:colId xmlns="" xmlns:a16="http://schemas.microsoft.com/office/drawing/2014/main" val="2773510325"/>
                     </a:ext>
                   </a:extLst>
                 </a:gridCol>
                 <a:gridCol w="1354667">
                   <a:extLst>
                     <a:ext uri="{9D8B030D-6E8A-4147-A177-3AD203B41FA5}">
-                      <a16:colId xmlns:a16="http://schemas.microsoft.com/office/drawing/2014/main" xmlns="" val="269533158"/>
+                      <a16:colId xmlns="" xmlns:a16="http://schemas.microsoft.com/office/drawing/2014/main" val="269533158"/>
                     </a:ext>
                   </a:extLst>
                 </a:gridCol>
                 <a:gridCol w="1354667">
                   <a:extLst>
                     <a:ext uri="{9D8B030D-6E8A-4147-A177-3AD203B41FA5}">
-                      <a16:colId xmlns:a16="http://schemas.microsoft.com/office/drawing/2014/main" xmlns="" val="4000846733"/>
+                      <a16:colId xmlns="" xmlns:a16="http://schemas.microsoft.com/office/drawing/2014/main" val="4000846733"/>
                     </a:ext>
                   </a:extLst>
                 </a:gridCol>
                 <a:gridCol w="1354667">
                   <a:extLst>
                     <a:ext uri="{9D8B030D-6E8A-4147-A177-3AD203B41FA5}">
-                      <a16:colId xmlns:a16="http://schemas.microsoft.com/office/drawing/2014/main" xmlns="" val="465695325"/>
+                      <a16:colId xmlns="" xmlns:a16="http://schemas.microsoft.com/office/drawing/2014/main" val="465695325"/>
                     </a:ext>
                   </a:extLst>
                 </a:gridCol>
@@ -10786,7 +10785,7 @@
                 </a:tc>
                 <a:extLst>
                   <a:ext uri="{0D108BD9-81ED-4DB2-BD59-A6C34878D82A}">
-                    <a16:rowId xmlns:a16="http://schemas.microsoft.com/office/drawing/2014/main" xmlns="" val="1848507414"/>
+                    <a16:rowId xmlns="" xmlns:a16="http://schemas.microsoft.com/office/drawing/2014/main" val="1848507414"/>
                   </a:ext>
                 </a:extLst>
               </a:tr>
@@ -10876,7 +10875,7 @@
                 </a:tc>
                 <a:extLst>
                   <a:ext uri="{0D108BD9-81ED-4DB2-BD59-A6C34878D82A}">
-                    <a16:rowId xmlns:a16="http://schemas.microsoft.com/office/drawing/2014/main" xmlns="" val="3575386969"/>
+                    <a16:rowId xmlns="" xmlns:a16="http://schemas.microsoft.com/office/drawing/2014/main" val="3575386969"/>
                   </a:ext>
                 </a:extLst>
               </a:tr>
@@ -10970,7 +10969,7 @@
                 </a:tc>
                 <a:extLst>
                   <a:ext uri="{0D108BD9-81ED-4DB2-BD59-A6C34878D82A}">
-                    <a16:rowId xmlns:a16="http://schemas.microsoft.com/office/drawing/2014/main" xmlns="" val="4209900852"/>
+                    <a16:rowId xmlns="" xmlns:a16="http://schemas.microsoft.com/office/drawing/2014/main" val="4209900852"/>
                   </a:ext>
                 </a:extLst>
               </a:tr>
@@ -11056,7 +11055,7 @@
                 </a:tc>
                 <a:extLst>
                   <a:ext uri="{0D108BD9-81ED-4DB2-BD59-A6C34878D82A}">
-                    <a16:rowId xmlns:a16="http://schemas.microsoft.com/office/drawing/2014/main" xmlns="" val="2009515904"/>
+                    <a16:rowId xmlns="" xmlns:a16="http://schemas.microsoft.com/office/drawing/2014/main" val="2009515904"/>
                   </a:ext>
                 </a:extLst>
               </a:tr>
@@ -11201,7 +11200,7 @@
                 </a:tc>
                 <a:extLst>
                   <a:ext uri="{0D108BD9-81ED-4DB2-BD59-A6C34878D82A}">
-                    <a16:rowId xmlns:a16="http://schemas.microsoft.com/office/drawing/2014/main" xmlns="" val="3195264674"/>
+                    <a16:rowId xmlns="" xmlns:a16="http://schemas.microsoft.com/office/drawing/2014/main" val="3195264674"/>
                   </a:ext>
                 </a:extLst>
               </a:tr>
@@ -11425,14 +11424,14 @@
                 <a:gridCol w="406400">
                   <a:extLst>
                     <a:ext uri="{9D8B030D-6E8A-4147-A177-3AD203B41FA5}">
-                      <a16:colId xmlns:a16="http://schemas.microsoft.com/office/drawing/2014/main" xmlns="" val="1801000517"/>
+                      <a16:colId xmlns="" xmlns:a16="http://schemas.microsoft.com/office/drawing/2014/main" val="1801000517"/>
                     </a:ext>
                   </a:extLst>
                 </a:gridCol>
                 <a:gridCol w="7701280">
                   <a:extLst>
                     <a:ext uri="{9D8B030D-6E8A-4147-A177-3AD203B41FA5}">
-                      <a16:colId xmlns:a16="http://schemas.microsoft.com/office/drawing/2014/main" xmlns="" val="1657204703"/>
+                      <a16:colId xmlns="" xmlns:a16="http://schemas.microsoft.com/office/drawing/2014/main" val="1657204703"/>
                     </a:ext>
                   </a:extLst>
                 </a:gridCol>
@@ -11472,7 +11471,7 @@
                 </a:tc>
                 <a:extLst>
                   <a:ext uri="{0D108BD9-81ED-4DB2-BD59-A6C34878D82A}">
-                    <a16:rowId xmlns:a16="http://schemas.microsoft.com/office/drawing/2014/main" xmlns="" val="1190365663"/>
+                    <a16:rowId xmlns="" xmlns:a16="http://schemas.microsoft.com/office/drawing/2014/main" val="1190365663"/>
                   </a:ext>
                 </a:extLst>
               </a:tr>
@@ -11511,7 +11510,7 @@
                 </a:tc>
                 <a:extLst>
                   <a:ext uri="{0D108BD9-81ED-4DB2-BD59-A6C34878D82A}">
-                    <a16:rowId xmlns:a16="http://schemas.microsoft.com/office/drawing/2014/main" xmlns="" val="1730090890"/>
+                    <a16:rowId xmlns="" xmlns:a16="http://schemas.microsoft.com/office/drawing/2014/main" val="1730090890"/>
                   </a:ext>
                 </a:extLst>
               </a:tr>
@@ -11578,7 +11577,7 @@
                 </a:tc>
                 <a:extLst>
                   <a:ext uri="{0D108BD9-81ED-4DB2-BD59-A6C34878D82A}">
-                    <a16:rowId xmlns:a16="http://schemas.microsoft.com/office/drawing/2014/main" xmlns="" val="1626348320"/>
+                    <a16:rowId xmlns="" xmlns:a16="http://schemas.microsoft.com/office/drawing/2014/main" val="1626348320"/>
                   </a:ext>
                 </a:extLst>
               </a:tr>
@@ -11628,7 +11627,7 @@
                 </a:tc>
                 <a:extLst>
                   <a:ext uri="{0D108BD9-81ED-4DB2-BD59-A6C34878D82A}">
-                    <a16:rowId xmlns:a16="http://schemas.microsoft.com/office/drawing/2014/main" xmlns="" val="993100956"/>
+                    <a16:rowId xmlns="" xmlns:a16="http://schemas.microsoft.com/office/drawing/2014/main" val="993100956"/>
                   </a:ext>
                 </a:extLst>
               </a:tr>
@@ -11675,7 +11674,7 @@
                 </a:tc>
                 <a:extLst>
                   <a:ext uri="{0D108BD9-81ED-4DB2-BD59-A6C34878D82A}">
-                    <a16:rowId xmlns:a16="http://schemas.microsoft.com/office/drawing/2014/main" xmlns="" val="3588268998"/>
+                    <a16:rowId xmlns="" xmlns:a16="http://schemas.microsoft.com/office/drawing/2014/main" val="3588268998"/>
                   </a:ext>
                 </a:extLst>
               </a:tr>
@@ -11714,7 +11713,7 @@
                 </a:tc>
                 <a:extLst>
                   <a:ext uri="{0D108BD9-81ED-4DB2-BD59-A6C34878D82A}">
-                    <a16:rowId xmlns:a16="http://schemas.microsoft.com/office/drawing/2014/main" xmlns="" val="2826695688"/>
+                    <a16:rowId xmlns="" xmlns:a16="http://schemas.microsoft.com/office/drawing/2014/main" val="2826695688"/>
                   </a:ext>
                 </a:extLst>
               </a:tr>
@@ -12321,28 +12320,28 @@
                 <a:gridCol w="406400">
                   <a:extLst>
                     <a:ext uri="{9D8B030D-6E8A-4147-A177-3AD203B41FA5}">
-                      <a16:colId xmlns:a16="http://schemas.microsoft.com/office/drawing/2014/main" xmlns="" val="1801000517"/>
+                      <a16:colId xmlns="" xmlns:a16="http://schemas.microsoft.com/office/drawing/2014/main" val="1801000517"/>
                     </a:ext>
                   </a:extLst>
                 </a:gridCol>
                 <a:gridCol w="465328">
                   <a:extLst>
                     <a:ext uri="{9D8B030D-6E8A-4147-A177-3AD203B41FA5}">
-                      <a16:colId xmlns:a16="http://schemas.microsoft.com/office/drawing/2014/main" xmlns="" val="1657204703"/>
+                      <a16:colId xmlns="" xmlns:a16="http://schemas.microsoft.com/office/drawing/2014/main" val="1657204703"/>
                     </a:ext>
                   </a:extLst>
                 </a:gridCol>
                 <a:gridCol w="355600">
                   <a:extLst>
                     <a:ext uri="{9D8B030D-6E8A-4147-A177-3AD203B41FA5}">
-                      <a16:colId xmlns:a16="http://schemas.microsoft.com/office/drawing/2014/main" xmlns="" val="2374098939"/>
+                      <a16:colId xmlns="" xmlns:a16="http://schemas.microsoft.com/office/drawing/2014/main" val="2374098939"/>
                     </a:ext>
                   </a:extLst>
                 </a:gridCol>
                 <a:gridCol w="6880352">
                   <a:extLst>
                     <a:ext uri="{9D8B030D-6E8A-4147-A177-3AD203B41FA5}">
-                      <a16:colId xmlns:a16="http://schemas.microsoft.com/office/drawing/2014/main" xmlns="" val="76615332"/>
+                      <a16:colId xmlns="" xmlns:a16="http://schemas.microsoft.com/office/drawing/2014/main" val="76615332"/>
                     </a:ext>
                   </a:extLst>
                 </a:gridCol>
@@ -12400,7 +12399,7 @@
                 </a:tc>
                 <a:extLst>
                   <a:ext uri="{0D108BD9-81ED-4DB2-BD59-A6C34878D82A}">
-                    <a16:rowId xmlns:a16="http://schemas.microsoft.com/office/drawing/2014/main" xmlns="" val="1190365663"/>
+                    <a16:rowId xmlns="" xmlns:a16="http://schemas.microsoft.com/office/drawing/2014/main" val="1190365663"/>
                   </a:ext>
                 </a:extLst>
               </a:tr>
@@ -12459,7 +12458,7 @@
                 </a:tc>
                 <a:extLst>
                   <a:ext uri="{0D108BD9-81ED-4DB2-BD59-A6C34878D82A}">
-                    <a16:rowId xmlns:a16="http://schemas.microsoft.com/office/drawing/2014/main" xmlns="" val="1730090890"/>
+                    <a16:rowId xmlns="" xmlns:a16="http://schemas.microsoft.com/office/drawing/2014/main" val="1730090890"/>
                   </a:ext>
                 </a:extLst>
               </a:tr>
@@ -12531,7 +12530,7 @@
                 </a:tc>
                 <a:extLst>
                   <a:ext uri="{0D108BD9-81ED-4DB2-BD59-A6C34878D82A}">
-                    <a16:rowId xmlns:a16="http://schemas.microsoft.com/office/drawing/2014/main" xmlns="" val="1626348320"/>
+                    <a16:rowId xmlns="" xmlns:a16="http://schemas.microsoft.com/office/drawing/2014/main" val="1626348320"/>
                   </a:ext>
                 </a:extLst>
               </a:tr>
@@ -12607,7 +12606,7 @@
                 </a:tc>
                 <a:extLst>
                   <a:ext uri="{0D108BD9-81ED-4DB2-BD59-A6C34878D82A}">
-                    <a16:rowId xmlns:a16="http://schemas.microsoft.com/office/drawing/2014/main" xmlns="" val="993100956"/>
+                    <a16:rowId xmlns="" xmlns:a16="http://schemas.microsoft.com/office/drawing/2014/main" val="993100956"/>
                   </a:ext>
                 </a:extLst>
               </a:tr>
@@ -12670,7 +12669,7 @@
                 </a:tc>
                 <a:extLst>
                   <a:ext uri="{0D108BD9-81ED-4DB2-BD59-A6C34878D82A}">
-                    <a16:rowId xmlns:a16="http://schemas.microsoft.com/office/drawing/2014/main" xmlns="" val="3588268998"/>
+                    <a16:rowId xmlns="" xmlns:a16="http://schemas.microsoft.com/office/drawing/2014/main" val="3588268998"/>
                   </a:ext>
                 </a:extLst>
               </a:tr>
@@ -12725,7 +12724,7 @@
                 </a:tc>
                 <a:extLst>
                   <a:ext uri="{0D108BD9-81ED-4DB2-BD59-A6C34878D82A}">
-                    <a16:rowId xmlns:a16="http://schemas.microsoft.com/office/drawing/2014/main" xmlns="" val="2137013417"/>
+                    <a16:rowId xmlns="" xmlns:a16="http://schemas.microsoft.com/office/drawing/2014/main" val="2137013417"/>
                   </a:ext>
                 </a:extLst>
               </a:tr>
@@ -12780,7 +12779,7 @@
                 </a:tc>
                 <a:extLst>
                   <a:ext uri="{0D108BD9-81ED-4DB2-BD59-A6C34878D82A}">
-                    <a16:rowId xmlns:a16="http://schemas.microsoft.com/office/drawing/2014/main" xmlns="" val="3367745634"/>
+                    <a16:rowId xmlns="" xmlns:a16="http://schemas.microsoft.com/office/drawing/2014/main" val="3367745634"/>
                   </a:ext>
                 </a:extLst>
               </a:tr>
@@ -12835,7 +12834,7 @@
                 </a:tc>
                 <a:extLst>
                   <a:ext uri="{0D108BD9-81ED-4DB2-BD59-A6C34878D82A}">
-                    <a16:rowId xmlns:a16="http://schemas.microsoft.com/office/drawing/2014/main" xmlns="" val="2048022435"/>
+                    <a16:rowId xmlns="" xmlns:a16="http://schemas.microsoft.com/office/drawing/2014/main" val="2048022435"/>
                   </a:ext>
                 </a:extLst>
               </a:tr>
@@ -12894,7 +12893,7 @@
                 </a:tc>
                 <a:extLst>
                   <a:ext uri="{0D108BD9-81ED-4DB2-BD59-A6C34878D82A}">
-                    <a16:rowId xmlns:a16="http://schemas.microsoft.com/office/drawing/2014/main" xmlns="" val="2826695688"/>
+                    <a16:rowId xmlns="" xmlns:a16="http://schemas.microsoft.com/office/drawing/2014/main" val="2826695688"/>
                   </a:ext>
                 </a:extLst>
               </a:tr>

--- a/ppt/MH_Laura_Javier T2.pptx
+++ b/ppt/MH_Laura_Javier T2.pptx
@@ -20,8 +20,8 @@
     <p:sldId id="275" r:id="rId11"/>
     <p:sldId id="268" r:id="rId12"/>
     <p:sldId id="269" r:id="rId13"/>
-    <p:sldId id="267" r:id="rId14"/>
-    <p:sldId id="279" r:id="rId15"/>
+    <p:sldId id="279" r:id="rId14"/>
+    <p:sldId id="267" r:id="rId15"/>
     <p:sldId id="271" r:id="rId16"/>
     <p:sldId id="278" r:id="rId17"/>
   </p:sldIdLst>
@@ -143,458 +143,9 @@
 </file>
 
 <file path=ppt/charts/chart1.xml><?xml version="1.0" encoding="utf-8"?>
-<c:chartSpace xmlns:c="http://schemas.openxmlformats.org/drawingml/2006/chart" xmlns:a="http://schemas.openxmlformats.org/drawingml/2006/main" xmlns:r="http://schemas.openxmlformats.org/officeDocument/2006/relationships">
+<c:chartSpace xmlns:c="http://schemas.openxmlformats.org/drawingml/2006/chart" xmlns:a="http://schemas.openxmlformats.org/drawingml/2006/main" xmlns:r="http://schemas.openxmlformats.org/officeDocument/2006/relationships" xmlns:c16r2="http://schemas.microsoft.com/office/drawing/2015/06/chart">
   <c:date1904 val="0"/>
-  <c:lang val="es-ES"/>
-  <c:roundedCorners val="0"/>
-  <mc:AlternateContent xmlns:mc="http://schemas.openxmlformats.org/markup-compatibility/2006">
-    <mc:Choice xmlns:c14="http://schemas.microsoft.com/office/drawing/2007/8/2/chart" Requires="c14">
-      <c14:style val="102"/>
-    </mc:Choice>
-    <mc:Fallback>
-      <c:style val="2"/>
-    </mc:Fallback>
-  </mc:AlternateContent>
-  <c:clrMapOvr bg1="lt1" tx1="dk1" bg2="lt2" tx2="dk2" accent1="accent1" accent2="accent2" accent3="accent3" accent4="accent4" accent5="accent5" accent6="accent6" hlink="hlink" folHlink="folHlink"/>
-  <c:chart>
-    <c:autoTitleDeleted val="1"/>
-    <c:plotArea>
-      <c:layout>
-        <c:manualLayout>
-          <c:layoutTarget val="inner"/>
-          <c:xMode val="edge"/>
-          <c:yMode val="edge"/>
-          <c:x val="3.1682352370861297E-2"/>
-          <c:y val="9.2861409796893682E-2"/>
-          <c:w val="0.93313734859659692"/>
-          <c:h val="0.75160279024261756"/>
-        </c:manualLayout>
-      </c:layout>
-      <c:barChart>
-        <c:barDir val="col"/>
-        <c:grouping val="clustered"/>
-        <c:varyColors val="0"/>
-        <c:ser>
-          <c:idx val="0"/>
-          <c:order val="0"/>
-          <c:tx>
-            <c:strRef>
-              <c:f>Hoja1!$D$7</c:f>
-              <c:strCache>
-                <c:ptCount val="1"/>
-                <c:pt idx="0">
-                  <c:v>STEP 0.1</c:v>
-                </c:pt>
-              </c:strCache>
-            </c:strRef>
-          </c:tx>
-          <c:spPr>
-            <a:solidFill>
-              <a:schemeClr val="accent1"/>
-            </a:solidFill>
-            <a:ln>
-              <a:noFill/>
-            </a:ln>
-            <a:effectLst/>
-          </c:spPr>
-          <c:invertIfNegative val="0"/>
-          <c:cat>
-            <c:strRef>
-              <c:f>Hoja1!$C$8:$C$12</c:f>
-              <c:strCache>
-                <c:ptCount val="5"/>
-                <c:pt idx="0">
-                  <c:v>Búsqueda Aleatoria</c:v>
-                </c:pt>
-                <c:pt idx="1">
-                  <c:v>Camino Aleatorio</c:v>
-                </c:pt>
-                <c:pt idx="2">
-                  <c:v>Escalador de Colinas</c:v>
-                </c:pt>
-                <c:pt idx="3">
-                  <c:v>Algoritmo Genético</c:v>
-                </c:pt>
-                <c:pt idx="4">
-                  <c:v>Estrategia Evolutiva</c:v>
-                </c:pt>
-              </c:strCache>
-            </c:strRef>
-          </c:cat>
-          <c:val>
-            <c:numRef>
-              <c:f>Hoja1!$D$8:$D$12</c:f>
-              <c:numCache>
-                <c:formatCode>General</c:formatCode>
-                <c:ptCount val="5"/>
-                <c:pt idx="0">
-                  <c:v>0.8</c:v>
-                </c:pt>
-                <c:pt idx="1">
-                  <c:v>0.59</c:v>
-                </c:pt>
-                <c:pt idx="2">
-                  <c:v>1.0900000000000001</c:v>
-                </c:pt>
-                <c:pt idx="3">
-                  <c:v>1.2</c:v>
-                </c:pt>
-                <c:pt idx="4">
-                  <c:v>0.59</c:v>
-                </c:pt>
-              </c:numCache>
-            </c:numRef>
-          </c:val>
-          <c:extLst xmlns:c16r2="http://schemas.microsoft.com/office/drawing/2015/06/chart">
-            <c:ext xmlns:c16="http://schemas.microsoft.com/office/drawing/2014/chart" uri="{C3380CC4-5D6E-409C-BE32-E72D297353CC}">
-              <c16:uniqueId val="{00000000-D186-4498-9989-EA998F9CE702}"/>
-            </c:ext>
-          </c:extLst>
-        </c:ser>
-        <c:ser>
-          <c:idx val="1"/>
-          <c:order val="1"/>
-          <c:tx>
-            <c:strRef>
-              <c:f>Hoja1!$E$7</c:f>
-              <c:strCache>
-                <c:ptCount val="1"/>
-                <c:pt idx="0">
-                  <c:v>STEP 0.2</c:v>
-                </c:pt>
-              </c:strCache>
-            </c:strRef>
-          </c:tx>
-          <c:spPr>
-            <a:solidFill>
-              <a:schemeClr val="accent2"/>
-            </a:solidFill>
-            <a:ln>
-              <a:noFill/>
-            </a:ln>
-            <a:effectLst/>
-          </c:spPr>
-          <c:invertIfNegative val="0"/>
-          <c:cat>
-            <c:strRef>
-              <c:f>Hoja1!$C$8:$C$12</c:f>
-              <c:strCache>
-                <c:ptCount val="5"/>
-                <c:pt idx="0">
-                  <c:v>Búsqueda Aleatoria</c:v>
-                </c:pt>
-                <c:pt idx="1">
-                  <c:v>Camino Aleatorio</c:v>
-                </c:pt>
-                <c:pt idx="2">
-                  <c:v>Escalador de Colinas</c:v>
-                </c:pt>
-                <c:pt idx="3">
-                  <c:v>Algoritmo Genético</c:v>
-                </c:pt>
-                <c:pt idx="4">
-                  <c:v>Estrategia Evolutiva</c:v>
-                </c:pt>
-              </c:strCache>
-            </c:strRef>
-          </c:cat>
-          <c:val>
-            <c:numRef>
-              <c:f>Hoja1!$E$8:$E$12</c:f>
-              <c:numCache>
-                <c:formatCode>General</c:formatCode>
-                <c:ptCount val="5"/>
-                <c:pt idx="0">
-                  <c:v>0.4</c:v>
-                </c:pt>
-                <c:pt idx="1">
-                  <c:v>0.59</c:v>
-                </c:pt>
-                <c:pt idx="2">
-                  <c:v>3.6</c:v>
-                </c:pt>
-                <c:pt idx="3">
-                  <c:v>3.6</c:v>
-                </c:pt>
-                <c:pt idx="4">
-                  <c:v>0.99</c:v>
-                </c:pt>
-              </c:numCache>
-            </c:numRef>
-          </c:val>
-          <c:extLst xmlns:c16r2="http://schemas.microsoft.com/office/drawing/2015/06/chart">
-            <c:ext xmlns:c16="http://schemas.microsoft.com/office/drawing/2014/chart" uri="{C3380CC4-5D6E-409C-BE32-E72D297353CC}">
-              <c16:uniqueId val="{00000001-D186-4498-9989-EA998F9CE702}"/>
-            </c:ext>
-          </c:extLst>
-        </c:ser>
-        <c:ser>
-          <c:idx val="2"/>
-          <c:order val="2"/>
-          <c:tx>
-            <c:strRef>
-              <c:f>Hoja1!$F$7</c:f>
-              <c:strCache>
-                <c:ptCount val="1"/>
-                <c:pt idx="0">
-                  <c:v>STEP 0.3</c:v>
-                </c:pt>
-              </c:strCache>
-            </c:strRef>
-          </c:tx>
-          <c:spPr>
-            <a:solidFill>
-              <a:schemeClr val="accent3"/>
-            </a:solidFill>
-            <a:ln>
-              <a:noFill/>
-            </a:ln>
-            <a:effectLst/>
-          </c:spPr>
-          <c:invertIfNegative val="0"/>
-          <c:cat>
-            <c:strRef>
-              <c:f>Hoja1!$C$8:$C$12</c:f>
-              <c:strCache>
-                <c:ptCount val="5"/>
-                <c:pt idx="0">
-                  <c:v>Búsqueda Aleatoria</c:v>
-                </c:pt>
-                <c:pt idx="1">
-                  <c:v>Camino Aleatorio</c:v>
-                </c:pt>
-                <c:pt idx="2">
-                  <c:v>Escalador de Colinas</c:v>
-                </c:pt>
-                <c:pt idx="3">
-                  <c:v>Algoritmo Genético</c:v>
-                </c:pt>
-                <c:pt idx="4">
-                  <c:v>Estrategia Evolutiva</c:v>
-                </c:pt>
-              </c:strCache>
-            </c:strRef>
-          </c:cat>
-          <c:val>
-            <c:numRef>
-              <c:f>Hoja1!$F$8:$F$12</c:f>
-              <c:numCache>
-                <c:formatCode>General</c:formatCode>
-                <c:ptCount val="5"/>
-                <c:pt idx="0">
-                  <c:v>0.89</c:v>
-                </c:pt>
-                <c:pt idx="1">
-                  <c:v>0.19</c:v>
-                </c:pt>
-                <c:pt idx="2">
-                  <c:v>7.2</c:v>
-                </c:pt>
-                <c:pt idx="3">
-                  <c:v>1.69</c:v>
-                </c:pt>
-                <c:pt idx="4">
-                  <c:v>0.9</c:v>
-                </c:pt>
-              </c:numCache>
-            </c:numRef>
-          </c:val>
-          <c:extLst xmlns:c16r2="http://schemas.microsoft.com/office/drawing/2015/06/chart">
-            <c:ext xmlns:c16="http://schemas.microsoft.com/office/drawing/2014/chart" uri="{C3380CC4-5D6E-409C-BE32-E72D297353CC}">
-              <c16:uniqueId val="{00000002-D186-4498-9989-EA998F9CE702}"/>
-            </c:ext>
-          </c:extLst>
-        </c:ser>
-        <c:dLbls>
-          <c:showLegendKey val="0"/>
-          <c:showVal val="0"/>
-          <c:showCatName val="0"/>
-          <c:showSerName val="0"/>
-          <c:showPercent val="0"/>
-          <c:showBubbleSize val="0"/>
-        </c:dLbls>
-        <c:gapWidth val="219"/>
-        <c:overlap val="-27"/>
-        <c:axId val="299487216"/>
-        <c:axId val="299494664"/>
-      </c:barChart>
-      <c:catAx>
-        <c:axId val="299487216"/>
-        <c:scaling>
-          <c:orientation val="minMax"/>
-        </c:scaling>
-        <c:delete val="0"/>
-        <c:axPos val="b"/>
-        <c:numFmt formatCode="General" sourceLinked="1"/>
-        <c:majorTickMark val="none"/>
-        <c:minorTickMark val="none"/>
-        <c:tickLblPos val="nextTo"/>
-        <c:spPr>
-          <a:noFill/>
-          <a:ln w="9525" cap="flat" cmpd="sng" algn="ctr">
-            <a:solidFill>
-              <a:schemeClr val="tx1">
-                <a:lumMod val="15000"/>
-                <a:lumOff val="85000"/>
-              </a:schemeClr>
-            </a:solidFill>
-            <a:round/>
-          </a:ln>
-          <a:effectLst/>
-        </c:spPr>
-        <c:txPr>
-          <a:bodyPr rot="-60000000" spcFirstLastPara="1" vertOverflow="ellipsis" vert="horz" wrap="square" anchor="ctr" anchorCtr="1"/>
-          <a:lstStyle/>
-          <a:p>
-            <a:pPr>
-              <a:defRPr sz="1200" b="0" i="0" u="none" strike="noStrike" kern="1200" baseline="0">
-                <a:solidFill>
-                  <a:schemeClr val="tx1">
-                    <a:lumMod val="65000"/>
-                    <a:lumOff val="35000"/>
-                  </a:schemeClr>
-                </a:solidFill>
-                <a:latin typeface="+mn-lt"/>
-                <a:ea typeface="+mn-ea"/>
-                <a:cs typeface="+mn-cs"/>
-              </a:defRPr>
-            </a:pPr>
-            <a:endParaRPr lang="es-ES"/>
-          </a:p>
-        </c:txPr>
-        <c:crossAx val="299494664"/>
-        <c:crosses val="autoZero"/>
-        <c:auto val="1"/>
-        <c:lblAlgn val="ctr"/>
-        <c:lblOffset val="100"/>
-        <c:noMultiLvlLbl val="0"/>
-      </c:catAx>
-      <c:valAx>
-        <c:axId val="299494664"/>
-        <c:scaling>
-          <c:orientation val="minMax"/>
-        </c:scaling>
-        <c:delete val="0"/>
-        <c:axPos val="l"/>
-        <c:majorGridlines>
-          <c:spPr>
-            <a:ln w="9525" cap="flat" cmpd="sng" algn="ctr">
-              <a:solidFill>
-                <a:schemeClr val="tx1">
-                  <a:lumMod val="15000"/>
-                  <a:lumOff val="85000"/>
-                </a:schemeClr>
-              </a:solidFill>
-              <a:round/>
-            </a:ln>
-            <a:effectLst/>
-          </c:spPr>
-        </c:majorGridlines>
-        <c:numFmt formatCode="General" sourceLinked="1"/>
-        <c:majorTickMark val="none"/>
-        <c:minorTickMark val="none"/>
-        <c:tickLblPos val="nextTo"/>
-        <c:spPr>
-          <a:noFill/>
-          <a:ln>
-            <a:noFill/>
-          </a:ln>
-          <a:effectLst/>
-        </c:spPr>
-        <c:txPr>
-          <a:bodyPr rot="-60000000" spcFirstLastPara="1" vertOverflow="ellipsis" vert="horz" wrap="square" anchor="ctr" anchorCtr="1"/>
-          <a:lstStyle/>
-          <a:p>
-            <a:pPr>
-              <a:defRPr sz="900" b="0" i="0" u="none" strike="noStrike" kern="1200" baseline="0">
-                <a:solidFill>
-                  <a:schemeClr val="tx1">
-                    <a:lumMod val="65000"/>
-                    <a:lumOff val="35000"/>
-                  </a:schemeClr>
-                </a:solidFill>
-                <a:latin typeface="+mn-lt"/>
-                <a:ea typeface="+mn-ea"/>
-                <a:cs typeface="+mn-cs"/>
-              </a:defRPr>
-            </a:pPr>
-            <a:endParaRPr lang="es-ES"/>
-          </a:p>
-        </c:txPr>
-        <c:crossAx val="299487216"/>
-        <c:crosses val="autoZero"/>
-        <c:crossBetween val="between"/>
-      </c:valAx>
-      <c:spPr>
-        <a:noFill/>
-        <a:ln>
-          <a:noFill/>
-        </a:ln>
-        <a:effectLst/>
-      </c:spPr>
-    </c:plotArea>
-    <c:legend>
-      <c:legendPos val="b"/>
-      <c:overlay val="0"/>
-      <c:spPr>
-        <a:noFill/>
-        <a:ln>
-          <a:noFill/>
-        </a:ln>
-        <a:effectLst/>
-      </c:spPr>
-      <c:txPr>
-        <a:bodyPr rot="0" spcFirstLastPara="1" vertOverflow="ellipsis" vert="horz" wrap="square" anchor="ctr" anchorCtr="1"/>
-        <a:lstStyle/>
-        <a:p>
-          <a:pPr>
-            <a:defRPr sz="1200" b="0" i="0" u="none" strike="noStrike" kern="1200" baseline="0">
-              <a:solidFill>
-                <a:schemeClr val="tx1">
-                  <a:lumMod val="65000"/>
-                  <a:lumOff val="35000"/>
-                </a:schemeClr>
-              </a:solidFill>
-              <a:latin typeface="+mn-lt"/>
-              <a:ea typeface="+mn-ea"/>
-              <a:cs typeface="+mn-cs"/>
-            </a:defRPr>
-          </a:pPr>
-          <a:endParaRPr lang="es-ES"/>
-        </a:p>
-      </c:txPr>
-    </c:legend>
-    <c:plotVisOnly val="1"/>
-    <c:dispBlanksAs val="gap"/>
-    <c:showDLblsOverMax val="0"/>
-  </c:chart>
-  <c:spPr>
-    <a:noFill/>
-    <a:ln>
-      <a:noFill/>
-    </a:ln>
-    <a:effectLst/>
-  </c:spPr>
-  <c:txPr>
-    <a:bodyPr/>
-    <a:lstStyle/>
-    <a:p>
-      <a:pPr>
-        <a:defRPr/>
-      </a:pPr>
-      <a:endParaRPr lang="es-ES"/>
-    </a:p>
-  </c:txPr>
-  <c:externalData r:id="rId4">
-    <c:autoUpdate val="0"/>
-  </c:externalData>
-</c:chartSpace>
-</file>
-
-<file path=ppt/charts/chart2.xml><?xml version="1.0" encoding="utf-8"?>
-<c:chartSpace xmlns:c="http://schemas.openxmlformats.org/drawingml/2006/chart" xmlns:a="http://schemas.openxmlformats.org/drawingml/2006/main" xmlns:r="http://schemas.openxmlformats.org/officeDocument/2006/relationships">
-  <c:date1904 val="0"/>
-  <c:lang val="es-ES"/>
+  <c:lang val="en-US"/>
   <c:roundedCorners val="0"/>
   <mc:AlternateContent xmlns:mc="http://schemas.openxmlformats.org/markup-compatibility/2006">
     <mc:Choice xmlns:c14="http://schemas.microsoft.com/office/drawing/2007/8/2/chart" Requires="c14">
@@ -607,7 +158,14 @@
   <c:clrMapOvr bg1="lt1" tx1="dk1" bg2="lt2" tx2="dk2" accent1="accent1" accent2="accent2" accent3="accent3" accent4="accent4" accent5="accent5" accent6="accent6" hlink="hlink" folHlink="folHlink"/>
   <c:chart>
     <c:title>
-      <c:layout/>
+      <c:layout>
+        <c:manualLayout>
+          <c:xMode val="edge"/>
+          <c:yMode val="edge"/>
+          <c:x val="2.0318905952078862E-2"/>
+          <c:y val="4.1578106624692579E-2"/>
+        </c:manualLayout>
+      </c:layout>
       <c:overlay val="0"/>
       <c:spPr>
         <a:noFill/>
@@ -743,6 +301,11 @@
               </c:numCache>
             </c:numRef>
           </c:val>
+          <c:extLst>
+            <c:ext xmlns:c16="http://schemas.microsoft.com/office/drawing/2014/chart" uri="{C3380CC4-5D6E-409C-BE32-E72D297353CC}">
+              <c16:uniqueId val="{00000000-CDA6-49BC-B759-87EB331A7874}"/>
+            </c:ext>
+          </c:extLst>
         </c:ser>
         <c:dLbls>
           <c:showLegendKey val="0"/>
@@ -781,7 +344,7 @@
           <a:lstStyle/>
           <a:p>
             <a:pPr>
-              <a:defRPr sz="900" b="0" i="0" u="none" strike="noStrike" kern="1200" baseline="0">
+              <a:defRPr sz="1100" b="0" i="0" u="none" strike="noStrike" kern="1200" baseline="0">
                 <a:solidFill>
                   <a:schemeClr val="tx1">
                     <a:lumMod val="65000"/>
@@ -867,6 +430,456 @@
         <a:effectLst/>
       </c:spPr>
     </c:plotArea>
+    <c:plotVisOnly val="1"/>
+    <c:dispBlanksAs val="gap"/>
+    <c:showDLblsOverMax val="0"/>
+  </c:chart>
+  <c:spPr>
+    <a:noFill/>
+    <a:ln>
+      <a:noFill/>
+    </a:ln>
+    <a:effectLst/>
+  </c:spPr>
+  <c:txPr>
+    <a:bodyPr/>
+    <a:lstStyle/>
+    <a:p>
+      <a:pPr>
+        <a:defRPr/>
+      </a:pPr>
+      <a:endParaRPr lang="es-ES"/>
+    </a:p>
+  </c:txPr>
+  <c:externalData r:id="rId4">
+    <c:autoUpdate val="0"/>
+  </c:externalData>
+</c:chartSpace>
+</file>
+
+<file path=ppt/charts/chart2.xml><?xml version="1.0" encoding="utf-8"?>
+<c:chartSpace xmlns:c="http://schemas.openxmlformats.org/drawingml/2006/chart" xmlns:a="http://schemas.openxmlformats.org/drawingml/2006/main" xmlns:r="http://schemas.openxmlformats.org/officeDocument/2006/relationships" xmlns:c16r2="http://schemas.microsoft.com/office/drawing/2015/06/chart">
+  <c:date1904 val="0"/>
+  <c:lang val="en-US"/>
+  <c:roundedCorners val="0"/>
+  <mc:AlternateContent xmlns:mc="http://schemas.openxmlformats.org/markup-compatibility/2006">
+    <mc:Choice xmlns:c14="http://schemas.microsoft.com/office/drawing/2007/8/2/chart" Requires="c14">
+      <c14:style val="102"/>
+    </mc:Choice>
+    <mc:Fallback>
+      <c:style val="2"/>
+    </mc:Fallback>
+  </mc:AlternateContent>
+  <c:clrMapOvr bg1="lt1" tx1="dk1" bg2="lt2" tx2="dk2" accent1="accent1" accent2="accent2" accent3="accent3" accent4="accent4" accent5="accent5" accent6="accent6" hlink="hlink" folHlink="folHlink"/>
+  <c:chart>
+    <c:autoTitleDeleted val="1"/>
+    <c:plotArea>
+      <c:layout>
+        <c:manualLayout>
+          <c:layoutTarget val="inner"/>
+          <c:xMode val="edge"/>
+          <c:yMode val="edge"/>
+          <c:x val="3.1682352370861297E-2"/>
+          <c:y val="9.2861409796893682E-2"/>
+          <c:w val="0.93313734859659692"/>
+          <c:h val="0.75160279024261756"/>
+        </c:manualLayout>
+      </c:layout>
+      <c:barChart>
+        <c:barDir val="col"/>
+        <c:grouping val="clustered"/>
+        <c:varyColors val="0"/>
+        <c:ser>
+          <c:idx val="0"/>
+          <c:order val="0"/>
+          <c:tx>
+            <c:strRef>
+              <c:f>Hoja1!$D$7</c:f>
+              <c:strCache>
+                <c:ptCount val="1"/>
+                <c:pt idx="0">
+                  <c:v>STEP 0.1</c:v>
+                </c:pt>
+              </c:strCache>
+            </c:strRef>
+          </c:tx>
+          <c:spPr>
+            <a:solidFill>
+              <a:schemeClr val="accent1"/>
+            </a:solidFill>
+            <a:ln>
+              <a:noFill/>
+            </a:ln>
+            <a:effectLst/>
+          </c:spPr>
+          <c:invertIfNegative val="0"/>
+          <c:cat>
+            <c:strRef>
+              <c:f>Hoja1!$C$8:$C$12</c:f>
+              <c:strCache>
+                <c:ptCount val="5"/>
+                <c:pt idx="0">
+                  <c:v>Búsqueda Aleatoria</c:v>
+                </c:pt>
+                <c:pt idx="1">
+                  <c:v>Camino Aleatorio</c:v>
+                </c:pt>
+                <c:pt idx="2">
+                  <c:v>Escalador de Colinas</c:v>
+                </c:pt>
+                <c:pt idx="3">
+                  <c:v>Algoritmo Genético</c:v>
+                </c:pt>
+                <c:pt idx="4">
+                  <c:v>Estrategia Evolutiva</c:v>
+                </c:pt>
+              </c:strCache>
+            </c:strRef>
+          </c:cat>
+          <c:val>
+            <c:numRef>
+              <c:f>Hoja1!$D$8:$D$12</c:f>
+              <c:numCache>
+                <c:formatCode>General</c:formatCode>
+                <c:ptCount val="5"/>
+                <c:pt idx="0">
+                  <c:v>0.8</c:v>
+                </c:pt>
+                <c:pt idx="1">
+                  <c:v>0.59</c:v>
+                </c:pt>
+                <c:pt idx="2">
+                  <c:v>1.0900000000000001</c:v>
+                </c:pt>
+                <c:pt idx="3">
+                  <c:v>1.2</c:v>
+                </c:pt>
+                <c:pt idx="4">
+                  <c:v>0.59</c:v>
+                </c:pt>
+              </c:numCache>
+            </c:numRef>
+          </c:val>
+          <c:extLst>
+            <c:ext xmlns:c16="http://schemas.microsoft.com/office/drawing/2014/chart" uri="{C3380CC4-5D6E-409C-BE32-E72D297353CC}">
+              <c16:uniqueId val="{00000000-D186-4498-9989-EA998F9CE702}"/>
+            </c:ext>
+          </c:extLst>
+        </c:ser>
+        <c:ser>
+          <c:idx val="1"/>
+          <c:order val="1"/>
+          <c:tx>
+            <c:strRef>
+              <c:f>Hoja1!$E$7</c:f>
+              <c:strCache>
+                <c:ptCount val="1"/>
+                <c:pt idx="0">
+                  <c:v>STEP 0.2</c:v>
+                </c:pt>
+              </c:strCache>
+            </c:strRef>
+          </c:tx>
+          <c:spPr>
+            <a:solidFill>
+              <a:schemeClr val="accent2"/>
+            </a:solidFill>
+            <a:ln>
+              <a:noFill/>
+            </a:ln>
+            <a:effectLst/>
+          </c:spPr>
+          <c:invertIfNegative val="0"/>
+          <c:cat>
+            <c:strRef>
+              <c:f>Hoja1!$C$8:$C$12</c:f>
+              <c:strCache>
+                <c:ptCount val="5"/>
+                <c:pt idx="0">
+                  <c:v>Búsqueda Aleatoria</c:v>
+                </c:pt>
+                <c:pt idx="1">
+                  <c:v>Camino Aleatorio</c:v>
+                </c:pt>
+                <c:pt idx="2">
+                  <c:v>Escalador de Colinas</c:v>
+                </c:pt>
+                <c:pt idx="3">
+                  <c:v>Algoritmo Genético</c:v>
+                </c:pt>
+                <c:pt idx="4">
+                  <c:v>Estrategia Evolutiva</c:v>
+                </c:pt>
+              </c:strCache>
+            </c:strRef>
+          </c:cat>
+          <c:val>
+            <c:numRef>
+              <c:f>Hoja1!$E$8:$E$12</c:f>
+              <c:numCache>
+                <c:formatCode>General</c:formatCode>
+                <c:ptCount val="5"/>
+                <c:pt idx="0">
+                  <c:v>0.4</c:v>
+                </c:pt>
+                <c:pt idx="1">
+                  <c:v>0.59</c:v>
+                </c:pt>
+                <c:pt idx="2">
+                  <c:v>3.6</c:v>
+                </c:pt>
+                <c:pt idx="3">
+                  <c:v>3.6</c:v>
+                </c:pt>
+                <c:pt idx="4">
+                  <c:v>0.99</c:v>
+                </c:pt>
+              </c:numCache>
+            </c:numRef>
+          </c:val>
+          <c:extLst>
+            <c:ext xmlns:c16="http://schemas.microsoft.com/office/drawing/2014/chart" uri="{C3380CC4-5D6E-409C-BE32-E72D297353CC}">
+              <c16:uniqueId val="{00000001-D186-4498-9989-EA998F9CE702}"/>
+            </c:ext>
+          </c:extLst>
+        </c:ser>
+        <c:ser>
+          <c:idx val="2"/>
+          <c:order val="2"/>
+          <c:tx>
+            <c:strRef>
+              <c:f>Hoja1!$F$7</c:f>
+              <c:strCache>
+                <c:ptCount val="1"/>
+                <c:pt idx="0">
+                  <c:v>STEP 0.3</c:v>
+                </c:pt>
+              </c:strCache>
+            </c:strRef>
+          </c:tx>
+          <c:spPr>
+            <a:solidFill>
+              <a:schemeClr val="accent3"/>
+            </a:solidFill>
+            <a:ln>
+              <a:noFill/>
+            </a:ln>
+            <a:effectLst/>
+          </c:spPr>
+          <c:invertIfNegative val="0"/>
+          <c:cat>
+            <c:strRef>
+              <c:f>Hoja1!$C$8:$C$12</c:f>
+              <c:strCache>
+                <c:ptCount val="5"/>
+                <c:pt idx="0">
+                  <c:v>Búsqueda Aleatoria</c:v>
+                </c:pt>
+                <c:pt idx="1">
+                  <c:v>Camino Aleatorio</c:v>
+                </c:pt>
+                <c:pt idx="2">
+                  <c:v>Escalador de Colinas</c:v>
+                </c:pt>
+                <c:pt idx="3">
+                  <c:v>Algoritmo Genético</c:v>
+                </c:pt>
+                <c:pt idx="4">
+                  <c:v>Estrategia Evolutiva</c:v>
+                </c:pt>
+              </c:strCache>
+            </c:strRef>
+          </c:cat>
+          <c:val>
+            <c:numRef>
+              <c:f>Hoja1!$F$8:$F$12</c:f>
+              <c:numCache>
+                <c:formatCode>General</c:formatCode>
+                <c:ptCount val="5"/>
+                <c:pt idx="0">
+                  <c:v>0.89</c:v>
+                </c:pt>
+                <c:pt idx="1">
+                  <c:v>0.19</c:v>
+                </c:pt>
+                <c:pt idx="2">
+                  <c:v>7.2</c:v>
+                </c:pt>
+                <c:pt idx="3">
+                  <c:v>1.69</c:v>
+                </c:pt>
+                <c:pt idx="4">
+                  <c:v>0.9</c:v>
+                </c:pt>
+              </c:numCache>
+            </c:numRef>
+          </c:val>
+          <c:extLst>
+            <c:ext xmlns:c16="http://schemas.microsoft.com/office/drawing/2014/chart" uri="{C3380CC4-5D6E-409C-BE32-E72D297353CC}">
+              <c16:uniqueId val="{00000002-D186-4498-9989-EA998F9CE702}"/>
+            </c:ext>
+          </c:extLst>
+        </c:ser>
+        <c:dLbls>
+          <c:showLegendKey val="0"/>
+          <c:showVal val="0"/>
+          <c:showCatName val="0"/>
+          <c:showSerName val="0"/>
+          <c:showPercent val="0"/>
+          <c:showBubbleSize val="0"/>
+        </c:dLbls>
+        <c:gapWidth val="219"/>
+        <c:overlap val="-27"/>
+        <c:axId val="299487216"/>
+        <c:axId val="299494664"/>
+      </c:barChart>
+      <c:catAx>
+        <c:axId val="299487216"/>
+        <c:scaling>
+          <c:orientation val="minMax"/>
+        </c:scaling>
+        <c:delete val="0"/>
+        <c:axPos val="b"/>
+        <c:numFmt formatCode="General" sourceLinked="1"/>
+        <c:majorTickMark val="none"/>
+        <c:minorTickMark val="none"/>
+        <c:tickLblPos val="nextTo"/>
+        <c:spPr>
+          <a:noFill/>
+          <a:ln w="9525" cap="flat" cmpd="sng" algn="ctr">
+            <a:solidFill>
+              <a:schemeClr val="tx1">
+                <a:lumMod val="15000"/>
+                <a:lumOff val="85000"/>
+              </a:schemeClr>
+            </a:solidFill>
+            <a:round/>
+          </a:ln>
+          <a:effectLst/>
+        </c:spPr>
+        <c:txPr>
+          <a:bodyPr rot="-60000000" spcFirstLastPara="1" vertOverflow="ellipsis" vert="horz" wrap="square" anchor="ctr" anchorCtr="1"/>
+          <a:lstStyle/>
+          <a:p>
+            <a:pPr>
+              <a:defRPr sz="1200" b="0" i="0" u="none" strike="noStrike" kern="1200" baseline="0">
+                <a:solidFill>
+                  <a:schemeClr val="tx1">
+                    <a:lumMod val="65000"/>
+                    <a:lumOff val="35000"/>
+                  </a:schemeClr>
+                </a:solidFill>
+                <a:latin typeface="+mn-lt"/>
+                <a:ea typeface="+mn-ea"/>
+                <a:cs typeface="+mn-cs"/>
+              </a:defRPr>
+            </a:pPr>
+            <a:endParaRPr lang="es-ES"/>
+          </a:p>
+        </c:txPr>
+        <c:crossAx val="299494664"/>
+        <c:crosses val="autoZero"/>
+        <c:auto val="1"/>
+        <c:lblAlgn val="ctr"/>
+        <c:lblOffset val="100"/>
+        <c:noMultiLvlLbl val="0"/>
+      </c:catAx>
+      <c:valAx>
+        <c:axId val="299494664"/>
+        <c:scaling>
+          <c:orientation val="minMax"/>
+        </c:scaling>
+        <c:delete val="0"/>
+        <c:axPos val="l"/>
+        <c:majorGridlines>
+          <c:spPr>
+            <a:ln w="9525" cap="flat" cmpd="sng" algn="ctr">
+              <a:solidFill>
+                <a:schemeClr val="tx1">
+                  <a:lumMod val="15000"/>
+                  <a:lumOff val="85000"/>
+                </a:schemeClr>
+              </a:solidFill>
+              <a:round/>
+            </a:ln>
+            <a:effectLst/>
+          </c:spPr>
+        </c:majorGridlines>
+        <c:numFmt formatCode="General" sourceLinked="1"/>
+        <c:majorTickMark val="none"/>
+        <c:minorTickMark val="none"/>
+        <c:tickLblPos val="nextTo"/>
+        <c:spPr>
+          <a:noFill/>
+          <a:ln>
+            <a:noFill/>
+          </a:ln>
+          <a:effectLst/>
+        </c:spPr>
+        <c:txPr>
+          <a:bodyPr rot="-60000000" spcFirstLastPara="1" vertOverflow="ellipsis" vert="horz" wrap="square" anchor="ctr" anchorCtr="1"/>
+          <a:lstStyle/>
+          <a:p>
+            <a:pPr>
+              <a:defRPr sz="900" b="0" i="0" u="none" strike="noStrike" kern="1200" baseline="0">
+                <a:solidFill>
+                  <a:schemeClr val="tx1">
+                    <a:lumMod val="65000"/>
+                    <a:lumOff val="35000"/>
+                  </a:schemeClr>
+                </a:solidFill>
+                <a:latin typeface="+mn-lt"/>
+                <a:ea typeface="+mn-ea"/>
+                <a:cs typeface="+mn-cs"/>
+              </a:defRPr>
+            </a:pPr>
+            <a:endParaRPr lang="es-ES"/>
+          </a:p>
+        </c:txPr>
+        <c:crossAx val="299487216"/>
+        <c:crosses val="autoZero"/>
+        <c:crossBetween val="between"/>
+      </c:valAx>
+      <c:spPr>
+        <a:noFill/>
+        <a:ln>
+          <a:noFill/>
+        </a:ln>
+        <a:effectLst/>
+      </c:spPr>
+    </c:plotArea>
+    <c:legend>
+      <c:legendPos val="b"/>
+      <c:layout/>
+      <c:overlay val="0"/>
+      <c:spPr>
+        <a:noFill/>
+        <a:ln>
+          <a:noFill/>
+        </a:ln>
+        <a:effectLst/>
+      </c:spPr>
+      <c:txPr>
+        <a:bodyPr rot="0" spcFirstLastPara="1" vertOverflow="ellipsis" vert="horz" wrap="square" anchor="ctr" anchorCtr="1"/>
+        <a:lstStyle/>
+        <a:p>
+          <a:pPr>
+            <a:defRPr sz="1200" b="0" i="0" u="none" strike="noStrike" kern="1200" baseline="0">
+              <a:solidFill>
+                <a:schemeClr val="tx1">
+                  <a:lumMod val="65000"/>
+                  <a:lumOff val="35000"/>
+                </a:schemeClr>
+              </a:solidFill>
+              <a:latin typeface="+mn-lt"/>
+              <a:ea typeface="+mn-ea"/>
+              <a:cs typeface="+mn-cs"/>
+            </a:defRPr>
+          </a:pPr>
+          <a:endParaRPr lang="es-ES"/>
+        </a:p>
+      </c:txPr>
+    </c:legend>
     <c:plotVisOnly val="1"/>
     <c:dispBlanksAs val="gap"/>
     <c:showDLblsOverMax val="0"/>
@@ -975,6 +988,500 @@
 </file>
 
 <file path=ppt/charts/style1.xml><?xml version="1.0" encoding="utf-8"?>
+<cs:chartStyle xmlns:cs="http://schemas.microsoft.com/office/drawing/2012/chartStyle" xmlns:a="http://schemas.openxmlformats.org/drawingml/2006/main" id="286">
+  <cs:axisTitle>
+    <cs:lnRef idx="0"/>
+    <cs:fillRef idx="0"/>
+    <cs:effectRef idx="0"/>
+    <cs:fontRef idx="minor">
+      <a:schemeClr val="tx1">
+        <a:lumMod val="65000"/>
+        <a:lumOff val="35000"/>
+      </a:schemeClr>
+    </cs:fontRef>
+    <cs:defRPr sz="1000" kern="1200"/>
+  </cs:axisTitle>
+  <cs:categoryAxis>
+    <cs:lnRef idx="0"/>
+    <cs:fillRef idx="0"/>
+    <cs:effectRef idx="0"/>
+    <cs:fontRef idx="minor">
+      <a:schemeClr val="tx1">
+        <a:lumMod val="65000"/>
+        <a:lumOff val="35000"/>
+      </a:schemeClr>
+    </cs:fontRef>
+    <cs:defRPr sz="900" kern="1200"/>
+  </cs:categoryAxis>
+  <cs:chartArea mods="allowNoFillOverride allowNoLineOverride">
+    <cs:lnRef idx="0"/>
+    <cs:fillRef idx="0"/>
+    <cs:effectRef idx="0"/>
+    <cs:fontRef idx="minor">
+      <a:schemeClr val="tx1"/>
+    </cs:fontRef>
+    <cs:spPr>
+      <a:solidFill>
+        <a:schemeClr val="bg1"/>
+      </a:solidFill>
+      <a:ln w="9525" cap="flat" cmpd="sng" algn="ctr">
+        <a:solidFill>
+          <a:schemeClr val="tx1">
+            <a:lumMod val="15000"/>
+            <a:lumOff val="85000"/>
+          </a:schemeClr>
+        </a:solidFill>
+        <a:round/>
+      </a:ln>
+    </cs:spPr>
+    <cs:defRPr sz="1000" kern="1200"/>
+  </cs:chartArea>
+  <cs:dataLabel>
+    <cs:lnRef idx="0"/>
+    <cs:fillRef idx="0"/>
+    <cs:effectRef idx="0"/>
+    <cs:fontRef idx="minor">
+      <a:schemeClr val="tx1">
+        <a:lumMod val="75000"/>
+        <a:lumOff val="25000"/>
+      </a:schemeClr>
+    </cs:fontRef>
+    <cs:defRPr sz="900" kern="1200"/>
+  </cs:dataLabel>
+  <cs:dataLabelCallout>
+    <cs:lnRef idx="0"/>
+    <cs:fillRef idx="0"/>
+    <cs:effectRef idx="0"/>
+    <cs:fontRef idx="minor">
+      <a:schemeClr val="dk1">
+        <a:lumMod val="65000"/>
+        <a:lumOff val="35000"/>
+      </a:schemeClr>
+    </cs:fontRef>
+    <cs:spPr>
+      <a:solidFill>
+        <a:schemeClr val="lt1"/>
+      </a:solidFill>
+      <a:ln>
+        <a:solidFill>
+          <a:schemeClr val="dk1">
+            <a:lumMod val="25000"/>
+            <a:lumOff val="75000"/>
+          </a:schemeClr>
+        </a:solidFill>
+      </a:ln>
+    </cs:spPr>
+    <cs:defRPr sz="900" kern="1200"/>
+    <cs:bodyPr rot="0" spcFirstLastPara="1" vertOverflow="clip" horzOverflow="clip" vert="horz" wrap="square" lIns="36576" tIns="18288" rIns="36576" bIns="18288" anchor="ctr" anchorCtr="1">
+      <a:spAutoFit/>
+    </cs:bodyPr>
+  </cs:dataLabelCallout>
+  <cs:dataPoint>
+    <cs:lnRef idx="0"/>
+    <cs:fillRef idx="1">
+      <cs:styleClr val="auto"/>
+    </cs:fillRef>
+    <cs:effectRef idx="0"/>
+    <cs:fontRef idx="minor">
+      <a:schemeClr val="tx1"/>
+    </cs:fontRef>
+  </cs:dataPoint>
+  <cs:dataPoint3D>
+    <cs:lnRef idx="0"/>
+    <cs:fillRef idx="1">
+      <cs:styleClr val="auto"/>
+    </cs:fillRef>
+    <cs:effectRef idx="0"/>
+    <cs:fontRef idx="minor">
+      <a:schemeClr val="tx1"/>
+    </cs:fontRef>
+  </cs:dataPoint3D>
+  <cs:dataPointLine>
+    <cs:lnRef idx="0">
+      <cs:styleClr val="auto"/>
+    </cs:lnRef>
+    <cs:fillRef idx="1"/>
+    <cs:effectRef idx="0"/>
+    <cs:fontRef idx="minor">
+      <a:schemeClr val="tx1"/>
+    </cs:fontRef>
+    <cs:spPr>
+      <a:ln w="28575" cap="rnd">
+        <a:solidFill>
+          <a:schemeClr val="phClr"/>
+        </a:solidFill>
+        <a:round/>
+      </a:ln>
+    </cs:spPr>
+  </cs:dataPointLine>
+  <cs:dataPointMarker>
+    <cs:lnRef idx="0">
+      <cs:styleClr val="auto"/>
+    </cs:lnRef>
+    <cs:fillRef idx="1">
+      <cs:styleClr val="auto"/>
+    </cs:fillRef>
+    <cs:effectRef idx="0"/>
+    <cs:fontRef idx="minor">
+      <a:schemeClr val="tx1"/>
+    </cs:fontRef>
+    <cs:spPr>
+      <a:ln w="9525">
+        <a:solidFill>
+          <a:schemeClr val="phClr"/>
+        </a:solidFill>
+      </a:ln>
+    </cs:spPr>
+  </cs:dataPointMarker>
+  <cs:dataPointMarkerLayout symbol="circle" size="5"/>
+  <cs:dataPointWireframe>
+    <cs:lnRef idx="0">
+      <cs:styleClr val="auto"/>
+    </cs:lnRef>
+    <cs:fillRef idx="1"/>
+    <cs:effectRef idx="0"/>
+    <cs:fontRef idx="minor">
+      <a:schemeClr val="tx1"/>
+    </cs:fontRef>
+    <cs:spPr>
+      <a:ln w="9525" cap="rnd">
+        <a:solidFill>
+          <a:schemeClr val="phClr"/>
+        </a:solidFill>
+        <a:round/>
+      </a:ln>
+    </cs:spPr>
+  </cs:dataPointWireframe>
+  <cs:dataTable>
+    <cs:lnRef idx="0"/>
+    <cs:fillRef idx="0"/>
+    <cs:effectRef idx="0"/>
+    <cs:fontRef idx="minor">
+      <a:schemeClr val="tx1">
+        <a:lumMod val="65000"/>
+        <a:lumOff val="35000"/>
+      </a:schemeClr>
+    </cs:fontRef>
+    <cs:spPr>
+      <a:noFill/>
+      <a:ln w="9525" cap="flat" cmpd="sng" algn="ctr">
+        <a:solidFill>
+          <a:schemeClr val="tx1">
+            <a:lumMod val="15000"/>
+            <a:lumOff val="85000"/>
+          </a:schemeClr>
+        </a:solidFill>
+        <a:round/>
+      </a:ln>
+    </cs:spPr>
+    <cs:defRPr sz="900" kern="1200"/>
+  </cs:dataTable>
+  <cs:downBar>
+    <cs:lnRef idx="0"/>
+    <cs:fillRef idx="0"/>
+    <cs:effectRef idx="0"/>
+    <cs:fontRef idx="minor">
+      <a:schemeClr val="tx1"/>
+    </cs:fontRef>
+    <cs:spPr>
+      <a:solidFill>
+        <a:schemeClr val="dk1">
+          <a:lumMod val="75000"/>
+          <a:lumOff val="25000"/>
+        </a:schemeClr>
+      </a:solidFill>
+      <a:ln w="9525" cap="flat" cmpd="sng" algn="ctr">
+        <a:solidFill>
+          <a:schemeClr val="tx1">
+            <a:lumMod val="65000"/>
+            <a:lumOff val="35000"/>
+          </a:schemeClr>
+        </a:solidFill>
+        <a:round/>
+      </a:ln>
+    </cs:spPr>
+  </cs:downBar>
+  <cs:dropLine>
+    <cs:lnRef idx="0"/>
+    <cs:fillRef idx="0"/>
+    <cs:effectRef idx="0"/>
+    <cs:fontRef idx="minor">
+      <a:schemeClr val="tx1"/>
+    </cs:fontRef>
+    <cs:spPr>
+      <a:ln w="9525" cap="flat" cmpd="sng" algn="ctr">
+        <a:solidFill>
+          <a:schemeClr val="tx1">
+            <a:lumMod val="35000"/>
+            <a:lumOff val="65000"/>
+          </a:schemeClr>
+        </a:solidFill>
+        <a:round/>
+      </a:ln>
+    </cs:spPr>
+  </cs:dropLine>
+  <cs:errorBar>
+    <cs:lnRef idx="0"/>
+    <cs:fillRef idx="0"/>
+    <cs:effectRef idx="0"/>
+    <cs:fontRef idx="minor">
+      <a:schemeClr val="tx1"/>
+    </cs:fontRef>
+    <cs:spPr>
+      <a:ln w="9525" cap="flat" cmpd="sng" algn="ctr">
+        <a:solidFill>
+          <a:schemeClr val="tx1">
+            <a:lumMod val="65000"/>
+            <a:lumOff val="35000"/>
+          </a:schemeClr>
+        </a:solidFill>
+        <a:round/>
+      </a:ln>
+    </cs:spPr>
+  </cs:errorBar>
+  <cs:floor>
+    <cs:lnRef idx="0"/>
+    <cs:fillRef idx="0"/>
+    <cs:effectRef idx="0"/>
+    <cs:fontRef idx="minor">
+      <a:schemeClr val="tx1"/>
+    </cs:fontRef>
+    <cs:spPr>
+      <a:noFill/>
+      <a:ln>
+        <a:noFill/>
+      </a:ln>
+    </cs:spPr>
+  </cs:floor>
+  <cs:gridlineMajor>
+    <cs:lnRef idx="0"/>
+    <cs:fillRef idx="0"/>
+    <cs:effectRef idx="0"/>
+    <cs:fontRef idx="minor">
+      <a:schemeClr val="tx1"/>
+    </cs:fontRef>
+    <cs:spPr>
+      <a:ln w="9525" cap="flat" cmpd="sng" algn="ctr">
+        <a:solidFill>
+          <a:schemeClr val="tx1">
+            <a:lumMod val="15000"/>
+            <a:lumOff val="85000"/>
+          </a:schemeClr>
+        </a:solidFill>
+        <a:round/>
+      </a:ln>
+    </cs:spPr>
+  </cs:gridlineMajor>
+  <cs:gridlineMinor>
+    <cs:lnRef idx="0"/>
+    <cs:fillRef idx="0"/>
+    <cs:effectRef idx="0"/>
+    <cs:fontRef idx="minor">
+      <a:schemeClr val="tx1"/>
+    </cs:fontRef>
+    <cs:spPr>
+      <a:ln w="9525" cap="flat" cmpd="sng" algn="ctr">
+        <a:solidFill>
+          <a:schemeClr val="tx1">
+            <a:lumMod val="5000"/>
+            <a:lumOff val="95000"/>
+          </a:schemeClr>
+        </a:solidFill>
+        <a:round/>
+      </a:ln>
+    </cs:spPr>
+  </cs:gridlineMinor>
+  <cs:hiLoLine>
+    <cs:lnRef idx="0"/>
+    <cs:fillRef idx="0"/>
+    <cs:effectRef idx="0"/>
+    <cs:fontRef idx="minor">
+      <a:schemeClr val="tx1"/>
+    </cs:fontRef>
+    <cs:spPr>
+      <a:ln w="9525" cap="flat" cmpd="sng" algn="ctr">
+        <a:solidFill>
+          <a:schemeClr val="tx1">
+            <a:lumMod val="50000"/>
+            <a:lumOff val="50000"/>
+          </a:schemeClr>
+        </a:solidFill>
+        <a:round/>
+      </a:ln>
+    </cs:spPr>
+  </cs:hiLoLine>
+  <cs:leaderLine>
+    <cs:lnRef idx="0"/>
+    <cs:fillRef idx="0"/>
+    <cs:effectRef idx="0"/>
+    <cs:fontRef idx="minor">
+      <a:schemeClr val="tx1"/>
+    </cs:fontRef>
+    <cs:spPr>
+      <a:ln w="9525" cap="flat" cmpd="sng" algn="ctr">
+        <a:solidFill>
+          <a:schemeClr val="tx1">
+            <a:lumMod val="35000"/>
+            <a:lumOff val="65000"/>
+          </a:schemeClr>
+        </a:solidFill>
+        <a:round/>
+      </a:ln>
+    </cs:spPr>
+  </cs:leaderLine>
+  <cs:legend>
+    <cs:lnRef idx="0"/>
+    <cs:fillRef idx="0"/>
+    <cs:effectRef idx="0"/>
+    <cs:fontRef idx="minor">
+      <a:schemeClr val="tx1">
+        <a:lumMod val="65000"/>
+        <a:lumOff val="35000"/>
+      </a:schemeClr>
+    </cs:fontRef>
+    <cs:defRPr sz="900" kern="1200"/>
+  </cs:legend>
+  <cs:plotArea mods="allowNoFillOverride allowNoLineOverride">
+    <cs:lnRef idx="0"/>
+    <cs:fillRef idx="0"/>
+    <cs:effectRef idx="0"/>
+    <cs:fontRef idx="minor">
+      <a:schemeClr val="tx1"/>
+    </cs:fontRef>
+  </cs:plotArea>
+  <cs:plotArea3D mods="allowNoFillOverride allowNoLineOverride">
+    <cs:lnRef idx="0"/>
+    <cs:fillRef idx="0"/>
+    <cs:effectRef idx="0"/>
+    <cs:fontRef idx="minor">
+      <a:schemeClr val="tx1"/>
+    </cs:fontRef>
+  </cs:plotArea3D>
+  <cs:seriesAxis>
+    <cs:lnRef idx="0"/>
+    <cs:fillRef idx="0"/>
+    <cs:effectRef idx="0"/>
+    <cs:fontRef idx="minor">
+      <a:schemeClr val="tx1">
+        <a:lumMod val="65000"/>
+        <a:lumOff val="35000"/>
+      </a:schemeClr>
+    </cs:fontRef>
+    <cs:defRPr sz="900" kern="1200"/>
+  </cs:seriesAxis>
+  <cs:seriesLine>
+    <cs:lnRef idx="0"/>
+    <cs:fillRef idx="0"/>
+    <cs:effectRef idx="0"/>
+    <cs:fontRef idx="minor">
+      <a:schemeClr val="tx1"/>
+    </cs:fontRef>
+    <cs:spPr>
+      <a:ln w="9525" cap="flat" cmpd="sng" algn="ctr">
+        <a:solidFill>
+          <a:schemeClr val="tx1">
+            <a:lumMod val="35000"/>
+            <a:lumOff val="65000"/>
+          </a:schemeClr>
+        </a:solidFill>
+        <a:round/>
+      </a:ln>
+    </cs:spPr>
+  </cs:seriesLine>
+  <cs:title>
+    <cs:lnRef idx="0"/>
+    <cs:fillRef idx="0"/>
+    <cs:effectRef idx="0"/>
+    <cs:fontRef idx="minor">
+      <a:schemeClr val="tx1">
+        <a:lumMod val="65000"/>
+        <a:lumOff val="35000"/>
+      </a:schemeClr>
+    </cs:fontRef>
+    <cs:defRPr sz="1400" b="0" kern="1200" spc="0" baseline="0"/>
+  </cs:title>
+  <cs:trendline>
+    <cs:lnRef idx="0">
+      <cs:styleClr val="auto"/>
+    </cs:lnRef>
+    <cs:fillRef idx="0"/>
+    <cs:effectRef idx="0"/>
+    <cs:fontRef idx="minor">
+      <a:schemeClr val="tx1"/>
+    </cs:fontRef>
+    <cs:spPr>
+      <a:ln w="19050" cap="rnd">
+        <a:solidFill>
+          <a:schemeClr val="phClr"/>
+        </a:solidFill>
+        <a:prstDash val="sysDot"/>
+      </a:ln>
+    </cs:spPr>
+  </cs:trendline>
+  <cs:trendlineLabel>
+    <cs:lnRef idx="0"/>
+    <cs:fillRef idx="0"/>
+    <cs:effectRef idx="0"/>
+    <cs:fontRef idx="minor">
+      <a:schemeClr val="tx1">
+        <a:lumMod val="65000"/>
+        <a:lumOff val="35000"/>
+      </a:schemeClr>
+    </cs:fontRef>
+    <cs:defRPr sz="900" kern="1200"/>
+  </cs:trendlineLabel>
+  <cs:upBar>
+    <cs:lnRef idx="0"/>
+    <cs:fillRef idx="0"/>
+    <cs:effectRef idx="0"/>
+    <cs:fontRef idx="minor">
+      <a:schemeClr val="tx1"/>
+    </cs:fontRef>
+    <cs:spPr>
+      <a:solidFill>
+        <a:schemeClr val="lt1"/>
+      </a:solidFill>
+      <a:ln w="9525" cap="flat" cmpd="sng" algn="ctr">
+        <a:solidFill>
+          <a:schemeClr val="tx1">
+            <a:lumMod val="65000"/>
+            <a:lumOff val="35000"/>
+          </a:schemeClr>
+        </a:solidFill>
+        <a:round/>
+      </a:ln>
+    </cs:spPr>
+  </cs:upBar>
+  <cs:valueAxis>
+    <cs:lnRef idx="0"/>
+    <cs:fillRef idx="0"/>
+    <cs:effectRef idx="0"/>
+    <cs:fontRef idx="minor">
+      <a:schemeClr val="tx1">
+        <a:lumMod val="65000"/>
+        <a:lumOff val="35000"/>
+      </a:schemeClr>
+    </cs:fontRef>
+    <cs:defRPr sz="900" kern="1200"/>
+  </cs:valueAxis>
+  <cs:wall>
+    <cs:lnRef idx="0"/>
+    <cs:fillRef idx="0"/>
+    <cs:effectRef idx="0"/>
+    <cs:fontRef idx="minor">
+      <a:schemeClr val="tx1"/>
+    </cs:fontRef>
+    <cs:spPr>
+      <a:noFill/>
+      <a:ln>
+        <a:noFill/>
+      </a:ln>
+    </cs:spPr>
+  </cs:wall>
+</cs:chartStyle>
+</file>
+
+<file path=ppt/charts/style2.xml><?xml version="1.0" encoding="utf-8"?>
 <cs:chartStyle xmlns:cs="http://schemas.microsoft.com/office/drawing/2012/chartStyle" xmlns:a="http://schemas.openxmlformats.org/drawingml/2006/main" id="201">
   <cs:axisTitle>
     <cs:lnRef idx="0"/>
@@ -1477,500 +1984,6 @@
 </cs:chartStyle>
 </file>
 
-<file path=ppt/charts/style2.xml><?xml version="1.0" encoding="utf-8"?>
-<cs:chartStyle xmlns:cs="http://schemas.microsoft.com/office/drawing/2012/chartStyle" xmlns:a="http://schemas.openxmlformats.org/drawingml/2006/main" id="286">
-  <cs:axisTitle>
-    <cs:lnRef idx="0"/>
-    <cs:fillRef idx="0"/>
-    <cs:effectRef idx="0"/>
-    <cs:fontRef idx="minor">
-      <a:schemeClr val="tx1">
-        <a:lumMod val="65000"/>
-        <a:lumOff val="35000"/>
-      </a:schemeClr>
-    </cs:fontRef>
-    <cs:defRPr sz="1000" kern="1200"/>
-  </cs:axisTitle>
-  <cs:categoryAxis>
-    <cs:lnRef idx="0"/>
-    <cs:fillRef idx="0"/>
-    <cs:effectRef idx="0"/>
-    <cs:fontRef idx="minor">
-      <a:schemeClr val="tx1">
-        <a:lumMod val="65000"/>
-        <a:lumOff val="35000"/>
-      </a:schemeClr>
-    </cs:fontRef>
-    <cs:defRPr sz="900" kern="1200"/>
-  </cs:categoryAxis>
-  <cs:chartArea mods="allowNoFillOverride allowNoLineOverride">
-    <cs:lnRef idx="0"/>
-    <cs:fillRef idx="0"/>
-    <cs:effectRef idx="0"/>
-    <cs:fontRef idx="minor">
-      <a:schemeClr val="tx1"/>
-    </cs:fontRef>
-    <cs:spPr>
-      <a:solidFill>
-        <a:schemeClr val="bg1"/>
-      </a:solidFill>
-      <a:ln w="9525" cap="flat" cmpd="sng" algn="ctr">
-        <a:solidFill>
-          <a:schemeClr val="tx1">
-            <a:lumMod val="15000"/>
-            <a:lumOff val="85000"/>
-          </a:schemeClr>
-        </a:solidFill>
-        <a:round/>
-      </a:ln>
-    </cs:spPr>
-    <cs:defRPr sz="1000" kern="1200"/>
-  </cs:chartArea>
-  <cs:dataLabel>
-    <cs:lnRef idx="0"/>
-    <cs:fillRef idx="0"/>
-    <cs:effectRef idx="0"/>
-    <cs:fontRef idx="minor">
-      <a:schemeClr val="tx1">
-        <a:lumMod val="75000"/>
-        <a:lumOff val="25000"/>
-      </a:schemeClr>
-    </cs:fontRef>
-    <cs:defRPr sz="900" kern="1200"/>
-  </cs:dataLabel>
-  <cs:dataLabelCallout>
-    <cs:lnRef idx="0"/>
-    <cs:fillRef idx="0"/>
-    <cs:effectRef idx="0"/>
-    <cs:fontRef idx="minor">
-      <a:schemeClr val="dk1">
-        <a:lumMod val="65000"/>
-        <a:lumOff val="35000"/>
-      </a:schemeClr>
-    </cs:fontRef>
-    <cs:spPr>
-      <a:solidFill>
-        <a:schemeClr val="lt1"/>
-      </a:solidFill>
-      <a:ln>
-        <a:solidFill>
-          <a:schemeClr val="dk1">
-            <a:lumMod val="25000"/>
-            <a:lumOff val="75000"/>
-          </a:schemeClr>
-        </a:solidFill>
-      </a:ln>
-    </cs:spPr>
-    <cs:defRPr sz="900" kern="1200"/>
-    <cs:bodyPr rot="0" spcFirstLastPara="1" vertOverflow="clip" horzOverflow="clip" vert="horz" wrap="square" lIns="36576" tIns="18288" rIns="36576" bIns="18288" anchor="ctr" anchorCtr="1">
-      <a:spAutoFit/>
-    </cs:bodyPr>
-  </cs:dataLabelCallout>
-  <cs:dataPoint>
-    <cs:lnRef idx="0"/>
-    <cs:fillRef idx="1">
-      <cs:styleClr val="auto"/>
-    </cs:fillRef>
-    <cs:effectRef idx="0"/>
-    <cs:fontRef idx="minor">
-      <a:schemeClr val="tx1"/>
-    </cs:fontRef>
-  </cs:dataPoint>
-  <cs:dataPoint3D>
-    <cs:lnRef idx="0"/>
-    <cs:fillRef idx="1">
-      <cs:styleClr val="auto"/>
-    </cs:fillRef>
-    <cs:effectRef idx="0"/>
-    <cs:fontRef idx="minor">
-      <a:schemeClr val="tx1"/>
-    </cs:fontRef>
-  </cs:dataPoint3D>
-  <cs:dataPointLine>
-    <cs:lnRef idx="0">
-      <cs:styleClr val="auto"/>
-    </cs:lnRef>
-    <cs:fillRef idx="1"/>
-    <cs:effectRef idx="0"/>
-    <cs:fontRef idx="minor">
-      <a:schemeClr val="tx1"/>
-    </cs:fontRef>
-    <cs:spPr>
-      <a:ln w="28575" cap="rnd">
-        <a:solidFill>
-          <a:schemeClr val="phClr"/>
-        </a:solidFill>
-        <a:round/>
-      </a:ln>
-    </cs:spPr>
-  </cs:dataPointLine>
-  <cs:dataPointMarker>
-    <cs:lnRef idx="0">
-      <cs:styleClr val="auto"/>
-    </cs:lnRef>
-    <cs:fillRef idx="1">
-      <cs:styleClr val="auto"/>
-    </cs:fillRef>
-    <cs:effectRef idx="0"/>
-    <cs:fontRef idx="minor">
-      <a:schemeClr val="tx1"/>
-    </cs:fontRef>
-    <cs:spPr>
-      <a:ln w="9525">
-        <a:solidFill>
-          <a:schemeClr val="phClr"/>
-        </a:solidFill>
-      </a:ln>
-    </cs:spPr>
-  </cs:dataPointMarker>
-  <cs:dataPointMarkerLayout symbol="circle" size="5"/>
-  <cs:dataPointWireframe>
-    <cs:lnRef idx="0">
-      <cs:styleClr val="auto"/>
-    </cs:lnRef>
-    <cs:fillRef idx="1"/>
-    <cs:effectRef idx="0"/>
-    <cs:fontRef idx="minor">
-      <a:schemeClr val="tx1"/>
-    </cs:fontRef>
-    <cs:spPr>
-      <a:ln w="9525" cap="rnd">
-        <a:solidFill>
-          <a:schemeClr val="phClr"/>
-        </a:solidFill>
-        <a:round/>
-      </a:ln>
-    </cs:spPr>
-  </cs:dataPointWireframe>
-  <cs:dataTable>
-    <cs:lnRef idx="0"/>
-    <cs:fillRef idx="0"/>
-    <cs:effectRef idx="0"/>
-    <cs:fontRef idx="minor">
-      <a:schemeClr val="tx1">
-        <a:lumMod val="65000"/>
-        <a:lumOff val="35000"/>
-      </a:schemeClr>
-    </cs:fontRef>
-    <cs:spPr>
-      <a:noFill/>
-      <a:ln w="9525" cap="flat" cmpd="sng" algn="ctr">
-        <a:solidFill>
-          <a:schemeClr val="tx1">
-            <a:lumMod val="15000"/>
-            <a:lumOff val="85000"/>
-          </a:schemeClr>
-        </a:solidFill>
-        <a:round/>
-      </a:ln>
-    </cs:spPr>
-    <cs:defRPr sz="900" kern="1200"/>
-  </cs:dataTable>
-  <cs:downBar>
-    <cs:lnRef idx="0"/>
-    <cs:fillRef idx="0"/>
-    <cs:effectRef idx="0"/>
-    <cs:fontRef idx="minor">
-      <a:schemeClr val="tx1"/>
-    </cs:fontRef>
-    <cs:spPr>
-      <a:solidFill>
-        <a:schemeClr val="dk1">
-          <a:lumMod val="75000"/>
-          <a:lumOff val="25000"/>
-        </a:schemeClr>
-      </a:solidFill>
-      <a:ln w="9525" cap="flat" cmpd="sng" algn="ctr">
-        <a:solidFill>
-          <a:schemeClr val="tx1">
-            <a:lumMod val="65000"/>
-            <a:lumOff val="35000"/>
-          </a:schemeClr>
-        </a:solidFill>
-        <a:round/>
-      </a:ln>
-    </cs:spPr>
-  </cs:downBar>
-  <cs:dropLine>
-    <cs:lnRef idx="0"/>
-    <cs:fillRef idx="0"/>
-    <cs:effectRef idx="0"/>
-    <cs:fontRef idx="minor">
-      <a:schemeClr val="tx1"/>
-    </cs:fontRef>
-    <cs:spPr>
-      <a:ln w="9525" cap="flat" cmpd="sng" algn="ctr">
-        <a:solidFill>
-          <a:schemeClr val="tx1">
-            <a:lumMod val="35000"/>
-            <a:lumOff val="65000"/>
-          </a:schemeClr>
-        </a:solidFill>
-        <a:round/>
-      </a:ln>
-    </cs:spPr>
-  </cs:dropLine>
-  <cs:errorBar>
-    <cs:lnRef idx="0"/>
-    <cs:fillRef idx="0"/>
-    <cs:effectRef idx="0"/>
-    <cs:fontRef idx="minor">
-      <a:schemeClr val="tx1"/>
-    </cs:fontRef>
-    <cs:spPr>
-      <a:ln w="9525" cap="flat" cmpd="sng" algn="ctr">
-        <a:solidFill>
-          <a:schemeClr val="tx1">
-            <a:lumMod val="65000"/>
-            <a:lumOff val="35000"/>
-          </a:schemeClr>
-        </a:solidFill>
-        <a:round/>
-      </a:ln>
-    </cs:spPr>
-  </cs:errorBar>
-  <cs:floor>
-    <cs:lnRef idx="0"/>
-    <cs:fillRef idx="0"/>
-    <cs:effectRef idx="0"/>
-    <cs:fontRef idx="minor">
-      <a:schemeClr val="tx1"/>
-    </cs:fontRef>
-    <cs:spPr>
-      <a:noFill/>
-      <a:ln>
-        <a:noFill/>
-      </a:ln>
-    </cs:spPr>
-  </cs:floor>
-  <cs:gridlineMajor>
-    <cs:lnRef idx="0"/>
-    <cs:fillRef idx="0"/>
-    <cs:effectRef idx="0"/>
-    <cs:fontRef idx="minor">
-      <a:schemeClr val="tx1"/>
-    </cs:fontRef>
-    <cs:spPr>
-      <a:ln w="9525" cap="flat" cmpd="sng" algn="ctr">
-        <a:solidFill>
-          <a:schemeClr val="tx1">
-            <a:lumMod val="15000"/>
-            <a:lumOff val="85000"/>
-          </a:schemeClr>
-        </a:solidFill>
-        <a:round/>
-      </a:ln>
-    </cs:spPr>
-  </cs:gridlineMajor>
-  <cs:gridlineMinor>
-    <cs:lnRef idx="0"/>
-    <cs:fillRef idx="0"/>
-    <cs:effectRef idx="0"/>
-    <cs:fontRef idx="minor">
-      <a:schemeClr val="tx1"/>
-    </cs:fontRef>
-    <cs:spPr>
-      <a:ln w="9525" cap="flat" cmpd="sng" algn="ctr">
-        <a:solidFill>
-          <a:schemeClr val="tx1">
-            <a:lumMod val="5000"/>
-            <a:lumOff val="95000"/>
-          </a:schemeClr>
-        </a:solidFill>
-        <a:round/>
-      </a:ln>
-    </cs:spPr>
-  </cs:gridlineMinor>
-  <cs:hiLoLine>
-    <cs:lnRef idx="0"/>
-    <cs:fillRef idx="0"/>
-    <cs:effectRef idx="0"/>
-    <cs:fontRef idx="minor">
-      <a:schemeClr val="tx1"/>
-    </cs:fontRef>
-    <cs:spPr>
-      <a:ln w="9525" cap="flat" cmpd="sng" algn="ctr">
-        <a:solidFill>
-          <a:schemeClr val="tx1">
-            <a:lumMod val="50000"/>
-            <a:lumOff val="50000"/>
-          </a:schemeClr>
-        </a:solidFill>
-        <a:round/>
-      </a:ln>
-    </cs:spPr>
-  </cs:hiLoLine>
-  <cs:leaderLine>
-    <cs:lnRef idx="0"/>
-    <cs:fillRef idx="0"/>
-    <cs:effectRef idx="0"/>
-    <cs:fontRef idx="minor">
-      <a:schemeClr val="tx1"/>
-    </cs:fontRef>
-    <cs:spPr>
-      <a:ln w="9525" cap="flat" cmpd="sng" algn="ctr">
-        <a:solidFill>
-          <a:schemeClr val="tx1">
-            <a:lumMod val="35000"/>
-            <a:lumOff val="65000"/>
-          </a:schemeClr>
-        </a:solidFill>
-        <a:round/>
-      </a:ln>
-    </cs:spPr>
-  </cs:leaderLine>
-  <cs:legend>
-    <cs:lnRef idx="0"/>
-    <cs:fillRef idx="0"/>
-    <cs:effectRef idx="0"/>
-    <cs:fontRef idx="minor">
-      <a:schemeClr val="tx1">
-        <a:lumMod val="65000"/>
-        <a:lumOff val="35000"/>
-      </a:schemeClr>
-    </cs:fontRef>
-    <cs:defRPr sz="900" kern="1200"/>
-  </cs:legend>
-  <cs:plotArea mods="allowNoFillOverride allowNoLineOverride">
-    <cs:lnRef idx="0"/>
-    <cs:fillRef idx="0"/>
-    <cs:effectRef idx="0"/>
-    <cs:fontRef idx="minor">
-      <a:schemeClr val="tx1"/>
-    </cs:fontRef>
-  </cs:plotArea>
-  <cs:plotArea3D mods="allowNoFillOverride allowNoLineOverride">
-    <cs:lnRef idx="0"/>
-    <cs:fillRef idx="0"/>
-    <cs:effectRef idx="0"/>
-    <cs:fontRef idx="minor">
-      <a:schemeClr val="tx1"/>
-    </cs:fontRef>
-  </cs:plotArea3D>
-  <cs:seriesAxis>
-    <cs:lnRef idx="0"/>
-    <cs:fillRef idx="0"/>
-    <cs:effectRef idx="0"/>
-    <cs:fontRef idx="minor">
-      <a:schemeClr val="tx1">
-        <a:lumMod val="65000"/>
-        <a:lumOff val="35000"/>
-      </a:schemeClr>
-    </cs:fontRef>
-    <cs:defRPr sz="900" kern="1200"/>
-  </cs:seriesAxis>
-  <cs:seriesLine>
-    <cs:lnRef idx="0"/>
-    <cs:fillRef idx="0"/>
-    <cs:effectRef idx="0"/>
-    <cs:fontRef idx="minor">
-      <a:schemeClr val="tx1"/>
-    </cs:fontRef>
-    <cs:spPr>
-      <a:ln w="9525" cap="flat" cmpd="sng" algn="ctr">
-        <a:solidFill>
-          <a:schemeClr val="tx1">
-            <a:lumMod val="35000"/>
-            <a:lumOff val="65000"/>
-          </a:schemeClr>
-        </a:solidFill>
-        <a:round/>
-      </a:ln>
-    </cs:spPr>
-  </cs:seriesLine>
-  <cs:title>
-    <cs:lnRef idx="0"/>
-    <cs:fillRef idx="0"/>
-    <cs:effectRef idx="0"/>
-    <cs:fontRef idx="minor">
-      <a:schemeClr val="tx1">
-        <a:lumMod val="65000"/>
-        <a:lumOff val="35000"/>
-      </a:schemeClr>
-    </cs:fontRef>
-    <cs:defRPr sz="1400" b="0" kern="1200" spc="0" baseline="0"/>
-  </cs:title>
-  <cs:trendline>
-    <cs:lnRef idx="0">
-      <cs:styleClr val="auto"/>
-    </cs:lnRef>
-    <cs:fillRef idx="0"/>
-    <cs:effectRef idx="0"/>
-    <cs:fontRef idx="minor">
-      <a:schemeClr val="tx1"/>
-    </cs:fontRef>
-    <cs:spPr>
-      <a:ln w="19050" cap="rnd">
-        <a:solidFill>
-          <a:schemeClr val="phClr"/>
-        </a:solidFill>
-        <a:prstDash val="sysDot"/>
-      </a:ln>
-    </cs:spPr>
-  </cs:trendline>
-  <cs:trendlineLabel>
-    <cs:lnRef idx="0"/>
-    <cs:fillRef idx="0"/>
-    <cs:effectRef idx="0"/>
-    <cs:fontRef idx="minor">
-      <a:schemeClr val="tx1">
-        <a:lumMod val="65000"/>
-        <a:lumOff val="35000"/>
-      </a:schemeClr>
-    </cs:fontRef>
-    <cs:defRPr sz="900" kern="1200"/>
-  </cs:trendlineLabel>
-  <cs:upBar>
-    <cs:lnRef idx="0"/>
-    <cs:fillRef idx="0"/>
-    <cs:effectRef idx="0"/>
-    <cs:fontRef idx="minor">
-      <a:schemeClr val="tx1"/>
-    </cs:fontRef>
-    <cs:spPr>
-      <a:solidFill>
-        <a:schemeClr val="lt1"/>
-      </a:solidFill>
-      <a:ln w="9525" cap="flat" cmpd="sng" algn="ctr">
-        <a:solidFill>
-          <a:schemeClr val="tx1">
-            <a:lumMod val="65000"/>
-            <a:lumOff val="35000"/>
-          </a:schemeClr>
-        </a:solidFill>
-        <a:round/>
-      </a:ln>
-    </cs:spPr>
-  </cs:upBar>
-  <cs:valueAxis>
-    <cs:lnRef idx="0"/>
-    <cs:fillRef idx="0"/>
-    <cs:effectRef idx="0"/>
-    <cs:fontRef idx="minor">
-      <a:schemeClr val="tx1">
-        <a:lumMod val="65000"/>
-        <a:lumOff val="35000"/>
-      </a:schemeClr>
-    </cs:fontRef>
-    <cs:defRPr sz="900" kern="1200"/>
-  </cs:valueAxis>
-  <cs:wall>
-    <cs:lnRef idx="0"/>
-    <cs:fillRef idx="0"/>
-    <cs:effectRef idx="0"/>
-    <cs:fontRef idx="minor">
-      <a:schemeClr val="tx1"/>
-    </cs:fontRef>
-    <cs:spPr>
-      <a:noFill/>
-      <a:ln>
-        <a:noFill/>
-      </a:ln>
-    </cs:spPr>
-  </cs:wall>
-</cs:chartStyle>
-</file>
-
 <file path=ppt/notesMasters/notesMaster1.xml><?xml version="1.0" encoding="utf-8"?>
 <p:notesMaster xmlns:a="http://schemas.openxmlformats.org/drawingml/2006/main" xmlns:r="http://schemas.openxmlformats.org/officeDocument/2006/relationships" xmlns:p="http://schemas.openxmlformats.org/presentationml/2006/main">
   <p:cSld>
@@ -2212,7 +2225,7 @@
           <a:p>
             <a:fld id="{65154C0B-E2C7-4D9E-827C-72C00C2A711B}" type="slidenum">
               <a:rPr lang="es-ES" smtClean="0"/>
-              <a:t>‹Nº›</a:t>
+              <a:t>‹#›</a:t>
             </a:fld>
             <a:endParaRPr lang="es-ES"/>
           </a:p>
@@ -2839,7 +2852,7 @@
           <a:p>
             <a:fld id="{D0D03522-ACFB-465D-BFFC-5FB31DCDE28F}" type="slidenum">
               <a:rPr lang="es-ES" smtClean="0"/>
-              <a:t>‹Nº›</a:t>
+              <a:t>‹#›</a:t>
             </a:fld>
             <a:endParaRPr lang="es-ES"/>
           </a:p>
@@ -3047,7 +3060,7 @@
           <a:p>
             <a:fld id="{D0D03522-ACFB-465D-BFFC-5FB31DCDE28F}" type="slidenum">
               <a:rPr lang="es-ES" smtClean="0"/>
-              <a:t>‹Nº›</a:t>
+              <a:t>‹#›</a:t>
             </a:fld>
             <a:endParaRPr lang="es-ES"/>
           </a:p>
@@ -3227,7 +3240,7 @@
           <a:p>
             <a:fld id="{D0D03522-ACFB-465D-BFFC-5FB31DCDE28F}" type="slidenum">
               <a:rPr lang="es-ES" smtClean="0"/>
-              <a:t>‹Nº›</a:t>
+              <a:t>‹#›</a:t>
             </a:fld>
             <a:endParaRPr lang="es-ES"/>
           </a:p>
@@ -3397,7 +3410,7 @@
           <a:p>
             <a:fld id="{D0D03522-ACFB-465D-BFFC-5FB31DCDE28F}" type="slidenum">
               <a:rPr lang="es-ES" smtClean="0"/>
-              <a:t>‹Nº›</a:t>
+              <a:t>‹#›</a:t>
             </a:fld>
             <a:endParaRPr lang="es-ES"/>
           </a:p>
@@ -3651,7 +3664,7 @@
           <a:p>
             <a:fld id="{D0D03522-ACFB-465D-BFFC-5FB31DCDE28F}" type="slidenum">
               <a:rPr lang="es-ES" smtClean="0"/>
-              <a:t>‹Nº›</a:t>
+              <a:t>‹#›</a:t>
             </a:fld>
             <a:endParaRPr lang="es-ES"/>
           </a:p>
@@ -3977,7 +3990,7 @@
           <a:p>
             <a:fld id="{D0D03522-ACFB-465D-BFFC-5FB31DCDE28F}" type="slidenum">
               <a:rPr lang="es-ES" smtClean="0"/>
-              <a:t>‹Nº›</a:t>
+              <a:t>‹#›</a:t>
             </a:fld>
             <a:endParaRPr lang="es-ES"/>
           </a:p>
@@ -4428,7 +4441,7 @@
           <a:p>
             <a:fld id="{D0D03522-ACFB-465D-BFFC-5FB31DCDE28F}" type="slidenum">
               <a:rPr lang="es-ES" smtClean="0"/>
-              <a:t>‹Nº›</a:t>
+              <a:t>‹#›</a:t>
             </a:fld>
             <a:endParaRPr lang="es-ES"/>
           </a:p>
@@ -4546,7 +4559,7 @@
           <a:p>
             <a:fld id="{D0D03522-ACFB-465D-BFFC-5FB31DCDE28F}" type="slidenum">
               <a:rPr lang="es-ES" smtClean="0"/>
-              <a:t>‹Nº›</a:t>
+              <a:t>‹#›</a:t>
             </a:fld>
             <a:endParaRPr lang="es-ES"/>
           </a:p>
@@ -4641,7 +4654,7 @@
           <a:p>
             <a:fld id="{D0D03522-ACFB-465D-BFFC-5FB31DCDE28F}" type="slidenum">
               <a:rPr lang="es-ES" smtClean="0"/>
-              <a:t>‹Nº›</a:t>
+              <a:t>‹#›</a:t>
             </a:fld>
             <a:endParaRPr lang="es-ES"/>
           </a:p>
@@ -4928,7 +4941,7 @@
           <a:p>
             <a:fld id="{D0D03522-ACFB-465D-BFFC-5FB31DCDE28F}" type="slidenum">
               <a:rPr lang="es-ES" smtClean="0"/>
-              <a:t>‹Nº›</a:t>
+              <a:t>‹#›</a:t>
             </a:fld>
             <a:endParaRPr lang="es-ES"/>
           </a:p>
@@ -5250,7 +5263,7 @@
           <a:p>
             <a:fld id="{D0D03522-ACFB-465D-BFFC-5FB31DCDE28F}" type="slidenum">
               <a:rPr lang="es-ES" smtClean="0"/>
-              <a:t>‹Nº›</a:t>
+              <a:t>‹#›</a:t>
             </a:fld>
             <a:endParaRPr lang="es-ES"/>
           </a:p>
@@ -5544,7 +5557,7 @@
           <a:p>
             <a:fld id="{D0D03522-ACFB-465D-BFFC-5FB31DCDE28F}" type="slidenum">
               <a:rPr lang="es-ES" smtClean="0"/>
-              <a:t>‹Nº›</a:t>
+              <a:t>‹#›</a:t>
             </a:fld>
             <a:endParaRPr lang="es-ES"/>
           </a:p>
@@ -7957,7 +7970,7 @@
           <a:p>
             <a:r>
               <a:rPr lang="es-ES" dirty="0" smtClean="0"/>
-              <a:t>Análisis preliminar de resultados</a:t>
+              <a:t>Proporción del espacio de búsqueda</a:t>
             </a:r>
             <a:endParaRPr lang="es-ES" dirty="0"/>
           </a:p>
@@ -7965,21 +7978,21 @@
       </p:sp>
       <p:graphicFrame>
         <p:nvGraphicFramePr>
-          <p:cNvPr id="10" name="Gráfico 9"/>
+          <p:cNvPr id="4" name="Gráfico 3"/>
           <p:cNvGraphicFramePr>
             <a:graphicFrameLocks/>
           </p:cNvGraphicFramePr>
           <p:nvPr>
             <p:extLst>
               <p:ext uri="{D42A27DB-BD31-4B8C-83A1-F6EECF244321}">
-                <p14:modId xmlns:p14="http://schemas.microsoft.com/office/powerpoint/2010/main" val="3825528206"/>
+                <p14:modId xmlns:p14="http://schemas.microsoft.com/office/powerpoint/2010/main" val="725268739"/>
               </p:ext>
             </p:extLst>
           </p:nvPr>
         </p:nvGraphicFramePr>
         <p:xfrm>
-          <a:off x="1057014" y="1386909"/>
-          <a:ext cx="9169166" cy="5156503"/>
+          <a:off x="1098958" y="1780562"/>
+          <a:ext cx="8082571" cy="4276289"/>
         </p:xfrm>
         <a:graphic>
           <a:graphicData uri="http://schemas.openxmlformats.org/drawingml/2006/chart">
@@ -7987,10 +8000,100 @@
           </a:graphicData>
         </a:graphic>
       </p:graphicFrame>
+      <p:sp>
+        <p:nvSpPr>
+          <p:cNvPr id="3" name="TextBox 2"/>
+          <p:cNvSpPr txBox="1"/>
+          <p:nvPr/>
+        </p:nvSpPr>
+        <p:spPr>
+          <a:xfrm>
+            <a:off x="5140243" y="4656081"/>
+            <a:ext cx="819808" cy="369332"/>
+          </a:xfrm>
+          <a:prstGeom prst="rect">
+            <a:avLst/>
+          </a:prstGeom>
+          <a:noFill/>
+        </p:spPr>
+        <p:txBody>
+          <a:bodyPr wrap="square" rtlCol="0">
+            <a:spAutoFit/>
+          </a:bodyPr>
+          <a:lstStyle/>
+          <a:p>
+            <a:r>
+              <a:rPr lang="es-ES" dirty="0" smtClean="0"/>
+              <a:t>0.6%</a:t>
+            </a:r>
+            <a:endParaRPr lang="es-ES" dirty="0"/>
+          </a:p>
+        </p:txBody>
+      </p:sp>
+      <p:sp>
+        <p:nvSpPr>
+          <p:cNvPr id="5" name="TextBox 4"/>
+          <p:cNvSpPr txBox="1"/>
+          <p:nvPr/>
+        </p:nvSpPr>
+        <p:spPr>
+          <a:xfrm>
+            <a:off x="2969172" y="4941330"/>
+            <a:ext cx="819808" cy="369332"/>
+          </a:xfrm>
+          <a:prstGeom prst="rect">
+            <a:avLst/>
+          </a:prstGeom>
+          <a:noFill/>
+        </p:spPr>
+        <p:txBody>
+          <a:bodyPr wrap="square" rtlCol="0">
+            <a:spAutoFit/>
+          </a:bodyPr>
+          <a:lstStyle/>
+          <a:p>
+            <a:r>
+              <a:rPr lang="es-ES" dirty="0" smtClean="0"/>
+              <a:t>0.02%</a:t>
+            </a:r>
+            <a:endParaRPr lang="es-ES" dirty="0"/>
+          </a:p>
+        </p:txBody>
+      </p:sp>
+      <p:sp>
+        <p:nvSpPr>
+          <p:cNvPr id="6" name="TextBox 5"/>
+          <p:cNvSpPr txBox="1"/>
+          <p:nvPr/>
+        </p:nvSpPr>
+        <p:spPr>
+          <a:xfrm>
+            <a:off x="7283669" y="2039005"/>
+            <a:ext cx="819808" cy="369332"/>
+          </a:xfrm>
+          <a:prstGeom prst="rect">
+            <a:avLst/>
+          </a:prstGeom>
+          <a:noFill/>
+        </p:spPr>
+        <p:txBody>
+          <a:bodyPr wrap="square" rtlCol="0">
+            <a:spAutoFit/>
+          </a:bodyPr>
+          <a:lstStyle/>
+          <a:p>
+            <a:r>
+              <a:rPr lang="es-ES" dirty="0" smtClean="0"/>
+              <a:t>5%</a:t>
+            </a:r>
+            <a:endParaRPr lang="es-ES" dirty="0"/>
+          </a:p>
+        </p:txBody>
+      </p:sp>
     </p:spTree>
     <p:extLst>
       <p:ext uri="{BB962C8B-B14F-4D97-AF65-F5344CB8AC3E}">
-        <p14:creationId xmlns:p14="http://schemas.microsoft.com/office/powerpoint/2010/main" val="285103313"/>
+        <p14:creationId xmlns:p14="http://schemas.microsoft.com/office/powerpoint/2010/main" val="3386269869"/>
       </p:ext>
     </p:extLst>
   </p:cSld>
@@ -8054,21 +8157,21 @@
       </p:sp>
       <p:graphicFrame>
         <p:nvGraphicFramePr>
-          <p:cNvPr id="4" name="Gráfico 3"/>
+          <p:cNvPr id="10" name="Gráfico 9"/>
           <p:cNvGraphicFramePr>
             <a:graphicFrameLocks/>
           </p:cNvGraphicFramePr>
           <p:nvPr>
             <p:extLst>
               <p:ext uri="{D42A27DB-BD31-4B8C-83A1-F6EECF244321}">
-                <p14:modId xmlns:p14="http://schemas.microsoft.com/office/powerpoint/2010/main" val="1778833612"/>
+                <p14:modId xmlns:p14="http://schemas.microsoft.com/office/powerpoint/2010/main" val="3825528206"/>
               </p:ext>
             </p:extLst>
           </p:nvPr>
         </p:nvGraphicFramePr>
         <p:xfrm>
-          <a:off x="1098958" y="1780562"/>
-          <a:ext cx="8082571" cy="4276289"/>
+          <a:off x="1057014" y="1386909"/>
+          <a:ext cx="9169166" cy="5156503"/>
         </p:xfrm>
         <a:graphic>
           <a:graphicData uri="http://schemas.openxmlformats.org/drawingml/2006/chart">
@@ -8079,7 +8182,7 @@
     </p:spTree>
     <p:extLst>
       <p:ext uri="{BB962C8B-B14F-4D97-AF65-F5344CB8AC3E}">
-        <p14:creationId xmlns:p14="http://schemas.microsoft.com/office/powerpoint/2010/main" val="3386269869"/>
+        <p14:creationId xmlns:p14="http://schemas.microsoft.com/office/powerpoint/2010/main" val="285103313"/>
       </p:ext>
     </p:extLst>
   </p:cSld>
@@ -8158,7 +8261,9 @@
           </a:xfrm>
         </p:spPr>
         <p:txBody>
-          <a:bodyPr/>
+          <a:bodyPr>
+            <a:normAutofit fontScale="92500" lnSpcReduction="10000"/>
+          </a:bodyPr>
           <a:lstStyle/>
           <a:p>
             <a:pPr algn="just">
@@ -8203,11 +8308,7 @@
             </a:r>
             <a:r>
               <a:rPr lang="es-ES" dirty="0" smtClean="0"/>
-              <a:t> en todas las instancias el Camino Aleatorio dio mejor resultado que el Escalador de Colinas, lo que significa que </a:t>
-            </a:r>
-            <a:r>
-              <a:rPr lang="es-ES" smtClean="0"/>
-              <a:t>esta última </a:t>
+              <a:t> en todas las instancias el Camino Aleatorio dio mejor resultado que el Escalador de Colinas, lo que significa que esta última </a:t>
             </a:r>
             <a:r>
               <a:rPr lang="es-ES" dirty="0" err="1" smtClean="0"/>
@@ -8262,7 +8363,30 @@
             </a:r>
             <a:r>
               <a:rPr lang="es-ES" dirty="0" smtClean="0"/>
-              <a:t> Camino Aleatorio.</a:t>
+              <a:t> Camino Aleatorio</a:t>
+            </a:r>
+            <a:r>
+              <a:rPr lang="es-ES" dirty="0" smtClean="0"/>
+              <a:t>.</a:t>
+            </a:r>
+          </a:p>
+          <a:p>
+            <a:pPr algn="just">
+              <a:lnSpc>
+                <a:spcPct val="150000"/>
+              </a:lnSpc>
+            </a:pPr>
+            <a:r>
+              <a:rPr lang="es-ES" dirty="0" smtClean="0"/>
+              <a:t>En promedio, la </a:t>
+            </a:r>
+            <a:r>
+              <a:rPr lang="es-ES" dirty="0" err="1" smtClean="0"/>
+              <a:t>metaheurística</a:t>
+            </a:r>
+            <a:r>
+              <a:rPr lang="es-ES" dirty="0" smtClean="0"/>
+              <a:t> que da mejor resultado es el Camino Aleatorio y la que da peor es el Escalador de Colinas</a:t>
             </a:r>
             <a:endParaRPr lang="es-ES" dirty="0"/>
           </a:p>
@@ -9486,21 +9610,21 @@
                 <a:gridCol w="406400">
                   <a:extLst>
                     <a:ext uri="{9D8B030D-6E8A-4147-A177-3AD203B41FA5}">
-                      <a16:colId xmlns="" xmlns:a16="http://schemas.microsoft.com/office/drawing/2014/main" val="1801000517"/>
+                      <a16:colId xmlns:a16="http://schemas.microsoft.com/office/drawing/2014/main" val="1801000517"/>
                     </a:ext>
                   </a:extLst>
                 </a:gridCol>
                 <a:gridCol w="375920">
                   <a:extLst>
                     <a:ext uri="{9D8B030D-6E8A-4147-A177-3AD203B41FA5}">
-                      <a16:colId xmlns="" xmlns:a16="http://schemas.microsoft.com/office/drawing/2014/main" val="1657204703"/>
+                      <a16:colId xmlns:a16="http://schemas.microsoft.com/office/drawing/2014/main" val="1657204703"/>
                     </a:ext>
                   </a:extLst>
                 </a:gridCol>
                 <a:gridCol w="7325360">
                   <a:extLst>
                     <a:ext uri="{9D8B030D-6E8A-4147-A177-3AD203B41FA5}">
-                      <a16:colId xmlns="" xmlns:a16="http://schemas.microsoft.com/office/drawing/2014/main" val="3305165988"/>
+                      <a16:colId xmlns:a16="http://schemas.microsoft.com/office/drawing/2014/main" val="3305165988"/>
                     </a:ext>
                   </a:extLst>
                 </a:gridCol>
@@ -9587,7 +9711,7 @@
                 </a:tc>
                 <a:extLst>
                   <a:ext uri="{0D108BD9-81ED-4DB2-BD59-A6C34878D82A}">
-                    <a16:rowId xmlns="" xmlns:a16="http://schemas.microsoft.com/office/drawing/2014/main" val="1190365663"/>
+                    <a16:rowId xmlns:a16="http://schemas.microsoft.com/office/drawing/2014/main" val="1190365663"/>
                   </a:ext>
                 </a:extLst>
               </a:tr>
@@ -9636,7 +9760,7 @@
                 </a:tc>
                 <a:extLst>
                   <a:ext uri="{0D108BD9-81ED-4DB2-BD59-A6C34878D82A}">
-                    <a16:rowId xmlns="" xmlns:a16="http://schemas.microsoft.com/office/drawing/2014/main" val="1730090890"/>
+                    <a16:rowId xmlns:a16="http://schemas.microsoft.com/office/drawing/2014/main" val="1730090890"/>
                   </a:ext>
                 </a:extLst>
               </a:tr>
@@ -9685,7 +9809,7 @@
                 </a:tc>
                 <a:extLst>
                   <a:ext uri="{0D108BD9-81ED-4DB2-BD59-A6C34878D82A}">
-                    <a16:rowId xmlns="" xmlns:a16="http://schemas.microsoft.com/office/drawing/2014/main" val="1626348320"/>
+                    <a16:rowId xmlns:a16="http://schemas.microsoft.com/office/drawing/2014/main" val="1626348320"/>
                   </a:ext>
                 </a:extLst>
               </a:tr>
@@ -9746,7 +9870,7 @@
                 </a:tc>
                 <a:extLst>
                   <a:ext uri="{0D108BD9-81ED-4DB2-BD59-A6C34878D82A}">
-                    <a16:rowId xmlns="" xmlns:a16="http://schemas.microsoft.com/office/drawing/2014/main" val="2554951521"/>
+                    <a16:rowId xmlns:a16="http://schemas.microsoft.com/office/drawing/2014/main" val="2554951521"/>
                   </a:ext>
                 </a:extLst>
               </a:tr>
@@ -9791,7 +9915,7 @@
                 </a:tc>
                 <a:extLst>
                   <a:ext uri="{0D108BD9-81ED-4DB2-BD59-A6C34878D82A}">
-                    <a16:rowId xmlns="" xmlns:a16="http://schemas.microsoft.com/office/drawing/2014/main" val="1427695710"/>
+                    <a16:rowId xmlns:a16="http://schemas.microsoft.com/office/drawing/2014/main" val="1427695710"/>
                   </a:ext>
                 </a:extLst>
               </a:tr>
@@ -9844,7 +9968,7 @@
                 </a:tc>
                 <a:extLst>
                   <a:ext uri="{0D108BD9-81ED-4DB2-BD59-A6C34878D82A}">
-                    <a16:rowId xmlns="" xmlns:a16="http://schemas.microsoft.com/office/drawing/2014/main" val="1009187632"/>
+                    <a16:rowId xmlns:a16="http://schemas.microsoft.com/office/drawing/2014/main" val="1009187632"/>
                   </a:ext>
                 </a:extLst>
               </a:tr>
@@ -9889,7 +10013,7 @@
                 </a:tc>
                 <a:extLst>
                   <a:ext uri="{0D108BD9-81ED-4DB2-BD59-A6C34878D82A}">
-                    <a16:rowId xmlns="" xmlns:a16="http://schemas.microsoft.com/office/drawing/2014/main" val="993100956"/>
+                    <a16:rowId xmlns:a16="http://schemas.microsoft.com/office/drawing/2014/main" val="993100956"/>
                   </a:ext>
                 </a:extLst>
               </a:tr>
@@ -9934,7 +10058,7 @@
                 </a:tc>
                 <a:extLst>
                   <a:ext uri="{0D108BD9-81ED-4DB2-BD59-A6C34878D82A}">
-                    <a16:rowId xmlns="" xmlns:a16="http://schemas.microsoft.com/office/drawing/2014/main" val="3588268998"/>
+                    <a16:rowId xmlns:a16="http://schemas.microsoft.com/office/drawing/2014/main" val="3588268998"/>
                   </a:ext>
                 </a:extLst>
               </a:tr>
@@ -10122,42 +10246,42 @@
                 <a:gridCol w="1354667">
                   <a:extLst>
                     <a:ext uri="{9D8B030D-6E8A-4147-A177-3AD203B41FA5}">
-                      <a16:colId xmlns="" xmlns:a16="http://schemas.microsoft.com/office/drawing/2014/main" val="4031248115"/>
+                      <a16:colId xmlns:a16="http://schemas.microsoft.com/office/drawing/2014/main" val="4031248115"/>
                     </a:ext>
                   </a:extLst>
                 </a:gridCol>
                 <a:gridCol w="1354667">
                   <a:extLst>
                     <a:ext uri="{9D8B030D-6E8A-4147-A177-3AD203B41FA5}">
-                      <a16:colId xmlns="" xmlns:a16="http://schemas.microsoft.com/office/drawing/2014/main" val="220679877"/>
+                      <a16:colId xmlns:a16="http://schemas.microsoft.com/office/drawing/2014/main" val="220679877"/>
                     </a:ext>
                   </a:extLst>
                 </a:gridCol>
                 <a:gridCol w="1354667">
                   <a:extLst>
                     <a:ext uri="{9D8B030D-6E8A-4147-A177-3AD203B41FA5}">
-                      <a16:colId xmlns="" xmlns:a16="http://schemas.microsoft.com/office/drawing/2014/main" val="2773510325"/>
+                      <a16:colId xmlns:a16="http://schemas.microsoft.com/office/drawing/2014/main" val="2773510325"/>
                     </a:ext>
                   </a:extLst>
                 </a:gridCol>
                 <a:gridCol w="1354667">
                   <a:extLst>
                     <a:ext uri="{9D8B030D-6E8A-4147-A177-3AD203B41FA5}">
-                      <a16:colId xmlns="" xmlns:a16="http://schemas.microsoft.com/office/drawing/2014/main" val="269533158"/>
+                      <a16:colId xmlns:a16="http://schemas.microsoft.com/office/drawing/2014/main" val="269533158"/>
                     </a:ext>
                   </a:extLst>
                 </a:gridCol>
                 <a:gridCol w="1354667">
                   <a:extLst>
                     <a:ext uri="{9D8B030D-6E8A-4147-A177-3AD203B41FA5}">
-                      <a16:colId xmlns="" xmlns:a16="http://schemas.microsoft.com/office/drawing/2014/main" val="4000846733"/>
+                      <a16:colId xmlns:a16="http://schemas.microsoft.com/office/drawing/2014/main" val="4000846733"/>
                     </a:ext>
                   </a:extLst>
                 </a:gridCol>
                 <a:gridCol w="1354667">
                   <a:extLst>
                     <a:ext uri="{9D8B030D-6E8A-4147-A177-3AD203B41FA5}">
-                      <a16:colId xmlns="" xmlns:a16="http://schemas.microsoft.com/office/drawing/2014/main" val="465695325"/>
+                      <a16:colId xmlns:a16="http://schemas.microsoft.com/office/drawing/2014/main" val="465695325"/>
                     </a:ext>
                   </a:extLst>
                 </a:gridCol>
@@ -10245,7 +10369,7 @@
                 </a:tc>
                 <a:extLst>
                   <a:ext uri="{0D108BD9-81ED-4DB2-BD59-A6C34878D82A}">
-                    <a16:rowId xmlns="" xmlns:a16="http://schemas.microsoft.com/office/drawing/2014/main" val="1848507414"/>
+                    <a16:rowId xmlns:a16="http://schemas.microsoft.com/office/drawing/2014/main" val="1848507414"/>
                   </a:ext>
                 </a:extLst>
               </a:tr>
@@ -10335,7 +10459,7 @@
                 </a:tc>
                 <a:extLst>
                   <a:ext uri="{0D108BD9-81ED-4DB2-BD59-A6C34878D82A}">
-                    <a16:rowId xmlns="" xmlns:a16="http://schemas.microsoft.com/office/drawing/2014/main" val="3575386969"/>
+                    <a16:rowId xmlns:a16="http://schemas.microsoft.com/office/drawing/2014/main" val="3575386969"/>
                   </a:ext>
                 </a:extLst>
               </a:tr>
@@ -10429,7 +10553,7 @@
                 </a:tc>
                 <a:extLst>
                   <a:ext uri="{0D108BD9-81ED-4DB2-BD59-A6C34878D82A}">
-                    <a16:rowId xmlns="" xmlns:a16="http://schemas.microsoft.com/office/drawing/2014/main" val="4209900852"/>
+                    <a16:rowId xmlns:a16="http://schemas.microsoft.com/office/drawing/2014/main" val="4209900852"/>
                   </a:ext>
                 </a:extLst>
               </a:tr>
@@ -10515,7 +10639,7 @@
                 </a:tc>
                 <a:extLst>
                   <a:ext uri="{0D108BD9-81ED-4DB2-BD59-A6C34878D82A}">
-                    <a16:rowId xmlns="" xmlns:a16="http://schemas.microsoft.com/office/drawing/2014/main" val="2009515904"/>
+                    <a16:rowId xmlns:a16="http://schemas.microsoft.com/office/drawing/2014/main" val="2009515904"/>
                   </a:ext>
                 </a:extLst>
               </a:tr>
@@ -10626,7 +10750,7 @@
                 </a:tc>
                 <a:extLst>
                   <a:ext uri="{0D108BD9-81ED-4DB2-BD59-A6C34878D82A}">
-                    <a16:rowId xmlns="" xmlns:a16="http://schemas.microsoft.com/office/drawing/2014/main" val="3195264674"/>
+                    <a16:rowId xmlns:a16="http://schemas.microsoft.com/office/drawing/2014/main" val="3195264674"/>
                   </a:ext>
                 </a:extLst>
               </a:tr>
@@ -10662,42 +10786,42 @@
                 <a:gridCol w="1354667">
                   <a:extLst>
                     <a:ext uri="{9D8B030D-6E8A-4147-A177-3AD203B41FA5}">
-                      <a16:colId xmlns="" xmlns:a16="http://schemas.microsoft.com/office/drawing/2014/main" val="4031248115"/>
+                      <a16:colId xmlns:a16="http://schemas.microsoft.com/office/drawing/2014/main" val="4031248115"/>
                     </a:ext>
                   </a:extLst>
                 </a:gridCol>
                 <a:gridCol w="1354667">
                   <a:extLst>
                     <a:ext uri="{9D8B030D-6E8A-4147-A177-3AD203B41FA5}">
-                      <a16:colId xmlns="" xmlns:a16="http://schemas.microsoft.com/office/drawing/2014/main" val="220679877"/>
+                      <a16:colId xmlns:a16="http://schemas.microsoft.com/office/drawing/2014/main" val="220679877"/>
                     </a:ext>
                   </a:extLst>
                 </a:gridCol>
                 <a:gridCol w="1354667">
                   <a:extLst>
                     <a:ext uri="{9D8B030D-6E8A-4147-A177-3AD203B41FA5}">
-                      <a16:colId xmlns="" xmlns:a16="http://schemas.microsoft.com/office/drawing/2014/main" val="2773510325"/>
+                      <a16:colId xmlns:a16="http://schemas.microsoft.com/office/drawing/2014/main" val="2773510325"/>
                     </a:ext>
                   </a:extLst>
                 </a:gridCol>
                 <a:gridCol w="1354667">
                   <a:extLst>
                     <a:ext uri="{9D8B030D-6E8A-4147-A177-3AD203B41FA5}">
-                      <a16:colId xmlns="" xmlns:a16="http://schemas.microsoft.com/office/drawing/2014/main" val="269533158"/>
+                      <a16:colId xmlns:a16="http://schemas.microsoft.com/office/drawing/2014/main" val="269533158"/>
                     </a:ext>
                   </a:extLst>
                 </a:gridCol>
                 <a:gridCol w="1354667">
                   <a:extLst>
                     <a:ext uri="{9D8B030D-6E8A-4147-A177-3AD203B41FA5}">
-                      <a16:colId xmlns="" xmlns:a16="http://schemas.microsoft.com/office/drawing/2014/main" val="4000846733"/>
+                      <a16:colId xmlns:a16="http://schemas.microsoft.com/office/drawing/2014/main" val="4000846733"/>
                     </a:ext>
                   </a:extLst>
                 </a:gridCol>
                 <a:gridCol w="1354667">
                   <a:extLst>
                     <a:ext uri="{9D8B030D-6E8A-4147-A177-3AD203B41FA5}">
-                      <a16:colId xmlns="" xmlns:a16="http://schemas.microsoft.com/office/drawing/2014/main" val="465695325"/>
+                      <a16:colId xmlns:a16="http://schemas.microsoft.com/office/drawing/2014/main" val="465695325"/>
                     </a:ext>
                   </a:extLst>
                 </a:gridCol>
@@ -10785,7 +10909,7 @@
                 </a:tc>
                 <a:extLst>
                   <a:ext uri="{0D108BD9-81ED-4DB2-BD59-A6C34878D82A}">
-                    <a16:rowId xmlns="" xmlns:a16="http://schemas.microsoft.com/office/drawing/2014/main" val="1848507414"/>
+                    <a16:rowId xmlns:a16="http://schemas.microsoft.com/office/drawing/2014/main" val="1848507414"/>
                   </a:ext>
                 </a:extLst>
               </a:tr>
@@ -10875,7 +10999,7 @@
                 </a:tc>
                 <a:extLst>
                   <a:ext uri="{0D108BD9-81ED-4DB2-BD59-A6C34878D82A}">
-                    <a16:rowId xmlns="" xmlns:a16="http://schemas.microsoft.com/office/drawing/2014/main" val="3575386969"/>
+                    <a16:rowId xmlns:a16="http://schemas.microsoft.com/office/drawing/2014/main" val="3575386969"/>
                   </a:ext>
                 </a:extLst>
               </a:tr>
@@ -10969,7 +11093,7 @@
                 </a:tc>
                 <a:extLst>
                   <a:ext uri="{0D108BD9-81ED-4DB2-BD59-A6C34878D82A}">
-                    <a16:rowId xmlns="" xmlns:a16="http://schemas.microsoft.com/office/drawing/2014/main" val="4209900852"/>
+                    <a16:rowId xmlns:a16="http://schemas.microsoft.com/office/drawing/2014/main" val="4209900852"/>
                   </a:ext>
                 </a:extLst>
               </a:tr>
@@ -11055,7 +11179,7 @@
                 </a:tc>
                 <a:extLst>
                   <a:ext uri="{0D108BD9-81ED-4DB2-BD59-A6C34878D82A}">
-                    <a16:rowId xmlns="" xmlns:a16="http://schemas.microsoft.com/office/drawing/2014/main" val="2009515904"/>
+                    <a16:rowId xmlns:a16="http://schemas.microsoft.com/office/drawing/2014/main" val="2009515904"/>
                   </a:ext>
                 </a:extLst>
               </a:tr>
@@ -11200,7 +11324,7 @@
                 </a:tc>
                 <a:extLst>
                   <a:ext uri="{0D108BD9-81ED-4DB2-BD59-A6C34878D82A}">
-                    <a16:rowId xmlns="" xmlns:a16="http://schemas.microsoft.com/office/drawing/2014/main" val="3195264674"/>
+                    <a16:rowId xmlns:a16="http://schemas.microsoft.com/office/drawing/2014/main" val="3195264674"/>
                   </a:ext>
                 </a:extLst>
               </a:tr>
@@ -11424,14 +11548,14 @@
                 <a:gridCol w="406400">
                   <a:extLst>
                     <a:ext uri="{9D8B030D-6E8A-4147-A177-3AD203B41FA5}">
-                      <a16:colId xmlns="" xmlns:a16="http://schemas.microsoft.com/office/drawing/2014/main" val="1801000517"/>
+                      <a16:colId xmlns:a16="http://schemas.microsoft.com/office/drawing/2014/main" val="1801000517"/>
                     </a:ext>
                   </a:extLst>
                 </a:gridCol>
                 <a:gridCol w="7701280">
                   <a:extLst>
                     <a:ext uri="{9D8B030D-6E8A-4147-A177-3AD203B41FA5}">
-                      <a16:colId xmlns="" xmlns:a16="http://schemas.microsoft.com/office/drawing/2014/main" val="1657204703"/>
+                      <a16:colId xmlns:a16="http://schemas.microsoft.com/office/drawing/2014/main" val="1657204703"/>
                     </a:ext>
                   </a:extLst>
                 </a:gridCol>
@@ -11471,7 +11595,7 @@
                 </a:tc>
                 <a:extLst>
                   <a:ext uri="{0D108BD9-81ED-4DB2-BD59-A6C34878D82A}">
-                    <a16:rowId xmlns="" xmlns:a16="http://schemas.microsoft.com/office/drawing/2014/main" val="1190365663"/>
+                    <a16:rowId xmlns:a16="http://schemas.microsoft.com/office/drawing/2014/main" val="1190365663"/>
                   </a:ext>
                 </a:extLst>
               </a:tr>
@@ -11510,7 +11634,7 @@
                 </a:tc>
                 <a:extLst>
                   <a:ext uri="{0D108BD9-81ED-4DB2-BD59-A6C34878D82A}">
-                    <a16:rowId xmlns="" xmlns:a16="http://schemas.microsoft.com/office/drawing/2014/main" val="1730090890"/>
+                    <a16:rowId xmlns:a16="http://schemas.microsoft.com/office/drawing/2014/main" val="1730090890"/>
                   </a:ext>
                 </a:extLst>
               </a:tr>
@@ -11577,7 +11701,7 @@
                 </a:tc>
                 <a:extLst>
                   <a:ext uri="{0D108BD9-81ED-4DB2-BD59-A6C34878D82A}">
-                    <a16:rowId xmlns="" xmlns:a16="http://schemas.microsoft.com/office/drawing/2014/main" val="1626348320"/>
+                    <a16:rowId xmlns:a16="http://schemas.microsoft.com/office/drawing/2014/main" val="1626348320"/>
                   </a:ext>
                 </a:extLst>
               </a:tr>
@@ -11627,7 +11751,7 @@
                 </a:tc>
                 <a:extLst>
                   <a:ext uri="{0D108BD9-81ED-4DB2-BD59-A6C34878D82A}">
-                    <a16:rowId xmlns="" xmlns:a16="http://schemas.microsoft.com/office/drawing/2014/main" val="993100956"/>
+                    <a16:rowId xmlns:a16="http://schemas.microsoft.com/office/drawing/2014/main" val="993100956"/>
                   </a:ext>
                 </a:extLst>
               </a:tr>
@@ -11674,7 +11798,7 @@
                 </a:tc>
                 <a:extLst>
                   <a:ext uri="{0D108BD9-81ED-4DB2-BD59-A6C34878D82A}">
-                    <a16:rowId xmlns="" xmlns:a16="http://schemas.microsoft.com/office/drawing/2014/main" val="3588268998"/>
+                    <a16:rowId xmlns:a16="http://schemas.microsoft.com/office/drawing/2014/main" val="3588268998"/>
                   </a:ext>
                 </a:extLst>
               </a:tr>
@@ -11713,7 +11837,7 @@
                 </a:tc>
                 <a:extLst>
                   <a:ext uri="{0D108BD9-81ED-4DB2-BD59-A6C34878D82A}">
-                    <a16:rowId xmlns="" xmlns:a16="http://schemas.microsoft.com/office/drawing/2014/main" val="2826695688"/>
+                    <a16:rowId xmlns:a16="http://schemas.microsoft.com/office/drawing/2014/main" val="2826695688"/>
                   </a:ext>
                 </a:extLst>
               </a:tr>
@@ -12320,28 +12444,28 @@
                 <a:gridCol w="406400">
                   <a:extLst>
                     <a:ext uri="{9D8B030D-6E8A-4147-A177-3AD203B41FA5}">
-                      <a16:colId xmlns="" xmlns:a16="http://schemas.microsoft.com/office/drawing/2014/main" val="1801000517"/>
+                      <a16:colId xmlns:a16="http://schemas.microsoft.com/office/drawing/2014/main" val="1801000517"/>
                     </a:ext>
                   </a:extLst>
                 </a:gridCol>
                 <a:gridCol w="465328">
                   <a:extLst>
                     <a:ext uri="{9D8B030D-6E8A-4147-A177-3AD203B41FA5}">
-                      <a16:colId xmlns="" xmlns:a16="http://schemas.microsoft.com/office/drawing/2014/main" val="1657204703"/>
+                      <a16:colId xmlns:a16="http://schemas.microsoft.com/office/drawing/2014/main" val="1657204703"/>
                     </a:ext>
                   </a:extLst>
                 </a:gridCol>
                 <a:gridCol w="355600">
                   <a:extLst>
                     <a:ext uri="{9D8B030D-6E8A-4147-A177-3AD203B41FA5}">
-                      <a16:colId xmlns="" xmlns:a16="http://schemas.microsoft.com/office/drawing/2014/main" val="2374098939"/>
+                      <a16:colId xmlns:a16="http://schemas.microsoft.com/office/drawing/2014/main" val="2374098939"/>
                     </a:ext>
                   </a:extLst>
                 </a:gridCol>
                 <a:gridCol w="6880352">
                   <a:extLst>
                     <a:ext uri="{9D8B030D-6E8A-4147-A177-3AD203B41FA5}">
-                      <a16:colId xmlns="" xmlns:a16="http://schemas.microsoft.com/office/drawing/2014/main" val="76615332"/>
+                      <a16:colId xmlns:a16="http://schemas.microsoft.com/office/drawing/2014/main" val="76615332"/>
                     </a:ext>
                   </a:extLst>
                 </a:gridCol>
@@ -12399,7 +12523,7 @@
                 </a:tc>
                 <a:extLst>
                   <a:ext uri="{0D108BD9-81ED-4DB2-BD59-A6C34878D82A}">
-                    <a16:rowId xmlns="" xmlns:a16="http://schemas.microsoft.com/office/drawing/2014/main" val="1190365663"/>
+                    <a16:rowId xmlns:a16="http://schemas.microsoft.com/office/drawing/2014/main" val="1190365663"/>
                   </a:ext>
                 </a:extLst>
               </a:tr>
@@ -12458,7 +12582,7 @@
                 </a:tc>
                 <a:extLst>
                   <a:ext uri="{0D108BD9-81ED-4DB2-BD59-A6C34878D82A}">
-                    <a16:rowId xmlns="" xmlns:a16="http://schemas.microsoft.com/office/drawing/2014/main" val="1730090890"/>
+                    <a16:rowId xmlns:a16="http://schemas.microsoft.com/office/drawing/2014/main" val="1730090890"/>
                   </a:ext>
                 </a:extLst>
               </a:tr>
@@ -12530,7 +12654,7 @@
                 </a:tc>
                 <a:extLst>
                   <a:ext uri="{0D108BD9-81ED-4DB2-BD59-A6C34878D82A}">
-                    <a16:rowId xmlns="" xmlns:a16="http://schemas.microsoft.com/office/drawing/2014/main" val="1626348320"/>
+                    <a16:rowId xmlns:a16="http://schemas.microsoft.com/office/drawing/2014/main" val="1626348320"/>
                   </a:ext>
                 </a:extLst>
               </a:tr>
@@ -12606,7 +12730,7 @@
                 </a:tc>
                 <a:extLst>
                   <a:ext uri="{0D108BD9-81ED-4DB2-BD59-A6C34878D82A}">
-                    <a16:rowId xmlns="" xmlns:a16="http://schemas.microsoft.com/office/drawing/2014/main" val="993100956"/>
+                    <a16:rowId xmlns:a16="http://schemas.microsoft.com/office/drawing/2014/main" val="993100956"/>
                   </a:ext>
                 </a:extLst>
               </a:tr>
@@ -12669,7 +12793,7 @@
                 </a:tc>
                 <a:extLst>
                   <a:ext uri="{0D108BD9-81ED-4DB2-BD59-A6C34878D82A}">
-                    <a16:rowId xmlns="" xmlns:a16="http://schemas.microsoft.com/office/drawing/2014/main" val="3588268998"/>
+                    <a16:rowId xmlns:a16="http://schemas.microsoft.com/office/drawing/2014/main" val="3588268998"/>
                   </a:ext>
                 </a:extLst>
               </a:tr>
@@ -12724,7 +12848,7 @@
                 </a:tc>
                 <a:extLst>
                   <a:ext uri="{0D108BD9-81ED-4DB2-BD59-A6C34878D82A}">
-                    <a16:rowId xmlns="" xmlns:a16="http://schemas.microsoft.com/office/drawing/2014/main" val="2137013417"/>
+                    <a16:rowId xmlns:a16="http://schemas.microsoft.com/office/drawing/2014/main" val="2137013417"/>
                   </a:ext>
                 </a:extLst>
               </a:tr>
@@ -12779,7 +12903,7 @@
                 </a:tc>
                 <a:extLst>
                   <a:ext uri="{0D108BD9-81ED-4DB2-BD59-A6C34878D82A}">
-                    <a16:rowId xmlns="" xmlns:a16="http://schemas.microsoft.com/office/drawing/2014/main" val="3367745634"/>
+                    <a16:rowId xmlns:a16="http://schemas.microsoft.com/office/drawing/2014/main" val="3367745634"/>
                   </a:ext>
                 </a:extLst>
               </a:tr>
@@ -12834,7 +12958,7 @@
                 </a:tc>
                 <a:extLst>
                   <a:ext uri="{0D108BD9-81ED-4DB2-BD59-A6C34878D82A}">
-                    <a16:rowId xmlns="" xmlns:a16="http://schemas.microsoft.com/office/drawing/2014/main" val="2048022435"/>
+                    <a16:rowId xmlns:a16="http://schemas.microsoft.com/office/drawing/2014/main" val="2048022435"/>
                   </a:ext>
                 </a:extLst>
               </a:tr>
@@ -12893,7 +13017,7 @@
                 </a:tc>
                 <a:extLst>
                   <a:ext uri="{0D108BD9-81ED-4DB2-BD59-A6C34878D82A}">
-                    <a16:rowId xmlns="" xmlns:a16="http://schemas.microsoft.com/office/drawing/2014/main" val="2826695688"/>
+                    <a16:rowId xmlns:a16="http://schemas.microsoft.com/office/drawing/2014/main" val="2826695688"/>
                   </a:ext>
                 </a:extLst>
               </a:tr>
